--- a/Documentation/student_risk_presentation.pptx
+++ b/Documentation/student_risk_presentation.pptx
@@ -16134,7 +16134,7 @@
                 <a16:creationId xmlns:a16="http://schemas.microsoft.com/office/drawing/2014/main" id="{6BDBA639-2A71-4A60-A71A-FF1836F546CE}"/>
               </a:ext>
               <a:ext uri="{C183D7F6-B498-43B3-948B-1728B52AA6E4}">
-                <adec:decorative xmlns="" xmlns:adec="http://schemas.microsoft.com/office/drawing/2017/decorative" val="1"/>
+                <adec:decorative xmlns:adec="http://schemas.microsoft.com/office/drawing/2017/decorative" xmlns="" val="1"/>
               </a:ext>
             </a:extLst>
           </p:cNvPr>
@@ -16194,7 +16194,7 @@
                 <a16:creationId xmlns:a16="http://schemas.microsoft.com/office/drawing/2014/main" id="{5E208A8B-5EBD-4532-BE72-26414FA7CFF6}"/>
               </a:ext>
               <a:ext uri="{C183D7F6-B498-43B3-948B-1728B52AA6E4}">
-                <adec:decorative xmlns="" xmlns:adec="http://schemas.microsoft.com/office/drawing/2017/decorative" val="1"/>
+                <adec:decorative xmlns:adec="http://schemas.microsoft.com/office/drawing/2017/decorative" xmlns="" val="1"/>
               </a:ext>
             </a:extLst>
           </p:cNvPr>
@@ -16225,7 +16225,7 @@
                   <a16:creationId xmlns:a16="http://schemas.microsoft.com/office/drawing/2014/main" id="{15D09196-B338-4AB5-A71B-CFD5FFCA62BA}"/>
                 </a:ext>
                 <a:ext uri="{C183D7F6-B498-43B3-948B-1728B52AA6E4}">
-                  <adec:decorative xmlns="" xmlns:adec="http://schemas.microsoft.com/office/drawing/2017/decorative" val="1"/>
+                  <adec:decorative xmlns:adec="http://schemas.microsoft.com/office/drawing/2017/decorative" xmlns="" val="1"/>
                 </a:ext>
               </a:extLst>
             </p:cNvPr>
@@ -16308,7 +16308,7 @@
                   <a16:creationId xmlns:a16="http://schemas.microsoft.com/office/drawing/2014/main" id="{F50B4463-128A-4677-A285-C017E6C543E0}"/>
                 </a:ext>
                 <a:ext uri="{C183D7F6-B498-43B3-948B-1728B52AA6E4}">
-                  <adec:decorative xmlns="" xmlns:adec="http://schemas.microsoft.com/office/drawing/2017/decorative" val="1"/>
+                  <adec:decorative xmlns:adec="http://schemas.microsoft.com/office/drawing/2017/decorative" xmlns="" val="1"/>
                 </a:ext>
               </a:extLst>
             </p:cNvPr>
@@ -16391,7 +16391,7 @@
                   <a16:creationId xmlns:a16="http://schemas.microsoft.com/office/drawing/2014/main" id="{1D9B95CD-F023-4DFA-9678-1E02713F74B7}"/>
                 </a:ext>
                 <a:ext uri="{C183D7F6-B498-43B3-948B-1728B52AA6E4}">
-                  <adec:decorative xmlns="" xmlns:adec="http://schemas.microsoft.com/office/drawing/2017/decorative" val="1"/>
+                  <adec:decorative xmlns:adec="http://schemas.microsoft.com/office/drawing/2017/decorative" xmlns="" val="1"/>
                 </a:ext>
               </a:extLst>
             </p:cNvPr>
@@ -16479,7 +16479,7 @@
                   <a16:creationId xmlns:a16="http://schemas.microsoft.com/office/drawing/2014/main" id="{1DDF47A8-BE7B-43F3-A500-F5A4656D83BE}"/>
                 </a:ext>
                 <a:ext uri="{C183D7F6-B498-43B3-948B-1728B52AA6E4}">
-                  <adec:decorative xmlns="" xmlns:adec="http://schemas.microsoft.com/office/drawing/2017/decorative" val="1"/>
+                  <adec:decorative xmlns:adec="http://schemas.microsoft.com/office/drawing/2017/decorative" xmlns="" val="1"/>
                 </a:ext>
               </a:extLst>
             </p:cNvPr>
@@ -16557,7 +16557,7 @@
                   <a16:creationId xmlns:a16="http://schemas.microsoft.com/office/drawing/2014/main" id="{2DD394DE-76FB-42F8-85F2-FD436F423263}"/>
                 </a:ext>
                 <a:ext uri="{C183D7F6-B498-43B3-948B-1728B52AA6E4}">
-                  <adec:decorative xmlns="" xmlns:adec="http://schemas.microsoft.com/office/drawing/2017/decorative" val="1"/>
+                  <adec:decorative xmlns:adec="http://schemas.microsoft.com/office/drawing/2017/decorative" xmlns="" val="1"/>
                 </a:ext>
               </a:extLst>
             </p:cNvPr>
@@ -16625,7 +16625,7 @@
                   <a16:creationId xmlns:a16="http://schemas.microsoft.com/office/drawing/2014/main" id="{B95F2EFB-87E6-4400-AAF3-7EB8B4F1561C}"/>
                 </a:ext>
                 <a:ext uri="{C183D7F6-B498-43B3-948B-1728B52AA6E4}">
-                  <adec:decorative xmlns="" xmlns:adec="http://schemas.microsoft.com/office/drawing/2017/decorative" val="1"/>
+                  <adec:decorative xmlns:adec="http://schemas.microsoft.com/office/drawing/2017/decorative" xmlns="" val="1"/>
                 </a:ext>
               </a:extLst>
             </p:cNvPr>
@@ -16703,7 +16703,7 @@
                   <a16:creationId xmlns:a16="http://schemas.microsoft.com/office/drawing/2014/main" id="{1D463476-2BC7-418C-9D6F-51444B11A722}"/>
                 </a:ext>
                 <a:ext uri="{C183D7F6-B498-43B3-948B-1728B52AA6E4}">
-                  <adec:decorative xmlns="" xmlns:adec="http://schemas.microsoft.com/office/drawing/2017/decorative" val="1"/>
+                  <adec:decorative xmlns:adec="http://schemas.microsoft.com/office/drawing/2017/decorative" xmlns="" val="1"/>
                 </a:ext>
               </a:extLst>
             </p:cNvPr>
@@ -16776,7 +16776,7 @@
                   <a16:creationId xmlns:a16="http://schemas.microsoft.com/office/drawing/2014/main" id="{24011122-2495-478A-81BF-ABBDEA1DA803}"/>
                 </a:ext>
                 <a:ext uri="{C183D7F6-B498-43B3-948B-1728B52AA6E4}">
-                  <adec:decorative xmlns="" xmlns:adec="http://schemas.microsoft.com/office/drawing/2017/decorative" val="1"/>
+                  <adec:decorative xmlns:adec="http://schemas.microsoft.com/office/drawing/2017/decorative" xmlns="" val="1"/>
                 </a:ext>
               </a:extLst>
             </p:cNvPr>
@@ -16844,7 +16844,7 @@
                   <a16:creationId xmlns:a16="http://schemas.microsoft.com/office/drawing/2014/main" id="{C79E87C5-E5B3-476B-B539-FC9CF4A33B72}"/>
                 </a:ext>
                 <a:ext uri="{C183D7F6-B498-43B3-948B-1728B52AA6E4}">
-                  <adec:decorative xmlns="" xmlns:adec="http://schemas.microsoft.com/office/drawing/2017/decorative" val="1"/>
+                  <adec:decorative xmlns:adec="http://schemas.microsoft.com/office/drawing/2017/decorative" xmlns="" val="1"/>
                 </a:ext>
               </a:extLst>
             </p:cNvPr>
@@ -16917,7 +16917,7 @@
                   <a16:creationId xmlns:a16="http://schemas.microsoft.com/office/drawing/2014/main" id="{956029CA-2B38-434D-9044-5FF3A1ECD17D}"/>
                 </a:ext>
                 <a:ext uri="{C183D7F6-B498-43B3-948B-1728B52AA6E4}">
-                  <adec:decorative xmlns="" xmlns:adec="http://schemas.microsoft.com/office/drawing/2017/decorative" val="1"/>
+                  <adec:decorative xmlns:adec="http://schemas.microsoft.com/office/drawing/2017/decorative" xmlns="" val="1"/>
                 </a:ext>
               </a:extLst>
             </p:cNvPr>
@@ -16985,7 +16985,7 @@
                   <a16:creationId xmlns:a16="http://schemas.microsoft.com/office/drawing/2014/main" id="{9514CFB6-E8DB-43DC-B1CD-9CC2D4B27647}"/>
                 </a:ext>
                 <a:ext uri="{C183D7F6-B498-43B3-948B-1728B52AA6E4}">
-                  <adec:decorative xmlns="" xmlns:adec="http://schemas.microsoft.com/office/drawing/2017/decorative" val="1"/>
+                  <adec:decorative xmlns:adec="http://schemas.microsoft.com/office/drawing/2017/decorative" xmlns="" val="1"/>
                 </a:ext>
               </a:extLst>
             </p:cNvPr>
@@ -17058,7 +17058,7 @@
                   <a16:creationId xmlns:a16="http://schemas.microsoft.com/office/drawing/2014/main" id="{BD8C1FC8-E550-45BE-9F30-822BAB3781EE}"/>
                 </a:ext>
                 <a:ext uri="{C183D7F6-B498-43B3-948B-1728B52AA6E4}">
-                  <adec:decorative xmlns="" xmlns:adec="http://schemas.microsoft.com/office/drawing/2017/decorative" val="1"/>
+                  <adec:decorative xmlns:adec="http://schemas.microsoft.com/office/drawing/2017/decorative" xmlns="" val="1"/>
                 </a:ext>
               </a:extLst>
             </p:cNvPr>
@@ -17126,7 +17126,7 @@
                   <a16:creationId xmlns:a16="http://schemas.microsoft.com/office/drawing/2014/main" id="{D1646B5D-A7B7-41EC-9591-0E0C0F4F949D}"/>
                 </a:ext>
                 <a:ext uri="{C183D7F6-B498-43B3-948B-1728B52AA6E4}">
-                  <adec:decorative xmlns="" xmlns:adec="http://schemas.microsoft.com/office/drawing/2017/decorative" val="1"/>
+                  <adec:decorative xmlns:adec="http://schemas.microsoft.com/office/drawing/2017/decorative" xmlns="" val="1"/>
                 </a:ext>
               </a:extLst>
             </p:cNvPr>
@@ -17199,7 +17199,7 @@
                   <a16:creationId xmlns:a16="http://schemas.microsoft.com/office/drawing/2014/main" id="{E2118E93-481E-4843-987E-378187AA37EF}"/>
                 </a:ext>
                 <a:ext uri="{C183D7F6-B498-43B3-948B-1728B52AA6E4}">
-                  <adec:decorative xmlns="" xmlns:adec="http://schemas.microsoft.com/office/drawing/2017/decorative" val="1"/>
+                  <adec:decorative xmlns:adec="http://schemas.microsoft.com/office/drawing/2017/decorative" xmlns="" val="1"/>
                 </a:ext>
               </a:extLst>
             </p:cNvPr>
@@ -17272,7 +17272,7 @@
                   <a16:creationId xmlns:a16="http://schemas.microsoft.com/office/drawing/2014/main" id="{77038464-F4E2-47EC-A87F-18469191E3AB}"/>
                 </a:ext>
                 <a:ext uri="{C183D7F6-B498-43B3-948B-1728B52AA6E4}">
-                  <adec:decorative xmlns="" xmlns:adec="http://schemas.microsoft.com/office/drawing/2017/decorative" val="1"/>
+                  <adec:decorative xmlns:adec="http://schemas.microsoft.com/office/drawing/2017/decorative" xmlns="" val="1"/>
                 </a:ext>
               </a:extLst>
             </p:cNvPr>
@@ -17345,7 +17345,7 @@
                   <a16:creationId xmlns:a16="http://schemas.microsoft.com/office/drawing/2014/main" id="{FB3BBEB1-E146-408F-95B7-EE2F269DE19E}"/>
                 </a:ext>
                 <a:ext uri="{C183D7F6-B498-43B3-948B-1728B52AA6E4}">
-                  <adec:decorative xmlns="" xmlns:adec="http://schemas.microsoft.com/office/drawing/2017/decorative" val="1"/>
+                  <adec:decorative xmlns:adec="http://schemas.microsoft.com/office/drawing/2017/decorative" xmlns="" val="1"/>
                 </a:ext>
               </a:extLst>
             </p:cNvPr>
@@ -17413,7 +17413,7 @@
                   <a16:creationId xmlns:a16="http://schemas.microsoft.com/office/drawing/2014/main" id="{C765B285-56EC-47FC-B116-274EBBD61ADC}"/>
                 </a:ext>
                 <a:ext uri="{C183D7F6-B498-43B3-948B-1728B52AA6E4}">
-                  <adec:decorative xmlns="" xmlns:adec="http://schemas.microsoft.com/office/drawing/2017/decorative" val="1"/>
+                  <adec:decorative xmlns:adec="http://schemas.microsoft.com/office/drawing/2017/decorative" xmlns="" val="1"/>
                 </a:ext>
               </a:extLst>
             </p:cNvPr>
@@ -17481,7 +17481,7 @@
                   <a16:creationId xmlns:a16="http://schemas.microsoft.com/office/drawing/2014/main" id="{CB4A6191-6913-42EA-905E-8A174AE2C994}"/>
                 </a:ext>
                 <a:ext uri="{C183D7F6-B498-43B3-948B-1728B52AA6E4}">
-                  <adec:decorative xmlns="" xmlns:adec="http://schemas.microsoft.com/office/drawing/2017/decorative" val="1"/>
+                  <adec:decorative xmlns:adec="http://schemas.microsoft.com/office/drawing/2017/decorative" xmlns="" val="1"/>
                 </a:ext>
               </a:extLst>
             </p:cNvPr>
@@ -17549,7 +17549,7 @@
                   <a16:creationId xmlns:a16="http://schemas.microsoft.com/office/drawing/2014/main" id="{8ADEEF92-F481-475A-845C-5E940F0D5594}"/>
                 </a:ext>
                 <a:ext uri="{C183D7F6-B498-43B3-948B-1728B52AA6E4}">
-                  <adec:decorative xmlns="" xmlns:adec="http://schemas.microsoft.com/office/drawing/2017/decorative" val="1"/>
+                  <adec:decorative xmlns:adec="http://schemas.microsoft.com/office/drawing/2017/decorative" xmlns="" val="1"/>
                 </a:ext>
               </a:extLst>
             </p:cNvPr>
@@ -17618,7 +17618,7 @@
                 <a16:creationId xmlns:a16="http://schemas.microsoft.com/office/drawing/2014/main" id="{D9C506D7-84CB-4057-A44A-465313E78538}"/>
               </a:ext>
               <a:ext uri="{C183D7F6-B498-43B3-948B-1728B52AA6E4}">
-                <adec:decorative xmlns="" xmlns:adec="http://schemas.microsoft.com/office/drawing/2017/decorative" val="1"/>
+                <adec:decorative xmlns:adec="http://schemas.microsoft.com/office/drawing/2017/decorative" xmlns="" val="1"/>
               </a:ext>
             </a:extLst>
           </p:cNvPr>
@@ -17789,7 +17789,7 @@
                 <a16:creationId xmlns:a16="http://schemas.microsoft.com/office/drawing/2014/main" id="{7842FC68-61FD-4700-8A22-BB8B071884DB}"/>
               </a:ext>
               <a:ext uri="{C183D7F6-B498-43B3-948B-1728B52AA6E4}">
-                <adec:decorative xmlns="" xmlns:adec="http://schemas.microsoft.com/office/drawing/2017/decorative" val="1"/>
+                <adec:decorative xmlns:adec="http://schemas.microsoft.com/office/drawing/2017/decorative" xmlns="" val="1"/>
               </a:ext>
             </a:extLst>
           </p:cNvPr>
@@ -18194,7 +18194,7 @@
                 <a16:creationId xmlns:a16="http://schemas.microsoft.com/office/drawing/2014/main" id="{90F08744-9D7B-4693-B8D6-2A5210AE96F6}"/>
               </a:ext>
               <a:ext uri="{C183D7F6-B498-43B3-948B-1728B52AA6E4}">
-                <adec:decorative xmlns="" xmlns:adec="http://schemas.microsoft.com/office/drawing/2017/decorative" val="1"/>
+                <adec:decorative xmlns:adec="http://schemas.microsoft.com/office/drawing/2017/decorative" xmlns="" val="1"/>
               </a:ext>
             </a:extLst>
           </p:cNvPr>
@@ -18257,7 +18257,7 @@
                 <a16:creationId xmlns:a16="http://schemas.microsoft.com/office/drawing/2014/main" id="{5B2E630F-F386-44FA-B1A1-C10A9BF4346C}"/>
               </a:ext>
               <a:ext uri="{C183D7F6-B498-43B3-948B-1728B52AA6E4}">
-                <adec:decorative xmlns="" xmlns:adec="http://schemas.microsoft.com/office/drawing/2017/decorative" val="1"/>
+                <adec:decorative xmlns:adec="http://schemas.microsoft.com/office/drawing/2017/decorative" xmlns="" val="1"/>
               </a:ext>
             </a:extLst>
           </p:cNvPr>
@@ -18519,7 +18519,7 @@
                 <a16:creationId xmlns:a16="http://schemas.microsoft.com/office/drawing/2014/main" id="{73567C09-8B4D-49A6-A711-C44C5807D8DD}"/>
               </a:ext>
               <a:ext uri="{C183D7F6-B498-43B3-948B-1728B52AA6E4}">
-                <adec:decorative xmlns="" xmlns:adec="http://schemas.microsoft.com/office/drawing/2017/decorative" val="1"/>
+                <adec:decorative xmlns:adec="http://schemas.microsoft.com/office/drawing/2017/decorative" xmlns="" val="1"/>
               </a:ext>
             </a:extLst>
           </p:cNvPr>
@@ -18791,7 +18791,7 @@
         </p:spPr>
         <p:txBody>
           <a:bodyPr>
-            <a:normAutofit lnSpcReduction="10000"/>
+            <a:normAutofit fontScale="92500" lnSpcReduction="10000"/>
           </a:bodyPr>
           <a:lstStyle/>
           <a:p>
@@ -18850,11 +18850,7 @@
             </a:r>
             <a:r>
               <a:rPr lang="en-US" dirty="0" smtClean="0"/>
-              <a:t>predict </a:t>
-            </a:r>
-            <a:r>
-              <a:rPr lang="en-US" dirty="0" smtClean="0"/>
-              <a:t>the </a:t>
+              <a:t>predict the </a:t>
             </a:r>
             <a:r>
               <a:rPr lang="en-US" dirty="0"/>
@@ -18905,7 +18901,15 @@
             </a:pPr>
             <a:r>
               <a:rPr lang="en-US" dirty="0" smtClean="0"/>
-              <a:t>For our proof of concept, the population of interest is first-time, first-year freshmen in the current academic year.</a:t>
+              <a:t>For our proof of concept, the population of interest is </a:t>
+            </a:r>
+            <a:r>
+              <a:rPr lang="en-US" dirty="0" smtClean="0"/>
+              <a:t>         first-time</a:t>
+            </a:r>
+            <a:r>
+              <a:rPr lang="en-US" dirty="0" smtClean="0"/>
+              <a:t>, first-year freshmen in the current academic year.</a:t>
             </a:r>
           </a:p>
         </p:txBody>
@@ -20657,7 +20661,7 @@
                 <a16:creationId xmlns:a16="http://schemas.microsoft.com/office/drawing/2014/main" id="{10CE3618-1D7A-4256-B2AF-9DB692996C65}"/>
               </a:ext>
               <a:ext uri="{C183D7F6-B498-43B3-948B-1728B52AA6E4}">
-                <adec:decorative xmlns="" xmlns:adec="http://schemas.microsoft.com/office/drawing/2017/decorative" val="1"/>
+                <adec:decorative xmlns:adec="http://schemas.microsoft.com/office/drawing/2017/decorative" xmlns="" val="1"/>
               </a:ext>
             </a:extLst>
           </p:cNvPr>
@@ -20717,7 +20721,7 @@
                 <a16:creationId xmlns:a16="http://schemas.microsoft.com/office/drawing/2014/main" id="{D91A9185-A7D5-460B-98BC-0BF2EBD3EEBE}"/>
               </a:ext>
               <a:ext uri="{C183D7F6-B498-43B3-948B-1728B52AA6E4}">
-                <adec:decorative xmlns="" xmlns:adec="http://schemas.microsoft.com/office/drawing/2017/decorative" val="1"/>
+                <adec:decorative xmlns:adec="http://schemas.microsoft.com/office/drawing/2017/decorative" xmlns="" val="1"/>
               </a:ext>
             </a:extLst>
           </p:cNvPr>
@@ -20748,7 +20752,7 @@
                   <a16:creationId xmlns:a16="http://schemas.microsoft.com/office/drawing/2014/main" id="{8AFC1764-6516-4F77-BF30-B8ADB3C9F499}"/>
                 </a:ext>
                 <a:ext uri="{C183D7F6-B498-43B3-948B-1728B52AA6E4}">
-                  <adec:decorative xmlns="" xmlns:adec="http://schemas.microsoft.com/office/drawing/2017/decorative" val="1"/>
+                  <adec:decorative xmlns:adec="http://schemas.microsoft.com/office/drawing/2017/decorative" xmlns="" val="1"/>
                 </a:ext>
               </a:extLst>
             </p:cNvPr>
@@ -20831,7 +20835,7 @@
                   <a16:creationId xmlns:a16="http://schemas.microsoft.com/office/drawing/2014/main" id="{FCAFF9F9-F806-47EC-BCAC-9921E719FF2A}"/>
                 </a:ext>
                 <a:ext uri="{C183D7F6-B498-43B3-948B-1728B52AA6E4}">
-                  <adec:decorative xmlns="" xmlns:adec="http://schemas.microsoft.com/office/drawing/2017/decorative" val="1"/>
+                  <adec:decorative xmlns:adec="http://schemas.microsoft.com/office/drawing/2017/decorative" xmlns="" val="1"/>
                 </a:ext>
               </a:extLst>
             </p:cNvPr>
@@ -20921,7 +20925,7 @@
                   <a16:creationId xmlns:a16="http://schemas.microsoft.com/office/drawing/2014/main" id="{09D92491-36BD-4861-BA54-DD88E608988E}"/>
                 </a:ext>
                 <a:ext uri="{C183D7F6-B498-43B3-948B-1728B52AA6E4}">
-                  <adec:decorative xmlns="" xmlns:adec="http://schemas.microsoft.com/office/drawing/2017/decorative" val="1"/>
+                  <adec:decorative xmlns:adec="http://schemas.microsoft.com/office/drawing/2017/decorative" xmlns="" val="1"/>
                 </a:ext>
               </a:extLst>
             </p:cNvPr>
@@ -21009,7 +21013,7 @@
                   <a16:creationId xmlns:a16="http://schemas.microsoft.com/office/drawing/2014/main" id="{23740E15-AB86-4E5C-A137-07E0DDC03548}"/>
                 </a:ext>
                 <a:ext uri="{C183D7F6-B498-43B3-948B-1728B52AA6E4}">
-                  <adec:decorative xmlns="" xmlns:adec="http://schemas.microsoft.com/office/drawing/2017/decorative" val="1"/>
+                  <adec:decorative xmlns:adec="http://schemas.microsoft.com/office/drawing/2017/decorative" xmlns="" val="1"/>
                 </a:ext>
               </a:extLst>
             </p:cNvPr>
@@ -21087,7 +21091,7 @@
                   <a16:creationId xmlns:a16="http://schemas.microsoft.com/office/drawing/2014/main" id="{BE097852-1F54-4EF0-A1BE-561272FCD6D7}"/>
                 </a:ext>
                 <a:ext uri="{C183D7F6-B498-43B3-948B-1728B52AA6E4}">
-                  <adec:decorative xmlns="" xmlns:adec="http://schemas.microsoft.com/office/drawing/2017/decorative" val="1"/>
+                  <adec:decorative xmlns:adec="http://schemas.microsoft.com/office/drawing/2017/decorative" xmlns="" val="1"/>
                 </a:ext>
               </a:extLst>
             </p:cNvPr>
@@ -21155,7 +21159,7 @@
                   <a16:creationId xmlns:a16="http://schemas.microsoft.com/office/drawing/2014/main" id="{5C2DF1F9-21CC-430E-84C8-356C73C6FD38}"/>
                 </a:ext>
                 <a:ext uri="{C183D7F6-B498-43B3-948B-1728B52AA6E4}">
-                  <adec:decorative xmlns="" xmlns:adec="http://schemas.microsoft.com/office/drawing/2017/decorative" val="1"/>
+                  <adec:decorative xmlns:adec="http://schemas.microsoft.com/office/drawing/2017/decorative" xmlns="" val="1"/>
                 </a:ext>
               </a:extLst>
             </p:cNvPr>
@@ -21233,7 +21237,7 @@
                   <a16:creationId xmlns:a16="http://schemas.microsoft.com/office/drawing/2014/main" id="{7F11B45B-3EDE-4B6A-903B-0AE6E9DDF415}"/>
                 </a:ext>
                 <a:ext uri="{C183D7F6-B498-43B3-948B-1728B52AA6E4}">
-                  <adec:decorative xmlns="" xmlns:adec="http://schemas.microsoft.com/office/drawing/2017/decorative" val="1"/>
+                  <adec:decorative xmlns:adec="http://schemas.microsoft.com/office/drawing/2017/decorative" xmlns="" val="1"/>
                 </a:ext>
               </a:extLst>
             </p:cNvPr>
@@ -21306,7 +21310,7 @@
                   <a16:creationId xmlns:a16="http://schemas.microsoft.com/office/drawing/2014/main" id="{F77FDDC5-477E-420D-B98F-42ABA24772F8}"/>
                 </a:ext>
                 <a:ext uri="{C183D7F6-B498-43B3-948B-1728B52AA6E4}">
-                  <adec:decorative xmlns="" xmlns:adec="http://schemas.microsoft.com/office/drawing/2017/decorative" val="1"/>
+                  <adec:decorative xmlns:adec="http://schemas.microsoft.com/office/drawing/2017/decorative" xmlns="" val="1"/>
                 </a:ext>
               </a:extLst>
             </p:cNvPr>
@@ -21374,7 +21378,7 @@
                   <a16:creationId xmlns:a16="http://schemas.microsoft.com/office/drawing/2014/main" id="{A92C0474-B573-45C5-84C5-194CE1715FE2}"/>
                 </a:ext>
                 <a:ext uri="{C183D7F6-B498-43B3-948B-1728B52AA6E4}">
-                  <adec:decorative xmlns="" xmlns:adec="http://schemas.microsoft.com/office/drawing/2017/decorative" val="1"/>
+                  <adec:decorative xmlns:adec="http://schemas.microsoft.com/office/drawing/2017/decorative" xmlns="" val="1"/>
                 </a:ext>
               </a:extLst>
             </p:cNvPr>
@@ -21447,7 +21451,7 @@
                   <a16:creationId xmlns:a16="http://schemas.microsoft.com/office/drawing/2014/main" id="{2FBC62F8-64D0-4025-99AE-A04E291D90EA}"/>
                 </a:ext>
                 <a:ext uri="{C183D7F6-B498-43B3-948B-1728B52AA6E4}">
-                  <adec:decorative xmlns="" xmlns:adec="http://schemas.microsoft.com/office/drawing/2017/decorative" val="1"/>
+                  <adec:decorative xmlns:adec="http://schemas.microsoft.com/office/drawing/2017/decorative" xmlns="" val="1"/>
                 </a:ext>
               </a:extLst>
             </p:cNvPr>
@@ -21515,7 +21519,7 @@
                   <a16:creationId xmlns:a16="http://schemas.microsoft.com/office/drawing/2014/main" id="{7632F945-80B5-4575-A538-29495BF8F258}"/>
                 </a:ext>
                 <a:ext uri="{C183D7F6-B498-43B3-948B-1728B52AA6E4}">
-                  <adec:decorative xmlns="" xmlns:adec="http://schemas.microsoft.com/office/drawing/2017/decorative" val="1"/>
+                  <adec:decorative xmlns:adec="http://schemas.microsoft.com/office/drawing/2017/decorative" xmlns="" val="1"/>
                 </a:ext>
               </a:extLst>
             </p:cNvPr>
@@ -21588,7 +21592,7 @@
                   <a16:creationId xmlns:a16="http://schemas.microsoft.com/office/drawing/2014/main" id="{5562CC17-43D4-4E57-AE08-83952EE59D5A}"/>
                 </a:ext>
                 <a:ext uri="{C183D7F6-B498-43B3-948B-1728B52AA6E4}">
-                  <adec:decorative xmlns="" xmlns:adec="http://schemas.microsoft.com/office/drawing/2017/decorative" val="1"/>
+                  <adec:decorative xmlns:adec="http://schemas.microsoft.com/office/drawing/2017/decorative" xmlns="" val="1"/>
                 </a:ext>
               </a:extLst>
             </p:cNvPr>
@@ -21656,7 +21660,7 @@
                   <a16:creationId xmlns:a16="http://schemas.microsoft.com/office/drawing/2014/main" id="{E1D78CFE-04CA-4101-AFCF-196940B2D137}"/>
                 </a:ext>
                 <a:ext uri="{C183D7F6-B498-43B3-948B-1728B52AA6E4}">
-                  <adec:decorative xmlns="" xmlns:adec="http://schemas.microsoft.com/office/drawing/2017/decorative" val="1"/>
+                  <adec:decorative xmlns:adec="http://schemas.microsoft.com/office/drawing/2017/decorative" xmlns="" val="1"/>
                 </a:ext>
               </a:extLst>
             </p:cNvPr>
@@ -21729,7 +21733,7 @@
                   <a16:creationId xmlns:a16="http://schemas.microsoft.com/office/drawing/2014/main" id="{41F2A149-A64E-4690-B049-18C156A8E206}"/>
                 </a:ext>
                 <a:ext uri="{C183D7F6-B498-43B3-948B-1728B52AA6E4}">
-                  <adec:decorative xmlns="" xmlns:adec="http://schemas.microsoft.com/office/drawing/2017/decorative" val="1"/>
+                  <adec:decorative xmlns:adec="http://schemas.microsoft.com/office/drawing/2017/decorative" xmlns="" val="1"/>
                 </a:ext>
               </a:extLst>
             </p:cNvPr>
@@ -21802,7 +21806,7 @@
                   <a16:creationId xmlns:a16="http://schemas.microsoft.com/office/drawing/2014/main" id="{D9313C72-D62D-4416-A6AE-7EB7D6B54A58}"/>
                 </a:ext>
                 <a:ext uri="{C183D7F6-B498-43B3-948B-1728B52AA6E4}">
-                  <adec:decorative xmlns="" xmlns:adec="http://schemas.microsoft.com/office/drawing/2017/decorative" val="1"/>
+                  <adec:decorative xmlns:adec="http://schemas.microsoft.com/office/drawing/2017/decorative" xmlns="" val="1"/>
                 </a:ext>
               </a:extLst>
             </p:cNvPr>
@@ -21875,7 +21879,7 @@
                   <a16:creationId xmlns:a16="http://schemas.microsoft.com/office/drawing/2014/main" id="{77B03BEA-76E5-4ECB-B9BB-D89D27509EFD}"/>
                 </a:ext>
                 <a:ext uri="{C183D7F6-B498-43B3-948B-1728B52AA6E4}">
-                  <adec:decorative xmlns="" xmlns:adec="http://schemas.microsoft.com/office/drawing/2017/decorative" val="1"/>
+                  <adec:decorative xmlns:adec="http://schemas.microsoft.com/office/drawing/2017/decorative" xmlns="" val="1"/>
                 </a:ext>
               </a:extLst>
             </p:cNvPr>
@@ -21943,7 +21947,7 @@
                   <a16:creationId xmlns:a16="http://schemas.microsoft.com/office/drawing/2014/main" id="{6AF6BECE-416D-4C3A-AD6F-68B08F3CA751}"/>
                 </a:ext>
                 <a:ext uri="{C183D7F6-B498-43B3-948B-1728B52AA6E4}">
-                  <adec:decorative xmlns="" xmlns:adec="http://schemas.microsoft.com/office/drawing/2017/decorative" val="1"/>
+                  <adec:decorative xmlns:adec="http://schemas.microsoft.com/office/drawing/2017/decorative" xmlns="" val="1"/>
                 </a:ext>
               </a:extLst>
             </p:cNvPr>
@@ -22011,7 +22015,7 @@
                   <a16:creationId xmlns:a16="http://schemas.microsoft.com/office/drawing/2014/main" id="{B9197E2A-A098-480D-A2A6-3F3B889EDAEE}"/>
                 </a:ext>
                 <a:ext uri="{C183D7F6-B498-43B3-948B-1728B52AA6E4}">
-                  <adec:decorative xmlns="" xmlns:adec="http://schemas.microsoft.com/office/drawing/2017/decorative" val="1"/>
+                  <adec:decorative xmlns:adec="http://schemas.microsoft.com/office/drawing/2017/decorative" xmlns="" val="1"/>
                 </a:ext>
               </a:extLst>
             </p:cNvPr>
@@ -22079,7 +22083,7 @@
                   <a16:creationId xmlns:a16="http://schemas.microsoft.com/office/drawing/2014/main" id="{5A493EDB-6C9E-483F-86A6-0F473E5908D5}"/>
                 </a:ext>
                 <a:ext uri="{C183D7F6-B498-43B3-948B-1728B52AA6E4}">
-                  <adec:decorative xmlns="" xmlns:adec="http://schemas.microsoft.com/office/drawing/2017/decorative" val="1"/>
+                  <adec:decorative xmlns:adec="http://schemas.microsoft.com/office/drawing/2017/decorative" xmlns="" val="1"/>
                 </a:ext>
               </a:extLst>
             </p:cNvPr>
@@ -22148,7 +22152,7 @@
                 <a16:creationId xmlns:a16="http://schemas.microsoft.com/office/drawing/2014/main" id="{3F39476B-1A6D-47CB-AC7A-FB87EF003323}"/>
               </a:ext>
               <a:ext uri="{C183D7F6-B498-43B3-948B-1728B52AA6E4}">
-                <adec:decorative xmlns="" xmlns:adec="http://schemas.microsoft.com/office/drawing/2017/decorative" val="1"/>
+                <adec:decorative xmlns:adec="http://schemas.microsoft.com/office/drawing/2017/decorative" xmlns="" val="1"/>
               </a:ext>
             </a:extLst>
           </p:cNvPr>
@@ -24904,19 +24908,7 @@
               <a:rPr lang="en-US" dirty="0" smtClean="0">
                 <a:latin typeface="Bahnschrift Light Condensed" panose="020B0502040204020203" pitchFamily="34" charset="0"/>
               </a:rPr>
-              <a:t>MLP, LIME, </a:t>
-            </a:r>
-            <a:r>
-              <a:rPr lang="en-US" dirty="0" smtClean="0">
-                <a:latin typeface="Bahnschrift Light Condensed" panose="020B0502040204020203" pitchFamily="34" charset="0"/>
-              </a:rPr>
-              <a:t>new variables, </a:t>
-            </a:r>
-            <a:r>
-              <a:rPr lang="en-US" dirty="0" smtClean="0">
-                <a:latin typeface="Bahnschrift Light Condensed" panose="020B0502040204020203" pitchFamily="34" charset="0"/>
-              </a:rPr>
-              <a:t>and the unknowns</a:t>
+              <a:t>MLP, LIME, new variables, and the unknowns</a:t>
             </a:r>
             <a:endParaRPr lang="en-US" dirty="0">
               <a:latin typeface="Bahnschrift Light Condensed" panose="020B0502040204020203" pitchFamily="34" charset="0"/>
@@ -25086,7 +25078,7 @@
           <a:lstStyle/>
           <a:p>
             <a:r>
-              <a:rPr lang="en-US" sz="2800" dirty="0">
+              <a:rPr lang="en-US" sz="2800" dirty="0" smtClean="0">
                 <a:hlinkClick r:id="rId2"/>
               </a:rPr>
               <a:t>https://wsuaacprodoac-wsucloud.analytics.ocp.oraclecloud.com/</a:t>
@@ -25793,12 +25785,11 @@
 </file>
 
 <file path=customXml/item1.xml><?xml version="1.0" encoding="utf-8"?>
-<?mso-contentType ?>
-<FormTemplates xmlns="http://schemas.microsoft.com/sharepoint/v3/contenttype/forms">
-  <Display>DocumentLibraryForm</Display>
-  <Edit>DocumentLibraryForm</Edit>
-  <New>DocumentLibraryForm</New>
-</FormTemplates>
+<p:properties xmlns:p="http://schemas.microsoft.com/office/2006/metadata/properties" xmlns:xsi="http://www.w3.org/2001/XMLSchema-instance" xmlns:pc="http://schemas.microsoft.com/office/infopath/2007/PartnerControls">
+  <documentManagement>
+    <MediaServiceKeyPoints xmlns="71af3243-3dd4-4a8d-8c0d-dd76da1f02a5" xsi:nil="true"/>
+  </documentManagement>
+</p:properties>
 </file>
 
 <file path=customXml/item2.xml><?xml version="1.0" encoding="utf-8"?>
@@ -26013,17 +26004,27 @@
 </file>
 
 <file path=customXml/item3.xml><?xml version="1.0" encoding="utf-8"?>
-<p:properties xmlns:p="http://schemas.microsoft.com/office/2006/metadata/properties" xmlns:xsi="http://www.w3.org/2001/XMLSchema-instance" xmlns:pc="http://schemas.microsoft.com/office/infopath/2007/PartnerControls">
-  <documentManagement>
-    <MediaServiceKeyPoints xmlns="71af3243-3dd4-4a8d-8c0d-dd76da1f02a5" xsi:nil="true"/>
-  </documentManagement>
-</p:properties>
+<?mso-contentType ?>
+<FormTemplates xmlns="http://schemas.microsoft.com/sharepoint/v3/contenttype/forms">
+  <Display>DocumentLibraryForm</Display>
+  <Edit>DocumentLibraryForm</Edit>
+  <New>DocumentLibraryForm</New>
+</FormTemplates>
 </file>
 
 <file path=customXml/itemProps1.xml><?xml version="1.0" encoding="utf-8"?>
-<ds:datastoreItem xmlns:ds="http://schemas.openxmlformats.org/officeDocument/2006/customXml" ds:itemID="{58F3D8C7-1E6F-4D15-8163-ADBC81A00AAD}">
+<ds:datastoreItem xmlns:ds="http://schemas.openxmlformats.org/officeDocument/2006/customXml" ds:itemID="{AD24716F-C831-4AC2-BB0A-5EC60E4671B3}">
   <ds:schemaRefs>
-    <ds:schemaRef ds:uri="http://schemas.microsoft.com/sharepoint/v3/contenttype/forms"/>
+    <ds:schemaRef ds:uri="http://www.w3.org/XML/1998/namespace"/>
+    <ds:schemaRef ds:uri="http://purl.org/dc/elements/1.1/"/>
+    <ds:schemaRef ds:uri="http://schemas.microsoft.com/office/2006/documentManagement/types"/>
+    <ds:schemaRef ds:uri="16c05727-aa75-4e4a-9b5f-8a80a1165891"/>
+    <ds:schemaRef ds:uri="http://schemas.microsoft.com/office/2006/metadata/properties"/>
+    <ds:schemaRef ds:uri="http://schemas.microsoft.com/office/infopath/2007/PartnerControls"/>
+    <ds:schemaRef ds:uri="71af3243-3dd4-4a8d-8c0d-dd76da1f02a5"/>
+    <ds:schemaRef ds:uri="http://schemas.openxmlformats.org/package/2006/metadata/core-properties"/>
+    <ds:schemaRef ds:uri="http://purl.org/dc/dcmitype/"/>
+    <ds:schemaRef ds:uri="http://purl.org/dc/terms/"/>
   </ds:schemaRefs>
 </ds:datastoreItem>
 </file>
@@ -26048,18 +26049,9 @@
 </file>
 
 <file path=customXml/itemProps3.xml><?xml version="1.0" encoding="utf-8"?>
-<ds:datastoreItem xmlns:ds="http://schemas.openxmlformats.org/officeDocument/2006/customXml" ds:itemID="{AD24716F-C831-4AC2-BB0A-5EC60E4671B3}">
+<ds:datastoreItem xmlns:ds="http://schemas.openxmlformats.org/officeDocument/2006/customXml" ds:itemID="{58F3D8C7-1E6F-4D15-8163-ADBC81A00AAD}">
   <ds:schemaRefs>
-    <ds:schemaRef ds:uri="http://www.w3.org/XML/1998/namespace"/>
-    <ds:schemaRef ds:uri="http://purl.org/dc/elements/1.1/"/>
-    <ds:schemaRef ds:uri="http://schemas.microsoft.com/office/2006/documentManagement/types"/>
-    <ds:schemaRef ds:uri="16c05727-aa75-4e4a-9b5f-8a80a1165891"/>
-    <ds:schemaRef ds:uri="http://schemas.microsoft.com/office/2006/metadata/properties"/>
-    <ds:schemaRef ds:uri="http://schemas.microsoft.com/office/infopath/2007/PartnerControls"/>
-    <ds:schemaRef ds:uri="71af3243-3dd4-4a8d-8c0d-dd76da1f02a5"/>
-    <ds:schemaRef ds:uri="http://schemas.openxmlformats.org/package/2006/metadata/core-properties"/>
-    <ds:schemaRef ds:uri="http://purl.org/dc/dcmitype/"/>
-    <ds:schemaRef ds:uri="http://purl.org/dc/terms/"/>
+    <ds:schemaRef ds:uri="http://schemas.microsoft.com/sharepoint/v3/contenttype/forms"/>
   </ds:schemaRefs>
 </ds:datastoreItem>
 </file>
--- a/Documentation/student_risk_presentation.pptx
+++ b/Documentation/student_risk_presentation.pptx
@@ -18108,8 +18108,12 @@
           <a:lstStyle/>
           <a:p>
             <a:r>
+              <a:rPr lang="en-US" sz="2000" dirty="0" smtClean="0"/>
+              <a:t>Using a </a:t>
+            </a:r>
+            <a:r>
               <a:rPr lang="en-US" sz="2000" dirty="0"/>
-              <a:t>A Machine Learning Approach to Forecasting Student Success</a:t>
+              <a:t>Machine Learning Approach to Forecasting Student Success</a:t>
             </a:r>
           </a:p>
         </p:txBody>
@@ -18901,15 +18905,15 @@
             </a:pPr>
             <a:r>
               <a:rPr lang="en-US" dirty="0" smtClean="0"/>
-              <a:t>For our proof of concept, the population of interest is </a:t>
+              <a:t>For our proof of concept, the population of interest is          first-time, first-year freshmen in </a:t>
             </a:r>
             <a:r>
               <a:rPr lang="en-US" dirty="0" smtClean="0"/>
-              <a:t>         first-time</a:t>
+              <a:t>the 2021 academic </a:t>
             </a:r>
             <a:r>
               <a:rPr lang="en-US" dirty="0" smtClean="0"/>
-              <a:t>, first-year freshmen in the current academic year.</a:t>
+              <a:t>year.</a:t>
             </a:r>
           </a:p>
         </p:txBody>
@@ -18982,12 +18986,13 @@
             <a:pPr algn="ctr"/>
             <a:r>
               <a:rPr lang="en-US" sz="2000" b="1" dirty="0"/>
-              <a:t>What are we going to talk about</a:t>
+              <a:t>What are we going to talk </a:t>
             </a:r>
             <a:r>
               <a:rPr lang="en-US" sz="2000" b="1" dirty="0" smtClean="0"/>
-              <a:t>?</a:t>
+              <a:t>about?</a:t>
             </a:r>
+            <a:endParaRPr lang="en-US" sz="2000" b="1" dirty="0" smtClean="0"/>
           </a:p>
           <a:p>
             <a:pPr algn="ctr">
@@ -19039,7 +19044,19 @@
               <a:rPr lang="en-US" dirty="0">
                 <a:latin typeface="Bahnschrift Light Condensed" panose="020B0502040204020203" pitchFamily="34" charset="0"/>
               </a:rPr>
-              <a:t>Our model strategy</a:t>
+              <a:t>Our </a:t>
+            </a:r>
+            <a:r>
+              <a:rPr lang="en-US" dirty="0" smtClean="0">
+                <a:latin typeface="Bahnschrift Light Condensed" panose="020B0502040204020203" pitchFamily="34" charset="0"/>
+              </a:rPr>
+              <a:t>modeling </a:t>
+            </a:r>
+            <a:r>
+              <a:rPr lang="en-US" dirty="0">
+                <a:latin typeface="Bahnschrift Light Condensed" panose="020B0502040204020203" pitchFamily="34" charset="0"/>
+              </a:rPr>
+              <a:t>strategy</a:t>
             </a:r>
           </a:p>
           <a:p>
@@ -19054,7 +19071,13 @@
               <a:rPr lang="en-US" dirty="0">
                 <a:latin typeface="Bahnschrift Light Condensed" panose="020B0502040204020203" pitchFamily="34" charset="0"/>
               </a:rPr>
-              <a:t>Model performance</a:t>
+              <a:t>Model </a:t>
+            </a:r>
+            <a:r>
+              <a:rPr lang="en-US" dirty="0" smtClean="0">
+                <a:latin typeface="Bahnschrift Light Condensed" panose="020B0502040204020203" pitchFamily="34" charset="0"/>
+              </a:rPr>
+              <a:t>performance</a:t>
             </a:r>
           </a:p>
           <a:p>
@@ -19066,7 +19089,7 @@
           <a:p>
             <a:pPr algn="ctr"/>
             <a:r>
-              <a:rPr lang="en-US" dirty="0">
+              <a:rPr lang="en-US" dirty="0" smtClean="0">
                 <a:latin typeface="Bahnschrift Light Condensed" panose="020B0502040204020203" pitchFamily="34" charset="0"/>
               </a:rPr>
               <a:t>Proof of concept dashboard</a:t>
@@ -19074,18 +19097,21 @@
           </a:p>
           <a:p>
             <a:pPr algn="ctr"/>
-            <a:endParaRPr lang="en-US" dirty="0">
+            <a:endParaRPr lang="en-US" dirty="0" smtClean="0">
               <a:latin typeface="Bahnschrift Light Condensed" panose="020B0502040204020203" pitchFamily="34" charset="0"/>
             </a:endParaRPr>
           </a:p>
           <a:p>
             <a:pPr algn="ctr"/>
             <a:r>
-              <a:rPr lang="en-US" dirty="0">
+              <a:rPr lang="en-US" dirty="0" smtClean="0">
                 <a:latin typeface="Bahnschrift Light Condensed" panose="020B0502040204020203" pitchFamily="34" charset="0"/>
               </a:rPr>
               <a:t>Limitations, details, and your questions</a:t>
             </a:r>
+            <a:endParaRPr lang="en-US" dirty="0">
+              <a:latin typeface="Bahnschrift Light Condensed" panose="020B0502040204020203" pitchFamily="34" charset="0"/>
+            </a:endParaRPr>
           </a:p>
         </p:txBody>
       </p:sp>
@@ -19363,10 +19389,10 @@
         </p:nvGrpSpPr>
         <p:grpSpPr>
           <a:xfrm>
-            <a:off x="1730095" y="2010581"/>
-            <a:ext cx="8690568" cy="2535362"/>
-            <a:chOff x="1238503" y="2188821"/>
-            <a:chExt cx="8690568" cy="2535362"/>
+            <a:off x="1730095" y="2008318"/>
+            <a:ext cx="8690568" cy="2537625"/>
+            <a:chOff x="1238503" y="2186558"/>
+            <a:chExt cx="8690568" cy="2537625"/>
           </a:xfrm>
         </p:grpSpPr>
         <p:sp>
@@ -19659,8 +19685,8 @@
           </p:nvSpPr>
           <p:spPr>
             <a:xfrm>
-              <a:off x="7657482" y="2188821"/>
-              <a:ext cx="526052" cy="307777"/>
+              <a:off x="7518796" y="2186558"/>
+              <a:ext cx="803425" cy="307777"/>
             </a:xfrm>
             <a:prstGeom prst="rect">
               <a:avLst/>
@@ -19674,9 +19700,10 @@
             <a:lstStyle/>
             <a:p>
               <a:r>
-                <a:rPr lang="en-US" sz="1400" dirty="0"/>
-                <a:t>Test</a:t>
+                <a:rPr lang="en-US" sz="1400" dirty="0" smtClean="0"/>
+                <a:t>Predict</a:t>
               </a:r>
+              <a:endParaRPr lang="en-US" sz="1400" dirty="0"/>
             </a:p>
           </p:txBody>
         </p:sp>
@@ -19876,27 +19903,29 @@
           <a:p>
             <a:r>
               <a:rPr lang="en-US" sz="2000" b="1" dirty="0"/>
-              <a:t>Walk-forward Optimization Using Time-Series Data</a:t>
+              <a:t>Walk-forward Optimization </a:t>
+            </a:r>
+            <a:r>
+              <a:rPr lang="en-US" sz="2000" b="1" dirty="0" smtClean="0"/>
+              <a:t>with Longitudinal </a:t>
+            </a:r>
+            <a:r>
+              <a:rPr lang="en-US" sz="2000" b="1" dirty="0"/>
+              <a:t>Data</a:t>
             </a:r>
           </a:p>
         </p:txBody>
       </p:sp>
       <p:sp>
         <p:nvSpPr>
-          <p:cNvPr id="32" name="TextBox 31">
-            <a:extLst>
-              <a:ext uri="{FF2B5EF4-FFF2-40B4-BE49-F238E27FC236}">
-                <a16:creationId xmlns:a16="http://schemas.microsoft.com/office/drawing/2014/main" id="{B505D507-83B9-4FD3-A6E1-B00C6E2ED4A7}"/>
-              </a:ext>
-            </a:extLst>
-          </p:cNvPr>
+          <p:cNvPr id="24" name="TextBox 23"/>
           <p:cNvSpPr txBox="1"/>
           <p:nvPr/>
         </p:nvSpPr>
         <p:spPr>
           <a:xfrm>
-            <a:off x="8952499" y="2923778"/>
-            <a:ext cx="526052" cy="307777"/>
+            <a:off x="8813813" y="2922849"/>
+            <a:ext cx="803425" cy="307777"/>
           </a:xfrm>
           <a:prstGeom prst="rect">
             <a:avLst/>
@@ -19910,28 +19939,23 @@
           <a:lstStyle/>
           <a:p>
             <a:r>
-              <a:rPr lang="en-US" sz="1400" dirty="0"/>
-              <a:t>Test</a:t>
+              <a:rPr lang="en-US" sz="1400" dirty="0" smtClean="0"/>
+              <a:t>Predict</a:t>
             </a:r>
+            <a:endParaRPr lang="en-US" sz="1400" dirty="0"/>
           </a:p>
         </p:txBody>
       </p:sp>
       <p:sp>
         <p:nvSpPr>
-          <p:cNvPr id="33" name="TextBox 32">
-            <a:extLst>
-              <a:ext uri="{FF2B5EF4-FFF2-40B4-BE49-F238E27FC236}">
-                <a16:creationId xmlns:a16="http://schemas.microsoft.com/office/drawing/2014/main" id="{8B0A3AE9-1080-4EB6-B3F7-3EA9CFDC5010}"/>
-              </a:ext>
-            </a:extLst>
-          </p:cNvPr>
+          <p:cNvPr id="26" name="TextBox 25"/>
           <p:cNvSpPr txBox="1"/>
           <p:nvPr/>
         </p:nvSpPr>
         <p:spPr>
           <a:xfrm>
-            <a:off x="9755924" y="3836469"/>
-            <a:ext cx="526052" cy="307777"/>
+            <a:off x="9617238" y="3832718"/>
+            <a:ext cx="803425" cy="307777"/>
           </a:xfrm>
           <a:prstGeom prst="rect">
             <a:avLst/>
@@ -19945,9 +19969,10 @@
           <a:lstStyle/>
           <a:p>
             <a:r>
-              <a:rPr lang="en-US" sz="1400" dirty="0"/>
-              <a:t>Test</a:t>
+              <a:rPr lang="en-US" sz="1400" dirty="0" smtClean="0"/>
+              <a:t>Predict</a:t>
             </a:r>
+            <a:endParaRPr lang="en-US" sz="1400" dirty="0"/>
           </a:p>
         </p:txBody>
       </p:sp>
@@ -24819,7 +24844,13 @@
               <a:rPr lang="en-US" dirty="0" smtClean="0">
                 <a:latin typeface="Bahnschrift Light Condensed" panose="020B0502040204020203" pitchFamily="34" charset="0"/>
               </a:rPr>
-              <a:t>In-house ML solution</a:t>
+              <a:t>In-house ML </a:t>
+            </a:r>
+            <a:r>
+              <a:rPr lang="en-US" dirty="0" smtClean="0">
+                <a:latin typeface="Bahnschrift Light Condensed" panose="020B0502040204020203" pitchFamily="34" charset="0"/>
+              </a:rPr>
+              <a:t>solution</a:t>
             </a:r>
             <a:endParaRPr lang="en-US" dirty="0">
               <a:latin typeface="Bahnschrift Light Condensed" panose="020B0502040204020203" pitchFamily="34" charset="0"/>
@@ -24873,7 +24904,7 @@
               <a:rPr lang="en-US" dirty="0" smtClean="0">
                 <a:latin typeface="Bahnschrift Light Condensed" panose="020B0502040204020203" pitchFamily="34" charset="0"/>
               </a:rPr>
-              <a:t>Better baseline performance than the competitor</a:t>
+              <a:t>Strong baseline performance</a:t>
             </a:r>
           </a:p>
           <a:p>
@@ -24892,7 +24923,19 @@
             <a:pPr algn="ctr"/>
             <a:r>
               <a:rPr lang="en-US" b="1" dirty="0" smtClean="0"/>
-              <a:t>But some challenges still exist.</a:t>
+              <a:t>But </a:t>
+            </a:r>
+            <a:r>
+              <a:rPr lang="en-US" b="1" dirty="0" smtClean="0"/>
+              <a:t>there are </a:t>
+            </a:r>
+            <a:r>
+              <a:rPr lang="en-US" b="1" smtClean="0"/>
+              <a:t>tasks ahead</a:t>
+            </a:r>
+            <a:r>
+              <a:rPr lang="en-US" b="1" dirty="0" smtClean="0"/>
+              <a:t>.</a:t>
             </a:r>
             <a:endParaRPr lang="en-US" b="1" dirty="0"/>
           </a:p>

--- a/Documentation/student_risk_presentation.pptx
+++ b/Documentation/student_risk_presentation.pptx
@@ -205,7 +205,7 @@
           <a:p>
             <a:fld id="{0D8968FE-AD3D-444F-B6A8-796D946DC3A6}" type="datetimeFigureOut">
               <a:rPr lang="en-US" smtClean="0"/>
-              <a:t>4/20/2021</a:t>
+              <a:t>4/21/2021</a:t>
             </a:fld>
             <a:endParaRPr lang="en-US" dirty="0"/>
           </a:p>
@@ -472,6 +472,174 @@
 </p:notesMaster>
 </file>
 
+<file path=ppt/notesSlides/notesSlide1.xml><?xml version="1.0" encoding="utf-8"?>
+<p:notes xmlns:a="http://schemas.openxmlformats.org/drawingml/2006/main" xmlns:r="http://schemas.openxmlformats.org/officeDocument/2006/relationships" xmlns:p="http://schemas.openxmlformats.org/presentationml/2006/main">
+  <p:cSld>
+    <p:spTree>
+      <p:nvGrpSpPr>
+        <p:cNvPr id="1" name=""/>
+        <p:cNvGrpSpPr/>
+        <p:nvPr/>
+      </p:nvGrpSpPr>
+      <p:grpSpPr>
+        <a:xfrm>
+          <a:off x="0" y="0"/>
+          <a:ext cx="0" cy="0"/>
+          <a:chOff x="0" y="0"/>
+          <a:chExt cx="0" cy="0"/>
+        </a:xfrm>
+      </p:grpSpPr>
+      <p:sp>
+        <p:nvSpPr>
+          <p:cNvPr id="2" name="Slide Image Placeholder 1"/>
+          <p:cNvSpPr>
+            <a:spLocks noGrp="1" noRot="1" noChangeAspect="1"/>
+          </p:cNvSpPr>
+          <p:nvPr>
+            <p:ph type="sldImg"/>
+          </p:nvPr>
+        </p:nvSpPr>
+        <p:spPr/>
+      </p:sp>
+      <p:sp>
+        <p:nvSpPr>
+          <p:cNvPr id="3" name="Notes Placeholder 2"/>
+          <p:cNvSpPr>
+            <a:spLocks noGrp="1"/>
+          </p:cNvSpPr>
+          <p:nvPr>
+            <p:ph type="body" idx="1"/>
+          </p:nvPr>
+        </p:nvSpPr>
+        <p:spPr/>
+        <p:txBody>
+          <a:bodyPr/>
+          <a:lstStyle/>
+          <a:p>
+            <a:endParaRPr lang="en-US" dirty="0"/>
+          </a:p>
+        </p:txBody>
+      </p:sp>
+      <p:sp>
+        <p:nvSpPr>
+          <p:cNvPr id="4" name="Slide Number Placeholder 3"/>
+          <p:cNvSpPr>
+            <a:spLocks noGrp="1"/>
+          </p:cNvSpPr>
+          <p:nvPr>
+            <p:ph type="sldNum" sz="quarter" idx="10"/>
+          </p:nvPr>
+        </p:nvSpPr>
+        <p:spPr/>
+        <p:txBody>
+          <a:bodyPr/>
+          <a:lstStyle/>
+          <a:p>
+            <a:fld id="{EC112EAA-B504-4DE4-86AF-9234CC185AA8}" type="slidenum">
+              <a:rPr lang="en-US" smtClean="0"/>
+              <a:t>2</a:t>
+            </a:fld>
+            <a:endParaRPr lang="en-US" dirty="0"/>
+          </a:p>
+        </p:txBody>
+      </p:sp>
+    </p:spTree>
+    <p:extLst>
+      <p:ext uri="{BB962C8B-B14F-4D97-AF65-F5344CB8AC3E}">
+        <p14:creationId xmlns:p14="http://schemas.microsoft.com/office/powerpoint/2010/main" val="428089698"/>
+      </p:ext>
+    </p:extLst>
+  </p:cSld>
+  <p:clrMapOvr>
+    <a:masterClrMapping/>
+  </p:clrMapOvr>
+</p:notes>
+</file>
+
+<file path=ppt/notesSlides/notesSlide2.xml><?xml version="1.0" encoding="utf-8"?>
+<p:notes xmlns:a="http://schemas.openxmlformats.org/drawingml/2006/main" xmlns:r="http://schemas.openxmlformats.org/officeDocument/2006/relationships" xmlns:p="http://schemas.openxmlformats.org/presentationml/2006/main">
+  <p:cSld>
+    <p:spTree>
+      <p:nvGrpSpPr>
+        <p:cNvPr id="1" name=""/>
+        <p:cNvGrpSpPr/>
+        <p:nvPr/>
+      </p:nvGrpSpPr>
+      <p:grpSpPr>
+        <a:xfrm>
+          <a:off x="0" y="0"/>
+          <a:ext cx="0" cy="0"/>
+          <a:chOff x="0" y="0"/>
+          <a:chExt cx="0" cy="0"/>
+        </a:xfrm>
+      </p:grpSpPr>
+      <p:sp>
+        <p:nvSpPr>
+          <p:cNvPr id="2" name="Slide Image Placeholder 1"/>
+          <p:cNvSpPr>
+            <a:spLocks noGrp="1" noRot="1" noChangeAspect="1"/>
+          </p:cNvSpPr>
+          <p:nvPr>
+            <p:ph type="sldImg"/>
+          </p:nvPr>
+        </p:nvSpPr>
+        <p:spPr/>
+      </p:sp>
+      <p:sp>
+        <p:nvSpPr>
+          <p:cNvPr id="3" name="Notes Placeholder 2"/>
+          <p:cNvSpPr>
+            <a:spLocks noGrp="1"/>
+          </p:cNvSpPr>
+          <p:nvPr>
+            <p:ph type="body" idx="1"/>
+          </p:nvPr>
+        </p:nvSpPr>
+        <p:spPr/>
+        <p:txBody>
+          <a:bodyPr/>
+          <a:lstStyle/>
+          <a:p>
+            <a:endParaRPr lang="en-US" dirty="0"/>
+          </a:p>
+        </p:txBody>
+      </p:sp>
+      <p:sp>
+        <p:nvSpPr>
+          <p:cNvPr id="4" name="Slide Number Placeholder 3"/>
+          <p:cNvSpPr>
+            <a:spLocks noGrp="1"/>
+          </p:cNvSpPr>
+          <p:nvPr>
+            <p:ph type="sldNum" sz="quarter" idx="10"/>
+          </p:nvPr>
+        </p:nvSpPr>
+        <p:spPr/>
+        <p:txBody>
+          <a:bodyPr/>
+          <a:lstStyle/>
+          <a:p>
+            <a:fld id="{EC112EAA-B504-4DE4-86AF-9234CC185AA8}" type="slidenum">
+              <a:rPr lang="en-US" smtClean="0"/>
+              <a:t>4</a:t>
+            </a:fld>
+            <a:endParaRPr lang="en-US" dirty="0"/>
+          </a:p>
+        </p:txBody>
+      </p:sp>
+    </p:spTree>
+    <p:extLst>
+      <p:ext uri="{BB962C8B-B14F-4D97-AF65-F5344CB8AC3E}">
+        <p14:creationId xmlns:p14="http://schemas.microsoft.com/office/powerpoint/2010/main" val="1846476177"/>
+      </p:ext>
+    </p:extLst>
+  </p:cSld>
+  <p:clrMapOvr>
+    <a:masterClrMapping/>
+  </p:clrMapOvr>
+</p:notes>
+</file>
+
 <file path=ppt/slideLayouts/slideLayout1.xml><?xml version="1.0" encoding="utf-8"?>
 <p:sldLayout xmlns:a="http://schemas.openxmlformats.org/drawingml/2006/main" xmlns:r="http://schemas.openxmlformats.org/officeDocument/2006/relationships" xmlns:p="http://schemas.openxmlformats.org/presentationml/2006/main" type="title" preserve="1">
   <p:cSld name="Title Slide">
@@ -1881,7 +2049,7 @@
           <a:p>
             <a:fld id="{198E66DD-51B1-4BF7-9539-DEA51BFAEFD8}" type="datetime1">
               <a:rPr lang="en-US" smtClean="0"/>
-              <a:t>4/20/2021</a:t>
+              <a:t>4/21/2021</a:t>
             </a:fld>
             <a:endParaRPr lang="en-US" dirty="0"/>
           </a:p>
@@ -3335,7 +3503,7 @@
           <a:p>
             <a:fld id="{827A6260-7573-4697-9E59-AA19A1D5C255}" type="datetime1">
               <a:rPr lang="en-US" smtClean="0"/>
-              <a:t>4/20/2021</a:t>
+              <a:t>4/21/2021</a:t>
             </a:fld>
             <a:endParaRPr lang="en-US" dirty="0"/>
           </a:p>
@@ -4783,7 +4951,7 @@
           <a:p>
             <a:fld id="{AB049DE4-AD7B-432F-9E35-775F5F8CC6AD}" type="datetime1">
               <a:rPr lang="en-US" smtClean="0"/>
-              <a:t>4/20/2021</a:t>
+              <a:t>4/21/2021</a:t>
             </a:fld>
             <a:endParaRPr lang="en-US" dirty="0"/>
           </a:p>
@@ -6233,7 +6401,7 @@
           <a:p>
             <a:fld id="{CED204F4-028A-4A36-B306-1FBAFF258B24}" type="datetime1">
               <a:rPr lang="en-US" smtClean="0"/>
-              <a:t>4/20/2021</a:t>
+              <a:t>4/21/2021</a:t>
             </a:fld>
             <a:endParaRPr lang="en-US" dirty="0"/>
           </a:p>
@@ -7736,7 +7904,7 @@
           <a:p>
             <a:fld id="{A7569E6D-812C-4C70-BB51-98F32992DB43}" type="datetime1">
               <a:rPr lang="en-US" smtClean="0"/>
-              <a:t>4/20/2021</a:t>
+              <a:t>4/21/2021</a:t>
             </a:fld>
             <a:endParaRPr lang="en-US" dirty="0"/>
           </a:p>
@@ -9252,7 +9420,7 @@
           <a:p>
             <a:fld id="{F10287DF-640A-4181-8B82-4913718EF244}" type="datetime1">
               <a:rPr lang="en-US" smtClean="0"/>
-              <a:t>4/20/2021</a:t>
+              <a:t>4/21/2021</a:t>
             </a:fld>
             <a:endParaRPr lang="en-US" dirty="0"/>
           </a:p>
@@ -10912,7 +11080,7 @@
           <a:p>
             <a:fld id="{C74BE3E1-3173-4AB6-90EF-CE84B9FBD77E}" type="datetime1">
               <a:rPr lang="en-US" smtClean="0"/>
-              <a:t>4/20/2021</a:t>
+              <a:t>4/21/2021</a:t>
             </a:fld>
             <a:endParaRPr lang="en-US" dirty="0"/>
           </a:p>
@@ -12305,7 +12473,7 @@
           <a:p>
             <a:fld id="{CE46D357-68ED-48AA-AC18-9CC27DEA9490}" type="datetime1">
               <a:rPr lang="en-US" smtClean="0"/>
-              <a:t>4/20/2021</a:t>
+              <a:t>4/21/2021</a:t>
             </a:fld>
             <a:endParaRPr lang="en-US" dirty="0"/>
           </a:p>
@@ -12400,7 +12568,7 @@
           <a:p>
             <a:fld id="{ACC8BAEE-D0AF-4323-A024-1416F995B386}" type="datetime1">
               <a:rPr lang="en-US" smtClean="0"/>
-              <a:t>4/20/2021</a:t>
+              <a:t>4/21/2021</a:t>
             </a:fld>
             <a:endParaRPr lang="en-US" dirty="0"/>
           </a:p>
@@ -13921,7 +14089,7 @@
           <a:p>
             <a:fld id="{CD36E0D4-CA65-4DD1-8546-2CC4E75B8B9D}" type="datetime1">
               <a:rPr lang="en-US" smtClean="0"/>
-              <a:t>4/20/2021</a:t>
+              <a:t>4/21/2021</a:t>
             </a:fld>
             <a:endParaRPr lang="en-US" dirty="0"/>
           </a:p>
@@ -15452,7 +15620,7 @@
           <a:p>
             <a:fld id="{C19DEFE7-E1FA-4CA7-8A5A-F9AB210CE638}" type="datetime1">
               <a:rPr lang="en-US" smtClean="0"/>
-              <a:t>4/20/2021</a:t>
+              <a:t>4/21/2021</a:t>
             </a:fld>
             <a:endParaRPr lang="en-US" dirty="0"/>
           </a:p>
@@ -15670,7 +15838,7 @@
           <a:p>
             <a:fld id="{FD1E3FCC-785C-4EC4-B782-9133218B75DD}" type="datetime1">
               <a:rPr lang="en-US" smtClean="0"/>
-              <a:t>4/20/2021</a:t>
+              <a:t>4/21/2021</a:t>
             </a:fld>
             <a:endParaRPr lang="en-US" dirty="0"/>
           </a:p>
@@ -18108,12 +18276,8 @@
           <a:lstStyle/>
           <a:p>
             <a:r>
-              <a:rPr lang="en-US" sz="2000" dirty="0" smtClean="0"/>
-              <a:t>Using a </a:t>
-            </a:r>
-            <a:r>
               <a:rPr lang="en-US" sz="2000" dirty="0"/>
-              <a:t>Machine Learning Approach to Forecasting Student Success</a:t>
+              <a:t>Using a Machine Learning Approach to Forecasting Student Success</a:t>
             </a:r>
           </a:p>
         </p:txBody>
@@ -18795,7 +18959,7 @@
         </p:spPr>
         <p:txBody>
           <a:bodyPr>
-            <a:normAutofit fontScale="92500" lnSpcReduction="10000"/>
+            <a:normAutofit lnSpcReduction="10000"/>
           </a:bodyPr>
           <a:lstStyle/>
           <a:p>
@@ -18804,36 +18968,15 @@
             </a:pPr>
             <a:r>
               <a:rPr lang="en-US" dirty="0"/>
-              <a:t>Problem: </a:t>
+              <a:t>Problem: How do we predict the risk of withdrawal in </a:t>
             </a:r>
             <a:r>
               <a:rPr lang="en-US" dirty="0" smtClean="0"/>
-              <a:t>How </a:t>
+              <a:t>    the </a:t>
             </a:r>
             <a:r>
               <a:rPr lang="en-US" dirty="0"/>
-              <a:t>do we predict the risk of withdrawal in the first year?</a:t>
-            </a:r>
-          </a:p>
-          <a:p>
-            <a:pPr>
-              <a:buSzPct val="100000"/>
-            </a:pPr>
-            <a:r>
-              <a:rPr lang="en-US" dirty="0" smtClean="0"/>
-              <a:t>Solution: By </a:t>
-            </a:r>
-            <a:r>
-              <a:rPr lang="en-US" dirty="0"/>
-              <a:t>running a series of “trained” </a:t>
-            </a:r>
-            <a:r>
-              <a:rPr lang="en-US" dirty="0" smtClean="0"/>
-              <a:t>machine learning models </a:t>
-            </a:r>
-            <a:r>
-              <a:rPr lang="en-US" dirty="0"/>
-              <a:t>on the latest available student and socioeconomic data.</a:t>
+              <a:t>first year?</a:t>
             </a:r>
           </a:p>
           <a:p>
@@ -18842,23 +18985,7 @@
             </a:pPr>
             <a:r>
               <a:rPr lang="en-US" dirty="0"/>
-              <a:t>Our student risk model uses these </a:t>
-            </a:r>
-            <a:r>
-              <a:rPr lang="en-US" dirty="0" smtClean="0"/>
-              <a:t>data </a:t>
-            </a:r>
-            <a:r>
-              <a:rPr lang="en-US" dirty="0"/>
-              <a:t>to </a:t>
-            </a:r>
-            <a:r>
-              <a:rPr lang="en-US" dirty="0" smtClean="0"/>
-              <a:t>predict the </a:t>
-            </a:r>
-            <a:r>
-              <a:rPr lang="en-US" dirty="0"/>
-              <a:t>probability that a student will not persist into the next academic year. </a:t>
+              <a:t>Solution: By running a series of “trained” machine learning models on the latest available student and socioeconomic data.</a:t>
             </a:r>
           </a:p>
           <a:p>
@@ -18867,53 +18994,33 @@
             </a:pPr>
             <a:r>
               <a:rPr lang="en-US" dirty="0"/>
-              <a:t>The training is done using historical data from prior year </a:t>
+              <a:t>Our student risk model uses these data to predict the probability that a student will not persist into the next academic year. </a:t>
             </a:r>
-            <a:r>
-              <a:rPr lang="en-US" dirty="0" smtClean="0"/>
-              <a:t>cohorts </a:t>
-            </a:r>
-            <a:r>
-              <a:rPr lang="en-US" dirty="0"/>
-              <a:t>and the derived weights </a:t>
-            </a:r>
-            <a:r>
-              <a:rPr lang="en-US" dirty="0" smtClean="0"/>
-              <a:t>combine to yield </a:t>
-            </a:r>
-            <a:r>
-              <a:rPr lang="en-US" dirty="0"/>
-              <a:t>the </a:t>
-            </a:r>
-            <a:r>
-              <a:rPr lang="en-US" dirty="0" smtClean="0"/>
-              <a:t>risk </a:t>
-            </a:r>
-            <a:r>
-              <a:rPr lang="en-US" dirty="0"/>
-              <a:t>of withdrawal for students in the current year cohort</a:t>
-            </a:r>
-            <a:r>
-              <a:rPr lang="en-US" dirty="0" smtClean="0"/>
-              <a:t>.</a:t>
-            </a:r>
-            <a:endParaRPr lang="en-US" dirty="0"/>
           </a:p>
           <a:p>
             <a:pPr>
               <a:buSzPct val="100000"/>
             </a:pPr>
             <a:r>
-              <a:rPr lang="en-US" dirty="0" smtClean="0"/>
-              <a:t>For our proof of concept, the population of interest is          first-time, first-year freshmen in </a:t>
+              <a:rPr lang="en-US" dirty="0"/>
+              <a:t>The training is done using historical data from prior year cohorts and the derived weights combine to yield the risk of withdrawal for students in the current year cohort.</a:t>
+            </a:r>
+          </a:p>
+          <a:p>
+            <a:pPr>
+              <a:buSzPct val="100000"/>
+            </a:pPr>
+            <a:r>
+              <a:rPr lang="en-US" dirty="0"/>
+              <a:t>For our proof of concept, the population of interest is          </a:t>
             </a:r>
             <a:r>
               <a:rPr lang="en-US" dirty="0" smtClean="0"/>
-              <a:t>the 2021 academic </a:t>
+              <a:t>full-time </a:t>
             </a:r>
             <a:r>
-              <a:rPr lang="en-US" dirty="0" smtClean="0"/>
-              <a:t>year.</a:t>
+              <a:rPr lang="en-US" dirty="0"/>
+              <a:t>Pullman freshmen in the 2021 academic year.</a:t>
             </a:r>
           </a:p>
         </p:txBody>
@@ -18986,13 +19093,8 @@
             <a:pPr algn="ctr"/>
             <a:r>
               <a:rPr lang="en-US" sz="2000" b="1" dirty="0"/>
-              <a:t>What are we going to talk </a:t>
+              <a:t>What are we going to talk about?</a:t>
             </a:r>
-            <a:r>
-              <a:rPr lang="en-US" sz="2000" b="1" dirty="0" smtClean="0"/>
-              <a:t>about?</a:t>
-            </a:r>
-            <a:endParaRPr lang="en-US" sz="2000" b="1" dirty="0" smtClean="0"/>
           </a:p>
           <a:p>
             <a:pPr algn="ctr">
@@ -19005,16 +19107,10 @@
           <a:p>
             <a:pPr algn="ctr"/>
             <a:r>
-              <a:rPr lang="en-US" dirty="0" smtClean="0">
-                <a:latin typeface="Bahnschrift Light Condensed" panose="020B0502040204020203" pitchFamily="34" charset="0"/>
-              </a:rPr>
-              <a:t>The </a:t>
-            </a:r>
-            <a:r>
               <a:rPr lang="en-US" dirty="0">
                 <a:latin typeface="Bahnschrift Light Condensed" panose="020B0502040204020203" pitchFamily="34" charset="0"/>
               </a:rPr>
-              <a:t>data</a:t>
+              <a:t>The data</a:t>
             </a:r>
           </a:p>
           <a:p>
@@ -19044,19 +19140,7 @@
               <a:rPr lang="en-US" dirty="0">
                 <a:latin typeface="Bahnschrift Light Condensed" panose="020B0502040204020203" pitchFamily="34" charset="0"/>
               </a:rPr>
-              <a:t>Our </a:t>
-            </a:r>
-            <a:r>
-              <a:rPr lang="en-US" dirty="0" smtClean="0">
-                <a:latin typeface="Bahnschrift Light Condensed" panose="020B0502040204020203" pitchFamily="34" charset="0"/>
-              </a:rPr>
-              <a:t>modeling </a:t>
-            </a:r>
-            <a:r>
-              <a:rPr lang="en-US" dirty="0">
-                <a:latin typeface="Bahnschrift Light Condensed" panose="020B0502040204020203" pitchFamily="34" charset="0"/>
-              </a:rPr>
-              <a:t>strategy</a:t>
+              <a:t>Our modeling strategy</a:t>
             </a:r>
           </a:p>
           <a:p>
@@ -19071,13 +19155,7 @@
               <a:rPr lang="en-US" dirty="0">
                 <a:latin typeface="Bahnschrift Light Condensed" panose="020B0502040204020203" pitchFamily="34" charset="0"/>
               </a:rPr>
-              <a:t>Model </a:t>
-            </a:r>
-            <a:r>
-              <a:rPr lang="en-US" dirty="0" smtClean="0">
-                <a:latin typeface="Bahnschrift Light Condensed" panose="020B0502040204020203" pitchFamily="34" charset="0"/>
-              </a:rPr>
-              <a:t>performance</a:t>
+              <a:t>Model performance</a:t>
             </a:r>
           </a:p>
           <a:p>
@@ -19089,7 +19167,7 @@
           <a:p>
             <a:pPr algn="ctr"/>
             <a:r>
-              <a:rPr lang="en-US" dirty="0" smtClean="0">
+              <a:rPr lang="en-US" dirty="0">
                 <a:latin typeface="Bahnschrift Light Condensed" panose="020B0502040204020203" pitchFamily="34" charset="0"/>
               </a:rPr>
               <a:t>Proof of concept dashboard</a:t>
@@ -19097,21 +19175,18 @@
           </a:p>
           <a:p>
             <a:pPr algn="ctr"/>
-            <a:endParaRPr lang="en-US" dirty="0" smtClean="0">
+            <a:endParaRPr lang="en-US" dirty="0">
               <a:latin typeface="Bahnschrift Light Condensed" panose="020B0502040204020203" pitchFamily="34" charset="0"/>
             </a:endParaRPr>
           </a:p>
           <a:p>
             <a:pPr algn="ctr"/>
             <a:r>
-              <a:rPr lang="en-US" dirty="0" smtClean="0">
+              <a:rPr lang="en-US" dirty="0">
                 <a:latin typeface="Bahnschrift Light Condensed" panose="020B0502040204020203" pitchFamily="34" charset="0"/>
               </a:rPr>
               <a:t>Limitations, details, and your questions</a:t>
             </a:r>
-            <a:endParaRPr lang="en-US" dirty="0">
-              <a:latin typeface="Bahnschrift Light Condensed" panose="020B0502040204020203" pitchFamily="34" charset="0"/>
-            </a:endParaRPr>
           </a:p>
         </p:txBody>
       </p:sp>
@@ -19149,6 +19224,9 @@
             <a:prstGeom prst="wedgeRoundRectCallout">
               <a:avLst/>
             </a:prstGeom>
+            <a:solidFill>
+              <a:schemeClr val="accent1"/>
+            </a:solidFill>
             <a:ln>
               <a:noFill/>
             </a:ln>
@@ -19214,6 +19292,52 @@
           </p:spPr>
         </p:pic>
       </p:grpSp>
+      <p:sp>
+        <p:nvSpPr>
+          <p:cNvPr id="6" name="TextBox 5">
+            <a:extLst>
+              <a:ext uri="{FF2B5EF4-FFF2-40B4-BE49-F238E27FC236}">
+                <a16:creationId xmlns:a16="http://schemas.microsoft.com/office/drawing/2014/main" id="{1F099461-28EA-4FB4-BF46-20F07871B61E}"/>
+              </a:ext>
+            </a:extLst>
+          </p:cNvPr>
+          <p:cNvSpPr txBox="1"/>
+          <p:nvPr/>
+        </p:nvSpPr>
+        <p:spPr>
+          <a:xfrm>
+            <a:off x="11267051" y="6488668"/>
+            <a:ext cx="924949" cy="369332"/>
+          </a:xfrm>
+          <a:prstGeom prst="rect">
+            <a:avLst/>
+          </a:prstGeom>
+          <a:noFill/>
+        </p:spPr>
+        <p:txBody>
+          <a:bodyPr wrap="square" rtlCol="0">
+            <a:spAutoFit/>
+          </a:bodyPr>
+          <a:lstStyle/>
+          <a:p>
+            <a:r>
+              <a:rPr lang="en-US" dirty="0" smtClean="0">
+                <a:solidFill>
+                  <a:schemeClr val="tx2"/>
+                </a:solidFill>
+                <a:latin typeface="Bahnschrift Light Condensed" panose="020B0502040204020203" pitchFamily="34" charset="0"/>
+              </a:rPr>
+              <a:t>OVERVIEW</a:t>
+            </a:r>
+            <a:endParaRPr lang="en-US" dirty="0">
+              <a:solidFill>
+                <a:schemeClr val="tx2"/>
+              </a:solidFill>
+              <a:latin typeface="Bahnschrift Light Condensed" panose="020B0502040204020203" pitchFamily="34" charset="0"/>
+            </a:endParaRPr>
+          </a:p>
+        </p:txBody>
+      </p:sp>
     </p:spTree>
     <p:extLst>
       <p:ext uri="{BB962C8B-B14F-4D97-AF65-F5344CB8AC3E}">
@@ -19581,7 +19705,7 @@
             <a:lstStyle/>
             <a:p>
               <a:pPr algn="ctr"/>
-              <a:endParaRPr lang="en-US"/>
+              <a:endParaRPr lang="en-US" dirty="0"/>
             </a:p>
           </p:txBody>
         </p:sp>
@@ -19700,10 +19824,9 @@
             <a:lstStyle/>
             <a:p>
               <a:r>
-                <a:rPr lang="en-US" sz="1400" dirty="0" smtClean="0"/>
+                <a:rPr lang="en-US" sz="1400" dirty="0"/>
                 <a:t>Predict</a:t>
               </a:r>
-              <a:endParaRPr lang="en-US" sz="1400" dirty="0"/>
             </a:p>
           </p:txBody>
         </p:sp>
@@ -19903,15 +20026,7 @@
           <a:p>
             <a:r>
               <a:rPr lang="en-US" sz="2000" b="1" dirty="0"/>
-              <a:t>Walk-forward Optimization </a:t>
-            </a:r>
-            <a:r>
-              <a:rPr lang="en-US" sz="2000" b="1" dirty="0" smtClean="0"/>
-              <a:t>with Longitudinal </a:t>
-            </a:r>
-            <a:r>
-              <a:rPr lang="en-US" sz="2000" b="1" dirty="0"/>
-              <a:t>Data</a:t>
+              <a:t>Walk-forward Optimization with Longitudinal Data</a:t>
             </a:r>
           </a:p>
         </p:txBody>
@@ -19939,10 +20054,9 @@
           <a:lstStyle/>
           <a:p>
             <a:r>
-              <a:rPr lang="en-US" sz="1400" dirty="0" smtClean="0"/>
+              <a:rPr lang="en-US" sz="1400" dirty="0"/>
               <a:t>Predict</a:t>
             </a:r>
-            <a:endParaRPr lang="en-US" sz="1400" dirty="0"/>
           </a:p>
         </p:txBody>
       </p:sp>
@@ -19969,10 +20083,49 @@
           <a:lstStyle/>
           <a:p>
             <a:r>
-              <a:rPr lang="en-US" sz="1400" dirty="0" smtClean="0"/>
+              <a:rPr lang="en-US" sz="1400" dirty="0"/>
               <a:t>Predict</a:t>
             </a:r>
-            <a:endParaRPr lang="en-US" sz="1400" dirty="0"/>
+          </a:p>
+        </p:txBody>
+      </p:sp>
+      <p:sp>
+        <p:nvSpPr>
+          <p:cNvPr id="3" name="TextBox 2">
+            <a:extLst>
+              <a:ext uri="{FF2B5EF4-FFF2-40B4-BE49-F238E27FC236}">
+                <a16:creationId xmlns:a16="http://schemas.microsoft.com/office/drawing/2014/main" id="{1F099461-28EA-4FB4-BF46-20F07871B61E}"/>
+              </a:ext>
+            </a:extLst>
+          </p:cNvPr>
+          <p:cNvSpPr txBox="1"/>
+          <p:nvPr/>
+        </p:nvSpPr>
+        <p:spPr>
+          <a:xfrm>
+            <a:off x="11623430" y="6488668"/>
+            <a:ext cx="568570" cy="369332"/>
+          </a:xfrm>
+          <a:prstGeom prst="rect">
+            <a:avLst/>
+          </a:prstGeom>
+          <a:noFill/>
+        </p:spPr>
+        <p:txBody>
+          <a:bodyPr wrap="square" rtlCol="0">
+            <a:spAutoFit/>
+          </a:bodyPr>
+          <a:lstStyle/>
+          <a:p>
+            <a:r>
+              <a:rPr lang="en-US" dirty="0">
+                <a:solidFill>
+                  <a:schemeClr val="tx2"/>
+                </a:solidFill>
+                <a:latin typeface="Bahnschrift Light Condensed" panose="020B0502040204020203" pitchFamily="34" charset="0"/>
+              </a:rPr>
+              <a:t>DATA</a:t>
+            </a:r>
           </a:p>
         </p:txBody>
       </p:sp>
@@ -19986,14 +20139,6 @@
   <p:clrMapOvr>
     <a:masterClrMapping/>
   </p:clrMapOvr>
-  <mc:AlternateContent xmlns:mc="http://schemas.openxmlformats.org/markup-compatibility/2006" xmlns:p14="http://schemas.microsoft.com/office/powerpoint/2010/main">
-    <mc:Choice Requires="p14">
-      <p:transition p14:dur="0"/>
-    </mc:Choice>
-    <mc:Fallback xmlns="">
-      <p:transition/>
-    </mc:Fallback>
-  </mc:AlternateContent>
   <p:timing>
     <p:tnLst>
       <p:par>
@@ -20309,6 +20454,9 @@
           <a:prstGeom prst="wedgeRoundRectCallout">
             <a:avLst/>
           </a:prstGeom>
+          <a:solidFill>
+            <a:srgbClr val="464E54"/>
+          </a:solidFill>
           <a:ln>
             <a:noFill/>
           </a:ln>
@@ -20625,6 +20773,46 @@
           </p:txBody>
         </p:sp>
       </p:grpSp>
+      <p:sp>
+        <p:nvSpPr>
+          <p:cNvPr id="3" name="TextBox 2">
+            <a:extLst>
+              <a:ext uri="{FF2B5EF4-FFF2-40B4-BE49-F238E27FC236}">
+                <a16:creationId xmlns:a16="http://schemas.microsoft.com/office/drawing/2014/main" id="{315989A8-93EF-4C25-84B0-0938807585F4}"/>
+              </a:ext>
+            </a:extLst>
+          </p:cNvPr>
+          <p:cNvSpPr txBox="1"/>
+          <p:nvPr/>
+        </p:nvSpPr>
+        <p:spPr>
+          <a:xfrm>
+            <a:off x="11207262" y="6488672"/>
+            <a:ext cx="984738" cy="369328"/>
+          </a:xfrm>
+          <a:prstGeom prst="rect">
+            <a:avLst/>
+          </a:prstGeom>
+          <a:noFill/>
+        </p:spPr>
+        <p:txBody>
+          <a:bodyPr wrap="square" rtlCol="0">
+            <a:spAutoFit/>
+          </a:bodyPr>
+          <a:lstStyle/>
+          <a:p>
+            <a:r>
+              <a:rPr lang="en-US" dirty="0">
+                <a:solidFill>
+                  <a:schemeClr val="tx2"/>
+                </a:solidFill>
+                <a:latin typeface="Bahnschrift Light Condensed" panose="020B0502040204020203" pitchFamily="34" charset="0"/>
+              </a:rPr>
+              <a:t>VARIABLES</a:t>
+            </a:r>
+          </a:p>
+        </p:txBody>
+      </p:sp>
     </p:spTree>
     <p:extLst>
       <p:ext uri="{BB962C8B-B14F-4D97-AF65-F5344CB8AC3E}">
@@ -20635,14 +20823,6 @@
   <p:clrMapOvr>
     <a:masterClrMapping/>
   </p:clrMapOvr>
-  <mc:AlternateContent xmlns:mc="http://schemas.openxmlformats.org/markup-compatibility/2006" xmlns:p14="http://schemas.microsoft.com/office/powerpoint/2010/main">
-    <mc:Choice Requires="p14">
-      <p:transition p14:dur="0"/>
-    </mc:Choice>
-    <mc:Fallback xmlns="">
-      <p:transition/>
-    </mc:Fallback>
-  </mc:AlternateContent>
   <p:timing>
     <p:tnLst>
       <p:par>
@@ -22336,6 +22516,9 @@
               </a:path>
             </a:pathLst>
           </a:custGeom>
+          <a:solidFill>
+            <a:srgbClr val="5E6A71"/>
+          </a:solidFill>
         </p:spPr>
         <p:style>
           <a:lnRef idx="2">
@@ -22540,7 +22723,7 @@
               </a:spcBef>
             </a:pPr>
             <a:r>
-              <a:rPr lang="en-US" sz="2000" kern="1200" dirty="0" smtClean="0"/>
+              <a:rPr lang="en-US" sz="2000" kern="1200" dirty="0"/>
               <a:t>Logistic Regression</a:t>
             </a:r>
             <a:endParaRPr lang="en-US" sz="2000" dirty="0"/>
@@ -22555,7 +22738,7 @@
               </a:spcBef>
             </a:pPr>
             <a:r>
-              <a:rPr lang="en-US" sz="2000" kern="1200" dirty="0" smtClean="0"/>
+              <a:rPr lang="en-US" sz="2000" kern="1200" dirty="0"/>
               <a:t>Classifier</a:t>
             </a:r>
           </a:p>
@@ -22714,10 +22897,9 @@
               </a:spcAft>
             </a:pPr>
             <a:r>
-              <a:rPr lang="en-US" sz="2000" kern="1200" dirty="0" smtClean="0"/>
+              <a:rPr lang="en-US" sz="2000" kern="1200" dirty="0"/>
               <a:t>Stochastic Gradient Descent</a:t>
             </a:r>
-            <a:endParaRPr lang="en-US" sz="2000" kern="1200" dirty="0"/>
           </a:p>
         </p:txBody>
       </p:sp>
@@ -22874,10 +23056,9 @@
               </a:spcAft>
             </a:pPr>
             <a:r>
-              <a:rPr lang="en-US" sz="2000" kern="1200" dirty="0" smtClean="0"/>
+              <a:rPr lang="en-US" sz="2000" kern="1200" dirty="0"/>
               <a:t>Multi-layer Perceptron Classifier</a:t>
             </a:r>
-            <a:endParaRPr lang="en-US" sz="2000" kern="1200" dirty="0"/>
           </a:p>
         </p:txBody>
       </p:sp>
@@ -23668,14 +23849,11 @@
           <a:p>
             <a:pPr algn="ctr"/>
             <a:r>
-              <a:rPr lang="en-US" dirty="0" smtClean="0">
+              <a:rPr lang="en-US" dirty="0">
                 <a:latin typeface="Bahnschrift Light Condensed" panose="020B0502040204020203" pitchFamily="34" charset="0"/>
               </a:rPr>
               <a:t>In the future</a:t>
             </a:r>
-            <a:endParaRPr lang="en-US" dirty="0">
-              <a:latin typeface="Bahnschrift Light Condensed" panose="020B0502040204020203" pitchFamily="34" charset="0"/>
-            </a:endParaRPr>
           </a:p>
         </p:txBody>
       </p:sp>
@@ -24172,14 +24350,11 @@
           <a:p>
             <a:pPr algn="ctr"/>
             <a:r>
-              <a:rPr lang="en-US" dirty="0" smtClean="0">
+              <a:rPr lang="en-US" dirty="0">
                 <a:latin typeface="Bahnschrift Light Condensed" panose="020B0502040204020203" pitchFamily="34" charset="0"/>
               </a:rPr>
               <a:t>Currently used</a:t>
             </a:r>
-            <a:endParaRPr lang="en-US" dirty="0">
-              <a:latin typeface="Bahnschrift Light Condensed" panose="020B0502040204020203" pitchFamily="34" charset="0"/>
-            </a:endParaRPr>
           </a:p>
         </p:txBody>
       </p:sp>
@@ -24229,14 +24404,51 @@
           <a:p>
             <a:pPr algn="ctr"/>
             <a:r>
-              <a:rPr lang="en-US" dirty="0" smtClean="0">
+              <a:rPr lang="en-US" dirty="0">
                 <a:latin typeface="Bahnschrift Light Condensed" panose="020B0502040204020203" pitchFamily="34" charset="0"/>
               </a:rPr>
               <a:t>Currently used</a:t>
             </a:r>
-            <a:endParaRPr lang="en-US" dirty="0">
-              <a:latin typeface="Bahnschrift Light Condensed" panose="020B0502040204020203" pitchFamily="34" charset="0"/>
-            </a:endParaRPr>
+          </a:p>
+        </p:txBody>
+      </p:sp>
+      <p:sp>
+        <p:nvSpPr>
+          <p:cNvPr id="2" name="TextBox 1">
+            <a:extLst>
+              <a:ext uri="{FF2B5EF4-FFF2-40B4-BE49-F238E27FC236}">
+                <a16:creationId xmlns:a16="http://schemas.microsoft.com/office/drawing/2014/main" id="{324253E8-65EE-42DC-86A4-FAD4E3660778}"/>
+              </a:ext>
+            </a:extLst>
+          </p:cNvPr>
+          <p:cNvSpPr txBox="1"/>
+          <p:nvPr/>
+        </p:nvSpPr>
+        <p:spPr>
+          <a:xfrm>
+            <a:off x="11257206" y="6485099"/>
+            <a:ext cx="928970" cy="369332"/>
+          </a:xfrm>
+          <a:prstGeom prst="rect">
+            <a:avLst/>
+          </a:prstGeom>
+          <a:noFill/>
+        </p:spPr>
+        <p:txBody>
+          <a:bodyPr wrap="square" rtlCol="0">
+            <a:spAutoFit/>
+          </a:bodyPr>
+          <a:lstStyle/>
+          <a:p>
+            <a:r>
+              <a:rPr lang="en-US" dirty="0">
+                <a:solidFill>
+                  <a:schemeClr val="tx2"/>
+                </a:solidFill>
+                <a:latin typeface="Bahnschrift Light Condensed" panose="020B0502040204020203" pitchFamily="34" charset="0"/>
+              </a:rPr>
+              <a:t>MODELING</a:t>
+            </a:r>
           </a:p>
         </p:txBody>
       </p:sp>
@@ -24358,10 +24570,9 @@
               <a:lstStyle/>
               <a:p>
                 <a:r>
-                  <a:rPr lang="en-US" sz="1200" dirty="0" smtClean="0"/>
+                  <a:rPr lang="en-US" sz="1200" dirty="0"/>
                   <a:t>Predicted Class</a:t>
                 </a:r>
-                <a:endParaRPr lang="en-US" sz="1200" dirty="0"/>
               </a:p>
             </p:txBody>
           </p:sp>
@@ -24388,10 +24599,9 @@
               <a:lstStyle/>
               <a:p>
                 <a:r>
-                  <a:rPr lang="en-US" sz="1200" dirty="0" smtClean="0"/>
+                  <a:rPr lang="en-US" sz="1200" dirty="0"/>
                   <a:t>True Class</a:t>
                 </a:r>
-                <a:endParaRPr lang="en-US" sz="1200" dirty="0"/>
               </a:p>
             </p:txBody>
           </p:sp>
@@ -24418,10 +24628,9 @@
               <a:lstStyle/>
               <a:p>
                 <a:r>
-                  <a:rPr lang="en-US" sz="1600" dirty="0" smtClean="0"/>
+                  <a:rPr lang="en-US" sz="1600" dirty="0"/>
                   <a:t>Ensemble Confusion Matrix</a:t>
                 </a:r>
-                <a:endParaRPr lang="en-US" sz="1600" dirty="0"/>
               </a:p>
             </p:txBody>
           </p:sp>
@@ -24446,6 +24655,9 @@
             <a:prstGeom prst="wedgeRoundRectCallout">
               <a:avLst/>
             </a:prstGeom>
+            <a:solidFill>
+              <a:schemeClr val="accent1"/>
+            </a:solidFill>
             <a:ln>
               <a:noFill/>
             </a:ln>
@@ -24472,14 +24684,11 @@
             <a:p>
               <a:pPr algn="ctr"/>
               <a:r>
-                <a:rPr lang="en-US" sz="3200" dirty="0" smtClean="0">
+                <a:rPr lang="en-US" sz="3200" dirty="0">
                   <a:latin typeface="Bahnschrift Light Condensed" panose="020B0502040204020203" pitchFamily="34" charset="0"/>
                 </a:rPr>
                 <a:t>So, how is model performance?</a:t>
               </a:r>
-              <a:endParaRPr lang="en-US" sz="3200" dirty="0">
-                <a:latin typeface="Bahnschrift Light Condensed" panose="020B0502040204020203" pitchFamily="34" charset="0"/>
-              </a:endParaRPr>
             </a:p>
           </p:txBody>
         </p:sp>
@@ -24507,6 +24716,9 @@
                 <a:gd name="adj3" fmla="val 16667"/>
               </a:avLst>
             </a:prstGeom>
+            <a:solidFill>
+              <a:schemeClr val="tx1"/>
+            </a:solidFill>
             <a:ln>
               <a:noFill/>
             </a:ln>
@@ -24533,40 +24745,28 @@
             <a:p>
               <a:pPr algn="ctr"/>
               <a:r>
-                <a:rPr lang="en-US" sz="3200" dirty="0" err="1" smtClean="0">
+                <a:rPr lang="en-US" sz="3200" dirty="0" err="1">
                   <a:latin typeface="Bahnschrift Light Condensed" panose="020B0502040204020203" pitchFamily="34" charset="0"/>
                 </a:rPr>
                 <a:t>Ehhh</a:t>
               </a:r>
               <a:r>
-                <a:rPr lang="en-US" sz="3200" dirty="0" smtClean="0">
+                <a:rPr lang="en-US" sz="3200" dirty="0">
                   <a:latin typeface="Bahnschrift Light Condensed" panose="020B0502040204020203" pitchFamily="34" charset="0"/>
                 </a:rPr>
                 <a:t> … good (</a:t>
               </a:r>
               <a:r>
-                <a:rPr lang="en-US" sz="3200" dirty="0" err="1" smtClean="0">
+                <a:rPr lang="en-US" sz="3200" dirty="0" err="1">
                   <a:latin typeface="Bahnschrift Light Condensed" panose="020B0502040204020203" pitchFamily="34" charset="0"/>
                 </a:rPr>
                 <a:t>Gorunescu</a:t>
               </a:r>
               <a:r>
-                <a:rPr lang="en-US" sz="3200" dirty="0" smtClean="0">
-                  <a:latin typeface="Bahnschrift Light Condensed" panose="020B0502040204020203" pitchFamily="34" charset="0"/>
-                </a:rPr>
-                <a:t> </a:t>
-              </a:r>
-              <a:r>
                 <a:rPr lang="en-US" sz="3200" dirty="0">
                   <a:latin typeface="Bahnschrift Light Condensed" panose="020B0502040204020203" pitchFamily="34" charset="0"/>
                 </a:rPr>
-                <a:t>et al. 2011</a:t>
-              </a:r>
-              <a:r>
-                <a:rPr lang="en-US" sz="3200" dirty="0" smtClean="0">
-                  <a:latin typeface="Bahnschrift Light Condensed" panose="020B0502040204020203" pitchFamily="34" charset="0"/>
-                </a:rPr>
-                <a:t>).</a:t>
+                <a:t> et al. 2011).</a:t>
               </a:r>
             </a:p>
           </p:txBody>
@@ -24652,10 +24852,9 @@
                 <a:lstStyle/>
                 <a:p>
                   <a:r>
-                    <a:rPr lang="en-US" sz="1600" dirty="0" smtClean="0"/>
+                    <a:rPr lang="en-US" sz="1600" dirty="0"/>
                     <a:t>Ensemble ROC Curve</a:t>
                   </a:r>
-                  <a:endParaRPr lang="en-US" sz="1600" dirty="0"/>
                 </a:p>
               </p:txBody>
             </p:sp>
@@ -24682,10 +24881,9 @@
                 <a:lstStyle/>
                 <a:p>
                   <a:r>
-                    <a:rPr lang="en-US" sz="1200" dirty="0" smtClean="0"/>
+                    <a:rPr lang="en-US" sz="1200" dirty="0"/>
                     <a:t>False-Positive Rate (1 – Specificity)</a:t>
                   </a:r>
-                  <a:endParaRPr lang="en-US" sz="1200" dirty="0"/>
                 </a:p>
               </p:txBody>
             </p:sp>
@@ -24712,7 +24910,7 @@
                 <a:lstStyle/>
                 <a:p>
                   <a:r>
-                    <a:rPr lang="en-US" sz="1200" dirty="0" smtClean="0"/>
+                    <a:rPr lang="en-US" sz="1200" dirty="0"/>
                     <a:t>True-Positive Rate (Sensitivity)</a:t>
                   </a:r>
                 </a:p>
@@ -24742,23 +24940,58 @@
               <a:lstStyle/>
               <a:p>
                 <a:r>
-                  <a:rPr lang="en-US" sz="800" dirty="0" smtClean="0">
+                  <a:rPr lang="en-US" sz="800" dirty="0">
                     <a:latin typeface="Arial Unicode MS" panose="020B0604020202020204" pitchFamily="34" charset="-128"/>
                     <a:ea typeface="Arial Unicode MS" panose="020B0604020202020204" pitchFamily="34" charset="-128"/>
                     <a:cs typeface="Arial Unicode MS" panose="020B0604020202020204" pitchFamily="34" charset="-128"/>
                   </a:rPr>
                   <a:t>.8869 AUC</a:t>
                 </a:r>
-                <a:endParaRPr lang="en-US" sz="800" dirty="0">
-                  <a:latin typeface="Arial Unicode MS" panose="020B0604020202020204" pitchFamily="34" charset="-128"/>
-                  <a:ea typeface="Arial Unicode MS" panose="020B0604020202020204" pitchFamily="34" charset="-128"/>
-                  <a:cs typeface="Arial Unicode MS" panose="020B0604020202020204" pitchFamily="34" charset="-128"/>
-                </a:endParaRPr>
               </a:p>
             </p:txBody>
           </p:sp>
         </p:grpSp>
       </p:grpSp>
+      <p:sp>
+        <p:nvSpPr>
+          <p:cNvPr id="4" name="TextBox 3">
+            <a:extLst>
+              <a:ext uri="{FF2B5EF4-FFF2-40B4-BE49-F238E27FC236}">
+                <a16:creationId xmlns:a16="http://schemas.microsoft.com/office/drawing/2014/main" id="{767CD298-E807-4016-B1EA-990D9F932316}"/>
+              </a:ext>
+            </a:extLst>
+          </p:cNvPr>
+          <p:cNvSpPr txBox="1"/>
+          <p:nvPr/>
+        </p:nvSpPr>
+        <p:spPr>
+          <a:xfrm>
+            <a:off x="10894077" y="6488668"/>
+            <a:ext cx="1297923" cy="369332"/>
+          </a:xfrm>
+          <a:prstGeom prst="rect">
+            <a:avLst/>
+          </a:prstGeom>
+          <a:noFill/>
+        </p:spPr>
+        <p:txBody>
+          <a:bodyPr wrap="square" rtlCol="0">
+            <a:spAutoFit/>
+          </a:bodyPr>
+          <a:lstStyle/>
+          <a:p>
+            <a:r>
+              <a:rPr lang="en-US" dirty="0">
+                <a:solidFill>
+                  <a:schemeClr val="tx2"/>
+                </a:solidFill>
+                <a:latin typeface="Bahnschrift Light Condensed" panose="020B0502040204020203" pitchFamily="34" charset="0"/>
+              </a:rPr>
+              <a:t>PERFORMANCE</a:t>
+            </a:r>
+          </a:p>
+        </p:txBody>
+      </p:sp>
     </p:spTree>
     <p:extLst>
       <p:ext uri="{BB962C8B-B14F-4D97-AF65-F5344CB8AC3E}">
@@ -24826,7 +25059,7 @@
           <a:p>
             <a:pPr algn="ctr"/>
             <a:r>
-              <a:rPr lang="en-US" sz="2000" b="1" dirty="0" smtClean="0"/>
+              <a:rPr lang="en-US" sz="2000" b="1" dirty="0"/>
               <a:t>There are many benefits.</a:t>
             </a:r>
           </a:p>
@@ -24841,17 +25074,59 @@
           <a:p>
             <a:pPr algn="ctr"/>
             <a:r>
-              <a:rPr lang="en-US" dirty="0" smtClean="0">
+              <a:rPr lang="en-US" dirty="0">
                 <a:latin typeface="Bahnschrift Light Condensed" panose="020B0502040204020203" pitchFamily="34" charset="0"/>
               </a:rPr>
-              <a:t>In-house ML </a:t>
+              <a:t>In-house ML solution</a:t>
             </a:r>
+          </a:p>
+          <a:p>
+            <a:pPr algn="ctr"/>
+            <a:endParaRPr lang="en-US" dirty="0">
+              <a:latin typeface="Bahnschrift Light Condensed" panose="020B0502040204020203" pitchFamily="34" charset="0"/>
+            </a:endParaRPr>
+          </a:p>
+          <a:p>
+            <a:pPr algn="ctr"/>
             <a:r>
-              <a:rPr lang="en-US" dirty="0" smtClean="0">
+              <a:rPr lang="en-US" dirty="0">
                 <a:latin typeface="Bahnschrift Light Condensed" panose="020B0502040204020203" pitchFamily="34" charset="0"/>
               </a:rPr>
-              <a:t>solution</a:t>
+              <a:t>Built using existing products</a:t>
             </a:r>
+          </a:p>
+          <a:p>
+            <a:pPr algn="ctr"/>
+            <a:endParaRPr lang="en-US" dirty="0">
+              <a:latin typeface="Bahnschrift Light Condensed" panose="020B0502040204020203" pitchFamily="34" charset="0"/>
+            </a:endParaRPr>
+          </a:p>
+          <a:p>
+            <a:pPr algn="ctr"/>
+            <a:r>
+              <a:rPr lang="en-US" dirty="0">
+                <a:latin typeface="Bahnschrift Light Condensed" panose="020B0502040204020203" pitchFamily="34" charset="0"/>
+              </a:rPr>
+              <a:t>Flexible enough for a variety of outcomes</a:t>
+            </a:r>
+          </a:p>
+          <a:p>
+            <a:pPr algn="ctr"/>
+            <a:endParaRPr lang="en-US" dirty="0">
+              <a:latin typeface="Bahnschrift Light Condensed" panose="020B0502040204020203" pitchFamily="34" charset="0"/>
+            </a:endParaRPr>
+          </a:p>
+          <a:p>
+            <a:pPr algn="ctr"/>
+            <a:r>
+              <a:rPr lang="en-US" dirty="0">
+                <a:latin typeface="Bahnschrift Light Condensed" panose="020B0502040204020203" pitchFamily="34" charset="0"/>
+              </a:rPr>
+              <a:t>Strong baseline performance</a:t>
+            </a:r>
+          </a:p>
+          <a:p>
+            <a:pPr algn="ctr"/>
             <a:endParaRPr lang="en-US" dirty="0">
               <a:latin typeface="Bahnschrift Light Condensed" panose="020B0502040204020203" pitchFamily="34" charset="0"/>
             </a:endParaRPr>
@@ -24865,14 +25140,17 @@
           <a:p>
             <a:pPr algn="ctr"/>
             <a:r>
-              <a:rPr lang="en-US" dirty="0" smtClean="0">
-                <a:latin typeface="Bahnschrift Light Condensed" panose="020B0502040204020203" pitchFamily="34" charset="0"/>
-              </a:rPr>
-              <a:t>Built using existing products</a:t>
+              <a:rPr lang="en-US" b="1" dirty="0"/>
+              <a:t>But there are </a:t>
             </a:r>
-            <a:endParaRPr lang="en-US" dirty="0">
-              <a:latin typeface="Bahnschrift Light Condensed" panose="020B0502040204020203" pitchFamily="34" charset="0"/>
-            </a:endParaRPr>
+            <a:r>
+              <a:rPr lang="en-US" b="1"/>
+              <a:t>tasks ahead</a:t>
+            </a:r>
+            <a:r>
+              <a:rPr lang="en-US" b="1" dirty="0"/>
+              <a:t>.</a:t>
+            </a:r>
           </a:p>
           <a:p>
             <a:pPr algn="ctr"/>
@@ -24883,79 +25161,11 @@
           <a:p>
             <a:pPr algn="ctr"/>
             <a:r>
-              <a:rPr lang="en-US" dirty="0" smtClean="0">
-                <a:latin typeface="Bahnschrift Light Condensed" panose="020B0502040204020203" pitchFamily="34" charset="0"/>
-              </a:rPr>
-              <a:t>Flexible enough for a variety of outcomes</a:t>
-            </a:r>
-            <a:endParaRPr lang="en-US" dirty="0">
-              <a:latin typeface="Bahnschrift Light Condensed" panose="020B0502040204020203" pitchFamily="34" charset="0"/>
-            </a:endParaRPr>
-          </a:p>
-          <a:p>
-            <a:pPr algn="ctr"/>
-            <a:endParaRPr lang="en-US" dirty="0" smtClean="0">
-              <a:latin typeface="Bahnschrift Light Condensed" panose="020B0502040204020203" pitchFamily="34" charset="0"/>
-            </a:endParaRPr>
-          </a:p>
-          <a:p>
-            <a:pPr algn="ctr"/>
-            <a:r>
-              <a:rPr lang="en-US" dirty="0" smtClean="0">
-                <a:latin typeface="Bahnschrift Light Condensed" panose="020B0502040204020203" pitchFamily="34" charset="0"/>
-              </a:rPr>
-              <a:t>Strong baseline performance</a:t>
-            </a:r>
-          </a:p>
-          <a:p>
-            <a:pPr algn="ctr"/>
-            <a:endParaRPr lang="en-US" dirty="0">
-              <a:latin typeface="Bahnschrift Light Condensed" panose="020B0502040204020203" pitchFamily="34" charset="0"/>
-            </a:endParaRPr>
-          </a:p>
-          <a:p>
-            <a:pPr algn="ctr"/>
-            <a:endParaRPr lang="en-US" dirty="0" smtClean="0">
-              <a:latin typeface="Bahnschrift Light Condensed" panose="020B0502040204020203" pitchFamily="34" charset="0"/>
-            </a:endParaRPr>
-          </a:p>
-          <a:p>
-            <a:pPr algn="ctr"/>
-            <a:r>
-              <a:rPr lang="en-US" b="1" dirty="0" smtClean="0"/>
-              <a:t>But </a:t>
-            </a:r>
-            <a:r>
-              <a:rPr lang="en-US" b="1" dirty="0" smtClean="0"/>
-              <a:t>there are </a:t>
-            </a:r>
-            <a:r>
-              <a:rPr lang="en-US" b="1" smtClean="0"/>
-              <a:t>tasks ahead</a:t>
-            </a:r>
-            <a:r>
-              <a:rPr lang="en-US" b="1" dirty="0" smtClean="0"/>
-              <a:t>.</a:t>
-            </a:r>
-            <a:endParaRPr lang="en-US" b="1" dirty="0"/>
-          </a:p>
-          <a:p>
-            <a:pPr algn="ctr"/>
-            <a:endParaRPr lang="en-US" dirty="0">
-              <a:latin typeface="Bahnschrift Light Condensed" panose="020B0502040204020203" pitchFamily="34" charset="0"/>
-            </a:endParaRPr>
-          </a:p>
-          <a:p>
-            <a:pPr algn="ctr"/>
-            <a:r>
-              <a:rPr lang="en-US" dirty="0" smtClean="0">
+              <a:rPr lang="en-US" dirty="0">
                 <a:latin typeface="Bahnschrift Light Condensed" panose="020B0502040204020203" pitchFamily="34" charset="0"/>
               </a:rPr>
               <a:t>MLP, LIME, new variables, and the unknowns</a:t>
             </a:r>
-            <a:endParaRPr lang="en-US" dirty="0">
-              <a:latin typeface="Bahnschrift Light Condensed" panose="020B0502040204020203" pitchFamily="34" charset="0"/>
-            </a:endParaRPr>
           </a:p>
         </p:txBody>
       </p:sp>
@@ -25019,14 +25229,11 @@
             <a:p>
               <a:pPr algn="ctr"/>
               <a:r>
-                <a:rPr lang="en-US" sz="3200" dirty="0" smtClean="0">
+                <a:rPr lang="en-US" sz="3200" dirty="0">
                   <a:latin typeface="Bahnschrift Light Condensed" panose="020B0502040204020203" pitchFamily="34" charset="0"/>
                 </a:rPr>
                 <a:t>In summary.</a:t>
               </a:r>
-              <a:endParaRPr lang="en-US" sz="3200" dirty="0">
-                <a:latin typeface="Bahnschrift Light Condensed" panose="020B0502040204020203" pitchFamily="34" charset="0"/>
-              </a:endParaRPr>
             </a:p>
           </p:txBody>
         </p:sp>
@@ -25061,6 +25268,52 @@
           </p:spPr>
         </p:pic>
       </p:grpSp>
+      <p:sp>
+        <p:nvSpPr>
+          <p:cNvPr id="6" name="TextBox 5">
+            <a:extLst>
+              <a:ext uri="{FF2B5EF4-FFF2-40B4-BE49-F238E27FC236}">
+                <a16:creationId xmlns:a16="http://schemas.microsoft.com/office/drawing/2014/main" id="{1F099461-28EA-4FB4-BF46-20F07871B61E}"/>
+              </a:ext>
+            </a:extLst>
+          </p:cNvPr>
+          <p:cNvSpPr txBox="1"/>
+          <p:nvPr/>
+        </p:nvSpPr>
+        <p:spPr>
+          <a:xfrm>
+            <a:off x="11297531" y="6488668"/>
+            <a:ext cx="894469" cy="369332"/>
+          </a:xfrm>
+          <a:prstGeom prst="rect">
+            <a:avLst/>
+          </a:prstGeom>
+          <a:noFill/>
+        </p:spPr>
+        <p:txBody>
+          <a:bodyPr wrap="square" rtlCol="0">
+            <a:spAutoFit/>
+          </a:bodyPr>
+          <a:lstStyle/>
+          <a:p>
+            <a:r>
+              <a:rPr lang="en-US" dirty="0" smtClean="0">
+                <a:solidFill>
+                  <a:schemeClr val="tx2"/>
+                </a:solidFill>
+                <a:latin typeface="Bahnschrift Light Condensed" panose="020B0502040204020203" pitchFamily="34" charset="0"/>
+              </a:rPr>
+              <a:t>WRAP-UP</a:t>
+            </a:r>
+            <a:endParaRPr lang="en-US" dirty="0">
+              <a:solidFill>
+                <a:schemeClr val="tx2"/>
+              </a:solidFill>
+              <a:latin typeface="Bahnschrift Light Condensed" panose="020B0502040204020203" pitchFamily="34" charset="0"/>
+            </a:endParaRPr>
+          </a:p>
+        </p:txBody>
+      </p:sp>
     </p:spTree>
     <p:extLst>
       <p:ext uri="{BB962C8B-B14F-4D97-AF65-F5344CB8AC3E}">
@@ -25121,7 +25374,7 @@
           <a:lstStyle/>
           <a:p>
             <a:r>
-              <a:rPr lang="en-US" sz="2800" dirty="0" smtClean="0">
+              <a:rPr lang="en-US" sz="2800" dirty="0">
                 <a:hlinkClick r:id="rId2"/>
               </a:rPr>
               <a:t>https://wsuaacprodoac-wsucloud.analytics.ocp.oraclecloud.com/</a:t>
@@ -25150,6 +25403,9 @@
           <a:prstGeom prst="wedgeRoundRectCallout">
             <a:avLst/>
           </a:prstGeom>
+          <a:solidFill>
+            <a:srgbClr val="464E54"/>
+          </a:solidFill>
           <a:ln>
             <a:noFill/>
           </a:ln>
@@ -25176,14 +25432,11 @@
           <a:p>
             <a:pPr algn="ctr"/>
             <a:r>
-              <a:rPr lang="en-US" sz="3200" dirty="0" smtClean="0">
+              <a:rPr lang="en-US" sz="3200" dirty="0">
                 <a:latin typeface="Bahnschrift Light Condensed" panose="020B0502040204020203" pitchFamily="34" charset="0"/>
               </a:rPr>
               <a:t>Thanks for listening!</a:t>
             </a:r>
-            <a:endParaRPr lang="en-US" sz="3200" dirty="0">
-              <a:latin typeface="Bahnschrift Light Condensed" panose="020B0502040204020203" pitchFamily="34" charset="0"/>
-            </a:endParaRPr>
           </a:p>
         </p:txBody>
       </p:sp>
@@ -25257,14 +25510,6 @@
   <p:clrMapOvr>
     <a:masterClrMapping/>
   </p:clrMapOvr>
-  <mc:AlternateContent xmlns:mc="http://schemas.openxmlformats.org/markup-compatibility/2006" xmlns:p14="http://schemas.microsoft.com/office/powerpoint/2010/main">
-    <mc:Choice Requires="p14">
-      <p:transition p14:dur="0"/>
-    </mc:Choice>
-    <mc:Fallback xmlns="">
-      <p:transition/>
-    </mc:Fallback>
-  </mc:AlternateContent>
   <p:timing>
     <p:tnLst>
       <p:par>
@@ -25278,7 +25523,7 @@
 <file path=ppt/theme/theme1.xml><?xml version="1.0" encoding="utf-8"?>
 <a:theme xmlns:a="http://schemas.openxmlformats.org/drawingml/2006/main" name="Atlas">
   <a:themeElements>
-    <a:clrScheme name="Custom 9">
+    <a:clrScheme name="Custom 1">
       <a:dk1>
         <a:srgbClr val="464E54"/>
       </a:dk1>
@@ -25286,7 +25531,7 @@
         <a:sysClr val="window" lastClr="FFFFFF"/>
       </a:lt1>
       <a:dk2>
-        <a:srgbClr val="8D959A"/>
+        <a:srgbClr val="5E6A71"/>
       </a:dk2>
       <a:lt2>
         <a:srgbClr val="E0E0E0"/>
@@ -25828,14 +26073,6 @@
 </file>
 
 <file path=customXml/item1.xml><?xml version="1.0" encoding="utf-8"?>
-<p:properties xmlns:p="http://schemas.microsoft.com/office/2006/metadata/properties" xmlns:xsi="http://www.w3.org/2001/XMLSchema-instance" xmlns:pc="http://schemas.microsoft.com/office/infopath/2007/PartnerControls">
-  <documentManagement>
-    <MediaServiceKeyPoints xmlns="71af3243-3dd4-4a8d-8c0d-dd76da1f02a5" xsi:nil="true"/>
-  </documentManagement>
-</p:properties>
-</file>
-
-<file path=customXml/item2.xml><?xml version="1.0" encoding="utf-8"?>
 <ct:contentTypeSchema xmlns:ct="http://schemas.microsoft.com/office/2006/metadata/contentType" xmlns:ma="http://schemas.microsoft.com/office/2006/metadata/properties/metaAttributes" ct:_="" ma:_="" ma:contentTypeName="Document" ma:contentTypeID="0x01010079F111ED35F8CC479449609E8A0923A6" ma:contentTypeVersion="11" ma:contentTypeDescription="Create a new document." ma:contentTypeScope="" ma:versionID="9677210f24a1be23c92c90fd886aa0aa">
   <xsd:schema xmlns:xsd="http://www.w3.org/2001/XMLSchema" xmlns:xs="http://www.w3.org/2001/XMLSchema" xmlns:p="http://schemas.microsoft.com/office/2006/metadata/properties" xmlns:ns2="71af3243-3dd4-4a8d-8c0d-dd76da1f02a5" xmlns:ns3="16c05727-aa75-4e4a-9b5f-8a80a1165891" targetNamespace="http://schemas.microsoft.com/office/2006/metadata/properties" ma:root="true" ma:fieldsID="60e05723c5c1908df1a1a4ebf11d344e" ns2:_="" ns3:_="">
     <xsd:import namespace="71af3243-3dd4-4a8d-8c0d-dd76da1f02a5"/>
@@ -26046,6 +26283,14 @@
 </ct:contentTypeSchema>
 </file>
 
+<file path=customXml/item2.xml><?xml version="1.0" encoding="utf-8"?>
+<p:properties xmlns:p="http://schemas.microsoft.com/office/2006/metadata/properties" xmlns:xsi="http://www.w3.org/2001/XMLSchema-instance" xmlns:pc="http://schemas.microsoft.com/office/infopath/2007/PartnerControls">
+  <documentManagement>
+    <MediaServiceKeyPoints xmlns="71af3243-3dd4-4a8d-8c0d-dd76da1f02a5" xsi:nil="true"/>
+  </documentManagement>
+</p:properties>
+</file>
+
 <file path=customXml/item3.xml><?xml version="1.0" encoding="utf-8"?>
 <?mso-contentType ?>
 <FormTemplates xmlns="http://schemas.microsoft.com/sharepoint/v3/contenttype/forms">
@@ -26056,23 +26301,6 @@
 </file>
 
 <file path=customXml/itemProps1.xml><?xml version="1.0" encoding="utf-8"?>
-<ds:datastoreItem xmlns:ds="http://schemas.openxmlformats.org/officeDocument/2006/customXml" ds:itemID="{AD24716F-C831-4AC2-BB0A-5EC60E4671B3}">
-  <ds:schemaRefs>
-    <ds:schemaRef ds:uri="http://www.w3.org/XML/1998/namespace"/>
-    <ds:schemaRef ds:uri="http://purl.org/dc/elements/1.1/"/>
-    <ds:schemaRef ds:uri="http://schemas.microsoft.com/office/2006/documentManagement/types"/>
-    <ds:schemaRef ds:uri="16c05727-aa75-4e4a-9b5f-8a80a1165891"/>
-    <ds:schemaRef ds:uri="http://schemas.microsoft.com/office/2006/metadata/properties"/>
-    <ds:schemaRef ds:uri="http://schemas.microsoft.com/office/infopath/2007/PartnerControls"/>
-    <ds:schemaRef ds:uri="71af3243-3dd4-4a8d-8c0d-dd76da1f02a5"/>
-    <ds:schemaRef ds:uri="http://schemas.openxmlformats.org/package/2006/metadata/core-properties"/>
-    <ds:schemaRef ds:uri="http://purl.org/dc/dcmitype/"/>
-    <ds:schemaRef ds:uri="http://purl.org/dc/terms/"/>
-  </ds:schemaRefs>
-</ds:datastoreItem>
-</file>
-
-<file path=customXml/itemProps2.xml><?xml version="1.0" encoding="utf-8"?>
 <ds:datastoreItem xmlns:ds="http://schemas.openxmlformats.org/officeDocument/2006/customXml" ds:itemID="{F3A8986E-DA64-415A-A390-AF2FFA01BA73}">
   <ds:schemaRefs>
     <ds:schemaRef ds:uri="http://schemas.microsoft.com/office/2006/metadata/contentType"/>
@@ -26091,6 +26319,23 @@
 </ds:datastoreItem>
 </file>
 
+<file path=customXml/itemProps2.xml><?xml version="1.0" encoding="utf-8"?>
+<ds:datastoreItem xmlns:ds="http://schemas.openxmlformats.org/officeDocument/2006/customXml" ds:itemID="{AD24716F-C831-4AC2-BB0A-5EC60E4671B3}">
+  <ds:schemaRefs>
+    <ds:schemaRef ds:uri="http://www.w3.org/XML/1998/namespace"/>
+    <ds:schemaRef ds:uri="http://purl.org/dc/elements/1.1/"/>
+    <ds:schemaRef ds:uri="http://schemas.microsoft.com/office/2006/documentManagement/types"/>
+    <ds:schemaRef ds:uri="16c05727-aa75-4e4a-9b5f-8a80a1165891"/>
+    <ds:schemaRef ds:uri="http://schemas.microsoft.com/office/2006/metadata/properties"/>
+    <ds:schemaRef ds:uri="http://schemas.microsoft.com/office/infopath/2007/PartnerControls"/>
+    <ds:schemaRef ds:uri="71af3243-3dd4-4a8d-8c0d-dd76da1f02a5"/>
+    <ds:schemaRef ds:uri="http://schemas.openxmlformats.org/package/2006/metadata/core-properties"/>
+    <ds:schemaRef ds:uri="http://purl.org/dc/dcmitype/"/>
+    <ds:schemaRef ds:uri="http://purl.org/dc/terms/"/>
+  </ds:schemaRefs>
+</ds:datastoreItem>
+</file>
+
 <file path=customXml/itemProps3.xml><?xml version="1.0" encoding="utf-8"?>
 <ds:datastoreItem xmlns:ds="http://schemas.openxmlformats.org/officeDocument/2006/customXml" ds:itemID="{58F3D8C7-1E6F-4D15-8163-ADBC81A00AAD}">
   <ds:schemaRefs>

--- a/Documentation/student_risk_presentation.pptx
+++ b/Documentation/student_risk_presentation.pptx
@@ -20010,8 +20010,8 @@
         </p:nvSpPr>
         <p:spPr>
           <a:xfrm>
-            <a:off x="2771623" y="1318529"/>
-            <a:ext cx="6648755" cy="400110"/>
+            <a:off x="3125943" y="1318529"/>
+            <a:ext cx="5940115" cy="400110"/>
           </a:xfrm>
           <a:prstGeom prst="rect">
             <a:avLst/>
@@ -20026,7 +20026,15 @@
           <a:p>
             <a:r>
               <a:rPr lang="en-US" sz="2000" b="1" dirty="0"/>
-              <a:t>Walk-forward Optimization with Longitudinal Data</a:t>
+              <a:t>Walk-forward </a:t>
+            </a:r>
+            <a:r>
+              <a:rPr lang="en-US" sz="2000" b="1" dirty="0" smtClean="0"/>
+              <a:t>Analysis </a:t>
+            </a:r>
+            <a:r>
+              <a:rPr lang="en-US" sz="2000" b="1" dirty="0"/>
+              <a:t>with Longitudinal Data</a:t>
             </a:r>
           </a:p>
         </p:txBody>

--- a/Documentation/student_risk_presentation.pptx
+++ b/Documentation/student_risk_presentation.pptx
@@ -205,7 +205,7 @@
           <a:p>
             <a:fld id="{0D8968FE-AD3D-444F-B6A8-796D946DC3A6}" type="datetimeFigureOut">
               <a:rPr lang="en-US" smtClean="0"/>
-              <a:t>4/21/2021</a:t>
+              <a:t>4/27/2021</a:t>
             </a:fld>
             <a:endParaRPr lang="en-US" dirty="0"/>
           </a:p>
@@ -2049,7 +2049,7 @@
           <a:p>
             <a:fld id="{198E66DD-51B1-4BF7-9539-DEA51BFAEFD8}" type="datetime1">
               <a:rPr lang="en-US" smtClean="0"/>
-              <a:t>4/21/2021</a:t>
+              <a:t>4/27/2021</a:t>
             </a:fld>
             <a:endParaRPr lang="en-US" dirty="0"/>
           </a:p>
@@ -3503,7 +3503,7 @@
           <a:p>
             <a:fld id="{827A6260-7573-4697-9E59-AA19A1D5C255}" type="datetime1">
               <a:rPr lang="en-US" smtClean="0"/>
-              <a:t>4/21/2021</a:t>
+              <a:t>4/27/2021</a:t>
             </a:fld>
             <a:endParaRPr lang="en-US" dirty="0"/>
           </a:p>
@@ -4951,7 +4951,7 @@
           <a:p>
             <a:fld id="{AB049DE4-AD7B-432F-9E35-775F5F8CC6AD}" type="datetime1">
               <a:rPr lang="en-US" smtClean="0"/>
-              <a:t>4/21/2021</a:t>
+              <a:t>4/27/2021</a:t>
             </a:fld>
             <a:endParaRPr lang="en-US" dirty="0"/>
           </a:p>
@@ -6401,7 +6401,7 @@
           <a:p>
             <a:fld id="{CED204F4-028A-4A36-B306-1FBAFF258B24}" type="datetime1">
               <a:rPr lang="en-US" smtClean="0"/>
-              <a:t>4/21/2021</a:t>
+              <a:t>4/27/2021</a:t>
             </a:fld>
             <a:endParaRPr lang="en-US" dirty="0"/>
           </a:p>
@@ -7904,7 +7904,7 @@
           <a:p>
             <a:fld id="{A7569E6D-812C-4C70-BB51-98F32992DB43}" type="datetime1">
               <a:rPr lang="en-US" smtClean="0"/>
-              <a:t>4/21/2021</a:t>
+              <a:t>4/27/2021</a:t>
             </a:fld>
             <a:endParaRPr lang="en-US" dirty="0"/>
           </a:p>
@@ -9420,7 +9420,7 @@
           <a:p>
             <a:fld id="{F10287DF-640A-4181-8B82-4913718EF244}" type="datetime1">
               <a:rPr lang="en-US" smtClean="0"/>
-              <a:t>4/21/2021</a:t>
+              <a:t>4/27/2021</a:t>
             </a:fld>
             <a:endParaRPr lang="en-US" dirty="0"/>
           </a:p>
@@ -11080,7 +11080,7 @@
           <a:p>
             <a:fld id="{C74BE3E1-3173-4AB6-90EF-CE84B9FBD77E}" type="datetime1">
               <a:rPr lang="en-US" smtClean="0"/>
-              <a:t>4/21/2021</a:t>
+              <a:t>4/27/2021</a:t>
             </a:fld>
             <a:endParaRPr lang="en-US" dirty="0"/>
           </a:p>
@@ -12473,7 +12473,7 @@
           <a:p>
             <a:fld id="{CE46D357-68ED-48AA-AC18-9CC27DEA9490}" type="datetime1">
               <a:rPr lang="en-US" smtClean="0"/>
-              <a:t>4/21/2021</a:t>
+              <a:t>4/27/2021</a:t>
             </a:fld>
             <a:endParaRPr lang="en-US" dirty="0"/>
           </a:p>
@@ -12568,7 +12568,7 @@
           <a:p>
             <a:fld id="{ACC8BAEE-D0AF-4323-A024-1416F995B386}" type="datetime1">
               <a:rPr lang="en-US" smtClean="0"/>
-              <a:t>4/21/2021</a:t>
+              <a:t>4/27/2021</a:t>
             </a:fld>
             <a:endParaRPr lang="en-US" dirty="0"/>
           </a:p>
@@ -14089,7 +14089,7 @@
           <a:p>
             <a:fld id="{CD36E0D4-CA65-4DD1-8546-2CC4E75B8B9D}" type="datetime1">
               <a:rPr lang="en-US" smtClean="0"/>
-              <a:t>4/21/2021</a:t>
+              <a:t>4/27/2021</a:t>
             </a:fld>
             <a:endParaRPr lang="en-US" dirty="0"/>
           </a:p>
@@ -15620,7 +15620,7 @@
           <a:p>
             <a:fld id="{C19DEFE7-E1FA-4CA7-8A5A-F9AB210CE638}" type="datetime1">
               <a:rPr lang="en-US" smtClean="0"/>
-              <a:t>4/21/2021</a:t>
+              <a:t>4/27/2021</a:t>
             </a:fld>
             <a:endParaRPr lang="en-US" dirty="0"/>
           </a:p>
@@ -15838,7 +15838,7 @@
           <a:p>
             <a:fld id="{FD1E3FCC-785C-4EC4-B782-9133218B75DD}" type="datetime1">
               <a:rPr lang="en-US" smtClean="0"/>
-              <a:t>4/21/2021</a:t>
+              <a:t>4/27/2021</a:t>
             </a:fld>
             <a:endParaRPr lang="en-US" dirty="0"/>
           </a:p>
@@ -16302,7 +16302,7 @@
                 <a16:creationId xmlns:a16="http://schemas.microsoft.com/office/drawing/2014/main" id="{6BDBA639-2A71-4A60-A71A-FF1836F546CE}"/>
               </a:ext>
               <a:ext uri="{C183D7F6-B498-43B3-948B-1728B52AA6E4}">
-                <adec:decorative xmlns:adec="http://schemas.microsoft.com/office/drawing/2017/decorative" xmlns="" val="1"/>
+                <adec:decorative xmlns="" xmlns:adec="http://schemas.microsoft.com/office/drawing/2017/decorative" val="1"/>
               </a:ext>
             </a:extLst>
           </p:cNvPr>
@@ -16362,7 +16362,7 @@
                 <a16:creationId xmlns:a16="http://schemas.microsoft.com/office/drawing/2014/main" id="{5E208A8B-5EBD-4532-BE72-26414FA7CFF6}"/>
               </a:ext>
               <a:ext uri="{C183D7F6-B498-43B3-948B-1728B52AA6E4}">
-                <adec:decorative xmlns:adec="http://schemas.microsoft.com/office/drawing/2017/decorative" xmlns="" val="1"/>
+                <adec:decorative xmlns="" xmlns:adec="http://schemas.microsoft.com/office/drawing/2017/decorative" val="1"/>
               </a:ext>
             </a:extLst>
           </p:cNvPr>
@@ -16393,7 +16393,7 @@
                   <a16:creationId xmlns:a16="http://schemas.microsoft.com/office/drawing/2014/main" id="{15D09196-B338-4AB5-A71B-CFD5FFCA62BA}"/>
                 </a:ext>
                 <a:ext uri="{C183D7F6-B498-43B3-948B-1728B52AA6E4}">
-                  <adec:decorative xmlns:adec="http://schemas.microsoft.com/office/drawing/2017/decorative" xmlns="" val="1"/>
+                  <adec:decorative xmlns="" xmlns:adec="http://schemas.microsoft.com/office/drawing/2017/decorative" val="1"/>
                 </a:ext>
               </a:extLst>
             </p:cNvPr>
@@ -16476,7 +16476,7 @@
                   <a16:creationId xmlns:a16="http://schemas.microsoft.com/office/drawing/2014/main" id="{F50B4463-128A-4677-A285-C017E6C543E0}"/>
                 </a:ext>
                 <a:ext uri="{C183D7F6-B498-43B3-948B-1728B52AA6E4}">
-                  <adec:decorative xmlns:adec="http://schemas.microsoft.com/office/drawing/2017/decorative" xmlns="" val="1"/>
+                  <adec:decorative xmlns="" xmlns:adec="http://schemas.microsoft.com/office/drawing/2017/decorative" val="1"/>
                 </a:ext>
               </a:extLst>
             </p:cNvPr>
@@ -16559,7 +16559,7 @@
                   <a16:creationId xmlns:a16="http://schemas.microsoft.com/office/drawing/2014/main" id="{1D9B95CD-F023-4DFA-9678-1E02713F74B7}"/>
                 </a:ext>
                 <a:ext uri="{C183D7F6-B498-43B3-948B-1728B52AA6E4}">
-                  <adec:decorative xmlns:adec="http://schemas.microsoft.com/office/drawing/2017/decorative" xmlns="" val="1"/>
+                  <adec:decorative xmlns="" xmlns:adec="http://schemas.microsoft.com/office/drawing/2017/decorative" val="1"/>
                 </a:ext>
               </a:extLst>
             </p:cNvPr>
@@ -16647,7 +16647,7 @@
                   <a16:creationId xmlns:a16="http://schemas.microsoft.com/office/drawing/2014/main" id="{1DDF47A8-BE7B-43F3-A500-F5A4656D83BE}"/>
                 </a:ext>
                 <a:ext uri="{C183D7F6-B498-43B3-948B-1728B52AA6E4}">
-                  <adec:decorative xmlns:adec="http://schemas.microsoft.com/office/drawing/2017/decorative" xmlns="" val="1"/>
+                  <adec:decorative xmlns="" xmlns:adec="http://schemas.microsoft.com/office/drawing/2017/decorative" val="1"/>
                 </a:ext>
               </a:extLst>
             </p:cNvPr>
@@ -16725,7 +16725,7 @@
                   <a16:creationId xmlns:a16="http://schemas.microsoft.com/office/drawing/2014/main" id="{2DD394DE-76FB-42F8-85F2-FD436F423263}"/>
                 </a:ext>
                 <a:ext uri="{C183D7F6-B498-43B3-948B-1728B52AA6E4}">
-                  <adec:decorative xmlns:adec="http://schemas.microsoft.com/office/drawing/2017/decorative" xmlns="" val="1"/>
+                  <adec:decorative xmlns="" xmlns:adec="http://schemas.microsoft.com/office/drawing/2017/decorative" val="1"/>
                 </a:ext>
               </a:extLst>
             </p:cNvPr>
@@ -16793,7 +16793,7 @@
                   <a16:creationId xmlns:a16="http://schemas.microsoft.com/office/drawing/2014/main" id="{B95F2EFB-87E6-4400-AAF3-7EB8B4F1561C}"/>
                 </a:ext>
                 <a:ext uri="{C183D7F6-B498-43B3-948B-1728B52AA6E4}">
-                  <adec:decorative xmlns:adec="http://schemas.microsoft.com/office/drawing/2017/decorative" xmlns="" val="1"/>
+                  <adec:decorative xmlns="" xmlns:adec="http://schemas.microsoft.com/office/drawing/2017/decorative" val="1"/>
                 </a:ext>
               </a:extLst>
             </p:cNvPr>
@@ -16871,7 +16871,7 @@
                   <a16:creationId xmlns:a16="http://schemas.microsoft.com/office/drawing/2014/main" id="{1D463476-2BC7-418C-9D6F-51444B11A722}"/>
                 </a:ext>
                 <a:ext uri="{C183D7F6-B498-43B3-948B-1728B52AA6E4}">
-                  <adec:decorative xmlns:adec="http://schemas.microsoft.com/office/drawing/2017/decorative" xmlns="" val="1"/>
+                  <adec:decorative xmlns="" xmlns:adec="http://schemas.microsoft.com/office/drawing/2017/decorative" val="1"/>
                 </a:ext>
               </a:extLst>
             </p:cNvPr>
@@ -16944,7 +16944,7 @@
                   <a16:creationId xmlns:a16="http://schemas.microsoft.com/office/drawing/2014/main" id="{24011122-2495-478A-81BF-ABBDEA1DA803}"/>
                 </a:ext>
                 <a:ext uri="{C183D7F6-B498-43B3-948B-1728B52AA6E4}">
-                  <adec:decorative xmlns:adec="http://schemas.microsoft.com/office/drawing/2017/decorative" xmlns="" val="1"/>
+                  <adec:decorative xmlns="" xmlns:adec="http://schemas.microsoft.com/office/drawing/2017/decorative" val="1"/>
                 </a:ext>
               </a:extLst>
             </p:cNvPr>
@@ -17012,7 +17012,7 @@
                   <a16:creationId xmlns:a16="http://schemas.microsoft.com/office/drawing/2014/main" id="{C79E87C5-E5B3-476B-B539-FC9CF4A33B72}"/>
                 </a:ext>
                 <a:ext uri="{C183D7F6-B498-43B3-948B-1728B52AA6E4}">
-                  <adec:decorative xmlns:adec="http://schemas.microsoft.com/office/drawing/2017/decorative" xmlns="" val="1"/>
+                  <adec:decorative xmlns="" xmlns:adec="http://schemas.microsoft.com/office/drawing/2017/decorative" val="1"/>
                 </a:ext>
               </a:extLst>
             </p:cNvPr>
@@ -17085,7 +17085,7 @@
                   <a16:creationId xmlns:a16="http://schemas.microsoft.com/office/drawing/2014/main" id="{956029CA-2B38-434D-9044-5FF3A1ECD17D}"/>
                 </a:ext>
                 <a:ext uri="{C183D7F6-B498-43B3-948B-1728B52AA6E4}">
-                  <adec:decorative xmlns:adec="http://schemas.microsoft.com/office/drawing/2017/decorative" xmlns="" val="1"/>
+                  <adec:decorative xmlns="" xmlns:adec="http://schemas.microsoft.com/office/drawing/2017/decorative" val="1"/>
                 </a:ext>
               </a:extLst>
             </p:cNvPr>
@@ -17153,7 +17153,7 @@
                   <a16:creationId xmlns:a16="http://schemas.microsoft.com/office/drawing/2014/main" id="{9514CFB6-E8DB-43DC-B1CD-9CC2D4B27647}"/>
                 </a:ext>
                 <a:ext uri="{C183D7F6-B498-43B3-948B-1728B52AA6E4}">
-                  <adec:decorative xmlns:adec="http://schemas.microsoft.com/office/drawing/2017/decorative" xmlns="" val="1"/>
+                  <adec:decorative xmlns="" xmlns:adec="http://schemas.microsoft.com/office/drawing/2017/decorative" val="1"/>
                 </a:ext>
               </a:extLst>
             </p:cNvPr>
@@ -17226,7 +17226,7 @@
                   <a16:creationId xmlns:a16="http://schemas.microsoft.com/office/drawing/2014/main" id="{BD8C1FC8-E550-45BE-9F30-822BAB3781EE}"/>
                 </a:ext>
                 <a:ext uri="{C183D7F6-B498-43B3-948B-1728B52AA6E4}">
-                  <adec:decorative xmlns:adec="http://schemas.microsoft.com/office/drawing/2017/decorative" xmlns="" val="1"/>
+                  <adec:decorative xmlns="" xmlns:adec="http://schemas.microsoft.com/office/drawing/2017/decorative" val="1"/>
                 </a:ext>
               </a:extLst>
             </p:cNvPr>
@@ -17294,7 +17294,7 @@
                   <a16:creationId xmlns:a16="http://schemas.microsoft.com/office/drawing/2014/main" id="{D1646B5D-A7B7-41EC-9591-0E0C0F4F949D}"/>
                 </a:ext>
                 <a:ext uri="{C183D7F6-B498-43B3-948B-1728B52AA6E4}">
-                  <adec:decorative xmlns:adec="http://schemas.microsoft.com/office/drawing/2017/decorative" xmlns="" val="1"/>
+                  <adec:decorative xmlns="" xmlns:adec="http://schemas.microsoft.com/office/drawing/2017/decorative" val="1"/>
                 </a:ext>
               </a:extLst>
             </p:cNvPr>
@@ -17367,7 +17367,7 @@
                   <a16:creationId xmlns:a16="http://schemas.microsoft.com/office/drawing/2014/main" id="{E2118E93-481E-4843-987E-378187AA37EF}"/>
                 </a:ext>
                 <a:ext uri="{C183D7F6-B498-43B3-948B-1728B52AA6E4}">
-                  <adec:decorative xmlns:adec="http://schemas.microsoft.com/office/drawing/2017/decorative" xmlns="" val="1"/>
+                  <adec:decorative xmlns="" xmlns:adec="http://schemas.microsoft.com/office/drawing/2017/decorative" val="1"/>
                 </a:ext>
               </a:extLst>
             </p:cNvPr>
@@ -17440,7 +17440,7 @@
                   <a16:creationId xmlns:a16="http://schemas.microsoft.com/office/drawing/2014/main" id="{77038464-F4E2-47EC-A87F-18469191E3AB}"/>
                 </a:ext>
                 <a:ext uri="{C183D7F6-B498-43B3-948B-1728B52AA6E4}">
-                  <adec:decorative xmlns:adec="http://schemas.microsoft.com/office/drawing/2017/decorative" xmlns="" val="1"/>
+                  <adec:decorative xmlns="" xmlns:adec="http://schemas.microsoft.com/office/drawing/2017/decorative" val="1"/>
                 </a:ext>
               </a:extLst>
             </p:cNvPr>
@@ -17513,7 +17513,7 @@
                   <a16:creationId xmlns:a16="http://schemas.microsoft.com/office/drawing/2014/main" id="{FB3BBEB1-E146-408F-95B7-EE2F269DE19E}"/>
                 </a:ext>
                 <a:ext uri="{C183D7F6-B498-43B3-948B-1728B52AA6E4}">
-                  <adec:decorative xmlns:adec="http://schemas.microsoft.com/office/drawing/2017/decorative" xmlns="" val="1"/>
+                  <adec:decorative xmlns="" xmlns:adec="http://schemas.microsoft.com/office/drawing/2017/decorative" val="1"/>
                 </a:ext>
               </a:extLst>
             </p:cNvPr>
@@ -17581,7 +17581,7 @@
                   <a16:creationId xmlns:a16="http://schemas.microsoft.com/office/drawing/2014/main" id="{C765B285-56EC-47FC-B116-274EBBD61ADC}"/>
                 </a:ext>
                 <a:ext uri="{C183D7F6-B498-43B3-948B-1728B52AA6E4}">
-                  <adec:decorative xmlns:adec="http://schemas.microsoft.com/office/drawing/2017/decorative" xmlns="" val="1"/>
+                  <adec:decorative xmlns="" xmlns:adec="http://schemas.microsoft.com/office/drawing/2017/decorative" val="1"/>
                 </a:ext>
               </a:extLst>
             </p:cNvPr>
@@ -17649,7 +17649,7 @@
                   <a16:creationId xmlns:a16="http://schemas.microsoft.com/office/drawing/2014/main" id="{CB4A6191-6913-42EA-905E-8A174AE2C994}"/>
                 </a:ext>
                 <a:ext uri="{C183D7F6-B498-43B3-948B-1728B52AA6E4}">
-                  <adec:decorative xmlns:adec="http://schemas.microsoft.com/office/drawing/2017/decorative" xmlns="" val="1"/>
+                  <adec:decorative xmlns="" xmlns:adec="http://schemas.microsoft.com/office/drawing/2017/decorative" val="1"/>
                 </a:ext>
               </a:extLst>
             </p:cNvPr>
@@ -17717,7 +17717,7 @@
                   <a16:creationId xmlns:a16="http://schemas.microsoft.com/office/drawing/2014/main" id="{8ADEEF92-F481-475A-845C-5E940F0D5594}"/>
                 </a:ext>
                 <a:ext uri="{C183D7F6-B498-43B3-948B-1728B52AA6E4}">
-                  <adec:decorative xmlns:adec="http://schemas.microsoft.com/office/drawing/2017/decorative" xmlns="" val="1"/>
+                  <adec:decorative xmlns="" xmlns:adec="http://schemas.microsoft.com/office/drawing/2017/decorative" val="1"/>
                 </a:ext>
               </a:extLst>
             </p:cNvPr>
@@ -17786,7 +17786,7 @@
                 <a16:creationId xmlns:a16="http://schemas.microsoft.com/office/drawing/2014/main" id="{D9C506D7-84CB-4057-A44A-465313E78538}"/>
               </a:ext>
               <a:ext uri="{C183D7F6-B498-43B3-948B-1728B52AA6E4}">
-                <adec:decorative xmlns:adec="http://schemas.microsoft.com/office/drawing/2017/decorative" xmlns="" val="1"/>
+                <adec:decorative xmlns="" xmlns:adec="http://schemas.microsoft.com/office/drawing/2017/decorative" val="1"/>
               </a:ext>
             </a:extLst>
           </p:cNvPr>
@@ -17957,7 +17957,7 @@
                 <a16:creationId xmlns:a16="http://schemas.microsoft.com/office/drawing/2014/main" id="{7842FC68-61FD-4700-8A22-BB8B071884DB}"/>
               </a:ext>
               <a:ext uri="{C183D7F6-B498-43B3-948B-1728B52AA6E4}">
-                <adec:decorative xmlns:adec="http://schemas.microsoft.com/office/drawing/2017/decorative" xmlns="" val="1"/>
+                <adec:decorative xmlns="" xmlns:adec="http://schemas.microsoft.com/office/drawing/2017/decorative" val="1"/>
               </a:ext>
             </a:extLst>
           </p:cNvPr>
@@ -18362,7 +18362,7 @@
                 <a16:creationId xmlns:a16="http://schemas.microsoft.com/office/drawing/2014/main" id="{90F08744-9D7B-4693-B8D6-2A5210AE96F6}"/>
               </a:ext>
               <a:ext uri="{C183D7F6-B498-43B3-948B-1728B52AA6E4}">
-                <adec:decorative xmlns:adec="http://schemas.microsoft.com/office/drawing/2017/decorative" xmlns="" val="1"/>
+                <adec:decorative xmlns="" xmlns:adec="http://schemas.microsoft.com/office/drawing/2017/decorative" val="1"/>
               </a:ext>
             </a:extLst>
           </p:cNvPr>
@@ -18425,7 +18425,7 @@
                 <a16:creationId xmlns:a16="http://schemas.microsoft.com/office/drawing/2014/main" id="{5B2E630F-F386-44FA-B1A1-C10A9BF4346C}"/>
               </a:ext>
               <a:ext uri="{C183D7F6-B498-43B3-948B-1728B52AA6E4}">
-                <adec:decorative xmlns:adec="http://schemas.microsoft.com/office/drawing/2017/decorative" xmlns="" val="1"/>
+                <adec:decorative xmlns="" xmlns:adec="http://schemas.microsoft.com/office/drawing/2017/decorative" val="1"/>
               </a:ext>
             </a:extLst>
           </p:cNvPr>
@@ -18687,7 +18687,7 @@
                 <a16:creationId xmlns:a16="http://schemas.microsoft.com/office/drawing/2014/main" id="{73567C09-8B4D-49A6-A711-C44C5807D8DD}"/>
               </a:ext>
               <a:ext uri="{C183D7F6-B498-43B3-948B-1728B52AA6E4}">
-                <adec:decorative xmlns:adec="http://schemas.microsoft.com/office/drawing/2017/decorative" xmlns="" val="1"/>
+                <adec:decorative xmlns="" xmlns:adec="http://schemas.microsoft.com/office/drawing/2017/decorative" val="1"/>
               </a:ext>
             </a:extLst>
           </p:cNvPr>
@@ -20874,7 +20874,7 @@
                 <a16:creationId xmlns:a16="http://schemas.microsoft.com/office/drawing/2014/main" id="{10CE3618-1D7A-4256-B2AF-9DB692996C65}"/>
               </a:ext>
               <a:ext uri="{C183D7F6-B498-43B3-948B-1728B52AA6E4}">
-                <adec:decorative xmlns:adec="http://schemas.microsoft.com/office/drawing/2017/decorative" xmlns="" val="1"/>
+                <adec:decorative xmlns="" xmlns:adec="http://schemas.microsoft.com/office/drawing/2017/decorative" val="1"/>
               </a:ext>
             </a:extLst>
           </p:cNvPr>
@@ -20934,7 +20934,7 @@
                 <a16:creationId xmlns:a16="http://schemas.microsoft.com/office/drawing/2014/main" id="{D91A9185-A7D5-460B-98BC-0BF2EBD3EEBE}"/>
               </a:ext>
               <a:ext uri="{C183D7F6-B498-43B3-948B-1728B52AA6E4}">
-                <adec:decorative xmlns:adec="http://schemas.microsoft.com/office/drawing/2017/decorative" xmlns="" val="1"/>
+                <adec:decorative xmlns="" xmlns:adec="http://schemas.microsoft.com/office/drawing/2017/decorative" val="1"/>
               </a:ext>
             </a:extLst>
           </p:cNvPr>
@@ -20965,7 +20965,7 @@
                   <a16:creationId xmlns:a16="http://schemas.microsoft.com/office/drawing/2014/main" id="{8AFC1764-6516-4F77-BF30-B8ADB3C9F499}"/>
                 </a:ext>
                 <a:ext uri="{C183D7F6-B498-43B3-948B-1728B52AA6E4}">
-                  <adec:decorative xmlns:adec="http://schemas.microsoft.com/office/drawing/2017/decorative" xmlns="" val="1"/>
+                  <adec:decorative xmlns="" xmlns:adec="http://schemas.microsoft.com/office/drawing/2017/decorative" val="1"/>
                 </a:ext>
               </a:extLst>
             </p:cNvPr>
@@ -21048,7 +21048,7 @@
                   <a16:creationId xmlns:a16="http://schemas.microsoft.com/office/drawing/2014/main" id="{FCAFF9F9-F806-47EC-BCAC-9921E719FF2A}"/>
                 </a:ext>
                 <a:ext uri="{C183D7F6-B498-43B3-948B-1728B52AA6E4}">
-                  <adec:decorative xmlns:adec="http://schemas.microsoft.com/office/drawing/2017/decorative" xmlns="" val="1"/>
+                  <adec:decorative xmlns="" xmlns:adec="http://schemas.microsoft.com/office/drawing/2017/decorative" val="1"/>
                 </a:ext>
               </a:extLst>
             </p:cNvPr>
@@ -21138,7 +21138,7 @@
                   <a16:creationId xmlns:a16="http://schemas.microsoft.com/office/drawing/2014/main" id="{09D92491-36BD-4861-BA54-DD88E608988E}"/>
                 </a:ext>
                 <a:ext uri="{C183D7F6-B498-43B3-948B-1728B52AA6E4}">
-                  <adec:decorative xmlns:adec="http://schemas.microsoft.com/office/drawing/2017/decorative" xmlns="" val="1"/>
+                  <adec:decorative xmlns="" xmlns:adec="http://schemas.microsoft.com/office/drawing/2017/decorative" val="1"/>
                 </a:ext>
               </a:extLst>
             </p:cNvPr>
@@ -21226,7 +21226,7 @@
                   <a16:creationId xmlns:a16="http://schemas.microsoft.com/office/drawing/2014/main" id="{23740E15-AB86-4E5C-A137-07E0DDC03548}"/>
                 </a:ext>
                 <a:ext uri="{C183D7F6-B498-43B3-948B-1728B52AA6E4}">
-                  <adec:decorative xmlns:adec="http://schemas.microsoft.com/office/drawing/2017/decorative" xmlns="" val="1"/>
+                  <adec:decorative xmlns="" xmlns:adec="http://schemas.microsoft.com/office/drawing/2017/decorative" val="1"/>
                 </a:ext>
               </a:extLst>
             </p:cNvPr>
@@ -21304,7 +21304,7 @@
                   <a16:creationId xmlns:a16="http://schemas.microsoft.com/office/drawing/2014/main" id="{BE097852-1F54-4EF0-A1BE-561272FCD6D7}"/>
                 </a:ext>
                 <a:ext uri="{C183D7F6-B498-43B3-948B-1728B52AA6E4}">
-                  <adec:decorative xmlns:adec="http://schemas.microsoft.com/office/drawing/2017/decorative" xmlns="" val="1"/>
+                  <adec:decorative xmlns="" xmlns:adec="http://schemas.microsoft.com/office/drawing/2017/decorative" val="1"/>
                 </a:ext>
               </a:extLst>
             </p:cNvPr>
@@ -21372,7 +21372,7 @@
                   <a16:creationId xmlns:a16="http://schemas.microsoft.com/office/drawing/2014/main" id="{5C2DF1F9-21CC-430E-84C8-356C73C6FD38}"/>
                 </a:ext>
                 <a:ext uri="{C183D7F6-B498-43B3-948B-1728B52AA6E4}">
-                  <adec:decorative xmlns:adec="http://schemas.microsoft.com/office/drawing/2017/decorative" xmlns="" val="1"/>
+                  <adec:decorative xmlns="" xmlns:adec="http://schemas.microsoft.com/office/drawing/2017/decorative" val="1"/>
                 </a:ext>
               </a:extLst>
             </p:cNvPr>
@@ -21450,7 +21450,7 @@
                   <a16:creationId xmlns:a16="http://schemas.microsoft.com/office/drawing/2014/main" id="{7F11B45B-3EDE-4B6A-903B-0AE6E9DDF415}"/>
                 </a:ext>
                 <a:ext uri="{C183D7F6-B498-43B3-948B-1728B52AA6E4}">
-                  <adec:decorative xmlns:adec="http://schemas.microsoft.com/office/drawing/2017/decorative" xmlns="" val="1"/>
+                  <adec:decorative xmlns="" xmlns:adec="http://schemas.microsoft.com/office/drawing/2017/decorative" val="1"/>
                 </a:ext>
               </a:extLst>
             </p:cNvPr>
@@ -21523,7 +21523,7 @@
                   <a16:creationId xmlns:a16="http://schemas.microsoft.com/office/drawing/2014/main" id="{F77FDDC5-477E-420D-B98F-42ABA24772F8}"/>
                 </a:ext>
                 <a:ext uri="{C183D7F6-B498-43B3-948B-1728B52AA6E4}">
-                  <adec:decorative xmlns:adec="http://schemas.microsoft.com/office/drawing/2017/decorative" xmlns="" val="1"/>
+                  <adec:decorative xmlns="" xmlns:adec="http://schemas.microsoft.com/office/drawing/2017/decorative" val="1"/>
                 </a:ext>
               </a:extLst>
             </p:cNvPr>
@@ -21591,7 +21591,7 @@
                   <a16:creationId xmlns:a16="http://schemas.microsoft.com/office/drawing/2014/main" id="{A92C0474-B573-45C5-84C5-194CE1715FE2}"/>
                 </a:ext>
                 <a:ext uri="{C183D7F6-B498-43B3-948B-1728B52AA6E4}">
-                  <adec:decorative xmlns:adec="http://schemas.microsoft.com/office/drawing/2017/decorative" xmlns="" val="1"/>
+                  <adec:decorative xmlns="" xmlns:adec="http://schemas.microsoft.com/office/drawing/2017/decorative" val="1"/>
                 </a:ext>
               </a:extLst>
             </p:cNvPr>
@@ -21664,7 +21664,7 @@
                   <a16:creationId xmlns:a16="http://schemas.microsoft.com/office/drawing/2014/main" id="{2FBC62F8-64D0-4025-99AE-A04E291D90EA}"/>
                 </a:ext>
                 <a:ext uri="{C183D7F6-B498-43B3-948B-1728B52AA6E4}">
-                  <adec:decorative xmlns:adec="http://schemas.microsoft.com/office/drawing/2017/decorative" xmlns="" val="1"/>
+                  <adec:decorative xmlns="" xmlns:adec="http://schemas.microsoft.com/office/drawing/2017/decorative" val="1"/>
                 </a:ext>
               </a:extLst>
             </p:cNvPr>
@@ -21732,7 +21732,7 @@
                   <a16:creationId xmlns:a16="http://schemas.microsoft.com/office/drawing/2014/main" id="{7632F945-80B5-4575-A538-29495BF8F258}"/>
                 </a:ext>
                 <a:ext uri="{C183D7F6-B498-43B3-948B-1728B52AA6E4}">
-                  <adec:decorative xmlns:adec="http://schemas.microsoft.com/office/drawing/2017/decorative" xmlns="" val="1"/>
+                  <adec:decorative xmlns="" xmlns:adec="http://schemas.microsoft.com/office/drawing/2017/decorative" val="1"/>
                 </a:ext>
               </a:extLst>
             </p:cNvPr>
@@ -21805,7 +21805,7 @@
                   <a16:creationId xmlns:a16="http://schemas.microsoft.com/office/drawing/2014/main" id="{5562CC17-43D4-4E57-AE08-83952EE59D5A}"/>
                 </a:ext>
                 <a:ext uri="{C183D7F6-B498-43B3-948B-1728B52AA6E4}">
-                  <adec:decorative xmlns:adec="http://schemas.microsoft.com/office/drawing/2017/decorative" xmlns="" val="1"/>
+                  <adec:decorative xmlns="" xmlns:adec="http://schemas.microsoft.com/office/drawing/2017/decorative" val="1"/>
                 </a:ext>
               </a:extLst>
             </p:cNvPr>
@@ -21873,7 +21873,7 @@
                   <a16:creationId xmlns:a16="http://schemas.microsoft.com/office/drawing/2014/main" id="{E1D78CFE-04CA-4101-AFCF-196940B2D137}"/>
                 </a:ext>
                 <a:ext uri="{C183D7F6-B498-43B3-948B-1728B52AA6E4}">
-                  <adec:decorative xmlns:adec="http://schemas.microsoft.com/office/drawing/2017/decorative" xmlns="" val="1"/>
+                  <adec:decorative xmlns="" xmlns:adec="http://schemas.microsoft.com/office/drawing/2017/decorative" val="1"/>
                 </a:ext>
               </a:extLst>
             </p:cNvPr>
@@ -21946,7 +21946,7 @@
                   <a16:creationId xmlns:a16="http://schemas.microsoft.com/office/drawing/2014/main" id="{41F2A149-A64E-4690-B049-18C156A8E206}"/>
                 </a:ext>
                 <a:ext uri="{C183D7F6-B498-43B3-948B-1728B52AA6E4}">
-                  <adec:decorative xmlns:adec="http://schemas.microsoft.com/office/drawing/2017/decorative" xmlns="" val="1"/>
+                  <adec:decorative xmlns="" xmlns:adec="http://schemas.microsoft.com/office/drawing/2017/decorative" val="1"/>
                 </a:ext>
               </a:extLst>
             </p:cNvPr>
@@ -22019,7 +22019,7 @@
                   <a16:creationId xmlns:a16="http://schemas.microsoft.com/office/drawing/2014/main" id="{D9313C72-D62D-4416-A6AE-7EB7D6B54A58}"/>
                 </a:ext>
                 <a:ext uri="{C183D7F6-B498-43B3-948B-1728B52AA6E4}">
-                  <adec:decorative xmlns:adec="http://schemas.microsoft.com/office/drawing/2017/decorative" xmlns="" val="1"/>
+                  <adec:decorative xmlns="" xmlns:adec="http://schemas.microsoft.com/office/drawing/2017/decorative" val="1"/>
                 </a:ext>
               </a:extLst>
             </p:cNvPr>
@@ -22092,7 +22092,7 @@
                   <a16:creationId xmlns:a16="http://schemas.microsoft.com/office/drawing/2014/main" id="{77B03BEA-76E5-4ECB-B9BB-D89D27509EFD}"/>
                 </a:ext>
                 <a:ext uri="{C183D7F6-B498-43B3-948B-1728B52AA6E4}">
-                  <adec:decorative xmlns:adec="http://schemas.microsoft.com/office/drawing/2017/decorative" xmlns="" val="1"/>
+                  <adec:decorative xmlns="" xmlns:adec="http://schemas.microsoft.com/office/drawing/2017/decorative" val="1"/>
                 </a:ext>
               </a:extLst>
             </p:cNvPr>
@@ -22160,7 +22160,7 @@
                   <a16:creationId xmlns:a16="http://schemas.microsoft.com/office/drawing/2014/main" id="{6AF6BECE-416D-4C3A-AD6F-68B08F3CA751}"/>
                 </a:ext>
                 <a:ext uri="{C183D7F6-B498-43B3-948B-1728B52AA6E4}">
-                  <adec:decorative xmlns:adec="http://schemas.microsoft.com/office/drawing/2017/decorative" xmlns="" val="1"/>
+                  <adec:decorative xmlns="" xmlns:adec="http://schemas.microsoft.com/office/drawing/2017/decorative" val="1"/>
                 </a:ext>
               </a:extLst>
             </p:cNvPr>
@@ -22228,7 +22228,7 @@
                   <a16:creationId xmlns:a16="http://schemas.microsoft.com/office/drawing/2014/main" id="{B9197E2A-A098-480D-A2A6-3F3B889EDAEE}"/>
                 </a:ext>
                 <a:ext uri="{C183D7F6-B498-43B3-948B-1728B52AA6E4}">
-                  <adec:decorative xmlns:adec="http://schemas.microsoft.com/office/drawing/2017/decorative" xmlns="" val="1"/>
+                  <adec:decorative xmlns="" xmlns:adec="http://schemas.microsoft.com/office/drawing/2017/decorative" val="1"/>
                 </a:ext>
               </a:extLst>
             </p:cNvPr>
@@ -22296,7 +22296,7 @@
                   <a16:creationId xmlns:a16="http://schemas.microsoft.com/office/drawing/2014/main" id="{5A493EDB-6C9E-483F-86A6-0F473E5908D5}"/>
                 </a:ext>
                 <a:ext uri="{C183D7F6-B498-43B3-948B-1728B52AA6E4}">
-                  <adec:decorative xmlns:adec="http://schemas.microsoft.com/office/drawing/2017/decorative" xmlns="" val="1"/>
+                  <adec:decorative xmlns="" xmlns:adec="http://schemas.microsoft.com/office/drawing/2017/decorative" val="1"/>
                 </a:ext>
               </a:extLst>
             </p:cNvPr>
@@ -22365,7 +22365,7 @@
                 <a16:creationId xmlns:a16="http://schemas.microsoft.com/office/drawing/2014/main" id="{3F39476B-1A6D-47CB-AC7A-FB87EF003323}"/>
               </a:ext>
               <a:ext uri="{C183D7F6-B498-43B3-948B-1728B52AA6E4}">
-                <adec:decorative xmlns:adec="http://schemas.microsoft.com/office/drawing/2017/decorative" xmlns="" val="1"/>
+                <adec:decorative xmlns="" xmlns:adec="http://schemas.microsoft.com/office/drawing/2017/decorative" val="1"/>
               </a:ext>
             </a:extLst>
           </p:cNvPr>
@@ -24830,7 +24830,7 @@
               <p:spPr>
                 <a:xfrm>
                   <a:off x="1677914" y="3387179"/>
-                  <a:ext cx="3481704" cy="2323476"/>
+                  <a:ext cx="3481704" cy="2323475"/>
                 </a:xfrm>
                 <a:prstGeom prst="rect">
                   <a:avLst/>
@@ -24933,7 +24933,7 @@
             </p:nvSpPr>
             <p:spPr>
               <a:xfrm>
-                <a:off x="4595107" y="5021581"/>
+                <a:off x="4595107" y="5026394"/>
                 <a:ext cx="746760" cy="215444"/>
               </a:xfrm>
               <a:prstGeom prst="rect">
@@ -24948,12 +24948,12 @@
               <a:lstStyle/>
               <a:p>
                 <a:r>
-                  <a:rPr lang="en-US" sz="800" dirty="0">
+                  <a:rPr lang="en-US" sz="800" dirty="0" smtClean="0">
                     <a:latin typeface="Arial Unicode MS" panose="020B0604020202020204" pitchFamily="34" charset="-128"/>
                     <a:ea typeface="Arial Unicode MS" panose="020B0604020202020204" pitchFamily="34" charset="-128"/>
                     <a:cs typeface="Arial Unicode MS" panose="020B0604020202020204" pitchFamily="34" charset="-128"/>
                   </a:rPr>
-                  <a:t>.8869 AUC</a:t>
+                  <a:t>.8403 AUC</a:t>
                 </a:r>
               </a:p>
             </p:txBody>
@@ -26081,6 +26081,23 @@
 </file>
 
 <file path=customXml/item1.xml><?xml version="1.0" encoding="utf-8"?>
+<?mso-contentType ?>
+<FormTemplates xmlns="http://schemas.microsoft.com/sharepoint/v3/contenttype/forms">
+  <Display>DocumentLibraryForm</Display>
+  <Edit>DocumentLibraryForm</Edit>
+  <New>DocumentLibraryForm</New>
+</FormTemplates>
+</file>
+
+<file path=customXml/item2.xml><?xml version="1.0" encoding="utf-8"?>
+<p:properties xmlns:p="http://schemas.microsoft.com/office/2006/metadata/properties" xmlns:xsi="http://www.w3.org/2001/XMLSchema-instance" xmlns:pc="http://schemas.microsoft.com/office/infopath/2007/PartnerControls">
+  <documentManagement>
+    <MediaServiceKeyPoints xmlns="71af3243-3dd4-4a8d-8c0d-dd76da1f02a5" xsi:nil="true"/>
+  </documentManagement>
+</p:properties>
+</file>
+
+<file path=customXml/item3.xml><?xml version="1.0" encoding="utf-8"?>
 <ct:contentTypeSchema xmlns:ct="http://schemas.microsoft.com/office/2006/metadata/contentType" xmlns:ma="http://schemas.microsoft.com/office/2006/metadata/properties/metaAttributes" ct:_="" ma:_="" ma:contentTypeName="Document" ma:contentTypeID="0x01010079F111ED35F8CC479449609E8A0923A6" ma:contentTypeVersion="11" ma:contentTypeDescription="Create a new document." ma:contentTypeScope="" ma:versionID="9677210f24a1be23c92c90fd886aa0aa">
   <xsd:schema xmlns:xsd="http://www.w3.org/2001/XMLSchema" xmlns:xs="http://www.w3.org/2001/XMLSchema" xmlns:p="http://schemas.microsoft.com/office/2006/metadata/properties" xmlns:ns2="71af3243-3dd4-4a8d-8c0d-dd76da1f02a5" xmlns:ns3="16c05727-aa75-4e4a-9b5f-8a80a1165891" targetNamespace="http://schemas.microsoft.com/office/2006/metadata/properties" ma:root="true" ma:fieldsID="60e05723c5c1908df1a1a4ebf11d344e" ns2:_="" ns3:_="">
     <xsd:import namespace="71af3243-3dd4-4a8d-8c0d-dd76da1f02a5"/>
@@ -26291,38 +26308,10 @@
 </ct:contentTypeSchema>
 </file>
 
-<file path=customXml/item2.xml><?xml version="1.0" encoding="utf-8"?>
-<p:properties xmlns:p="http://schemas.microsoft.com/office/2006/metadata/properties" xmlns:xsi="http://www.w3.org/2001/XMLSchema-instance" xmlns:pc="http://schemas.microsoft.com/office/infopath/2007/PartnerControls">
-  <documentManagement>
-    <MediaServiceKeyPoints xmlns="71af3243-3dd4-4a8d-8c0d-dd76da1f02a5" xsi:nil="true"/>
-  </documentManagement>
-</p:properties>
-</file>
-
-<file path=customXml/item3.xml><?xml version="1.0" encoding="utf-8"?>
-<?mso-contentType ?>
-<FormTemplates xmlns="http://schemas.microsoft.com/sharepoint/v3/contenttype/forms">
-  <Display>DocumentLibraryForm</Display>
-  <Edit>DocumentLibraryForm</Edit>
-  <New>DocumentLibraryForm</New>
-</FormTemplates>
-</file>
-
 <file path=customXml/itemProps1.xml><?xml version="1.0" encoding="utf-8"?>
-<ds:datastoreItem xmlns:ds="http://schemas.openxmlformats.org/officeDocument/2006/customXml" ds:itemID="{F3A8986E-DA64-415A-A390-AF2FFA01BA73}">
+<ds:datastoreItem xmlns:ds="http://schemas.openxmlformats.org/officeDocument/2006/customXml" ds:itemID="{58F3D8C7-1E6F-4D15-8163-ADBC81A00AAD}">
   <ds:schemaRefs>
-    <ds:schemaRef ds:uri="http://schemas.microsoft.com/office/2006/metadata/contentType"/>
-    <ds:schemaRef ds:uri="http://schemas.microsoft.com/office/2006/metadata/properties/metaAttributes"/>
-    <ds:schemaRef ds:uri="http://www.w3.org/2001/XMLSchema"/>
-    <ds:schemaRef ds:uri="http://schemas.microsoft.com/office/2006/metadata/properties"/>
-    <ds:schemaRef ds:uri="71af3243-3dd4-4a8d-8c0d-dd76da1f02a5"/>
-    <ds:schemaRef ds:uri="16c05727-aa75-4e4a-9b5f-8a80a1165891"/>
-    <ds:schemaRef ds:uri="http://schemas.microsoft.com/office/2006/documentManagement/types"/>
-    <ds:schemaRef ds:uri="http://schemas.microsoft.com/office/infopath/2007/PartnerControls"/>
-    <ds:schemaRef ds:uri="http://schemas.openxmlformats.org/package/2006/metadata/core-properties"/>
-    <ds:schemaRef ds:uri="http://purl.org/dc/elements/1.1/"/>
-    <ds:schemaRef ds:uri="http://purl.org/dc/terms/"/>
-    <ds:schemaRef ds:uri="http://schemas.microsoft.com/internal/obd"/>
+    <ds:schemaRef ds:uri="http://schemas.microsoft.com/sharepoint/v3/contenttype/forms"/>
   </ds:schemaRefs>
 </ds:datastoreItem>
 </file>
@@ -26345,9 +26334,20 @@
 </file>
 
 <file path=customXml/itemProps3.xml><?xml version="1.0" encoding="utf-8"?>
-<ds:datastoreItem xmlns:ds="http://schemas.openxmlformats.org/officeDocument/2006/customXml" ds:itemID="{58F3D8C7-1E6F-4D15-8163-ADBC81A00AAD}">
+<ds:datastoreItem xmlns:ds="http://schemas.openxmlformats.org/officeDocument/2006/customXml" ds:itemID="{F3A8986E-DA64-415A-A390-AF2FFA01BA73}">
   <ds:schemaRefs>
-    <ds:schemaRef ds:uri="http://schemas.microsoft.com/sharepoint/v3/contenttype/forms"/>
+    <ds:schemaRef ds:uri="http://schemas.microsoft.com/office/2006/metadata/contentType"/>
+    <ds:schemaRef ds:uri="http://schemas.microsoft.com/office/2006/metadata/properties/metaAttributes"/>
+    <ds:schemaRef ds:uri="http://www.w3.org/2001/XMLSchema"/>
+    <ds:schemaRef ds:uri="http://schemas.microsoft.com/office/2006/metadata/properties"/>
+    <ds:schemaRef ds:uri="71af3243-3dd4-4a8d-8c0d-dd76da1f02a5"/>
+    <ds:schemaRef ds:uri="16c05727-aa75-4e4a-9b5f-8a80a1165891"/>
+    <ds:schemaRef ds:uri="http://schemas.microsoft.com/office/2006/documentManagement/types"/>
+    <ds:schemaRef ds:uri="http://schemas.microsoft.com/office/infopath/2007/PartnerControls"/>
+    <ds:schemaRef ds:uri="http://schemas.openxmlformats.org/package/2006/metadata/core-properties"/>
+    <ds:schemaRef ds:uri="http://purl.org/dc/elements/1.1/"/>
+    <ds:schemaRef ds:uri="http://purl.org/dc/terms/"/>
+    <ds:schemaRef ds:uri="http://schemas.microsoft.com/internal/obd"/>
   </ds:schemaRefs>
 </ds:datastoreItem>
 </file>
--- a/Documentation/student_risk_presentation.pptx
+++ b/Documentation/student_risk_presentation.pptx
@@ -205,7 +205,7 @@
           <a:p>
             <a:fld id="{0D8968FE-AD3D-444F-B6A8-796D946DC3A6}" type="datetimeFigureOut">
               <a:rPr lang="en-US" smtClean="0"/>
-              <a:t>4/27/2021</a:t>
+              <a:t>7/12/2021</a:t>
             </a:fld>
             <a:endParaRPr lang="en-US" dirty="0"/>
           </a:p>
@@ -2049,7 +2049,7 @@
           <a:p>
             <a:fld id="{198E66DD-51B1-4BF7-9539-DEA51BFAEFD8}" type="datetime1">
               <a:rPr lang="en-US" smtClean="0"/>
-              <a:t>4/27/2021</a:t>
+              <a:t>7/12/2021</a:t>
             </a:fld>
             <a:endParaRPr lang="en-US" dirty="0"/>
           </a:p>
@@ -3503,7 +3503,7 @@
           <a:p>
             <a:fld id="{827A6260-7573-4697-9E59-AA19A1D5C255}" type="datetime1">
               <a:rPr lang="en-US" smtClean="0"/>
-              <a:t>4/27/2021</a:t>
+              <a:t>7/12/2021</a:t>
             </a:fld>
             <a:endParaRPr lang="en-US" dirty="0"/>
           </a:p>
@@ -4951,7 +4951,7 @@
           <a:p>
             <a:fld id="{AB049DE4-AD7B-432F-9E35-775F5F8CC6AD}" type="datetime1">
               <a:rPr lang="en-US" smtClean="0"/>
-              <a:t>4/27/2021</a:t>
+              <a:t>7/12/2021</a:t>
             </a:fld>
             <a:endParaRPr lang="en-US" dirty="0"/>
           </a:p>
@@ -6401,7 +6401,7 @@
           <a:p>
             <a:fld id="{CED204F4-028A-4A36-B306-1FBAFF258B24}" type="datetime1">
               <a:rPr lang="en-US" smtClean="0"/>
-              <a:t>4/27/2021</a:t>
+              <a:t>7/12/2021</a:t>
             </a:fld>
             <a:endParaRPr lang="en-US" dirty="0"/>
           </a:p>
@@ -7904,7 +7904,7 @@
           <a:p>
             <a:fld id="{A7569E6D-812C-4C70-BB51-98F32992DB43}" type="datetime1">
               <a:rPr lang="en-US" smtClean="0"/>
-              <a:t>4/27/2021</a:t>
+              <a:t>7/12/2021</a:t>
             </a:fld>
             <a:endParaRPr lang="en-US" dirty="0"/>
           </a:p>
@@ -9420,7 +9420,7 @@
           <a:p>
             <a:fld id="{F10287DF-640A-4181-8B82-4913718EF244}" type="datetime1">
               <a:rPr lang="en-US" smtClean="0"/>
-              <a:t>4/27/2021</a:t>
+              <a:t>7/12/2021</a:t>
             </a:fld>
             <a:endParaRPr lang="en-US" dirty="0"/>
           </a:p>
@@ -11080,7 +11080,7 @@
           <a:p>
             <a:fld id="{C74BE3E1-3173-4AB6-90EF-CE84B9FBD77E}" type="datetime1">
               <a:rPr lang="en-US" smtClean="0"/>
-              <a:t>4/27/2021</a:t>
+              <a:t>7/12/2021</a:t>
             </a:fld>
             <a:endParaRPr lang="en-US" dirty="0"/>
           </a:p>
@@ -12473,7 +12473,7 @@
           <a:p>
             <a:fld id="{CE46D357-68ED-48AA-AC18-9CC27DEA9490}" type="datetime1">
               <a:rPr lang="en-US" smtClean="0"/>
-              <a:t>4/27/2021</a:t>
+              <a:t>7/12/2021</a:t>
             </a:fld>
             <a:endParaRPr lang="en-US" dirty="0"/>
           </a:p>
@@ -12568,7 +12568,7 @@
           <a:p>
             <a:fld id="{ACC8BAEE-D0AF-4323-A024-1416F995B386}" type="datetime1">
               <a:rPr lang="en-US" smtClean="0"/>
-              <a:t>4/27/2021</a:t>
+              <a:t>7/12/2021</a:t>
             </a:fld>
             <a:endParaRPr lang="en-US" dirty="0"/>
           </a:p>
@@ -14089,7 +14089,7 @@
           <a:p>
             <a:fld id="{CD36E0D4-CA65-4DD1-8546-2CC4E75B8B9D}" type="datetime1">
               <a:rPr lang="en-US" smtClean="0"/>
-              <a:t>4/27/2021</a:t>
+              <a:t>7/12/2021</a:t>
             </a:fld>
             <a:endParaRPr lang="en-US" dirty="0"/>
           </a:p>
@@ -15620,7 +15620,7 @@
           <a:p>
             <a:fld id="{C19DEFE7-E1FA-4CA7-8A5A-F9AB210CE638}" type="datetime1">
               <a:rPr lang="en-US" smtClean="0"/>
-              <a:t>4/27/2021</a:t>
+              <a:t>7/12/2021</a:t>
             </a:fld>
             <a:endParaRPr lang="en-US" dirty="0"/>
           </a:p>
@@ -15838,7 +15838,7 @@
           <a:p>
             <a:fld id="{FD1E3FCC-785C-4EC4-B782-9133218B75DD}" type="datetime1">
               <a:rPr lang="en-US" smtClean="0"/>
-              <a:t>4/27/2021</a:t>
+              <a:t>7/12/2021</a:t>
             </a:fld>
             <a:endParaRPr lang="en-US" dirty="0"/>
           </a:p>
@@ -16302,7 +16302,7 @@
                 <a16:creationId xmlns:a16="http://schemas.microsoft.com/office/drawing/2014/main" id="{6BDBA639-2A71-4A60-A71A-FF1836F546CE}"/>
               </a:ext>
               <a:ext uri="{C183D7F6-B498-43B3-948B-1728B52AA6E4}">
-                <adec:decorative xmlns="" xmlns:adec="http://schemas.microsoft.com/office/drawing/2017/decorative" val="1"/>
+                <adec:decorative xmlns:adec="http://schemas.microsoft.com/office/drawing/2017/decorative" xmlns="" val="1"/>
               </a:ext>
             </a:extLst>
           </p:cNvPr>
@@ -16362,7 +16362,7 @@
                 <a16:creationId xmlns:a16="http://schemas.microsoft.com/office/drawing/2014/main" id="{5E208A8B-5EBD-4532-BE72-26414FA7CFF6}"/>
               </a:ext>
               <a:ext uri="{C183D7F6-B498-43B3-948B-1728B52AA6E4}">
-                <adec:decorative xmlns="" xmlns:adec="http://schemas.microsoft.com/office/drawing/2017/decorative" val="1"/>
+                <adec:decorative xmlns:adec="http://schemas.microsoft.com/office/drawing/2017/decorative" xmlns="" val="1"/>
               </a:ext>
             </a:extLst>
           </p:cNvPr>
@@ -16393,7 +16393,7 @@
                   <a16:creationId xmlns:a16="http://schemas.microsoft.com/office/drawing/2014/main" id="{15D09196-B338-4AB5-A71B-CFD5FFCA62BA}"/>
                 </a:ext>
                 <a:ext uri="{C183D7F6-B498-43B3-948B-1728B52AA6E4}">
-                  <adec:decorative xmlns="" xmlns:adec="http://schemas.microsoft.com/office/drawing/2017/decorative" val="1"/>
+                  <adec:decorative xmlns:adec="http://schemas.microsoft.com/office/drawing/2017/decorative" xmlns="" val="1"/>
                 </a:ext>
               </a:extLst>
             </p:cNvPr>
@@ -16476,7 +16476,7 @@
                   <a16:creationId xmlns:a16="http://schemas.microsoft.com/office/drawing/2014/main" id="{F50B4463-128A-4677-A285-C017E6C543E0}"/>
                 </a:ext>
                 <a:ext uri="{C183D7F6-B498-43B3-948B-1728B52AA6E4}">
-                  <adec:decorative xmlns="" xmlns:adec="http://schemas.microsoft.com/office/drawing/2017/decorative" val="1"/>
+                  <adec:decorative xmlns:adec="http://schemas.microsoft.com/office/drawing/2017/decorative" xmlns="" val="1"/>
                 </a:ext>
               </a:extLst>
             </p:cNvPr>
@@ -16559,7 +16559,7 @@
                   <a16:creationId xmlns:a16="http://schemas.microsoft.com/office/drawing/2014/main" id="{1D9B95CD-F023-4DFA-9678-1E02713F74B7}"/>
                 </a:ext>
                 <a:ext uri="{C183D7F6-B498-43B3-948B-1728B52AA6E4}">
-                  <adec:decorative xmlns="" xmlns:adec="http://schemas.microsoft.com/office/drawing/2017/decorative" val="1"/>
+                  <adec:decorative xmlns:adec="http://schemas.microsoft.com/office/drawing/2017/decorative" xmlns="" val="1"/>
                 </a:ext>
               </a:extLst>
             </p:cNvPr>
@@ -16647,7 +16647,7 @@
                   <a16:creationId xmlns:a16="http://schemas.microsoft.com/office/drawing/2014/main" id="{1DDF47A8-BE7B-43F3-A500-F5A4656D83BE}"/>
                 </a:ext>
                 <a:ext uri="{C183D7F6-B498-43B3-948B-1728B52AA6E4}">
-                  <adec:decorative xmlns="" xmlns:adec="http://schemas.microsoft.com/office/drawing/2017/decorative" val="1"/>
+                  <adec:decorative xmlns:adec="http://schemas.microsoft.com/office/drawing/2017/decorative" xmlns="" val="1"/>
                 </a:ext>
               </a:extLst>
             </p:cNvPr>
@@ -16725,7 +16725,7 @@
                   <a16:creationId xmlns:a16="http://schemas.microsoft.com/office/drawing/2014/main" id="{2DD394DE-76FB-42F8-85F2-FD436F423263}"/>
                 </a:ext>
                 <a:ext uri="{C183D7F6-B498-43B3-948B-1728B52AA6E4}">
-                  <adec:decorative xmlns="" xmlns:adec="http://schemas.microsoft.com/office/drawing/2017/decorative" val="1"/>
+                  <adec:decorative xmlns:adec="http://schemas.microsoft.com/office/drawing/2017/decorative" xmlns="" val="1"/>
                 </a:ext>
               </a:extLst>
             </p:cNvPr>
@@ -16793,7 +16793,7 @@
                   <a16:creationId xmlns:a16="http://schemas.microsoft.com/office/drawing/2014/main" id="{B95F2EFB-87E6-4400-AAF3-7EB8B4F1561C}"/>
                 </a:ext>
                 <a:ext uri="{C183D7F6-B498-43B3-948B-1728B52AA6E4}">
-                  <adec:decorative xmlns="" xmlns:adec="http://schemas.microsoft.com/office/drawing/2017/decorative" val="1"/>
+                  <adec:decorative xmlns:adec="http://schemas.microsoft.com/office/drawing/2017/decorative" xmlns="" val="1"/>
                 </a:ext>
               </a:extLst>
             </p:cNvPr>
@@ -16871,7 +16871,7 @@
                   <a16:creationId xmlns:a16="http://schemas.microsoft.com/office/drawing/2014/main" id="{1D463476-2BC7-418C-9D6F-51444B11A722}"/>
                 </a:ext>
                 <a:ext uri="{C183D7F6-B498-43B3-948B-1728B52AA6E4}">
-                  <adec:decorative xmlns="" xmlns:adec="http://schemas.microsoft.com/office/drawing/2017/decorative" val="1"/>
+                  <adec:decorative xmlns:adec="http://schemas.microsoft.com/office/drawing/2017/decorative" xmlns="" val="1"/>
                 </a:ext>
               </a:extLst>
             </p:cNvPr>
@@ -16944,7 +16944,7 @@
                   <a16:creationId xmlns:a16="http://schemas.microsoft.com/office/drawing/2014/main" id="{24011122-2495-478A-81BF-ABBDEA1DA803}"/>
                 </a:ext>
                 <a:ext uri="{C183D7F6-B498-43B3-948B-1728B52AA6E4}">
-                  <adec:decorative xmlns="" xmlns:adec="http://schemas.microsoft.com/office/drawing/2017/decorative" val="1"/>
+                  <adec:decorative xmlns:adec="http://schemas.microsoft.com/office/drawing/2017/decorative" xmlns="" val="1"/>
                 </a:ext>
               </a:extLst>
             </p:cNvPr>
@@ -17012,7 +17012,7 @@
                   <a16:creationId xmlns:a16="http://schemas.microsoft.com/office/drawing/2014/main" id="{C79E87C5-E5B3-476B-B539-FC9CF4A33B72}"/>
                 </a:ext>
                 <a:ext uri="{C183D7F6-B498-43B3-948B-1728B52AA6E4}">
-                  <adec:decorative xmlns="" xmlns:adec="http://schemas.microsoft.com/office/drawing/2017/decorative" val="1"/>
+                  <adec:decorative xmlns:adec="http://schemas.microsoft.com/office/drawing/2017/decorative" xmlns="" val="1"/>
                 </a:ext>
               </a:extLst>
             </p:cNvPr>
@@ -17085,7 +17085,7 @@
                   <a16:creationId xmlns:a16="http://schemas.microsoft.com/office/drawing/2014/main" id="{956029CA-2B38-434D-9044-5FF3A1ECD17D}"/>
                 </a:ext>
                 <a:ext uri="{C183D7F6-B498-43B3-948B-1728B52AA6E4}">
-                  <adec:decorative xmlns="" xmlns:adec="http://schemas.microsoft.com/office/drawing/2017/decorative" val="1"/>
+                  <adec:decorative xmlns:adec="http://schemas.microsoft.com/office/drawing/2017/decorative" xmlns="" val="1"/>
                 </a:ext>
               </a:extLst>
             </p:cNvPr>
@@ -17153,7 +17153,7 @@
                   <a16:creationId xmlns:a16="http://schemas.microsoft.com/office/drawing/2014/main" id="{9514CFB6-E8DB-43DC-B1CD-9CC2D4B27647}"/>
                 </a:ext>
                 <a:ext uri="{C183D7F6-B498-43B3-948B-1728B52AA6E4}">
-                  <adec:decorative xmlns="" xmlns:adec="http://schemas.microsoft.com/office/drawing/2017/decorative" val="1"/>
+                  <adec:decorative xmlns:adec="http://schemas.microsoft.com/office/drawing/2017/decorative" xmlns="" val="1"/>
                 </a:ext>
               </a:extLst>
             </p:cNvPr>
@@ -17226,7 +17226,7 @@
                   <a16:creationId xmlns:a16="http://schemas.microsoft.com/office/drawing/2014/main" id="{BD8C1FC8-E550-45BE-9F30-822BAB3781EE}"/>
                 </a:ext>
                 <a:ext uri="{C183D7F6-B498-43B3-948B-1728B52AA6E4}">
-                  <adec:decorative xmlns="" xmlns:adec="http://schemas.microsoft.com/office/drawing/2017/decorative" val="1"/>
+                  <adec:decorative xmlns:adec="http://schemas.microsoft.com/office/drawing/2017/decorative" xmlns="" val="1"/>
                 </a:ext>
               </a:extLst>
             </p:cNvPr>
@@ -17294,7 +17294,7 @@
                   <a16:creationId xmlns:a16="http://schemas.microsoft.com/office/drawing/2014/main" id="{D1646B5D-A7B7-41EC-9591-0E0C0F4F949D}"/>
                 </a:ext>
                 <a:ext uri="{C183D7F6-B498-43B3-948B-1728B52AA6E4}">
-                  <adec:decorative xmlns="" xmlns:adec="http://schemas.microsoft.com/office/drawing/2017/decorative" val="1"/>
+                  <adec:decorative xmlns:adec="http://schemas.microsoft.com/office/drawing/2017/decorative" xmlns="" val="1"/>
                 </a:ext>
               </a:extLst>
             </p:cNvPr>
@@ -17367,7 +17367,7 @@
                   <a16:creationId xmlns:a16="http://schemas.microsoft.com/office/drawing/2014/main" id="{E2118E93-481E-4843-987E-378187AA37EF}"/>
                 </a:ext>
                 <a:ext uri="{C183D7F6-B498-43B3-948B-1728B52AA6E4}">
-                  <adec:decorative xmlns="" xmlns:adec="http://schemas.microsoft.com/office/drawing/2017/decorative" val="1"/>
+                  <adec:decorative xmlns:adec="http://schemas.microsoft.com/office/drawing/2017/decorative" xmlns="" val="1"/>
                 </a:ext>
               </a:extLst>
             </p:cNvPr>
@@ -17440,7 +17440,7 @@
                   <a16:creationId xmlns:a16="http://schemas.microsoft.com/office/drawing/2014/main" id="{77038464-F4E2-47EC-A87F-18469191E3AB}"/>
                 </a:ext>
                 <a:ext uri="{C183D7F6-B498-43B3-948B-1728B52AA6E4}">
-                  <adec:decorative xmlns="" xmlns:adec="http://schemas.microsoft.com/office/drawing/2017/decorative" val="1"/>
+                  <adec:decorative xmlns:adec="http://schemas.microsoft.com/office/drawing/2017/decorative" xmlns="" val="1"/>
                 </a:ext>
               </a:extLst>
             </p:cNvPr>
@@ -17513,7 +17513,7 @@
                   <a16:creationId xmlns:a16="http://schemas.microsoft.com/office/drawing/2014/main" id="{FB3BBEB1-E146-408F-95B7-EE2F269DE19E}"/>
                 </a:ext>
                 <a:ext uri="{C183D7F6-B498-43B3-948B-1728B52AA6E4}">
-                  <adec:decorative xmlns="" xmlns:adec="http://schemas.microsoft.com/office/drawing/2017/decorative" val="1"/>
+                  <adec:decorative xmlns:adec="http://schemas.microsoft.com/office/drawing/2017/decorative" xmlns="" val="1"/>
                 </a:ext>
               </a:extLst>
             </p:cNvPr>
@@ -17581,7 +17581,7 @@
                   <a16:creationId xmlns:a16="http://schemas.microsoft.com/office/drawing/2014/main" id="{C765B285-56EC-47FC-B116-274EBBD61ADC}"/>
                 </a:ext>
                 <a:ext uri="{C183D7F6-B498-43B3-948B-1728B52AA6E4}">
-                  <adec:decorative xmlns="" xmlns:adec="http://schemas.microsoft.com/office/drawing/2017/decorative" val="1"/>
+                  <adec:decorative xmlns:adec="http://schemas.microsoft.com/office/drawing/2017/decorative" xmlns="" val="1"/>
                 </a:ext>
               </a:extLst>
             </p:cNvPr>
@@ -17649,7 +17649,7 @@
                   <a16:creationId xmlns:a16="http://schemas.microsoft.com/office/drawing/2014/main" id="{CB4A6191-6913-42EA-905E-8A174AE2C994}"/>
                 </a:ext>
                 <a:ext uri="{C183D7F6-B498-43B3-948B-1728B52AA6E4}">
-                  <adec:decorative xmlns="" xmlns:adec="http://schemas.microsoft.com/office/drawing/2017/decorative" val="1"/>
+                  <adec:decorative xmlns:adec="http://schemas.microsoft.com/office/drawing/2017/decorative" xmlns="" val="1"/>
                 </a:ext>
               </a:extLst>
             </p:cNvPr>
@@ -17717,7 +17717,7 @@
                   <a16:creationId xmlns:a16="http://schemas.microsoft.com/office/drawing/2014/main" id="{8ADEEF92-F481-475A-845C-5E940F0D5594}"/>
                 </a:ext>
                 <a:ext uri="{C183D7F6-B498-43B3-948B-1728B52AA6E4}">
-                  <adec:decorative xmlns="" xmlns:adec="http://schemas.microsoft.com/office/drawing/2017/decorative" val="1"/>
+                  <adec:decorative xmlns:adec="http://schemas.microsoft.com/office/drawing/2017/decorative" xmlns="" val="1"/>
                 </a:ext>
               </a:extLst>
             </p:cNvPr>
@@ -17786,7 +17786,7 @@
                 <a16:creationId xmlns:a16="http://schemas.microsoft.com/office/drawing/2014/main" id="{D9C506D7-84CB-4057-A44A-465313E78538}"/>
               </a:ext>
               <a:ext uri="{C183D7F6-B498-43B3-948B-1728B52AA6E4}">
-                <adec:decorative xmlns="" xmlns:adec="http://schemas.microsoft.com/office/drawing/2017/decorative" val="1"/>
+                <adec:decorative xmlns:adec="http://schemas.microsoft.com/office/drawing/2017/decorative" xmlns="" val="1"/>
               </a:ext>
             </a:extLst>
           </p:cNvPr>
@@ -17957,7 +17957,7 @@
                 <a16:creationId xmlns:a16="http://schemas.microsoft.com/office/drawing/2014/main" id="{7842FC68-61FD-4700-8A22-BB8B071884DB}"/>
               </a:ext>
               <a:ext uri="{C183D7F6-B498-43B3-948B-1728B52AA6E4}">
-                <adec:decorative xmlns="" xmlns:adec="http://schemas.microsoft.com/office/drawing/2017/decorative" val="1"/>
+                <adec:decorative xmlns:adec="http://schemas.microsoft.com/office/drawing/2017/decorative" xmlns="" val="1"/>
               </a:ext>
             </a:extLst>
           </p:cNvPr>
@@ -18277,7 +18277,15 @@
           <a:p>
             <a:r>
               <a:rPr lang="en-US" sz="2000" dirty="0"/>
-              <a:t>Using a Machine Learning Approach to Forecasting Student Success</a:t>
+              <a:t>Using a Machine Learning Approach to Forecasting </a:t>
+            </a:r>
+            <a:r>
+              <a:rPr lang="en-US" sz="2000" dirty="0" smtClean="0"/>
+              <a:t>Early Student </a:t>
+            </a:r>
+            <a:r>
+              <a:rPr lang="en-US" sz="2000" dirty="0"/>
+              <a:t>Success</a:t>
             </a:r>
           </a:p>
         </p:txBody>
@@ -18362,7 +18370,7 @@
                 <a16:creationId xmlns:a16="http://schemas.microsoft.com/office/drawing/2014/main" id="{90F08744-9D7B-4693-B8D6-2A5210AE96F6}"/>
               </a:ext>
               <a:ext uri="{C183D7F6-B498-43B3-948B-1728B52AA6E4}">
-                <adec:decorative xmlns="" xmlns:adec="http://schemas.microsoft.com/office/drawing/2017/decorative" val="1"/>
+                <adec:decorative xmlns:adec="http://schemas.microsoft.com/office/drawing/2017/decorative" xmlns="" val="1"/>
               </a:ext>
             </a:extLst>
           </p:cNvPr>
@@ -18425,7 +18433,7 @@
                 <a16:creationId xmlns:a16="http://schemas.microsoft.com/office/drawing/2014/main" id="{5B2E630F-F386-44FA-B1A1-C10A9BF4346C}"/>
               </a:ext>
               <a:ext uri="{C183D7F6-B498-43B3-948B-1728B52AA6E4}">
-                <adec:decorative xmlns="" xmlns:adec="http://schemas.microsoft.com/office/drawing/2017/decorative" val="1"/>
+                <adec:decorative xmlns:adec="http://schemas.microsoft.com/office/drawing/2017/decorative" xmlns="" val="1"/>
               </a:ext>
             </a:extLst>
           </p:cNvPr>
@@ -18687,7 +18695,7 @@
                 <a16:creationId xmlns:a16="http://schemas.microsoft.com/office/drawing/2014/main" id="{73567C09-8B4D-49A6-A711-C44C5807D8DD}"/>
               </a:ext>
               <a:ext uri="{C183D7F6-B498-43B3-948B-1728B52AA6E4}">
-                <adec:decorative xmlns="" xmlns:adec="http://schemas.microsoft.com/office/drawing/2017/decorative" val="1"/>
+                <adec:decorative xmlns:adec="http://schemas.microsoft.com/office/drawing/2017/decorative" xmlns="" val="1"/>
               </a:ext>
             </a:extLst>
           </p:cNvPr>
@@ -20874,7 +20882,7 @@
                 <a16:creationId xmlns:a16="http://schemas.microsoft.com/office/drawing/2014/main" id="{10CE3618-1D7A-4256-B2AF-9DB692996C65}"/>
               </a:ext>
               <a:ext uri="{C183D7F6-B498-43B3-948B-1728B52AA6E4}">
-                <adec:decorative xmlns="" xmlns:adec="http://schemas.microsoft.com/office/drawing/2017/decorative" val="1"/>
+                <adec:decorative xmlns:adec="http://schemas.microsoft.com/office/drawing/2017/decorative" xmlns="" val="1"/>
               </a:ext>
             </a:extLst>
           </p:cNvPr>
@@ -20934,7 +20942,7 @@
                 <a16:creationId xmlns:a16="http://schemas.microsoft.com/office/drawing/2014/main" id="{D91A9185-A7D5-460B-98BC-0BF2EBD3EEBE}"/>
               </a:ext>
               <a:ext uri="{C183D7F6-B498-43B3-948B-1728B52AA6E4}">
-                <adec:decorative xmlns="" xmlns:adec="http://schemas.microsoft.com/office/drawing/2017/decorative" val="1"/>
+                <adec:decorative xmlns:adec="http://schemas.microsoft.com/office/drawing/2017/decorative" xmlns="" val="1"/>
               </a:ext>
             </a:extLst>
           </p:cNvPr>
@@ -20965,7 +20973,7 @@
                   <a16:creationId xmlns:a16="http://schemas.microsoft.com/office/drawing/2014/main" id="{8AFC1764-6516-4F77-BF30-B8ADB3C9F499}"/>
                 </a:ext>
                 <a:ext uri="{C183D7F6-B498-43B3-948B-1728B52AA6E4}">
-                  <adec:decorative xmlns="" xmlns:adec="http://schemas.microsoft.com/office/drawing/2017/decorative" val="1"/>
+                  <adec:decorative xmlns:adec="http://schemas.microsoft.com/office/drawing/2017/decorative" xmlns="" val="1"/>
                 </a:ext>
               </a:extLst>
             </p:cNvPr>
@@ -21048,7 +21056,7 @@
                   <a16:creationId xmlns:a16="http://schemas.microsoft.com/office/drawing/2014/main" id="{FCAFF9F9-F806-47EC-BCAC-9921E719FF2A}"/>
                 </a:ext>
                 <a:ext uri="{C183D7F6-B498-43B3-948B-1728B52AA6E4}">
-                  <adec:decorative xmlns="" xmlns:adec="http://schemas.microsoft.com/office/drawing/2017/decorative" val="1"/>
+                  <adec:decorative xmlns:adec="http://schemas.microsoft.com/office/drawing/2017/decorative" xmlns="" val="1"/>
                 </a:ext>
               </a:extLst>
             </p:cNvPr>
@@ -21138,7 +21146,7 @@
                   <a16:creationId xmlns:a16="http://schemas.microsoft.com/office/drawing/2014/main" id="{09D92491-36BD-4861-BA54-DD88E608988E}"/>
                 </a:ext>
                 <a:ext uri="{C183D7F6-B498-43B3-948B-1728B52AA6E4}">
-                  <adec:decorative xmlns="" xmlns:adec="http://schemas.microsoft.com/office/drawing/2017/decorative" val="1"/>
+                  <adec:decorative xmlns:adec="http://schemas.microsoft.com/office/drawing/2017/decorative" xmlns="" val="1"/>
                 </a:ext>
               </a:extLst>
             </p:cNvPr>
@@ -21226,7 +21234,7 @@
                   <a16:creationId xmlns:a16="http://schemas.microsoft.com/office/drawing/2014/main" id="{23740E15-AB86-4E5C-A137-07E0DDC03548}"/>
                 </a:ext>
                 <a:ext uri="{C183D7F6-B498-43B3-948B-1728B52AA6E4}">
-                  <adec:decorative xmlns="" xmlns:adec="http://schemas.microsoft.com/office/drawing/2017/decorative" val="1"/>
+                  <adec:decorative xmlns:adec="http://schemas.microsoft.com/office/drawing/2017/decorative" xmlns="" val="1"/>
                 </a:ext>
               </a:extLst>
             </p:cNvPr>
@@ -21304,7 +21312,7 @@
                   <a16:creationId xmlns:a16="http://schemas.microsoft.com/office/drawing/2014/main" id="{BE097852-1F54-4EF0-A1BE-561272FCD6D7}"/>
                 </a:ext>
                 <a:ext uri="{C183D7F6-B498-43B3-948B-1728B52AA6E4}">
-                  <adec:decorative xmlns="" xmlns:adec="http://schemas.microsoft.com/office/drawing/2017/decorative" val="1"/>
+                  <adec:decorative xmlns:adec="http://schemas.microsoft.com/office/drawing/2017/decorative" xmlns="" val="1"/>
                 </a:ext>
               </a:extLst>
             </p:cNvPr>
@@ -21372,7 +21380,7 @@
                   <a16:creationId xmlns:a16="http://schemas.microsoft.com/office/drawing/2014/main" id="{5C2DF1F9-21CC-430E-84C8-356C73C6FD38}"/>
                 </a:ext>
                 <a:ext uri="{C183D7F6-B498-43B3-948B-1728B52AA6E4}">
-                  <adec:decorative xmlns="" xmlns:adec="http://schemas.microsoft.com/office/drawing/2017/decorative" val="1"/>
+                  <adec:decorative xmlns:adec="http://schemas.microsoft.com/office/drawing/2017/decorative" xmlns="" val="1"/>
                 </a:ext>
               </a:extLst>
             </p:cNvPr>
@@ -21450,7 +21458,7 @@
                   <a16:creationId xmlns:a16="http://schemas.microsoft.com/office/drawing/2014/main" id="{7F11B45B-3EDE-4B6A-903B-0AE6E9DDF415}"/>
                 </a:ext>
                 <a:ext uri="{C183D7F6-B498-43B3-948B-1728B52AA6E4}">
-                  <adec:decorative xmlns="" xmlns:adec="http://schemas.microsoft.com/office/drawing/2017/decorative" val="1"/>
+                  <adec:decorative xmlns:adec="http://schemas.microsoft.com/office/drawing/2017/decorative" xmlns="" val="1"/>
                 </a:ext>
               </a:extLst>
             </p:cNvPr>
@@ -21523,7 +21531,7 @@
                   <a16:creationId xmlns:a16="http://schemas.microsoft.com/office/drawing/2014/main" id="{F77FDDC5-477E-420D-B98F-42ABA24772F8}"/>
                 </a:ext>
                 <a:ext uri="{C183D7F6-B498-43B3-948B-1728B52AA6E4}">
-                  <adec:decorative xmlns="" xmlns:adec="http://schemas.microsoft.com/office/drawing/2017/decorative" val="1"/>
+                  <adec:decorative xmlns:adec="http://schemas.microsoft.com/office/drawing/2017/decorative" xmlns="" val="1"/>
                 </a:ext>
               </a:extLst>
             </p:cNvPr>
@@ -21591,7 +21599,7 @@
                   <a16:creationId xmlns:a16="http://schemas.microsoft.com/office/drawing/2014/main" id="{A92C0474-B573-45C5-84C5-194CE1715FE2}"/>
                 </a:ext>
                 <a:ext uri="{C183D7F6-B498-43B3-948B-1728B52AA6E4}">
-                  <adec:decorative xmlns="" xmlns:adec="http://schemas.microsoft.com/office/drawing/2017/decorative" val="1"/>
+                  <adec:decorative xmlns:adec="http://schemas.microsoft.com/office/drawing/2017/decorative" xmlns="" val="1"/>
                 </a:ext>
               </a:extLst>
             </p:cNvPr>
@@ -21664,7 +21672,7 @@
                   <a16:creationId xmlns:a16="http://schemas.microsoft.com/office/drawing/2014/main" id="{2FBC62F8-64D0-4025-99AE-A04E291D90EA}"/>
                 </a:ext>
                 <a:ext uri="{C183D7F6-B498-43B3-948B-1728B52AA6E4}">
-                  <adec:decorative xmlns="" xmlns:adec="http://schemas.microsoft.com/office/drawing/2017/decorative" val="1"/>
+                  <adec:decorative xmlns:adec="http://schemas.microsoft.com/office/drawing/2017/decorative" xmlns="" val="1"/>
                 </a:ext>
               </a:extLst>
             </p:cNvPr>
@@ -21732,7 +21740,7 @@
                   <a16:creationId xmlns:a16="http://schemas.microsoft.com/office/drawing/2014/main" id="{7632F945-80B5-4575-A538-29495BF8F258}"/>
                 </a:ext>
                 <a:ext uri="{C183D7F6-B498-43B3-948B-1728B52AA6E4}">
-                  <adec:decorative xmlns="" xmlns:adec="http://schemas.microsoft.com/office/drawing/2017/decorative" val="1"/>
+                  <adec:decorative xmlns:adec="http://schemas.microsoft.com/office/drawing/2017/decorative" xmlns="" val="1"/>
                 </a:ext>
               </a:extLst>
             </p:cNvPr>
@@ -21805,7 +21813,7 @@
                   <a16:creationId xmlns:a16="http://schemas.microsoft.com/office/drawing/2014/main" id="{5562CC17-43D4-4E57-AE08-83952EE59D5A}"/>
                 </a:ext>
                 <a:ext uri="{C183D7F6-B498-43B3-948B-1728B52AA6E4}">
-                  <adec:decorative xmlns="" xmlns:adec="http://schemas.microsoft.com/office/drawing/2017/decorative" val="1"/>
+                  <adec:decorative xmlns:adec="http://schemas.microsoft.com/office/drawing/2017/decorative" xmlns="" val="1"/>
                 </a:ext>
               </a:extLst>
             </p:cNvPr>
@@ -21873,7 +21881,7 @@
                   <a16:creationId xmlns:a16="http://schemas.microsoft.com/office/drawing/2014/main" id="{E1D78CFE-04CA-4101-AFCF-196940B2D137}"/>
                 </a:ext>
                 <a:ext uri="{C183D7F6-B498-43B3-948B-1728B52AA6E4}">
-                  <adec:decorative xmlns="" xmlns:adec="http://schemas.microsoft.com/office/drawing/2017/decorative" val="1"/>
+                  <adec:decorative xmlns:adec="http://schemas.microsoft.com/office/drawing/2017/decorative" xmlns="" val="1"/>
                 </a:ext>
               </a:extLst>
             </p:cNvPr>
@@ -21946,7 +21954,7 @@
                   <a16:creationId xmlns:a16="http://schemas.microsoft.com/office/drawing/2014/main" id="{41F2A149-A64E-4690-B049-18C156A8E206}"/>
                 </a:ext>
                 <a:ext uri="{C183D7F6-B498-43B3-948B-1728B52AA6E4}">
-                  <adec:decorative xmlns="" xmlns:adec="http://schemas.microsoft.com/office/drawing/2017/decorative" val="1"/>
+                  <adec:decorative xmlns:adec="http://schemas.microsoft.com/office/drawing/2017/decorative" xmlns="" val="1"/>
                 </a:ext>
               </a:extLst>
             </p:cNvPr>
@@ -22019,7 +22027,7 @@
                   <a16:creationId xmlns:a16="http://schemas.microsoft.com/office/drawing/2014/main" id="{D9313C72-D62D-4416-A6AE-7EB7D6B54A58}"/>
                 </a:ext>
                 <a:ext uri="{C183D7F6-B498-43B3-948B-1728B52AA6E4}">
-                  <adec:decorative xmlns="" xmlns:adec="http://schemas.microsoft.com/office/drawing/2017/decorative" val="1"/>
+                  <adec:decorative xmlns:adec="http://schemas.microsoft.com/office/drawing/2017/decorative" xmlns="" val="1"/>
                 </a:ext>
               </a:extLst>
             </p:cNvPr>
@@ -22092,7 +22100,7 @@
                   <a16:creationId xmlns:a16="http://schemas.microsoft.com/office/drawing/2014/main" id="{77B03BEA-76E5-4ECB-B9BB-D89D27509EFD}"/>
                 </a:ext>
                 <a:ext uri="{C183D7F6-B498-43B3-948B-1728B52AA6E4}">
-                  <adec:decorative xmlns="" xmlns:adec="http://schemas.microsoft.com/office/drawing/2017/decorative" val="1"/>
+                  <adec:decorative xmlns:adec="http://schemas.microsoft.com/office/drawing/2017/decorative" xmlns="" val="1"/>
                 </a:ext>
               </a:extLst>
             </p:cNvPr>
@@ -22160,7 +22168,7 @@
                   <a16:creationId xmlns:a16="http://schemas.microsoft.com/office/drawing/2014/main" id="{6AF6BECE-416D-4C3A-AD6F-68B08F3CA751}"/>
                 </a:ext>
                 <a:ext uri="{C183D7F6-B498-43B3-948B-1728B52AA6E4}">
-                  <adec:decorative xmlns="" xmlns:adec="http://schemas.microsoft.com/office/drawing/2017/decorative" val="1"/>
+                  <adec:decorative xmlns:adec="http://schemas.microsoft.com/office/drawing/2017/decorative" xmlns="" val="1"/>
                 </a:ext>
               </a:extLst>
             </p:cNvPr>
@@ -22228,7 +22236,7 @@
                   <a16:creationId xmlns:a16="http://schemas.microsoft.com/office/drawing/2014/main" id="{B9197E2A-A098-480D-A2A6-3F3B889EDAEE}"/>
                 </a:ext>
                 <a:ext uri="{C183D7F6-B498-43B3-948B-1728B52AA6E4}">
-                  <adec:decorative xmlns="" xmlns:adec="http://schemas.microsoft.com/office/drawing/2017/decorative" val="1"/>
+                  <adec:decorative xmlns:adec="http://schemas.microsoft.com/office/drawing/2017/decorative" xmlns="" val="1"/>
                 </a:ext>
               </a:extLst>
             </p:cNvPr>
@@ -22296,7 +22304,7 @@
                   <a16:creationId xmlns:a16="http://schemas.microsoft.com/office/drawing/2014/main" id="{5A493EDB-6C9E-483F-86A6-0F473E5908D5}"/>
                 </a:ext>
                 <a:ext uri="{C183D7F6-B498-43B3-948B-1728B52AA6E4}">
-                  <adec:decorative xmlns="" xmlns:adec="http://schemas.microsoft.com/office/drawing/2017/decorative" val="1"/>
+                  <adec:decorative xmlns:adec="http://schemas.microsoft.com/office/drawing/2017/decorative" xmlns="" val="1"/>
                 </a:ext>
               </a:extLst>
             </p:cNvPr>
@@ -22365,7 +22373,7 @@
                 <a16:creationId xmlns:a16="http://schemas.microsoft.com/office/drawing/2014/main" id="{3F39476B-1A6D-47CB-AC7A-FB87EF003323}"/>
               </a:ext>
               <a:ext uri="{C183D7F6-B498-43B3-948B-1728B52AA6E4}">
-                <adec:decorative xmlns="" xmlns:adec="http://schemas.microsoft.com/office/drawing/2017/decorative" val="1"/>
+                <adec:decorative xmlns:adec="http://schemas.microsoft.com/office/drawing/2017/decorative" xmlns="" val="1"/>
               </a:ext>
             </a:extLst>
           </p:cNvPr>
@@ -25149,15 +25157,7 @@
             <a:pPr algn="ctr"/>
             <a:r>
               <a:rPr lang="en-US" b="1" dirty="0"/>
-              <a:t>But there are </a:t>
-            </a:r>
-            <a:r>
-              <a:rPr lang="en-US" b="1"/>
-              <a:t>tasks ahead</a:t>
-            </a:r>
-            <a:r>
-              <a:rPr lang="en-US" b="1" dirty="0"/>
-              <a:t>.</a:t>
+              <a:t>But there are tasks ahead.</a:t>
             </a:r>
           </a:p>
           <a:p>
@@ -25172,7 +25172,19 @@
               <a:rPr lang="en-US" dirty="0">
                 <a:latin typeface="Bahnschrift Light Condensed" panose="020B0502040204020203" pitchFamily="34" charset="0"/>
               </a:rPr>
-              <a:t>MLP, LIME, new variables, and the unknowns</a:t>
+              <a:t>MLP, </a:t>
+            </a:r>
+            <a:r>
+              <a:rPr lang="en-US" dirty="0" smtClean="0">
+                <a:latin typeface="Bahnschrift Light Condensed" panose="020B0502040204020203" pitchFamily="34" charset="0"/>
+              </a:rPr>
+              <a:t>SHAP, </a:t>
+            </a:r>
+            <a:r>
+              <a:rPr lang="en-US" dirty="0">
+                <a:latin typeface="Bahnschrift Light Condensed" panose="020B0502040204020203" pitchFamily="34" charset="0"/>
+              </a:rPr>
+              <a:t>new variables, and the unknowns</a:t>
             </a:r>
           </a:p>
         </p:txBody>
@@ -26081,23 +26093,6 @@
 </file>
 
 <file path=customXml/item1.xml><?xml version="1.0" encoding="utf-8"?>
-<?mso-contentType ?>
-<FormTemplates xmlns="http://schemas.microsoft.com/sharepoint/v3/contenttype/forms">
-  <Display>DocumentLibraryForm</Display>
-  <Edit>DocumentLibraryForm</Edit>
-  <New>DocumentLibraryForm</New>
-</FormTemplates>
-</file>
-
-<file path=customXml/item2.xml><?xml version="1.0" encoding="utf-8"?>
-<p:properties xmlns:p="http://schemas.microsoft.com/office/2006/metadata/properties" xmlns:xsi="http://www.w3.org/2001/XMLSchema-instance" xmlns:pc="http://schemas.microsoft.com/office/infopath/2007/PartnerControls">
-  <documentManagement>
-    <MediaServiceKeyPoints xmlns="71af3243-3dd4-4a8d-8c0d-dd76da1f02a5" xsi:nil="true"/>
-  </documentManagement>
-</p:properties>
-</file>
-
-<file path=customXml/item3.xml><?xml version="1.0" encoding="utf-8"?>
 <ct:contentTypeSchema xmlns:ct="http://schemas.microsoft.com/office/2006/metadata/contentType" xmlns:ma="http://schemas.microsoft.com/office/2006/metadata/properties/metaAttributes" ct:_="" ma:_="" ma:contentTypeName="Document" ma:contentTypeID="0x01010079F111ED35F8CC479449609E8A0923A6" ma:contentTypeVersion="11" ma:contentTypeDescription="Create a new document." ma:contentTypeScope="" ma:versionID="9677210f24a1be23c92c90fd886aa0aa">
   <xsd:schema xmlns:xsd="http://www.w3.org/2001/XMLSchema" xmlns:xs="http://www.w3.org/2001/XMLSchema" xmlns:p="http://schemas.microsoft.com/office/2006/metadata/properties" xmlns:ns2="71af3243-3dd4-4a8d-8c0d-dd76da1f02a5" xmlns:ns3="16c05727-aa75-4e4a-9b5f-8a80a1165891" targetNamespace="http://schemas.microsoft.com/office/2006/metadata/properties" ma:root="true" ma:fieldsID="60e05723c5c1908df1a1a4ebf11d344e" ns2:_="" ns3:_="">
     <xsd:import namespace="71af3243-3dd4-4a8d-8c0d-dd76da1f02a5"/>
@@ -26308,10 +26303,38 @@
 </ct:contentTypeSchema>
 </file>
 
+<file path=customXml/item2.xml><?xml version="1.0" encoding="utf-8"?>
+<p:properties xmlns:p="http://schemas.microsoft.com/office/2006/metadata/properties" xmlns:xsi="http://www.w3.org/2001/XMLSchema-instance" xmlns:pc="http://schemas.microsoft.com/office/infopath/2007/PartnerControls">
+  <documentManagement>
+    <MediaServiceKeyPoints xmlns="71af3243-3dd4-4a8d-8c0d-dd76da1f02a5" xsi:nil="true"/>
+  </documentManagement>
+</p:properties>
+</file>
+
+<file path=customXml/item3.xml><?xml version="1.0" encoding="utf-8"?>
+<?mso-contentType ?>
+<FormTemplates xmlns="http://schemas.microsoft.com/sharepoint/v3/contenttype/forms">
+  <Display>DocumentLibraryForm</Display>
+  <Edit>DocumentLibraryForm</Edit>
+  <New>DocumentLibraryForm</New>
+</FormTemplates>
+</file>
+
 <file path=customXml/itemProps1.xml><?xml version="1.0" encoding="utf-8"?>
-<ds:datastoreItem xmlns:ds="http://schemas.openxmlformats.org/officeDocument/2006/customXml" ds:itemID="{58F3D8C7-1E6F-4D15-8163-ADBC81A00AAD}">
+<ds:datastoreItem xmlns:ds="http://schemas.openxmlformats.org/officeDocument/2006/customXml" ds:itemID="{F3A8986E-DA64-415A-A390-AF2FFA01BA73}">
   <ds:schemaRefs>
-    <ds:schemaRef ds:uri="http://schemas.microsoft.com/sharepoint/v3/contenttype/forms"/>
+    <ds:schemaRef ds:uri="http://schemas.microsoft.com/office/2006/metadata/contentType"/>
+    <ds:schemaRef ds:uri="http://schemas.microsoft.com/office/2006/metadata/properties/metaAttributes"/>
+    <ds:schemaRef ds:uri="http://www.w3.org/2001/XMLSchema"/>
+    <ds:schemaRef ds:uri="http://schemas.microsoft.com/office/2006/metadata/properties"/>
+    <ds:schemaRef ds:uri="71af3243-3dd4-4a8d-8c0d-dd76da1f02a5"/>
+    <ds:schemaRef ds:uri="16c05727-aa75-4e4a-9b5f-8a80a1165891"/>
+    <ds:schemaRef ds:uri="http://schemas.microsoft.com/office/2006/documentManagement/types"/>
+    <ds:schemaRef ds:uri="http://schemas.microsoft.com/office/infopath/2007/PartnerControls"/>
+    <ds:schemaRef ds:uri="http://schemas.openxmlformats.org/package/2006/metadata/core-properties"/>
+    <ds:schemaRef ds:uri="http://purl.org/dc/elements/1.1/"/>
+    <ds:schemaRef ds:uri="http://purl.org/dc/terms/"/>
+    <ds:schemaRef ds:uri="http://schemas.microsoft.com/internal/obd"/>
   </ds:schemaRefs>
 </ds:datastoreItem>
 </file>
@@ -26334,20 +26357,9 @@
 </file>
 
 <file path=customXml/itemProps3.xml><?xml version="1.0" encoding="utf-8"?>
-<ds:datastoreItem xmlns:ds="http://schemas.openxmlformats.org/officeDocument/2006/customXml" ds:itemID="{F3A8986E-DA64-415A-A390-AF2FFA01BA73}">
+<ds:datastoreItem xmlns:ds="http://schemas.openxmlformats.org/officeDocument/2006/customXml" ds:itemID="{58F3D8C7-1E6F-4D15-8163-ADBC81A00AAD}">
   <ds:schemaRefs>
-    <ds:schemaRef ds:uri="http://schemas.microsoft.com/office/2006/metadata/contentType"/>
-    <ds:schemaRef ds:uri="http://schemas.microsoft.com/office/2006/metadata/properties/metaAttributes"/>
-    <ds:schemaRef ds:uri="http://www.w3.org/2001/XMLSchema"/>
-    <ds:schemaRef ds:uri="http://schemas.microsoft.com/office/2006/metadata/properties"/>
-    <ds:schemaRef ds:uri="71af3243-3dd4-4a8d-8c0d-dd76da1f02a5"/>
-    <ds:schemaRef ds:uri="16c05727-aa75-4e4a-9b5f-8a80a1165891"/>
-    <ds:schemaRef ds:uri="http://schemas.microsoft.com/office/2006/documentManagement/types"/>
-    <ds:schemaRef ds:uri="http://schemas.microsoft.com/office/infopath/2007/PartnerControls"/>
-    <ds:schemaRef ds:uri="http://schemas.openxmlformats.org/package/2006/metadata/core-properties"/>
-    <ds:schemaRef ds:uri="http://purl.org/dc/elements/1.1/"/>
-    <ds:schemaRef ds:uri="http://purl.org/dc/terms/"/>
-    <ds:schemaRef ds:uri="http://schemas.microsoft.com/internal/obd"/>
+    <ds:schemaRef ds:uri="http://schemas.microsoft.com/sharepoint/v3/contenttype/forms"/>
   </ds:schemaRefs>
 </ds:datastoreItem>
 </file>
--- a/Documentation/student_risk_presentation.pptx
+++ b/Documentation/student_risk_presentation.pptx
@@ -5,18 +5,21 @@
     <p:sldMasterId id="2147483648" r:id="rId4"/>
   </p:sldMasterIdLst>
   <p:notesMasterIdLst>
-    <p:notesMasterId r:id="rId14"/>
+    <p:notesMasterId r:id="rId17"/>
   </p:notesMasterIdLst>
   <p:sldIdLst>
     <p:sldId id="259" r:id="rId5"/>
     <p:sldId id="257" r:id="rId6"/>
     <p:sldId id="261" r:id="rId7"/>
-    <p:sldId id="260" r:id="rId8"/>
-    <p:sldId id="262" r:id="rId9"/>
-    <p:sldId id="263" r:id="rId10"/>
-    <p:sldId id="265" r:id="rId11"/>
-    <p:sldId id="268" r:id="rId12"/>
-    <p:sldId id="266" r:id="rId13"/>
+    <p:sldId id="272" r:id="rId8"/>
+    <p:sldId id="269" r:id="rId9"/>
+    <p:sldId id="262" r:id="rId10"/>
+    <p:sldId id="263" r:id="rId11"/>
+    <p:sldId id="265" r:id="rId12"/>
+    <p:sldId id="273" r:id="rId13"/>
+    <p:sldId id="274" r:id="rId14"/>
+    <p:sldId id="268" r:id="rId15"/>
+    <p:sldId id="266" r:id="rId16"/>
   </p:sldIdLst>
   <p:sldSz cx="12192000" cy="6858000"/>
   <p:notesSz cx="6858000" cy="9144000"/>
@@ -205,7 +208,7 @@
           <a:p>
             <a:fld id="{0D8968FE-AD3D-444F-B6A8-796D946DC3A6}" type="datetimeFigureOut">
               <a:rPr lang="en-US" smtClean="0"/>
-              <a:t>7/12/2021</a:t>
+              <a:t>10/12/2021</a:t>
             </a:fld>
             <a:endParaRPr lang="en-US" dirty="0"/>
           </a:p>
@@ -621,7 +624,7 @@
           <a:p>
             <a:fld id="{EC112EAA-B504-4DE4-86AF-9234CC185AA8}" type="slidenum">
               <a:rPr lang="en-US" smtClean="0"/>
-              <a:t>4</a:t>
+              <a:t>5</a:t>
             </a:fld>
             <a:endParaRPr lang="en-US" dirty="0"/>
           </a:p>
@@ -630,7 +633,7 @@
     </p:spTree>
     <p:extLst>
       <p:ext uri="{BB962C8B-B14F-4D97-AF65-F5344CB8AC3E}">
-        <p14:creationId xmlns:p14="http://schemas.microsoft.com/office/powerpoint/2010/main" val="1846476177"/>
+        <p14:creationId xmlns:p14="http://schemas.microsoft.com/office/powerpoint/2010/main" val="1622550732"/>
       </p:ext>
     </p:extLst>
   </p:cSld>
@@ -2049,7 +2052,7 @@
           <a:p>
             <a:fld id="{198E66DD-51B1-4BF7-9539-DEA51BFAEFD8}" type="datetime1">
               <a:rPr lang="en-US" smtClean="0"/>
-              <a:t>7/12/2021</a:t>
+              <a:t>10/12/2021</a:t>
             </a:fld>
             <a:endParaRPr lang="en-US" dirty="0"/>
           </a:p>
@@ -3503,7 +3506,7 @@
           <a:p>
             <a:fld id="{827A6260-7573-4697-9E59-AA19A1D5C255}" type="datetime1">
               <a:rPr lang="en-US" smtClean="0"/>
-              <a:t>7/12/2021</a:t>
+              <a:t>10/12/2021</a:t>
             </a:fld>
             <a:endParaRPr lang="en-US" dirty="0"/>
           </a:p>
@@ -4951,7 +4954,7 @@
           <a:p>
             <a:fld id="{AB049DE4-AD7B-432F-9E35-775F5F8CC6AD}" type="datetime1">
               <a:rPr lang="en-US" smtClean="0"/>
-              <a:t>7/12/2021</a:t>
+              <a:t>10/12/2021</a:t>
             </a:fld>
             <a:endParaRPr lang="en-US" dirty="0"/>
           </a:p>
@@ -6401,7 +6404,7 @@
           <a:p>
             <a:fld id="{CED204F4-028A-4A36-B306-1FBAFF258B24}" type="datetime1">
               <a:rPr lang="en-US" smtClean="0"/>
-              <a:t>7/12/2021</a:t>
+              <a:t>10/12/2021</a:t>
             </a:fld>
             <a:endParaRPr lang="en-US" dirty="0"/>
           </a:p>
@@ -7904,7 +7907,7 @@
           <a:p>
             <a:fld id="{A7569E6D-812C-4C70-BB51-98F32992DB43}" type="datetime1">
               <a:rPr lang="en-US" smtClean="0"/>
-              <a:t>7/12/2021</a:t>
+              <a:t>10/12/2021</a:t>
             </a:fld>
             <a:endParaRPr lang="en-US" dirty="0"/>
           </a:p>
@@ -9420,7 +9423,7 @@
           <a:p>
             <a:fld id="{F10287DF-640A-4181-8B82-4913718EF244}" type="datetime1">
               <a:rPr lang="en-US" smtClean="0"/>
-              <a:t>7/12/2021</a:t>
+              <a:t>10/12/2021</a:t>
             </a:fld>
             <a:endParaRPr lang="en-US" dirty="0"/>
           </a:p>
@@ -11080,7 +11083,7 @@
           <a:p>
             <a:fld id="{C74BE3E1-3173-4AB6-90EF-CE84B9FBD77E}" type="datetime1">
               <a:rPr lang="en-US" smtClean="0"/>
-              <a:t>7/12/2021</a:t>
+              <a:t>10/12/2021</a:t>
             </a:fld>
             <a:endParaRPr lang="en-US" dirty="0"/>
           </a:p>
@@ -12473,7 +12476,7 @@
           <a:p>
             <a:fld id="{CE46D357-68ED-48AA-AC18-9CC27DEA9490}" type="datetime1">
               <a:rPr lang="en-US" smtClean="0"/>
-              <a:t>7/12/2021</a:t>
+              <a:t>10/12/2021</a:t>
             </a:fld>
             <a:endParaRPr lang="en-US" dirty="0"/>
           </a:p>
@@ -12568,7 +12571,7 @@
           <a:p>
             <a:fld id="{ACC8BAEE-D0AF-4323-A024-1416F995B386}" type="datetime1">
               <a:rPr lang="en-US" smtClean="0"/>
-              <a:t>7/12/2021</a:t>
+              <a:t>10/12/2021</a:t>
             </a:fld>
             <a:endParaRPr lang="en-US" dirty="0"/>
           </a:p>
@@ -14089,7 +14092,7 @@
           <a:p>
             <a:fld id="{CD36E0D4-CA65-4DD1-8546-2CC4E75B8B9D}" type="datetime1">
               <a:rPr lang="en-US" smtClean="0"/>
-              <a:t>7/12/2021</a:t>
+              <a:t>10/12/2021</a:t>
             </a:fld>
             <a:endParaRPr lang="en-US" dirty="0"/>
           </a:p>
@@ -15620,7 +15623,7 @@
           <a:p>
             <a:fld id="{C19DEFE7-E1FA-4CA7-8A5A-F9AB210CE638}" type="datetime1">
               <a:rPr lang="en-US" smtClean="0"/>
-              <a:t>7/12/2021</a:t>
+              <a:t>10/12/2021</a:t>
             </a:fld>
             <a:endParaRPr lang="en-US" dirty="0"/>
           </a:p>
@@ -15838,7 +15841,7 @@
           <a:p>
             <a:fld id="{FD1E3FCC-785C-4EC4-B782-9133218B75DD}" type="datetime1">
               <a:rPr lang="en-US" smtClean="0"/>
-              <a:t>7/12/2021</a:t>
+              <a:t>10/12/2021</a:t>
             </a:fld>
             <a:endParaRPr lang="en-US" dirty="0"/>
           </a:p>
@@ -16302,7 +16305,7 @@
                 <a16:creationId xmlns:a16="http://schemas.microsoft.com/office/drawing/2014/main" id="{6BDBA639-2A71-4A60-A71A-FF1836F546CE}"/>
               </a:ext>
               <a:ext uri="{C183D7F6-B498-43B3-948B-1728B52AA6E4}">
-                <adec:decorative xmlns:adec="http://schemas.microsoft.com/office/drawing/2017/decorative" xmlns="" val="1"/>
+                <adec:decorative xmlns:adec="http://schemas.microsoft.com/office/drawing/2017/decorative" val="1"/>
               </a:ext>
             </a:extLst>
           </p:cNvPr>
@@ -16362,7 +16365,7 @@
                 <a16:creationId xmlns:a16="http://schemas.microsoft.com/office/drawing/2014/main" id="{5E208A8B-5EBD-4532-BE72-26414FA7CFF6}"/>
               </a:ext>
               <a:ext uri="{C183D7F6-B498-43B3-948B-1728B52AA6E4}">
-                <adec:decorative xmlns:adec="http://schemas.microsoft.com/office/drawing/2017/decorative" xmlns="" val="1"/>
+                <adec:decorative xmlns:adec="http://schemas.microsoft.com/office/drawing/2017/decorative" val="1"/>
               </a:ext>
             </a:extLst>
           </p:cNvPr>
@@ -16393,7 +16396,7 @@
                   <a16:creationId xmlns:a16="http://schemas.microsoft.com/office/drawing/2014/main" id="{15D09196-B338-4AB5-A71B-CFD5FFCA62BA}"/>
                 </a:ext>
                 <a:ext uri="{C183D7F6-B498-43B3-948B-1728B52AA6E4}">
-                  <adec:decorative xmlns:adec="http://schemas.microsoft.com/office/drawing/2017/decorative" xmlns="" val="1"/>
+                  <adec:decorative xmlns:adec="http://schemas.microsoft.com/office/drawing/2017/decorative" val="1"/>
                 </a:ext>
               </a:extLst>
             </p:cNvPr>
@@ -16476,7 +16479,7 @@
                   <a16:creationId xmlns:a16="http://schemas.microsoft.com/office/drawing/2014/main" id="{F50B4463-128A-4677-A285-C017E6C543E0}"/>
                 </a:ext>
                 <a:ext uri="{C183D7F6-B498-43B3-948B-1728B52AA6E4}">
-                  <adec:decorative xmlns:adec="http://schemas.microsoft.com/office/drawing/2017/decorative" xmlns="" val="1"/>
+                  <adec:decorative xmlns:adec="http://schemas.microsoft.com/office/drawing/2017/decorative" val="1"/>
                 </a:ext>
               </a:extLst>
             </p:cNvPr>
@@ -16559,7 +16562,7 @@
                   <a16:creationId xmlns:a16="http://schemas.microsoft.com/office/drawing/2014/main" id="{1D9B95CD-F023-4DFA-9678-1E02713F74B7}"/>
                 </a:ext>
                 <a:ext uri="{C183D7F6-B498-43B3-948B-1728B52AA6E4}">
-                  <adec:decorative xmlns:adec="http://schemas.microsoft.com/office/drawing/2017/decorative" xmlns="" val="1"/>
+                  <adec:decorative xmlns:adec="http://schemas.microsoft.com/office/drawing/2017/decorative" val="1"/>
                 </a:ext>
               </a:extLst>
             </p:cNvPr>
@@ -16647,7 +16650,7 @@
                   <a16:creationId xmlns:a16="http://schemas.microsoft.com/office/drawing/2014/main" id="{1DDF47A8-BE7B-43F3-A500-F5A4656D83BE}"/>
                 </a:ext>
                 <a:ext uri="{C183D7F6-B498-43B3-948B-1728B52AA6E4}">
-                  <adec:decorative xmlns:adec="http://schemas.microsoft.com/office/drawing/2017/decorative" xmlns="" val="1"/>
+                  <adec:decorative xmlns:adec="http://schemas.microsoft.com/office/drawing/2017/decorative" val="1"/>
                 </a:ext>
               </a:extLst>
             </p:cNvPr>
@@ -16725,7 +16728,7 @@
                   <a16:creationId xmlns:a16="http://schemas.microsoft.com/office/drawing/2014/main" id="{2DD394DE-76FB-42F8-85F2-FD436F423263}"/>
                 </a:ext>
                 <a:ext uri="{C183D7F6-B498-43B3-948B-1728B52AA6E4}">
-                  <adec:decorative xmlns:adec="http://schemas.microsoft.com/office/drawing/2017/decorative" xmlns="" val="1"/>
+                  <adec:decorative xmlns:adec="http://schemas.microsoft.com/office/drawing/2017/decorative" val="1"/>
                 </a:ext>
               </a:extLst>
             </p:cNvPr>
@@ -16793,7 +16796,7 @@
                   <a16:creationId xmlns:a16="http://schemas.microsoft.com/office/drawing/2014/main" id="{B95F2EFB-87E6-4400-AAF3-7EB8B4F1561C}"/>
                 </a:ext>
                 <a:ext uri="{C183D7F6-B498-43B3-948B-1728B52AA6E4}">
-                  <adec:decorative xmlns:adec="http://schemas.microsoft.com/office/drawing/2017/decorative" xmlns="" val="1"/>
+                  <adec:decorative xmlns:adec="http://schemas.microsoft.com/office/drawing/2017/decorative" val="1"/>
                 </a:ext>
               </a:extLst>
             </p:cNvPr>
@@ -16871,7 +16874,7 @@
                   <a16:creationId xmlns:a16="http://schemas.microsoft.com/office/drawing/2014/main" id="{1D463476-2BC7-418C-9D6F-51444B11A722}"/>
                 </a:ext>
                 <a:ext uri="{C183D7F6-B498-43B3-948B-1728B52AA6E4}">
-                  <adec:decorative xmlns:adec="http://schemas.microsoft.com/office/drawing/2017/decorative" xmlns="" val="1"/>
+                  <adec:decorative xmlns:adec="http://schemas.microsoft.com/office/drawing/2017/decorative" val="1"/>
                 </a:ext>
               </a:extLst>
             </p:cNvPr>
@@ -16944,7 +16947,7 @@
                   <a16:creationId xmlns:a16="http://schemas.microsoft.com/office/drawing/2014/main" id="{24011122-2495-478A-81BF-ABBDEA1DA803}"/>
                 </a:ext>
                 <a:ext uri="{C183D7F6-B498-43B3-948B-1728B52AA6E4}">
-                  <adec:decorative xmlns:adec="http://schemas.microsoft.com/office/drawing/2017/decorative" xmlns="" val="1"/>
+                  <adec:decorative xmlns:adec="http://schemas.microsoft.com/office/drawing/2017/decorative" val="1"/>
                 </a:ext>
               </a:extLst>
             </p:cNvPr>
@@ -17012,7 +17015,7 @@
                   <a16:creationId xmlns:a16="http://schemas.microsoft.com/office/drawing/2014/main" id="{C79E87C5-E5B3-476B-B539-FC9CF4A33B72}"/>
                 </a:ext>
                 <a:ext uri="{C183D7F6-B498-43B3-948B-1728B52AA6E4}">
-                  <adec:decorative xmlns:adec="http://schemas.microsoft.com/office/drawing/2017/decorative" xmlns="" val="1"/>
+                  <adec:decorative xmlns:adec="http://schemas.microsoft.com/office/drawing/2017/decorative" val="1"/>
                 </a:ext>
               </a:extLst>
             </p:cNvPr>
@@ -17085,7 +17088,7 @@
                   <a16:creationId xmlns:a16="http://schemas.microsoft.com/office/drawing/2014/main" id="{956029CA-2B38-434D-9044-5FF3A1ECD17D}"/>
                 </a:ext>
                 <a:ext uri="{C183D7F6-B498-43B3-948B-1728B52AA6E4}">
-                  <adec:decorative xmlns:adec="http://schemas.microsoft.com/office/drawing/2017/decorative" xmlns="" val="1"/>
+                  <adec:decorative xmlns:adec="http://schemas.microsoft.com/office/drawing/2017/decorative" val="1"/>
                 </a:ext>
               </a:extLst>
             </p:cNvPr>
@@ -17153,7 +17156,7 @@
                   <a16:creationId xmlns:a16="http://schemas.microsoft.com/office/drawing/2014/main" id="{9514CFB6-E8DB-43DC-B1CD-9CC2D4B27647}"/>
                 </a:ext>
                 <a:ext uri="{C183D7F6-B498-43B3-948B-1728B52AA6E4}">
-                  <adec:decorative xmlns:adec="http://schemas.microsoft.com/office/drawing/2017/decorative" xmlns="" val="1"/>
+                  <adec:decorative xmlns:adec="http://schemas.microsoft.com/office/drawing/2017/decorative" val="1"/>
                 </a:ext>
               </a:extLst>
             </p:cNvPr>
@@ -17226,7 +17229,7 @@
                   <a16:creationId xmlns:a16="http://schemas.microsoft.com/office/drawing/2014/main" id="{BD8C1FC8-E550-45BE-9F30-822BAB3781EE}"/>
                 </a:ext>
                 <a:ext uri="{C183D7F6-B498-43B3-948B-1728B52AA6E4}">
-                  <adec:decorative xmlns:adec="http://schemas.microsoft.com/office/drawing/2017/decorative" xmlns="" val="1"/>
+                  <adec:decorative xmlns:adec="http://schemas.microsoft.com/office/drawing/2017/decorative" val="1"/>
                 </a:ext>
               </a:extLst>
             </p:cNvPr>
@@ -17294,7 +17297,7 @@
                   <a16:creationId xmlns:a16="http://schemas.microsoft.com/office/drawing/2014/main" id="{D1646B5D-A7B7-41EC-9591-0E0C0F4F949D}"/>
                 </a:ext>
                 <a:ext uri="{C183D7F6-B498-43B3-948B-1728B52AA6E4}">
-                  <adec:decorative xmlns:adec="http://schemas.microsoft.com/office/drawing/2017/decorative" xmlns="" val="1"/>
+                  <adec:decorative xmlns:adec="http://schemas.microsoft.com/office/drawing/2017/decorative" val="1"/>
                 </a:ext>
               </a:extLst>
             </p:cNvPr>
@@ -17367,7 +17370,7 @@
                   <a16:creationId xmlns:a16="http://schemas.microsoft.com/office/drawing/2014/main" id="{E2118E93-481E-4843-987E-378187AA37EF}"/>
                 </a:ext>
                 <a:ext uri="{C183D7F6-B498-43B3-948B-1728B52AA6E4}">
-                  <adec:decorative xmlns:adec="http://schemas.microsoft.com/office/drawing/2017/decorative" xmlns="" val="1"/>
+                  <adec:decorative xmlns:adec="http://schemas.microsoft.com/office/drawing/2017/decorative" val="1"/>
                 </a:ext>
               </a:extLst>
             </p:cNvPr>
@@ -17440,7 +17443,7 @@
                   <a16:creationId xmlns:a16="http://schemas.microsoft.com/office/drawing/2014/main" id="{77038464-F4E2-47EC-A87F-18469191E3AB}"/>
                 </a:ext>
                 <a:ext uri="{C183D7F6-B498-43B3-948B-1728B52AA6E4}">
-                  <adec:decorative xmlns:adec="http://schemas.microsoft.com/office/drawing/2017/decorative" xmlns="" val="1"/>
+                  <adec:decorative xmlns:adec="http://schemas.microsoft.com/office/drawing/2017/decorative" val="1"/>
                 </a:ext>
               </a:extLst>
             </p:cNvPr>
@@ -17513,7 +17516,7 @@
                   <a16:creationId xmlns:a16="http://schemas.microsoft.com/office/drawing/2014/main" id="{FB3BBEB1-E146-408F-95B7-EE2F269DE19E}"/>
                 </a:ext>
                 <a:ext uri="{C183D7F6-B498-43B3-948B-1728B52AA6E4}">
-                  <adec:decorative xmlns:adec="http://schemas.microsoft.com/office/drawing/2017/decorative" xmlns="" val="1"/>
+                  <adec:decorative xmlns:adec="http://schemas.microsoft.com/office/drawing/2017/decorative" val="1"/>
                 </a:ext>
               </a:extLst>
             </p:cNvPr>
@@ -17581,7 +17584,7 @@
                   <a16:creationId xmlns:a16="http://schemas.microsoft.com/office/drawing/2014/main" id="{C765B285-56EC-47FC-B116-274EBBD61ADC}"/>
                 </a:ext>
                 <a:ext uri="{C183D7F6-B498-43B3-948B-1728B52AA6E4}">
-                  <adec:decorative xmlns:adec="http://schemas.microsoft.com/office/drawing/2017/decorative" xmlns="" val="1"/>
+                  <adec:decorative xmlns:adec="http://schemas.microsoft.com/office/drawing/2017/decorative" val="1"/>
                 </a:ext>
               </a:extLst>
             </p:cNvPr>
@@ -17649,7 +17652,7 @@
                   <a16:creationId xmlns:a16="http://schemas.microsoft.com/office/drawing/2014/main" id="{CB4A6191-6913-42EA-905E-8A174AE2C994}"/>
                 </a:ext>
                 <a:ext uri="{C183D7F6-B498-43B3-948B-1728B52AA6E4}">
-                  <adec:decorative xmlns:adec="http://schemas.microsoft.com/office/drawing/2017/decorative" xmlns="" val="1"/>
+                  <adec:decorative xmlns:adec="http://schemas.microsoft.com/office/drawing/2017/decorative" val="1"/>
                 </a:ext>
               </a:extLst>
             </p:cNvPr>
@@ -17717,7 +17720,7 @@
                   <a16:creationId xmlns:a16="http://schemas.microsoft.com/office/drawing/2014/main" id="{8ADEEF92-F481-475A-845C-5E940F0D5594}"/>
                 </a:ext>
                 <a:ext uri="{C183D7F6-B498-43B3-948B-1728B52AA6E4}">
-                  <adec:decorative xmlns:adec="http://schemas.microsoft.com/office/drawing/2017/decorative" xmlns="" val="1"/>
+                  <adec:decorative xmlns:adec="http://schemas.microsoft.com/office/drawing/2017/decorative" val="1"/>
                 </a:ext>
               </a:extLst>
             </p:cNvPr>
@@ -17786,7 +17789,7 @@
                 <a16:creationId xmlns:a16="http://schemas.microsoft.com/office/drawing/2014/main" id="{D9C506D7-84CB-4057-A44A-465313E78538}"/>
               </a:ext>
               <a:ext uri="{C183D7F6-B498-43B3-948B-1728B52AA6E4}">
-                <adec:decorative xmlns:adec="http://schemas.microsoft.com/office/drawing/2017/decorative" xmlns="" val="1"/>
+                <adec:decorative xmlns:adec="http://schemas.microsoft.com/office/drawing/2017/decorative" val="1"/>
               </a:ext>
             </a:extLst>
           </p:cNvPr>
@@ -17957,7 +17960,7 @@
                 <a16:creationId xmlns:a16="http://schemas.microsoft.com/office/drawing/2014/main" id="{7842FC68-61FD-4700-8A22-BB8B071884DB}"/>
               </a:ext>
               <a:ext uri="{C183D7F6-B498-43B3-948B-1728B52AA6E4}">
-                <adec:decorative xmlns:adec="http://schemas.microsoft.com/office/drawing/2017/decorative" xmlns="" val="1"/>
+                <adec:decorative xmlns:adec="http://schemas.microsoft.com/office/drawing/2017/decorative" val="1"/>
               </a:ext>
             </a:extLst>
           </p:cNvPr>
@@ -18277,15 +18280,7 @@
           <a:p>
             <a:r>
               <a:rPr lang="en-US" sz="2000" dirty="0"/>
-              <a:t>Using a Machine Learning Approach to Forecasting </a:t>
-            </a:r>
-            <a:r>
-              <a:rPr lang="en-US" sz="2000" dirty="0" smtClean="0"/>
-              <a:t>Early Student </a:t>
-            </a:r>
-            <a:r>
-              <a:rPr lang="en-US" sz="2000" dirty="0"/>
-              <a:t>Success</a:t>
+              <a:t>Using a Machine Learning Approach to Forecasting Early Student Success</a:t>
             </a:r>
           </a:p>
         </p:txBody>
@@ -18330,13 +18325,740 @@
   <p:clrMapOvr>
     <a:masterClrMapping/>
   </p:clrMapOvr>
-  <p:timing>
-    <p:tnLst>
-      <p:par>
-        <p:cTn id="1" dur="indefinite" restart="never" nodeType="tmRoot"/>
-      </p:par>
-    </p:tnLst>
-  </p:timing>
+</p:sld>
+</file>
+
+<file path=ppt/slides/slide10.xml><?xml version="1.0" encoding="utf-8"?>
+<p:sld xmlns:a="http://schemas.openxmlformats.org/drawingml/2006/main" xmlns:r="http://schemas.openxmlformats.org/officeDocument/2006/relationships" xmlns:p="http://schemas.openxmlformats.org/presentationml/2006/main">
+  <p:cSld>
+    <p:spTree>
+      <p:nvGrpSpPr>
+        <p:cNvPr id="1" name=""/>
+        <p:cNvGrpSpPr/>
+        <p:nvPr/>
+      </p:nvGrpSpPr>
+      <p:grpSpPr>
+        <a:xfrm>
+          <a:off x="0" y="0"/>
+          <a:ext cx="0" cy="0"/>
+          <a:chOff x="0" y="0"/>
+          <a:chExt cx="0" cy="0"/>
+        </a:xfrm>
+      </p:grpSpPr>
+      <p:sp>
+        <p:nvSpPr>
+          <p:cNvPr id="4" name="TextBox 3">
+            <a:extLst>
+              <a:ext uri="{FF2B5EF4-FFF2-40B4-BE49-F238E27FC236}">
+                <a16:creationId xmlns:a16="http://schemas.microsoft.com/office/drawing/2014/main" id="{767CD298-E807-4016-B1EA-990D9F932316}"/>
+              </a:ext>
+            </a:extLst>
+          </p:cNvPr>
+          <p:cNvSpPr txBox="1"/>
+          <p:nvPr/>
+        </p:nvSpPr>
+        <p:spPr>
+          <a:xfrm>
+            <a:off x="11110754" y="6488668"/>
+            <a:ext cx="1101509" cy="369332"/>
+          </a:xfrm>
+          <a:prstGeom prst="rect">
+            <a:avLst/>
+          </a:prstGeom>
+          <a:noFill/>
+        </p:spPr>
+        <p:txBody>
+          <a:bodyPr wrap="square" rtlCol="0">
+            <a:spAutoFit/>
+          </a:bodyPr>
+          <a:lstStyle/>
+          <a:p>
+            <a:r>
+              <a:rPr lang="en-US" dirty="0">
+                <a:solidFill>
+                  <a:schemeClr val="tx2"/>
+                </a:solidFill>
+                <a:latin typeface="Bahnschrift Light Condensed" panose="020B0502040204020203" pitchFamily="34" charset="0"/>
+              </a:rPr>
+              <a:t>DASHBOARD</a:t>
+            </a:r>
+          </a:p>
+        </p:txBody>
+      </p:sp>
+      <p:sp>
+        <p:nvSpPr>
+          <p:cNvPr id="23" name="Speech Bubble: Rectangle with Corners Rounded 31">
+            <a:extLst>
+              <a:ext uri="{FF2B5EF4-FFF2-40B4-BE49-F238E27FC236}">
+                <a16:creationId xmlns:a16="http://schemas.microsoft.com/office/drawing/2014/main" id="{7F15FB5C-E40A-4AAC-A4DC-97D330091303}"/>
+              </a:ext>
+            </a:extLst>
+          </p:cNvPr>
+          <p:cNvSpPr/>
+          <p:nvPr/>
+        </p:nvSpPr>
+        <p:spPr>
+          <a:xfrm rot="21179380">
+            <a:off x="557743" y="527022"/>
+            <a:ext cx="3286348" cy="709509"/>
+          </a:xfrm>
+          <a:prstGeom prst="wedgeRoundRectCallout">
+            <a:avLst/>
+          </a:prstGeom>
+          <a:solidFill>
+            <a:schemeClr val="tx1"/>
+          </a:solidFill>
+          <a:ln>
+            <a:noFill/>
+          </a:ln>
+        </p:spPr>
+        <p:style>
+          <a:lnRef idx="2">
+            <a:schemeClr val="accent1">
+              <a:shade val="50000"/>
+            </a:schemeClr>
+          </a:lnRef>
+          <a:fillRef idx="1">
+            <a:schemeClr val="accent1"/>
+          </a:fillRef>
+          <a:effectRef idx="0">
+            <a:schemeClr val="accent1"/>
+          </a:effectRef>
+          <a:fontRef idx="minor">
+            <a:schemeClr val="lt1"/>
+          </a:fontRef>
+        </p:style>
+        <p:txBody>
+          <a:bodyPr rtlCol="0" anchor="ctr"/>
+          <a:lstStyle/>
+          <a:p>
+            <a:pPr algn="ctr"/>
+            <a:r>
+              <a:rPr lang="en-US" sz="3200" dirty="0">
+                <a:latin typeface="Bahnschrift Light Condensed" panose="020B0502040204020203" pitchFamily="34" charset="0"/>
+              </a:rPr>
+              <a:t>Communication is key.</a:t>
+            </a:r>
+          </a:p>
+        </p:txBody>
+      </p:sp>
+      <p:pic>
+        <p:nvPicPr>
+          <p:cNvPr id="3" name="Picture 2">
+            <a:extLst>
+              <a:ext uri="{FF2B5EF4-FFF2-40B4-BE49-F238E27FC236}">
+                <a16:creationId xmlns:a16="http://schemas.microsoft.com/office/drawing/2014/main" id="{10958A86-77E2-4A47-8EAB-21708AC6FFE6}"/>
+              </a:ext>
+            </a:extLst>
+          </p:cNvPr>
+          <p:cNvPicPr>
+            <a:picLocks noChangeAspect="1"/>
+          </p:cNvPicPr>
+          <p:nvPr/>
+        </p:nvPicPr>
+        <p:blipFill>
+          <a:blip r:embed="rId2"/>
+          <a:stretch>
+            <a:fillRect/>
+          </a:stretch>
+        </p:blipFill>
+        <p:spPr>
+          <a:xfrm>
+            <a:off x="6372931" y="760756"/>
+            <a:ext cx="5292339" cy="5336487"/>
+          </a:xfrm>
+          <a:prstGeom prst="rect">
+            <a:avLst/>
+          </a:prstGeom>
+          <a:effectLst>
+            <a:softEdge rad="12700"/>
+          </a:effectLst>
+        </p:spPr>
+      </p:pic>
+      <p:pic>
+        <p:nvPicPr>
+          <p:cNvPr id="6" name="Picture 5">
+            <a:extLst>
+              <a:ext uri="{FF2B5EF4-FFF2-40B4-BE49-F238E27FC236}">
+                <a16:creationId xmlns:a16="http://schemas.microsoft.com/office/drawing/2014/main" id="{D503943E-4804-4CD1-9E24-EFFAFD643E23}"/>
+              </a:ext>
+            </a:extLst>
+          </p:cNvPr>
+          <p:cNvPicPr>
+            <a:picLocks noChangeAspect="1"/>
+          </p:cNvPicPr>
+          <p:nvPr/>
+        </p:nvPicPr>
+        <p:blipFill>
+          <a:blip r:embed="rId3"/>
+          <a:stretch>
+            <a:fillRect/>
+          </a:stretch>
+        </p:blipFill>
+        <p:spPr>
+          <a:xfrm>
+            <a:off x="526733" y="1640526"/>
+            <a:ext cx="5292338" cy="3576948"/>
+          </a:xfrm>
+          <a:prstGeom prst="rect">
+            <a:avLst/>
+          </a:prstGeom>
+          <a:effectLst>
+            <a:softEdge rad="12700"/>
+          </a:effectLst>
+        </p:spPr>
+      </p:pic>
+      <p:sp>
+        <p:nvSpPr>
+          <p:cNvPr id="10" name="Speech Bubble: Rectangle with Corners Rounded 31">
+            <a:extLst>
+              <a:ext uri="{FF2B5EF4-FFF2-40B4-BE49-F238E27FC236}">
+                <a16:creationId xmlns:a16="http://schemas.microsoft.com/office/drawing/2014/main" id="{4273C79D-8209-4C78-8586-C44555219136}"/>
+              </a:ext>
+            </a:extLst>
+          </p:cNvPr>
+          <p:cNvSpPr/>
+          <p:nvPr/>
+        </p:nvSpPr>
+        <p:spPr>
+          <a:xfrm rot="285641">
+            <a:off x="2349767" y="5565341"/>
+            <a:ext cx="3445804" cy="709509"/>
+          </a:xfrm>
+          <a:prstGeom prst="wedgeRoundRectCallout">
+            <a:avLst>
+              <a:gd name="adj1" fmla="val -21018"/>
+              <a:gd name="adj2" fmla="val -63607"/>
+              <a:gd name="adj3" fmla="val 16667"/>
+            </a:avLst>
+          </a:prstGeom>
+          <a:solidFill>
+            <a:schemeClr val="accent1"/>
+          </a:solidFill>
+          <a:ln>
+            <a:noFill/>
+          </a:ln>
+        </p:spPr>
+        <p:style>
+          <a:lnRef idx="2">
+            <a:schemeClr val="accent1">
+              <a:shade val="50000"/>
+            </a:schemeClr>
+          </a:lnRef>
+          <a:fillRef idx="1">
+            <a:schemeClr val="accent1"/>
+          </a:fillRef>
+          <a:effectRef idx="0">
+            <a:schemeClr val="accent1"/>
+          </a:effectRef>
+          <a:fontRef idx="minor">
+            <a:schemeClr val="lt1"/>
+          </a:fontRef>
+        </p:style>
+        <p:txBody>
+          <a:bodyPr rtlCol="0" anchor="ctr"/>
+          <a:lstStyle/>
+          <a:p>
+            <a:pPr algn="ctr"/>
+            <a:r>
+              <a:rPr lang="en-US" sz="3200" dirty="0">
+                <a:latin typeface="Bahnschrift Light Condensed" panose="020B0502040204020203" pitchFamily="34" charset="0"/>
+              </a:rPr>
+              <a:t>What’s communication?</a:t>
+            </a:r>
+          </a:p>
+        </p:txBody>
+      </p:sp>
+    </p:spTree>
+    <p:extLst>
+      <p:ext uri="{BB962C8B-B14F-4D97-AF65-F5344CB8AC3E}">
+        <p14:creationId xmlns:p14="http://schemas.microsoft.com/office/powerpoint/2010/main" val="3734304678"/>
+      </p:ext>
+    </p:extLst>
+  </p:cSld>
+  <p:clrMapOvr>
+    <a:masterClrMapping/>
+  </p:clrMapOvr>
+</p:sld>
+</file>
+
+<file path=ppt/slides/slide11.xml><?xml version="1.0" encoding="utf-8"?>
+<p:sld xmlns:a="http://schemas.openxmlformats.org/drawingml/2006/main" xmlns:r="http://schemas.openxmlformats.org/officeDocument/2006/relationships" xmlns:p="http://schemas.openxmlformats.org/presentationml/2006/main">
+  <p:cSld>
+    <p:spTree>
+      <p:nvGrpSpPr>
+        <p:cNvPr id="1" name=""/>
+        <p:cNvGrpSpPr/>
+        <p:nvPr/>
+      </p:nvGrpSpPr>
+      <p:grpSpPr>
+        <a:xfrm>
+          <a:off x="0" y="0"/>
+          <a:ext cx="0" cy="0"/>
+          <a:chOff x="0" y="0"/>
+          <a:chExt cx="0" cy="0"/>
+        </a:xfrm>
+      </p:grpSpPr>
+      <p:sp>
+        <p:nvSpPr>
+          <p:cNvPr id="2" name="TextBox 1">
+            <a:extLst>
+              <a:ext uri="{FF2B5EF4-FFF2-40B4-BE49-F238E27FC236}">
+                <a16:creationId xmlns:a16="http://schemas.microsoft.com/office/drawing/2014/main" id="{5AC779CE-E57C-4888-83EE-CA62F3870133}"/>
+              </a:ext>
+            </a:extLst>
+          </p:cNvPr>
+          <p:cNvSpPr txBox="1"/>
+          <p:nvPr/>
+        </p:nvSpPr>
+        <p:spPr>
+          <a:xfrm>
+            <a:off x="5758981" y="1359203"/>
+            <a:ext cx="5210908" cy="4139595"/>
+          </a:xfrm>
+          <a:prstGeom prst="rect">
+            <a:avLst/>
+          </a:prstGeom>
+          <a:noFill/>
+        </p:spPr>
+        <p:txBody>
+          <a:bodyPr wrap="square" rtlCol="0">
+            <a:spAutoFit/>
+          </a:bodyPr>
+          <a:lstStyle/>
+          <a:p>
+            <a:pPr algn="ctr"/>
+            <a:r>
+              <a:rPr lang="en-US" sz="2000" b="1" dirty="0"/>
+              <a:t>There are many benefits.</a:t>
+            </a:r>
+          </a:p>
+          <a:p>
+            <a:pPr algn="ctr">
+              <a:lnSpc>
+                <a:spcPct val="150000"/>
+              </a:lnSpc>
+            </a:pPr>
+            <a:endParaRPr lang="en-US" dirty="0"/>
+          </a:p>
+          <a:p>
+            <a:pPr algn="ctr"/>
+            <a:r>
+              <a:rPr lang="en-US" dirty="0">
+                <a:latin typeface="Bahnschrift Light Condensed" panose="020B0502040204020203" pitchFamily="34" charset="0"/>
+              </a:rPr>
+              <a:t>In-house ML solution</a:t>
+            </a:r>
+          </a:p>
+          <a:p>
+            <a:pPr algn="ctr"/>
+            <a:endParaRPr lang="en-US" dirty="0">
+              <a:latin typeface="Bahnschrift Light Condensed" panose="020B0502040204020203" pitchFamily="34" charset="0"/>
+            </a:endParaRPr>
+          </a:p>
+          <a:p>
+            <a:pPr algn="ctr"/>
+            <a:r>
+              <a:rPr lang="en-US" dirty="0">
+                <a:latin typeface="Bahnschrift Light Condensed" panose="020B0502040204020203" pitchFamily="34" charset="0"/>
+              </a:rPr>
+              <a:t>Built using existing products</a:t>
+            </a:r>
+          </a:p>
+          <a:p>
+            <a:pPr algn="ctr"/>
+            <a:endParaRPr lang="en-US" dirty="0">
+              <a:latin typeface="Bahnschrift Light Condensed" panose="020B0502040204020203" pitchFamily="34" charset="0"/>
+            </a:endParaRPr>
+          </a:p>
+          <a:p>
+            <a:pPr algn="ctr"/>
+            <a:r>
+              <a:rPr lang="en-US" dirty="0">
+                <a:latin typeface="Bahnschrift Light Condensed" panose="020B0502040204020203" pitchFamily="34" charset="0"/>
+              </a:rPr>
+              <a:t>Flexible enough for a variety of outcomes</a:t>
+            </a:r>
+          </a:p>
+          <a:p>
+            <a:pPr algn="ctr"/>
+            <a:endParaRPr lang="en-US" dirty="0">
+              <a:latin typeface="Bahnschrift Light Condensed" panose="020B0502040204020203" pitchFamily="34" charset="0"/>
+            </a:endParaRPr>
+          </a:p>
+          <a:p>
+            <a:pPr algn="ctr"/>
+            <a:r>
+              <a:rPr lang="en-US" dirty="0">
+                <a:latin typeface="Bahnschrift Light Condensed" panose="020B0502040204020203" pitchFamily="34" charset="0"/>
+              </a:rPr>
+              <a:t>Strong baseline performance</a:t>
+            </a:r>
+          </a:p>
+          <a:p>
+            <a:pPr algn="ctr"/>
+            <a:endParaRPr lang="en-US" dirty="0">
+              <a:latin typeface="Bahnschrift Light Condensed" panose="020B0502040204020203" pitchFamily="34" charset="0"/>
+            </a:endParaRPr>
+          </a:p>
+          <a:p>
+            <a:pPr algn="ctr"/>
+            <a:endParaRPr lang="en-US" dirty="0">
+              <a:latin typeface="Bahnschrift Light Condensed" panose="020B0502040204020203" pitchFamily="34" charset="0"/>
+            </a:endParaRPr>
+          </a:p>
+          <a:p>
+            <a:pPr algn="ctr"/>
+            <a:r>
+              <a:rPr lang="en-US" b="1" dirty="0"/>
+              <a:t>But there are tasks ahead.</a:t>
+            </a:r>
+          </a:p>
+          <a:p>
+            <a:pPr algn="ctr"/>
+            <a:endParaRPr lang="en-US" dirty="0">
+              <a:latin typeface="Bahnschrift Light Condensed" panose="020B0502040204020203" pitchFamily="34" charset="0"/>
+            </a:endParaRPr>
+          </a:p>
+          <a:p>
+            <a:pPr algn="ctr"/>
+            <a:r>
+              <a:rPr lang="en-US" dirty="0">
+                <a:latin typeface="Bahnschrift Light Condensed" panose="020B0502040204020203" pitchFamily="34" charset="0"/>
+              </a:rPr>
+              <a:t>MLP, new variables, and the data unknowns</a:t>
+            </a:r>
+          </a:p>
+        </p:txBody>
+      </p:sp>
+      <p:grpSp>
+        <p:nvGrpSpPr>
+          <p:cNvPr id="13" name="Group 12"/>
+          <p:cNvGrpSpPr/>
+          <p:nvPr/>
+        </p:nvGrpSpPr>
+        <p:grpSpPr>
+          <a:xfrm>
+            <a:off x="1222112" y="1515116"/>
+            <a:ext cx="3314757" cy="3931179"/>
+            <a:chOff x="517175" y="2567938"/>
+            <a:chExt cx="3314757" cy="3931179"/>
+          </a:xfrm>
+        </p:grpSpPr>
+        <p:sp>
+          <p:nvSpPr>
+            <p:cNvPr id="11" name="Speech Bubble: Rectangle with Corners Rounded 3">
+              <a:extLst>
+                <a:ext uri="{FF2B5EF4-FFF2-40B4-BE49-F238E27FC236}">
+                  <a16:creationId xmlns:a16="http://schemas.microsoft.com/office/drawing/2014/main" id="{09616CF4-3E50-4507-9064-F9A610A9A7DA}"/>
+                </a:ext>
+              </a:extLst>
+            </p:cNvPr>
+            <p:cNvSpPr/>
+            <p:nvPr/>
+          </p:nvSpPr>
+          <p:spPr>
+            <a:xfrm rot="20939017">
+              <a:off x="1205724" y="2567938"/>
+              <a:ext cx="1937658" cy="722310"/>
+            </a:xfrm>
+            <a:prstGeom prst="wedgeRoundRectCallout">
+              <a:avLst/>
+            </a:prstGeom>
+            <a:ln>
+              <a:noFill/>
+            </a:ln>
+          </p:spPr>
+          <p:style>
+            <a:lnRef idx="2">
+              <a:schemeClr val="accent1">
+                <a:shade val="50000"/>
+              </a:schemeClr>
+            </a:lnRef>
+            <a:fillRef idx="1">
+              <a:schemeClr val="accent1"/>
+            </a:fillRef>
+            <a:effectRef idx="0">
+              <a:schemeClr val="accent1"/>
+            </a:effectRef>
+            <a:fontRef idx="minor">
+              <a:schemeClr val="lt1"/>
+            </a:fontRef>
+          </p:style>
+          <p:txBody>
+            <a:bodyPr rtlCol="0" anchor="ctr"/>
+            <a:lstStyle/>
+            <a:p>
+              <a:pPr algn="ctr"/>
+              <a:r>
+                <a:rPr lang="en-US" sz="3200" dirty="0">
+                  <a:latin typeface="Bahnschrift Light Condensed" panose="020B0502040204020203" pitchFamily="34" charset="0"/>
+                </a:rPr>
+                <a:t>In summary.</a:t>
+              </a:r>
+            </a:p>
+          </p:txBody>
+        </p:sp>
+        <p:pic>
+          <p:nvPicPr>
+            <p:cNvPr id="12" name="Picture 11"/>
+            <p:cNvPicPr>
+              <a:picLocks noChangeAspect="1"/>
+            </p:cNvPicPr>
+            <p:nvPr/>
+          </p:nvPicPr>
+          <p:blipFill>
+            <a:blip r:embed="rId2">
+              <a:extLst>
+                <a:ext uri="{28A0092B-C50C-407E-A947-70E740481C1C}">
+                  <a14:useLocalDpi xmlns:a14="http://schemas.microsoft.com/office/drawing/2010/main" val="0"/>
+                </a:ext>
+              </a:extLst>
+            </a:blip>
+            <a:stretch>
+              <a:fillRect/>
+            </a:stretch>
+          </p:blipFill>
+          <p:spPr>
+            <a:xfrm>
+              <a:off x="517175" y="3665077"/>
+              <a:ext cx="3314757" cy="2834040"/>
+            </a:xfrm>
+            <a:prstGeom prst="rect">
+              <a:avLst/>
+            </a:prstGeom>
+          </p:spPr>
+        </p:pic>
+      </p:grpSp>
+      <p:sp>
+        <p:nvSpPr>
+          <p:cNvPr id="6" name="TextBox 5">
+            <a:extLst>
+              <a:ext uri="{FF2B5EF4-FFF2-40B4-BE49-F238E27FC236}">
+                <a16:creationId xmlns:a16="http://schemas.microsoft.com/office/drawing/2014/main" id="{1F099461-28EA-4FB4-BF46-20F07871B61E}"/>
+              </a:ext>
+            </a:extLst>
+          </p:cNvPr>
+          <p:cNvSpPr txBox="1"/>
+          <p:nvPr/>
+        </p:nvSpPr>
+        <p:spPr>
+          <a:xfrm>
+            <a:off x="11297531" y="6488668"/>
+            <a:ext cx="894469" cy="369332"/>
+          </a:xfrm>
+          <a:prstGeom prst="rect">
+            <a:avLst/>
+          </a:prstGeom>
+          <a:noFill/>
+        </p:spPr>
+        <p:txBody>
+          <a:bodyPr wrap="square" rtlCol="0">
+            <a:spAutoFit/>
+          </a:bodyPr>
+          <a:lstStyle/>
+          <a:p>
+            <a:r>
+              <a:rPr lang="en-US" dirty="0">
+                <a:solidFill>
+                  <a:schemeClr val="tx2"/>
+                </a:solidFill>
+                <a:latin typeface="Bahnschrift Light Condensed" panose="020B0502040204020203" pitchFamily="34" charset="0"/>
+              </a:rPr>
+              <a:t>WRAP-UP</a:t>
+            </a:r>
+          </a:p>
+        </p:txBody>
+      </p:sp>
+    </p:spTree>
+    <p:extLst>
+      <p:ext uri="{BB962C8B-B14F-4D97-AF65-F5344CB8AC3E}">
+        <p14:creationId xmlns:p14="http://schemas.microsoft.com/office/powerpoint/2010/main" val="1780318628"/>
+      </p:ext>
+    </p:extLst>
+  </p:cSld>
+  <p:clrMapOvr>
+    <a:masterClrMapping/>
+  </p:clrMapOvr>
+</p:sld>
+</file>
+
+<file path=ppt/slides/slide12.xml><?xml version="1.0" encoding="utf-8"?>
+<p:sld xmlns:a="http://schemas.openxmlformats.org/drawingml/2006/main" xmlns:r="http://schemas.openxmlformats.org/officeDocument/2006/relationships" xmlns:p="http://schemas.openxmlformats.org/presentationml/2006/main">
+  <p:cSld>
+    <p:spTree>
+      <p:nvGrpSpPr>
+        <p:cNvPr id="1" name=""/>
+        <p:cNvGrpSpPr/>
+        <p:nvPr/>
+      </p:nvGrpSpPr>
+      <p:grpSpPr>
+        <a:xfrm>
+          <a:off x="0" y="0"/>
+          <a:ext cx="0" cy="0"/>
+          <a:chOff x="0" y="0"/>
+          <a:chExt cx="0" cy="0"/>
+        </a:xfrm>
+      </p:grpSpPr>
+      <p:sp>
+        <p:nvSpPr>
+          <p:cNvPr id="2" name="TextBox 1"/>
+          <p:cNvSpPr txBox="1"/>
+          <p:nvPr/>
+        </p:nvSpPr>
+        <p:spPr>
+          <a:xfrm>
+            <a:off x="603920" y="3167390"/>
+            <a:ext cx="10984161" cy="523220"/>
+          </a:xfrm>
+          <a:prstGeom prst="rect">
+            <a:avLst/>
+          </a:prstGeom>
+          <a:noFill/>
+        </p:spPr>
+        <p:txBody>
+          <a:bodyPr wrap="none" rtlCol="0">
+            <a:spAutoFit/>
+          </a:bodyPr>
+          <a:lstStyle/>
+          <a:p>
+            <a:r>
+              <a:rPr lang="en-US" sz="2800" dirty="0">
+                <a:hlinkClick r:id="rId2"/>
+              </a:rPr>
+              <a:t>https://wsuaacprodoac-wsucloud.analytics.ocp.oraclecloud.com/</a:t>
+            </a:r>
+            <a:endParaRPr lang="en-US" sz="2800" dirty="0"/>
+          </a:p>
+        </p:txBody>
+      </p:sp>
+      <p:sp>
+        <p:nvSpPr>
+          <p:cNvPr id="6" name="Speech Bubble: Rectangle with Corners Rounded 3">
+            <a:extLst>
+              <a:ext uri="{FF2B5EF4-FFF2-40B4-BE49-F238E27FC236}">
+                <a16:creationId xmlns:a16="http://schemas.microsoft.com/office/drawing/2014/main" id="{09616CF4-3E50-4507-9064-F9A610A9A7DA}"/>
+              </a:ext>
+            </a:extLst>
+          </p:cNvPr>
+          <p:cNvSpPr/>
+          <p:nvPr/>
+        </p:nvSpPr>
+        <p:spPr>
+          <a:xfrm rot="20939017">
+            <a:off x="4579657" y="1322519"/>
+            <a:ext cx="3031679" cy="709509"/>
+          </a:xfrm>
+          <a:prstGeom prst="wedgeRoundRectCallout">
+            <a:avLst/>
+          </a:prstGeom>
+          <a:solidFill>
+            <a:srgbClr val="464E54"/>
+          </a:solidFill>
+          <a:ln>
+            <a:noFill/>
+          </a:ln>
+        </p:spPr>
+        <p:style>
+          <a:lnRef idx="2">
+            <a:schemeClr val="accent1">
+              <a:shade val="50000"/>
+            </a:schemeClr>
+          </a:lnRef>
+          <a:fillRef idx="1">
+            <a:schemeClr val="accent1"/>
+          </a:fillRef>
+          <a:effectRef idx="0">
+            <a:schemeClr val="accent1"/>
+          </a:effectRef>
+          <a:fontRef idx="minor">
+            <a:schemeClr val="lt1"/>
+          </a:fontRef>
+        </p:style>
+        <p:txBody>
+          <a:bodyPr rtlCol="0" anchor="ctr"/>
+          <a:lstStyle/>
+          <a:p>
+            <a:pPr algn="ctr"/>
+            <a:r>
+              <a:rPr lang="en-US" sz="3200" dirty="0">
+                <a:latin typeface="Bahnschrift Light Condensed" panose="020B0502040204020203" pitchFamily="34" charset="0"/>
+              </a:rPr>
+              <a:t>Thanks for listening!</a:t>
+            </a:r>
+          </a:p>
+        </p:txBody>
+      </p:sp>
+      <p:pic>
+        <p:nvPicPr>
+          <p:cNvPr id="7" name="Picture 6"/>
+          <p:cNvPicPr>
+            <a:picLocks noChangeAspect="1"/>
+          </p:cNvPicPr>
+          <p:nvPr/>
+        </p:nvPicPr>
+        <p:blipFill>
+          <a:blip r:embed="rId3">
+            <a:extLst>
+              <a:ext uri="{28A0092B-C50C-407E-A947-70E740481C1C}">
+                <a14:useLocalDpi xmlns:a14="http://schemas.microsoft.com/office/drawing/2010/main" val="0"/>
+              </a:ext>
+            </a:extLst>
+          </a:blip>
+          <a:stretch>
+            <a:fillRect/>
+          </a:stretch>
+        </p:blipFill>
+        <p:spPr>
+          <a:xfrm>
+            <a:off x="9388824" y="6041767"/>
+            <a:ext cx="2510015" cy="544156"/>
+          </a:xfrm>
+          <a:prstGeom prst="rect">
+            <a:avLst/>
+          </a:prstGeom>
+        </p:spPr>
+      </p:pic>
+      <p:pic>
+        <p:nvPicPr>
+          <p:cNvPr id="3" name="Picture 2"/>
+          <p:cNvPicPr>
+            <a:picLocks noChangeAspect="1"/>
+          </p:cNvPicPr>
+          <p:nvPr/>
+        </p:nvPicPr>
+        <p:blipFill>
+          <a:blip r:embed="rId4">
+            <a:extLst>
+              <a:ext uri="{28A0092B-C50C-407E-A947-70E740481C1C}">
+                <a14:useLocalDpi xmlns:a14="http://schemas.microsoft.com/office/drawing/2010/main" val="0"/>
+              </a:ext>
+            </a:extLst>
+          </a:blip>
+          <a:stretch>
+            <a:fillRect/>
+          </a:stretch>
+        </p:blipFill>
+        <p:spPr>
+          <a:xfrm>
+            <a:off x="5181098" y="4298691"/>
+            <a:ext cx="1828800" cy="1743076"/>
+          </a:xfrm>
+          <a:prstGeom prst="rect">
+            <a:avLst/>
+          </a:prstGeom>
+        </p:spPr>
+      </p:pic>
+    </p:spTree>
+    <p:extLst>
+      <p:ext uri="{BB962C8B-B14F-4D97-AF65-F5344CB8AC3E}">
+        <p14:creationId xmlns:p14="http://schemas.microsoft.com/office/powerpoint/2010/main" val="110792669"/>
+      </p:ext>
+    </p:extLst>
+  </p:cSld>
+  <p:clrMapOvr>
+    <a:masterClrMapping/>
+  </p:clrMapOvr>
 </p:sld>
 </file>
 
@@ -18370,7 +19092,7 @@
                 <a16:creationId xmlns:a16="http://schemas.microsoft.com/office/drawing/2014/main" id="{90F08744-9D7B-4693-B8D6-2A5210AE96F6}"/>
               </a:ext>
               <a:ext uri="{C183D7F6-B498-43B3-948B-1728B52AA6E4}">
-                <adec:decorative xmlns:adec="http://schemas.microsoft.com/office/drawing/2017/decorative" xmlns="" val="1"/>
+                <adec:decorative xmlns:adec="http://schemas.microsoft.com/office/drawing/2017/decorative" val="1"/>
               </a:ext>
             </a:extLst>
           </p:cNvPr>
@@ -18433,7 +19155,7 @@
                 <a16:creationId xmlns:a16="http://schemas.microsoft.com/office/drawing/2014/main" id="{5B2E630F-F386-44FA-B1A1-C10A9BF4346C}"/>
               </a:ext>
               <a:ext uri="{C183D7F6-B498-43B3-948B-1728B52AA6E4}">
-                <adec:decorative xmlns:adec="http://schemas.microsoft.com/office/drawing/2017/decorative" xmlns="" val="1"/>
+                <adec:decorative xmlns:adec="http://schemas.microsoft.com/office/drawing/2017/decorative" val="1"/>
               </a:ext>
             </a:extLst>
           </p:cNvPr>
@@ -18695,7 +19417,7 @@
                 <a16:creationId xmlns:a16="http://schemas.microsoft.com/office/drawing/2014/main" id="{73567C09-8B4D-49A6-A711-C44C5807D8DD}"/>
               </a:ext>
               <a:ext uri="{C183D7F6-B498-43B3-948B-1728B52AA6E4}">
-                <adec:decorative xmlns:adec="http://schemas.microsoft.com/office/drawing/2017/decorative" xmlns="" val="1"/>
+                <adec:decorative xmlns:adec="http://schemas.microsoft.com/office/drawing/2017/decorative" val="1"/>
               </a:ext>
             </a:extLst>
           </p:cNvPr>
@@ -18976,15 +19698,7 @@
             </a:pPr>
             <a:r>
               <a:rPr lang="en-US" dirty="0"/>
-              <a:t>Problem: How do we predict the risk of withdrawal in </a:t>
-            </a:r>
-            <a:r>
-              <a:rPr lang="en-US" dirty="0" smtClean="0"/>
-              <a:t>    the </a:t>
-            </a:r>
-            <a:r>
-              <a:rPr lang="en-US" dirty="0"/>
-              <a:t>first year?</a:t>
+              <a:t>Problem: How do we predict the risk of withdrawal in     the first year?</a:t>
             </a:r>
           </a:p>
           <a:p>
@@ -19020,15 +19734,7 @@
             </a:pPr>
             <a:r>
               <a:rPr lang="en-US" dirty="0"/>
-              <a:t>For our proof of concept, the population of interest is          </a:t>
-            </a:r>
-            <a:r>
-              <a:rPr lang="en-US" dirty="0" smtClean="0"/>
-              <a:t>full-time </a:t>
-            </a:r>
-            <a:r>
-              <a:rPr lang="en-US" dirty="0"/>
-              <a:t>Pullman freshmen in the 2021 academic year.</a:t>
+              <a:t>For our proof of concept, the population of interest is          full-time Pullman freshmen in the 2021 academic year.</a:t>
             </a:r>
           </a:p>
         </p:txBody>
@@ -19043,13 +19749,6 @@
   <p:clrMapOvr>
     <a:overrideClrMapping bg1="dk1" tx1="lt1" bg2="dk2" tx2="lt2" accent1="accent1" accent2="accent2" accent3="accent3" accent4="accent4" accent5="accent5" accent6="accent6" hlink="hlink" folHlink="folHlink"/>
   </p:clrMapOvr>
-  <p:timing>
-    <p:tnLst>
-      <p:par>
-        <p:cTn id="1" dur="indefinite" restart="never" nodeType="tmRoot"/>
-      </p:par>
-    </p:tnLst>
-  </p:timing>
 </p:sld>
 </file>
 
@@ -19084,8 +19783,8 @@
         </p:nvSpPr>
         <p:spPr>
           <a:xfrm>
-            <a:off x="1113025" y="1497702"/>
-            <a:ext cx="5210908" cy="3862596"/>
+            <a:off x="1113025" y="943705"/>
+            <a:ext cx="5210908" cy="4970591"/>
           </a:xfrm>
           <a:prstGeom prst="rect">
             <a:avLst/>
@@ -19118,7 +19817,7 @@
               <a:rPr lang="en-US" dirty="0">
                 <a:latin typeface="Bahnschrift Light Condensed" panose="020B0502040204020203" pitchFamily="34" charset="0"/>
               </a:rPr>
-              <a:t>The data</a:t>
+              <a:t>Machine learning</a:t>
             </a:r>
           </a:p>
           <a:p>
@@ -19133,7 +19832,22 @@
               <a:rPr lang="en-US" dirty="0">
                 <a:latin typeface="Bahnschrift Light Condensed" panose="020B0502040204020203" pitchFamily="34" charset="0"/>
               </a:rPr>
-              <a:t>The variables</a:t>
+              <a:t>Our data</a:t>
+            </a:r>
+          </a:p>
+          <a:p>
+            <a:pPr algn="ctr"/>
+            <a:endParaRPr lang="en-US" dirty="0">
+              <a:latin typeface="Bahnschrift Light Condensed" panose="020B0502040204020203" pitchFamily="34" charset="0"/>
+            </a:endParaRPr>
+          </a:p>
+          <a:p>
+            <a:pPr algn="ctr"/>
+            <a:r>
+              <a:rPr lang="en-US" dirty="0">
+                <a:latin typeface="Bahnschrift Light Condensed" panose="020B0502040204020203" pitchFamily="34" charset="0"/>
+              </a:rPr>
+              <a:t>Our variables</a:t>
             </a:r>
           </a:p>
           <a:p>
@@ -19163,7 +19877,22 @@
               <a:rPr lang="en-US" dirty="0">
                 <a:latin typeface="Bahnschrift Light Condensed" panose="020B0502040204020203" pitchFamily="34" charset="0"/>
               </a:rPr>
-              <a:t>Model performance</a:t>
+              <a:t>Baseline performance</a:t>
+            </a:r>
+          </a:p>
+          <a:p>
+            <a:pPr algn="ctr"/>
+            <a:endParaRPr lang="en-US" dirty="0">
+              <a:latin typeface="Bahnschrift Light Condensed" panose="020B0502040204020203" pitchFamily="34" charset="0"/>
+            </a:endParaRPr>
+          </a:p>
+          <a:p>
+            <a:pPr algn="ctr"/>
+            <a:r>
+              <a:rPr lang="en-US" dirty="0">
+                <a:latin typeface="Bahnschrift Light Condensed" panose="020B0502040204020203" pitchFamily="34" charset="0"/>
+              </a:rPr>
+              <a:t>Interpretation of results</a:t>
             </a:r>
           </a:p>
           <a:p>
@@ -19329,7 +20058,7 @@
           <a:lstStyle/>
           <a:p>
             <a:r>
-              <a:rPr lang="en-US" dirty="0" smtClean="0">
+              <a:rPr lang="en-US" dirty="0">
                 <a:solidFill>
                   <a:schemeClr val="tx2"/>
                 </a:solidFill>
@@ -19337,12 +20066,6 @@
               </a:rPr>
               <a:t>OVERVIEW</a:t>
             </a:r>
-            <a:endParaRPr lang="en-US" dirty="0">
-              <a:solidFill>
-                <a:schemeClr val="tx2"/>
-              </a:solidFill>
-              <a:latin typeface="Bahnschrift Light Condensed" panose="020B0502040204020203" pitchFamily="34" charset="0"/>
-            </a:endParaRPr>
           </a:p>
         </p:txBody>
       </p:sp>
@@ -19356,17 +20079,507 @@
   <p:clrMapOvr>
     <a:masterClrMapping/>
   </p:clrMapOvr>
-  <p:timing>
-    <p:tnLst>
-      <p:par>
-        <p:cTn id="1" dur="indefinite" restart="never" nodeType="tmRoot"/>
-      </p:par>
-    </p:tnLst>
-  </p:timing>
 </p:sld>
 </file>
 
 <file path=ppt/slides/slide4.xml><?xml version="1.0" encoding="utf-8"?>
+<p:sld xmlns:a="http://schemas.openxmlformats.org/drawingml/2006/main" xmlns:r="http://schemas.openxmlformats.org/officeDocument/2006/relationships" xmlns:p="http://schemas.openxmlformats.org/presentationml/2006/main">
+  <p:cSld>
+    <p:spTree>
+      <p:nvGrpSpPr>
+        <p:cNvPr id="1" name=""/>
+        <p:cNvGrpSpPr/>
+        <p:nvPr/>
+      </p:nvGrpSpPr>
+      <p:grpSpPr>
+        <a:xfrm>
+          <a:off x="0" y="0"/>
+          <a:ext cx="0" cy="0"/>
+          <a:chOff x="0" y="0"/>
+          <a:chExt cx="0" cy="0"/>
+        </a:xfrm>
+      </p:grpSpPr>
+      <p:sp>
+        <p:nvSpPr>
+          <p:cNvPr id="2" name="TextBox 1">
+            <a:extLst>
+              <a:ext uri="{FF2B5EF4-FFF2-40B4-BE49-F238E27FC236}">
+                <a16:creationId xmlns:a16="http://schemas.microsoft.com/office/drawing/2014/main" id="{5AC779CE-E57C-4888-83EE-CA62F3870133}"/>
+              </a:ext>
+            </a:extLst>
+          </p:cNvPr>
+          <p:cNvSpPr txBox="1"/>
+          <p:nvPr/>
+        </p:nvSpPr>
+        <p:spPr>
+          <a:xfrm>
+            <a:off x="4480560" y="745008"/>
+            <a:ext cx="3230879" cy="400110"/>
+          </a:xfrm>
+          <a:prstGeom prst="rect">
+            <a:avLst/>
+          </a:prstGeom>
+          <a:noFill/>
+        </p:spPr>
+        <p:txBody>
+          <a:bodyPr wrap="square" rtlCol="0">
+            <a:spAutoFit/>
+          </a:bodyPr>
+          <a:lstStyle/>
+          <a:p>
+            <a:pPr algn="ctr"/>
+            <a:r>
+              <a:rPr lang="en-US" sz="2000" b="1" dirty="0"/>
+              <a:t>ML 101</a:t>
+            </a:r>
+          </a:p>
+        </p:txBody>
+      </p:sp>
+      <p:sp>
+        <p:nvSpPr>
+          <p:cNvPr id="4" name="Speech Bubble: Rectangle with Corners Rounded 3">
+            <a:extLst>
+              <a:ext uri="{FF2B5EF4-FFF2-40B4-BE49-F238E27FC236}">
+                <a16:creationId xmlns:a16="http://schemas.microsoft.com/office/drawing/2014/main" id="{09616CF4-3E50-4507-9064-F9A610A9A7DA}"/>
+              </a:ext>
+            </a:extLst>
+          </p:cNvPr>
+          <p:cNvSpPr/>
+          <p:nvPr/>
+        </p:nvSpPr>
+        <p:spPr>
+          <a:xfrm rot="620677">
+            <a:off x="8295663" y="583909"/>
+            <a:ext cx="3020006" cy="722310"/>
+          </a:xfrm>
+          <a:prstGeom prst="wedgeRoundRectCallout">
+            <a:avLst/>
+          </a:prstGeom>
+          <a:solidFill>
+            <a:schemeClr val="tx2"/>
+          </a:solidFill>
+          <a:ln>
+            <a:noFill/>
+          </a:ln>
+        </p:spPr>
+        <p:style>
+          <a:lnRef idx="2">
+            <a:schemeClr val="accent1">
+              <a:shade val="50000"/>
+            </a:schemeClr>
+          </a:lnRef>
+          <a:fillRef idx="1">
+            <a:schemeClr val="accent1"/>
+          </a:fillRef>
+          <a:effectRef idx="0">
+            <a:schemeClr val="accent1"/>
+          </a:effectRef>
+          <a:fontRef idx="minor">
+            <a:schemeClr val="lt1"/>
+          </a:fontRef>
+        </p:style>
+        <p:txBody>
+          <a:bodyPr rtlCol="0" anchor="ctr"/>
+          <a:lstStyle/>
+          <a:p>
+            <a:pPr algn="ctr"/>
+            <a:r>
+              <a:rPr lang="en-US" sz="3200" dirty="0">
+                <a:latin typeface="Bahnschrift Light Condensed" panose="020B0502040204020203" pitchFamily="34" charset="0"/>
+              </a:rPr>
+              <a:t>Terminology Alert!*</a:t>
+            </a:r>
+          </a:p>
+        </p:txBody>
+      </p:sp>
+      <p:sp>
+        <p:nvSpPr>
+          <p:cNvPr id="6" name="TextBox 5">
+            <a:extLst>
+              <a:ext uri="{FF2B5EF4-FFF2-40B4-BE49-F238E27FC236}">
+                <a16:creationId xmlns:a16="http://schemas.microsoft.com/office/drawing/2014/main" id="{1F099461-28EA-4FB4-BF46-20F07871B61E}"/>
+              </a:ext>
+            </a:extLst>
+          </p:cNvPr>
+          <p:cNvSpPr txBox="1"/>
+          <p:nvPr/>
+        </p:nvSpPr>
+        <p:spPr>
+          <a:xfrm>
+            <a:off x="10580915" y="6488668"/>
+            <a:ext cx="1611085" cy="369332"/>
+          </a:xfrm>
+          <a:prstGeom prst="rect">
+            <a:avLst/>
+          </a:prstGeom>
+          <a:noFill/>
+        </p:spPr>
+        <p:txBody>
+          <a:bodyPr wrap="square" rtlCol="0">
+            <a:spAutoFit/>
+          </a:bodyPr>
+          <a:lstStyle/>
+          <a:p>
+            <a:r>
+              <a:rPr lang="en-US" dirty="0">
+                <a:solidFill>
+                  <a:schemeClr val="tx2"/>
+                </a:solidFill>
+                <a:latin typeface="Bahnschrift Light Condensed" panose="020B0502040204020203" pitchFamily="34" charset="0"/>
+              </a:rPr>
+              <a:t>MACHINE LEARNING</a:t>
+            </a:r>
+          </a:p>
+        </p:txBody>
+      </p:sp>
+      <p:sp>
+        <p:nvSpPr>
+          <p:cNvPr id="7" name="TextBox 6"/>
+          <p:cNvSpPr txBox="1"/>
+          <p:nvPr/>
+        </p:nvSpPr>
+        <p:spPr>
+          <a:xfrm>
+            <a:off x="-1" y="6550223"/>
+            <a:ext cx="6479178" cy="307777"/>
+          </a:xfrm>
+          <a:prstGeom prst="rect">
+            <a:avLst/>
+          </a:prstGeom>
+          <a:noFill/>
+        </p:spPr>
+        <p:txBody>
+          <a:bodyPr wrap="square" rtlCol="0">
+            <a:spAutoFit/>
+          </a:bodyPr>
+          <a:lstStyle/>
+          <a:p>
+            <a:r>
+              <a:rPr lang="en-US" sz="1400" dirty="0">
+                <a:latin typeface="Bahnschrift Light Condensed" panose="020B0502040204020203" pitchFamily="34" charset="0"/>
+              </a:rPr>
+              <a:t>*Shout out to </a:t>
+            </a:r>
+            <a:r>
+              <a:rPr lang="en-US" sz="1400" dirty="0" err="1">
+                <a:latin typeface="Bahnschrift Light Condensed" panose="020B0502040204020203" pitchFamily="34" charset="0"/>
+              </a:rPr>
+              <a:t>StatQuest</a:t>
+            </a:r>
+            <a:r>
+              <a:rPr lang="en-US" sz="1400" dirty="0">
+                <a:latin typeface="Bahnschrift Light Condensed" panose="020B0502040204020203" pitchFamily="34" charset="0"/>
+              </a:rPr>
+              <a:t> with Josh </a:t>
+            </a:r>
+            <a:r>
+              <a:rPr lang="en-US" sz="1400" dirty="0" err="1">
+                <a:latin typeface="Bahnschrift Light Condensed" panose="020B0502040204020203" pitchFamily="34" charset="0"/>
+              </a:rPr>
+              <a:t>Starmer</a:t>
+            </a:r>
+            <a:r>
+              <a:rPr lang="en-US" sz="1400" dirty="0">
+                <a:latin typeface="Bahnschrift Light Condensed" panose="020B0502040204020203" pitchFamily="34" charset="0"/>
+              </a:rPr>
+              <a:t>: </a:t>
+            </a:r>
+            <a:r>
+              <a:rPr lang="en-US" sz="1400" dirty="0">
+                <a:solidFill>
+                  <a:schemeClr val="tx2"/>
+                </a:solidFill>
+                <a:latin typeface="Bahnschrift Light Condensed" panose="020B0502040204020203" pitchFamily="34" charset="0"/>
+              </a:rPr>
+              <a:t>https://www.youtube.com/channel/UCtYLUTtgS3k1Fg4y5tAhLbw</a:t>
+            </a:r>
+          </a:p>
+        </p:txBody>
+      </p:sp>
+      <p:grpSp>
+        <p:nvGrpSpPr>
+          <p:cNvPr id="3" name="Group 2"/>
+          <p:cNvGrpSpPr/>
+          <p:nvPr/>
+        </p:nvGrpSpPr>
+        <p:grpSpPr>
+          <a:xfrm>
+            <a:off x="828162" y="1332738"/>
+            <a:ext cx="10535677" cy="4192525"/>
+            <a:chOff x="828162" y="1393372"/>
+            <a:chExt cx="10535677" cy="4192525"/>
+          </a:xfrm>
+        </p:grpSpPr>
+        <p:sp>
+          <p:nvSpPr>
+            <p:cNvPr id="8" name="TextBox 7"/>
+            <p:cNvSpPr txBox="1"/>
+            <p:nvPr/>
+          </p:nvSpPr>
+          <p:spPr>
+            <a:xfrm>
+              <a:off x="836024" y="1393372"/>
+              <a:ext cx="10519953" cy="923330"/>
+            </a:xfrm>
+            <a:prstGeom prst="rect">
+              <a:avLst/>
+            </a:prstGeom>
+            <a:noFill/>
+          </p:spPr>
+          <p:txBody>
+            <a:bodyPr wrap="square" rtlCol="0">
+              <a:spAutoFit/>
+            </a:bodyPr>
+            <a:lstStyle/>
+            <a:p>
+              <a:r>
+                <a:rPr lang="en-US" dirty="0"/>
+                <a:t>What is machine learning anyway?</a:t>
+              </a:r>
+            </a:p>
+            <a:p>
+              <a:r>
+                <a:rPr lang="en-US" dirty="0"/>
+                <a:t> </a:t>
+              </a:r>
+            </a:p>
+            <a:p>
+              <a:pPr marL="742950" lvl="1" indent="-285750">
+                <a:buFont typeface="Wingdings" panose="05000000000000000000" pitchFamily="2" charset="2"/>
+                <a:buChar char="§"/>
+              </a:pPr>
+              <a:r>
+                <a:rPr lang="en-US" dirty="0">
+                  <a:latin typeface="Bahnschrift Light Condensed" panose="020B0502040204020203" pitchFamily="34" charset="0"/>
+                </a:rPr>
+                <a:t>Based on prior data, </a:t>
+              </a:r>
+              <a:r>
+                <a:rPr lang="en-US" dirty="0">
+                  <a:solidFill>
+                    <a:schemeClr val="accent1"/>
+                  </a:solidFill>
+                  <a:latin typeface="Bahnschrift Light Condensed" panose="020B0502040204020203" pitchFamily="34" charset="0"/>
+                </a:rPr>
+                <a:t>an algorithm attempts to generalize what will happen if given new data</a:t>
+              </a:r>
+              <a:r>
+                <a:rPr lang="en-US" dirty="0">
+                  <a:latin typeface="Bahnschrift Light Condensed" panose="020B0502040204020203" pitchFamily="34" charset="0"/>
+                </a:rPr>
+                <a:t>, and suggests an outcome.</a:t>
+              </a:r>
+            </a:p>
+          </p:txBody>
+        </p:sp>
+        <p:sp>
+          <p:nvSpPr>
+            <p:cNvPr id="13" name="TextBox 12"/>
+            <p:cNvSpPr txBox="1"/>
+            <p:nvPr/>
+          </p:nvSpPr>
+          <p:spPr>
+            <a:xfrm>
+              <a:off x="828162" y="2889470"/>
+              <a:ext cx="10535677" cy="923330"/>
+            </a:xfrm>
+            <a:prstGeom prst="rect">
+              <a:avLst/>
+            </a:prstGeom>
+            <a:noFill/>
+          </p:spPr>
+          <p:txBody>
+            <a:bodyPr wrap="square" rtlCol="0">
+              <a:spAutoFit/>
+            </a:bodyPr>
+            <a:lstStyle/>
+            <a:p>
+              <a:r>
+                <a:rPr lang="en-US" dirty="0"/>
+                <a:t>An algorithm, huh?</a:t>
+              </a:r>
+            </a:p>
+            <a:p>
+              <a:endParaRPr lang="en-US" dirty="0"/>
+            </a:p>
+            <a:p>
+              <a:pPr marL="742950" lvl="1" indent="-285750">
+                <a:buFont typeface="Wingdings" panose="05000000000000000000" pitchFamily="2" charset="2"/>
+                <a:buChar char="§"/>
+              </a:pPr>
+              <a:r>
+                <a:rPr lang="en-US" dirty="0">
+                  <a:latin typeface="Bahnschrift Light Condensed" panose="020B0502040204020203" pitchFamily="34" charset="0"/>
+                </a:rPr>
+                <a:t>It’s a process in which </a:t>
+              </a:r>
+              <a:r>
+                <a:rPr lang="en-US" dirty="0">
+                  <a:solidFill>
+                    <a:schemeClr val="accent1"/>
+                  </a:solidFill>
+                  <a:latin typeface="Bahnschrift Light Condensed" panose="020B0502040204020203" pitchFamily="34" charset="0"/>
+                </a:rPr>
+                <a:t>a</a:t>
+              </a:r>
+              <a:r>
+                <a:rPr lang="en-US" dirty="0">
+                  <a:latin typeface="Bahnschrift Light Condensed" panose="020B0502040204020203" pitchFamily="34" charset="0"/>
+                </a:rPr>
+                <a:t> </a:t>
+              </a:r>
+              <a:r>
+                <a:rPr lang="en-US" dirty="0">
+                  <a:solidFill>
+                    <a:schemeClr val="accent1"/>
+                  </a:solidFill>
+                  <a:latin typeface="Bahnschrift Light Condensed" panose="020B0502040204020203" pitchFamily="34" charset="0"/>
+                </a:rPr>
+                <a:t>set of rules</a:t>
+              </a:r>
+              <a:r>
+                <a:rPr lang="en-US" dirty="0">
+                  <a:latin typeface="Bahnschrift Light Condensed" panose="020B0502040204020203" pitchFamily="34" charset="0"/>
+                </a:rPr>
+                <a:t> </a:t>
+              </a:r>
+              <a:r>
+                <a:rPr lang="en-US" dirty="0">
+                  <a:solidFill>
+                    <a:schemeClr val="accent1"/>
+                  </a:solidFill>
+                  <a:latin typeface="Bahnschrift Light Condensed" panose="020B0502040204020203" pitchFamily="34" charset="0"/>
+                </a:rPr>
+                <a:t>or steps </a:t>
+              </a:r>
+              <a:r>
+                <a:rPr lang="en-US" dirty="0">
+                  <a:latin typeface="Bahnschrift Light Condensed" panose="020B0502040204020203" pitchFamily="34" charset="0"/>
+                </a:rPr>
+                <a:t>are followed in calculations or other problem-solving operations.</a:t>
+              </a:r>
+            </a:p>
+          </p:txBody>
+        </p:sp>
+        <p:sp>
+          <p:nvSpPr>
+            <p:cNvPr id="15" name="TextBox 14"/>
+            <p:cNvSpPr txBox="1"/>
+            <p:nvPr/>
+          </p:nvSpPr>
+          <p:spPr>
+            <a:xfrm>
+              <a:off x="828162" y="4385568"/>
+              <a:ext cx="10535677" cy="1200329"/>
+            </a:xfrm>
+            <a:prstGeom prst="rect">
+              <a:avLst/>
+            </a:prstGeom>
+            <a:noFill/>
+          </p:spPr>
+          <p:txBody>
+            <a:bodyPr wrap="square" rtlCol="0">
+              <a:spAutoFit/>
+            </a:bodyPr>
+            <a:lstStyle/>
+            <a:p>
+              <a:r>
+                <a:rPr lang="en-US" dirty="0"/>
+                <a:t>Training, testing, bias, variance, oh my!</a:t>
+              </a:r>
+            </a:p>
+            <a:p>
+              <a:endParaRPr lang="en-US" dirty="0"/>
+            </a:p>
+            <a:p>
+              <a:pPr marL="742950" lvl="1" indent="-285750">
+                <a:buFont typeface="Wingdings" panose="05000000000000000000" pitchFamily="2" charset="2"/>
+                <a:buChar char="§"/>
+              </a:pPr>
+              <a:r>
+                <a:rPr lang="en-US" dirty="0">
+                  <a:latin typeface="Bahnschrift Light Condensed" panose="020B0502040204020203" pitchFamily="34" charset="0"/>
+                </a:rPr>
+                <a:t>After fit to prior data, the ideal algorithm has </a:t>
+              </a:r>
+              <a:r>
+                <a:rPr lang="en-US" dirty="0">
+                  <a:solidFill>
+                    <a:schemeClr val="accent1"/>
+                  </a:solidFill>
+                  <a:latin typeface="Bahnschrift Light Condensed" panose="020B0502040204020203" pitchFamily="34" charset="0"/>
+                </a:rPr>
+                <a:t>low bias</a:t>
+              </a:r>
+              <a:r>
+                <a:rPr lang="en-US" dirty="0">
+                  <a:latin typeface="Bahnschrift Light Condensed" panose="020B0502040204020203" pitchFamily="34" charset="0"/>
+                </a:rPr>
+                <a:t>, that is, </a:t>
+              </a:r>
+              <a:r>
+                <a:rPr lang="en-US" dirty="0">
+                  <a:solidFill>
+                    <a:schemeClr val="accent1"/>
+                  </a:solidFill>
+                  <a:latin typeface="Bahnschrift Light Condensed" panose="020B0502040204020203" pitchFamily="34" charset="0"/>
+                </a:rPr>
+                <a:t>it accurately models the true relationship when encountering new data</a:t>
+              </a:r>
+              <a:r>
+                <a:rPr lang="en-US" dirty="0">
+                  <a:latin typeface="Bahnschrift Light Condensed" panose="020B0502040204020203" pitchFamily="34" charset="0"/>
+                </a:rPr>
+                <a:t>, and it has </a:t>
+              </a:r>
+              <a:r>
+                <a:rPr lang="en-US" dirty="0">
+                  <a:solidFill>
+                    <a:schemeClr val="accent1"/>
+                  </a:solidFill>
+                  <a:latin typeface="Bahnschrift Light Condensed" panose="020B0502040204020203" pitchFamily="34" charset="0"/>
+                </a:rPr>
+                <a:t>low variance</a:t>
+              </a:r>
+              <a:r>
+                <a:rPr lang="en-US" dirty="0">
+                  <a:latin typeface="Bahnschrift Light Condensed" panose="020B0502040204020203" pitchFamily="34" charset="0"/>
+                </a:rPr>
+                <a:t>, that is, </a:t>
+              </a:r>
+              <a:r>
+                <a:rPr lang="en-US" dirty="0">
+                  <a:solidFill>
+                    <a:schemeClr val="accent1"/>
+                  </a:solidFill>
+                  <a:latin typeface="Bahnschrift Light Condensed" panose="020B0502040204020203" pitchFamily="34" charset="0"/>
+                </a:rPr>
+                <a:t>it produces consistent predictions across different sets of new data</a:t>
+              </a:r>
+              <a:r>
+                <a:rPr lang="en-US" dirty="0">
+                  <a:latin typeface="Bahnschrift Light Condensed" panose="020B0502040204020203" pitchFamily="34" charset="0"/>
+                </a:rPr>
+                <a:t>.</a:t>
+              </a:r>
+            </a:p>
+          </p:txBody>
+        </p:sp>
+      </p:grpSp>
+    </p:spTree>
+    <p:extLst>
+      <p:ext uri="{BB962C8B-B14F-4D97-AF65-F5344CB8AC3E}">
+        <p14:creationId xmlns:p14="http://schemas.microsoft.com/office/powerpoint/2010/main" val="2463549822"/>
+      </p:ext>
+    </p:extLst>
+  </p:cSld>
+  <p:clrMapOvr>
+    <a:masterClrMapping/>
+  </p:clrMapOvr>
+</p:sld>
+</file>
+
+<file path=ppt/slides/slide5.xml><?xml version="1.0" encoding="utf-8"?>
 <p:sld xmlns:a="http://schemas.openxmlformats.org/drawingml/2006/main" xmlns:r="http://schemas.openxmlformats.org/officeDocument/2006/relationships" xmlns:p="http://schemas.openxmlformats.org/presentationml/2006/main">
   <p:cSld>
     <p:spTree>
@@ -20018,8 +21231,8 @@
         </p:nvSpPr>
         <p:spPr>
           <a:xfrm>
-            <a:off x="3125943" y="1318529"/>
-            <a:ext cx="5940115" cy="400110"/>
+            <a:off x="2918530" y="1318529"/>
+            <a:ext cx="6315707" cy="400110"/>
           </a:xfrm>
           <a:prstGeom prst="rect">
             <a:avLst/>
@@ -20034,15 +21247,7 @@
           <a:p>
             <a:r>
               <a:rPr lang="en-US" sz="2000" b="1" dirty="0"/>
-              <a:t>Walk-forward </a:t>
-            </a:r>
-            <a:r>
-              <a:rPr lang="en-US" sz="2000" b="1" dirty="0" smtClean="0"/>
-              <a:t>Analysis </a:t>
-            </a:r>
-            <a:r>
-              <a:rPr lang="en-US" sz="2000" b="1" dirty="0"/>
-              <a:t>with Longitudinal Data</a:t>
+              <a:t>Moving-Window Analysis with Longitudinal Data</a:t>
             </a:r>
           </a:p>
         </p:txBody>
@@ -20148,24 +21353,17 @@
     </p:spTree>
     <p:extLst>
       <p:ext uri="{BB962C8B-B14F-4D97-AF65-F5344CB8AC3E}">
-        <p14:creationId xmlns:p14="http://schemas.microsoft.com/office/powerpoint/2010/main" val="1077250973"/>
+        <p14:creationId xmlns:p14="http://schemas.microsoft.com/office/powerpoint/2010/main" val="3186748282"/>
       </p:ext>
     </p:extLst>
   </p:cSld>
   <p:clrMapOvr>
     <a:masterClrMapping/>
   </p:clrMapOvr>
-  <p:timing>
-    <p:tnLst>
-      <p:par>
-        <p:cTn id="1" dur="indefinite" restart="never" nodeType="tmRoot"/>
-      </p:par>
-    </p:tnLst>
-  </p:timing>
 </p:sld>
 </file>
 
-<file path=ppt/slides/slide5.xml><?xml version="1.0" encoding="utf-8"?>
+<file path=ppt/slides/slide6.xml><?xml version="1.0" encoding="utf-8"?>
 <p:sld xmlns:a="http://schemas.openxmlformats.org/drawingml/2006/main" xmlns:r="http://schemas.openxmlformats.org/officeDocument/2006/relationships" xmlns:p="http://schemas.openxmlformats.org/presentationml/2006/main">
   <p:cSld>
     <p:spTree>
@@ -20839,17 +22037,10 @@
   <p:clrMapOvr>
     <a:masterClrMapping/>
   </p:clrMapOvr>
-  <p:timing>
-    <p:tnLst>
-      <p:par>
-        <p:cTn id="1" dur="indefinite" restart="never" nodeType="tmRoot"/>
-      </p:par>
-    </p:tnLst>
-  </p:timing>
 </p:sld>
 </file>
 
-<file path=ppt/slides/slide6.xml><?xml version="1.0" encoding="utf-8"?>
+<file path=ppt/slides/slide7.xml><?xml version="1.0" encoding="utf-8"?>
 <p:sld xmlns:a="http://schemas.openxmlformats.org/drawingml/2006/main" xmlns:r="http://schemas.openxmlformats.org/officeDocument/2006/relationships" xmlns:p="http://schemas.openxmlformats.org/presentationml/2006/main">
   <p:cSld>
     <p:bg>
@@ -20882,7 +22073,7 @@
                 <a16:creationId xmlns:a16="http://schemas.microsoft.com/office/drawing/2014/main" id="{10CE3618-1D7A-4256-B2AF-9DB692996C65}"/>
               </a:ext>
               <a:ext uri="{C183D7F6-B498-43B3-948B-1728B52AA6E4}">
-                <adec:decorative xmlns:adec="http://schemas.microsoft.com/office/drawing/2017/decorative" xmlns="" val="1"/>
+                <adec:decorative xmlns:adec="http://schemas.microsoft.com/office/drawing/2017/decorative" val="1"/>
               </a:ext>
             </a:extLst>
           </p:cNvPr>
@@ -20942,7 +22133,7 @@
                 <a16:creationId xmlns:a16="http://schemas.microsoft.com/office/drawing/2014/main" id="{D91A9185-A7D5-460B-98BC-0BF2EBD3EEBE}"/>
               </a:ext>
               <a:ext uri="{C183D7F6-B498-43B3-948B-1728B52AA6E4}">
-                <adec:decorative xmlns:adec="http://schemas.microsoft.com/office/drawing/2017/decorative" xmlns="" val="1"/>
+                <adec:decorative xmlns:adec="http://schemas.microsoft.com/office/drawing/2017/decorative" val="1"/>
               </a:ext>
             </a:extLst>
           </p:cNvPr>
@@ -20973,7 +22164,7 @@
                   <a16:creationId xmlns:a16="http://schemas.microsoft.com/office/drawing/2014/main" id="{8AFC1764-6516-4F77-BF30-B8ADB3C9F499}"/>
                 </a:ext>
                 <a:ext uri="{C183D7F6-B498-43B3-948B-1728B52AA6E4}">
-                  <adec:decorative xmlns:adec="http://schemas.microsoft.com/office/drawing/2017/decorative" xmlns="" val="1"/>
+                  <adec:decorative xmlns:adec="http://schemas.microsoft.com/office/drawing/2017/decorative" val="1"/>
                 </a:ext>
               </a:extLst>
             </p:cNvPr>
@@ -21056,7 +22247,7 @@
                   <a16:creationId xmlns:a16="http://schemas.microsoft.com/office/drawing/2014/main" id="{FCAFF9F9-F806-47EC-BCAC-9921E719FF2A}"/>
                 </a:ext>
                 <a:ext uri="{C183D7F6-B498-43B3-948B-1728B52AA6E4}">
-                  <adec:decorative xmlns:adec="http://schemas.microsoft.com/office/drawing/2017/decorative" xmlns="" val="1"/>
+                  <adec:decorative xmlns:adec="http://schemas.microsoft.com/office/drawing/2017/decorative" val="1"/>
                 </a:ext>
               </a:extLst>
             </p:cNvPr>
@@ -21146,7 +22337,7 @@
                   <a16:creationId xmlns:a16="http://schemas.microsoft.com/office/drawing/2014/main" id="{09D92491-36BD-4861-BA54-DD88E608988E}"/>
                 </a:ext>
                 <a:ext uri="{C183D7F6-B498-43B3-948B-1728B52AA6E4}">
-                  <adec:decorative xmlns:adec="http://schemas.microsoft.com/office/drawing/2017/decorative" xmlns="" val="1"/>
+                  <adec:decorative xmlns:adec="http://schemas.microsoft.com/office/drawing/2017/decorative" val="1"/>
                 </a:ext>
               </a:extLst>
             </p:cNvPr>
@@ -21234,7 +22425,7 @@
                   <a16:creationId xmlns:a16="http://schemas.microsoft.com/office/drawing/2014/main" id="{23740E15-AB86-4E5C-A137-07E0DDC03548}"/>
                 </a:ext>
                 <a:ext uri="{C183D7F6-B498-43B3-948B-1728B52AA6E4}">
-                  <adec:decorative xmlns:adec="http://schemas.microsoft.com/office/drawing/2017/decorative" xmlns="" val="1"/>
+                  <adec:decorative xmlns:adec="http://schemas.microsoft.com/office/drawing/2017/decorative" val="1"/>
                 </a:ext>
               </a:extLst>
             </p:cNvPr>
@@ -21312,7 +22503,7 @@
                   <a16:creationId xmlns:a16="http://schemas.microsoft.com/office/drawing/2014/main" id="{BE097852-1F54-4EF0-A1BE-561272FCD6D7}"/>
                 </a:ext>
                 <a:ext uri="{C183D7F6-B498-43B3-948B-1728B52AA6E4}">
-                  <adec:decorative xmlns:adec="http://schemas.microsoft.com/office/drawing/2017/decorative" xmlns="" val="1"/>
+                  <adec:decorative xmlns:adec="http://schemas.microsoft.com/office/drawing/2017/decorative" val="1"/>
                 </a:ext>
               </a:extLst>
             </p:cNvPr>
@@ -21380,7 +22571,7 @@
                   <a16:creationId xmlns:a16="http://schemas.microsoft.com/office/drawing/2014/main" id="{5C2DF1F9-21CC-430E-84C8-356C73C6FD38}"/>
                 </a:ext>
                 <a:ext uri="{C183D7F6-B498-43B3-948B-1728B52AA6E4}">
-                  <adec:decorative xmlns:adec="http://schemas.microsoft.com/office/drawing/2017/decorative" xmlns="" val="1"/>
+                  <adec:decorative xmlns:adec="http://schemas.microsoft.com/office/drawing/2017/decorative" val="1"/>
                 </a:ext>
               </a:extLst>
             </p:cNvPr>
@@ -21458,7 +22649,7 @@
                   <a16:creationId xmlns:a16="http://schemas.microsoft.com/office/drawing/2014/main" id="{7F11B45B-3EDE-4B6A-903B-0AE6E9DDF415}"/>
                 </a:ext>
                 <a:ext uri="{C183D7F6-B498-43B3-948B-1728B52AA6E4}">
-                  <adec:decorative xmlns:adec="http://schemas.microsoft.com/office/drawing/2017/decorative" xmlns="" val="1"/>
+                  <adec:decorative xmlns:adec="http://schemas.microsoft.com/office/drawing/2017/decorative" val="1"/>
                 </a:ext>
               </a:extLst>
             </p:cNvPr>
@@ -21531,7 +22722,7 @@
                   <a16:creationId xmlns:a16="http://schemas.microsoft.com/office/drawing/2014/main" id="{F77FDDC5-477E-420D-B98F-42ABA24772F8}"/>
                 </a:ext>
                 <a:ext uri="{C183D7F6-B498-43B3-948B-1728B52AA6E4}">
-                  <adec:decorative xmlns:adec="http://schemas.microsoft.com/office/drawing/2017/decorative" xmlns="" val="1"/>
+                  <adec:decorative xmlns:adec="http://schemas.microsoft.com/office/drawing/2017/decorative" val="1"/>
                 </a:ext>
               </a:extLst>
             </p:cNvPr>
@@ -21599,7 +22790,7 @@
                   <a16:creationId xmlns:a16="http://schemas.microsoft.com/office/drawing/2014/main" id="{A92C0474-B573-45C5-84C5-194CE1715FE2}"/>
                 </a:ext>
                 <a:ext uri="{C183D7F6-B498-43B3-948B-1728B52AA6E4}">
-                  <adec:decorative xmlns:adec="http://schemas.microsoft.com/office/drawing/2017/decorative" xmlns="" val="1"/>
+                  <adec:decorative xmlns:adec="http://schemas.microsoft.com/office/drawing/2017/decorative" val="1"/>
                 </a:ext>
               </a:extLst>
             </p:cNvPr>
@@ -21672,7 +22863,7 @@
                   <a16:creationId xmlns:a16="http://schemas.microsoft.com/office/drawing/2014/main" id="{2FBC62F8-64D0-4025-99AE-A04E291D90EA}"/>
                 </a:ext>
                 <a:ext uri="{C183D7F6-B498-43B3-948B-1728B52AA6E4}">
-                  <adec:decorative xmlns:adec="http://schemas.microsoft.com/office/drawing/2017/decorative" xmlns="" val="1"/>
+                  <adec:decorative xmlns:adec="http://schemas.microsoft.com/office/drawing/2017/decorative" val="1"/>
                 </a:ext>
               </a:extLst>
             </p:cNvPr>
@@ -21740,7 +22931,7 @@
                   <a16:creationId xmlns:a16="http://schemas.microsoft.com/office/drawing/2014/main" id="{7632F945-80B5-4575-A538-29495BF8F258}"/>
                 </a:ext>
                 <a:ext uri="{C183D7F6-B498-43B3-948B-1728B52AA6E4}">
-                  <adec:decorative xmlns:adec="http://schemas.microsoft.com/office/drawing/2017/decorative" xmlns="" val="1"/>
+                  <adec:decorative xmlns:adec="http://schemas.microsoft.com/office/drawing/2017/decorative" val="1"/>
                 </a:ext>
               </a:extLst>
             </p:cNvPr>
@@ -21813,7 +23004,7 @@
                   <a16:creationId xmlns:a16="http://schemas.microsoft.com/office/drawing/2014/main" id="{5562CC17-43D4-4E57-AE08-83952EE59D5A}"/>
                 </a:ext>
                 <a:ext uri="{C183D7F6-B498-43B3-948B-1728B52AA6E4}">
-                  <adec:decorative xmlns:adec="http://schemas.microsoft.com/office/drawing/2017/decorative" xmlns="" val="1"/>
+                  <adec:decorative xmlns:adec="http://schemas.microsoft.com/office/drawing/2017/decorative" val="1"/>
                 </a:ext>
               </a:extLst>
             </p:cNvPr>
@@ -21881,7 +23072,7 @@
                   <a16:creationId xmlns:a16="http://schemas.microsoft.com/office/drawing/2014/main" id="{E1D78CFE-04CA-4101-AFCF-196940B2D137}"/>
                 </a:ext>
                 <a:ext uri="{C183D7F6-B498-43B3-948B-1728B52AA6E4}">
-                  <adec:decorative xmlns:adec="http://schemas.microsoft.com/office/drawing/2017/decorative" xmlns="" val="1"/>
+                  <adec:decorative xmlns:adec="http://schemas.microsoft.com/office/drawing/2017/decorative" val="1"/>
                 </a:ext>
               </a:extLst>
             </p:cNvPr>
@@ -21954,7 +23145,7 @@
                   <a16:creationId xmlns:a16="http://schemas.microsoft.com/office/drawing/2014/main" id="{41F2A149-A64E-4690-B049-18C156A8E206}"/>
                 </a:ext>
                 <a:ext uri="{C183D7F6-B498-43B3-948B-1728B52AA6E4}">
-                  <adec:decorative xmlns:adec="http://schemas.microsoft.com/office/drawing/2017/decorative" xmlns="" val="1"/>
+                  <adec:decorative xmlns:adec="http://schemas.microsoft.com/office/drawing/2017/decorative" val="1"/>
                 </a:ext>
               </a:extLst>
             </p:cNvPr>
@@ -22027,7 +23218,7 @@
                   <a16:creationId xmlns:a16="http://schemas.microsoft.com/office/drawing/2014/main" id="{D9313C72-D62D-4416-A6AE-7EB7D6B54A58}"/>
                 </a:ext>
                 <a:ext uri="{C183D7F6-B498-43B3-948B-1728B52AA6E4}">
-                  <adec:decorative xmlns:adec="http://schemas.microsoft.com/office/drawing/2017/decorative" xmlns="" val="1"/>
+                  <adec:decorative xmlns:adec="http://schemas.microsoft.com/office/drawing/2017/decorative" val="1"/>
                 </a:ext>
               </a:extLst>
             </p:cNvPr>
@@ -22100,7 +23291,7 @@
                   <a16:creationId xmlns:a16="http://schemas.microsoft.com/office/drawing/2014/main" id="{77B03BEA-76E5-4ECB-B9BB-D89D27509EFD}"/>
                 </a:ext>
                 <a:ext uri="{C183D7F6-B498-43B3-948B-1728B52AA6E4}">
-                  <adec:decorative xmlns:adec="http://schemas.microsoft.com/office/drawing/2017/decorative" xmlns="" val="1"/>
+                  <adec:decorative xmlns:adec="http://schemas.microsoft.com/office/drawing/2017/decorative" val="1"/>
                 </a:ext>
               </a:extLst>
             </p:cNvPr>
@@ -22168,7 +23359,7 @@
                   <a16:creationId xmlns:a16="http://schemas.microsoft.com/office/drawing/2014/main" id="{6AF6BECE-416D-4C3A-AD6F-68B08F3CA751}"/>
                 </a:ext>
                 <a:ext uri="{C183D7F6-B498-43B3-948B-1728B52AA6E4}">
-                  <adec:decorative xmlns:adec="http://schemas.microsoft.com/office/drawing/2017/decorative" xmlns="" val="1"/>
+                  <adec:decorative xmlns:adec="http://schemas.microsoft.com/office/drawing/2017/decorative" val="1"/>
                 </a:ext>
               </a:extLst>
             </p:cNvPr>
@@ -22236,7 +23427,7 @@
                   <a16:creationId xmlns:a16="http://schemas.microsoft.com/office/drawing/2014/main" id="{B9197E2A-A098-480D-A2A6-3F3B889EDAEE}"/>
                 </a:ext>
                 <a:ext uri="{C183D7F6-B498-43B3-948B-1728B52AA6E4}">
-                  <adec:decorative xmlns:adec="http://schemas.microsoft.com/office/drawing/2017/decorative" xmlns="" val="1"/>
+                  <adec:decorative xmlns:adec="http://schemas.microsoft.com/office/drawing/2017/decorative" val="1"/>
                 </a:ext>
               </a:extLst>
             </p:cNvPr>
@@ -22304,7 +23495,7 @@
                   <a16:creationId xmlns:a16="http://schemas.microsoft.com/office/drawing/2014/main" id="{5A493EDB-6C9E-483F-86A6-0F473E5908D5}"/>
                 </a:ext>
                 <a:ext uri="{C183D7F6-B498-43B3-948B-1728B52AA6E4}">
-                  <adec:decorative xmlns:adec="http://schemas.microsoft.com/office/drawing/2017/decorative" xmlns="" val="1"/>
+                  <adec:decorative xmlns:adec="http://schemas.microsoft.com/office/drawing/2017/decorative" val="1"/>
                 </a:ext>
               </a:extLst>
             </p:cNvPr>
@@ -22373,7 +23564,7 @@
                 <a16:creationId xmlns:a16="http://schemas.microsoft.com/office/drawing/2014/main" id="{3F39476B-1A6D-47CB-AC7A-FB87EF003323}"/>
               </a:ext>
               <a:ext uri="{C183D7F6-B498-43B3-948B-1728B52AA6E4}">
-                <adec:decorative xmlns:adec="http://schemas.microsoft.com/office/drawing/2017/decorative" xmlns="" val="1"/>
+                <adec:decorative xmlns:adec="http://schemas.microsoft.com/office/drawing/2017/decorative" val="1"/>
               </a:ext>
             </a:extLst>
           </p:cNvPr>
@@ -24478,17 +25669,10 @@
   <p:clrMapOvr>
     <a:masterClrMapping/>
   </p:clrMapOvr>
-  <p:timing>
-    <p:tnLst>
-      <p:par>
-        <p:cTn id="1" dur="indefinite" restart="never" nodeType="tmRoot"/>
-      </p:par>
-    </p:tnLst>
-  </p:timing>
 </p:sld>
 </file>
 
-<file path=ppt/slides/slide7.xml><?xml version="1.0" encoding="utf-8"?>
+<file path=ppt/slides/slide8.xml><?xml version="1.0" encoding="utf-8"?>
 <p:sld xmlns:a="http://schemas.openxmlformats.org/drawingml/2006/main" xmlns:r="http://schemas.openxmlformats.org/officeDocument/2006/relationships" xmlns:p="http://schemas.openxmlformats.org/presentationml/2006/main">
   <p:cSld>
     <p:spTree>
@@ -24513,10 +25697,10 @@
         </p:nvGrpSpPr>
         <p:grpSpPr>
           <a:xfrm>
-            <a:off x="935844" y="1232026"/>
-            <a:ext cx="10320312" cy="4393949"/>
-            <a:chOff x="947280" y="1344887"/>
-            <a:chExt cx="10320312" cy="4393949"/>
+            <a:off x="934344" y="1212447"/>
+            <a:ext cx="10321812" cy="4413528"/>
+            <a:chOff x="945780" y="1325308"/>
+            <a:chExt cx="10321812" cy="4413528"/>
           </a:xfrm>
         </p:grpSpPr>
         <p:grpSp>
@@ -24665,8 +25849,8 @@
           </p:nvSpPr>
           <p:spPr>
             <a:xfrm rot="21074199">
-              <a:off x="947280" y="1344887"/>
-              <a:ext cx="4532769" cy="709509"/>
+              <a:off x="945780" y="1325308"/>
+              <a:ext cx="4789787" cy="709509"/>
             </a:xfrm>
             <a:prstGeom prst="wedgeRoundRectCallout">
               <a:avLst/>
@@ -24703,7 +25887,7 @@
                 <a:rPr lang="en-US" sz="3200" dirty="0">
                   <a:latin typeface="Bahnschrift Light Condensed" panose="020B0502040204020203" pitchFamily="34" charset="0"/>
                 </a:rPr>
-                <a:t>So, how is model performance?</a:t>
+                <a:t>So, how is baseline performance?</a:t>
               </a:r>
             </a:p>
           </p:txBody>
@@ -24956,7 +26140,7 @@
               <a:lstStyle/>
               <a:p>
                 <a:r>
-                  <a:rPr lang="en-US" sz="800" dirty="0" smtClean="0">
+                  <a:rPr lang="en-US" sz="800" dirty="0">
                     <a:latin typeface="Arial Unicode MS" panose="020B0604020202020204" pitchFamily="34" charset="-128"/>
                     <a:ea typeface="Arial Unicode MS" panose="020B0604020202020204" pitchFamily="34" charset="-128"/>
                     <a:cs typeface="Arial Unicode MS" panose="020B0604020202020204" pitchFamily="34" charset="-128"/>
@@ -25018,339 +26202,6 @@
   <p:clrMapOvr>
     <a:masterClrMapping/>
   </p:clrMapOvr>
-  <p:timing>
-    <p:tnLst>
-      <p:par>
-        <p:cTn id="1" dur="indefinite" restart="never" nodeType="tmRoot"/>
-      </p:par>
-    </p:tnLst>
-  </p:timing>
-</p:sld>
-</file>
-
-<file path=ppt/slides/slide8.xml><?xml version="1.0" encoding="utf-8"?>
-<p:sld xmlns:a="http://schemas.openxmlformats.org/drawingml/2006/main" xmlns:r="http://schemas.openxmlformats.org/officeDocument/2006/relationships" xmlns:p="http://schemas.openxmlformats.org/presentationml/2006/main">
-  <p:cSld>
-    <p:spTree>
-      <p:nvGrpSpPr>
-        <p:cNvPr id="1" name=""/>
-        <p:cNvGrpSpPr/>
-        <p:nvPr/>
-      </p:nvGrpSpPr>
-      <p:grpSpPr>
-        <a:xfrm>
-          <a:off x="0" y="0"/>
-          <a:ext cx="0" cy="0"/>
-          <a:chOff x="0" y="0"/>
-          <a:chExt cx="0" cy="0"/>
-        </a:xfrm>
-      </p:grpSpPr>
-      <p:sp>
-        <p:nvSpPr>
-          <p:cNvPr id="2" name="TextBox 1">
-            <a:extLst>
-              <a:ext uri="{FF2B5EF4-FFF2-40B4-BE49-F238E27FC236}">
-                <a16:creationId xmlns:a16="http://schemas.microsoft.com/office/drawing/2014/main" id="{5AC779CE-E57C-4888-83EE-CA62F3870133}"/>
-              </a:ext>
-            </a:extLst>
-          </p:cNvPr>
-          <p:cNvSpPr txBox="1"/>
-          <p:nvPr/>
-        </p:nvSpPr>
-        <p:spPr>
-          <a:xfrm>
-            <a:off x="5758981" y="1359203"/>
-            <a:ext cx="5210908" cy="4139595"/>
-          </a:xfrm>
-          <a:prstGeom prst="rect">
-            <a:avLst/>
-          </a:prstGeom>
-          <a:noFill/>
-        </p:spPr>
-        <p:txBody>
-          <a:bodyPr wrap="square" rtlCol="0">
-            <a:spAutoFit/>
-          </a:bodyPr>
-          <a:lstStyle/>
-          <a:p>
-            <a:pPr algn="ctr"/>
-            <a:r>
-              <a:rPr lang="en-US" sz="2000" b="1" dirty="0"/>
-              <a:t>There are many benefits.</a:t>
-            </a:r>
-          </a:p>
-          <a:p>
-            <a:pPr algn="ctr">
-              <a:lnSpc>
-                <a:spcPct val="150000"/>
-              </a:lnSpc>
-            </a:pPr>
-            <a:endParaRPr lang="en-US" dirty="0"/>
-          </a:p>
-          <a:p>
-            <a:pPr algn="ctr"/>
-            <a:r>
-              <a:rPr lang="en-US" dirty="0">
-                <a:latin typeface="Bahnschrift Light Condensed" panose="020B0502040204020203" pitchFamily="34" charset="0"/>
-              </a:rPr>
-              <a:t>In-house ML solution</a:t>
-            </a:r>
-          </a:p>
-          <a:p>
-            <a:pPr algn="ctr"/>
-            <a:endParaRPr lang="en-US" dirty="0">
-              <a:latin typeface="Bahnschrift Light Condensed" panose="020B0502040204020203" pitchFamily="34" charset="0"/>
-            </a:endParaRPr>
-          </a:p>
-          <a:p>
-            <a:pPr algn="ctr"/>
-            <a:r>
-              <a:rPr lang="en-US" dirty="0">
-                <a:latin typeface="Bahnschrift Light Condensed" panose="020B0502040204020203" pitchFamily="34" charset="0"/>
-              </a:rPr>
-              <a:t>Built using existing products</a:t>
-            </a:r>
-          </a:p>
-          <a:p>
-            <a:pPr algn="ctr"/>
-            <a:endParaRPr lang="en-US" dirty="0">
-              <a:latin typeface="Bahnschrift Light Condensed" panose="020B0502040204020203" pitchFamily="34" charset="0"/>
-            </a:endParaRPr>
-          </a:p>
-          <a:p>
-            <a:pPr algn="ctr"/>
-            <a:r>
-              <a:rPr lang="en-US" dirty="0">
-                <a:latin typeface="Bahnschrift Light Condensed" panose="020B0502040204020203" pitchFamily="34" charset="0"/>
-              </a:rPr>
-              <a:t>Flexible enough for a variety of outcomes</a:t>
-            </a:r>
-          </a:p>
-          <a:p>
-            <a:pPr algn="ctr"/>
-            <a:endParaRPr lang="en-US" dirty="0">
-              <a:latin typeface="Bahnschrift Light Condensed" panose="020B0502040204020203" pitchFamily="34" charset="0"/>
-            </a:endParaRPr>
-          </a:p>
-          <a:p>
-            <a:pPr algn="ctr"/>
-            <a:r>
-              <a:rPr lang="en-US" dirty="0">
-                <a:latin typeface="Bahnschrift Light Condensed" panose="020B0502040204020203" pitchFamily="34" charset="0"/>
-              </a:rPr>
-              <a:t>Strong baseline performance</a:t>
-            </a:r>
-          </a:p>
-          <a:p>
-            <a:pPr algn="ctr"/>
-            <a:endParaRPr lang="en-US" dirty="0">
-              <a:latin typeface="Bahnschrift Light Condensed" panose="020B0502040204020203" pitchFamily="34" charset="0"/>
-            </a:endParaRPr>
-          </a:p>
-          <a:p>
-            <a:pPr algn="ctr"/>
-            <a:endParaRPr lang="en-US" dirty="0">
-              <a:latin typeface="Bahnschrift Light Condensed" panose="020B0502040204020203" pitchFamily="34" charset="0"/>
-            </a:endParaRPr>
-          </a:p>
-          <a:p>
-            <a:pPr algn="ctr"/>
-            <a:r>
-              <a:rPr lang="en-US" b="1" dirty="0"/>
-              <a:t>But there are tasks ahead.</a:t>
-            </a:r>
-          </a:p>
-          <a:p>
-            <a:pPr algn="ctr"/>
-            <a:endParaRPr lang="en-US" dirty="0">
-              <a:latin typeface="Bahnschrift Light Condensed" panose="020B0502040204020203" pitchFamily="34" charset="0"/>
-            </a:endParaRPr>
-          </a:p>
-          <a:p>
-            <a:pPr algn="ctr"/>
-            <a:r>
-              <a:rPr lang="en-US" dirty="0">
-                <a:latin typeface="Bahnschrift Light Condensed" panose="020B0502040204020203" pitchFamily="34" charset="0"/>
-              </a:rPr>
-              <a:t>MLP, </a:t>
-            </a:r>
-            <a:r>
-              <a:rPr lang="en-US" dirty="0" smtClean="0">
-                <a:latin typeface="Bahnschrift Light Condensed" panose="020B0502040204020203" pitchFamily="34" charset="0"/>
-              </a:rPr>
-              <a:t>SHAP, </a:t>
-            </a:r>
-            <a:r>
-              <a:rPr lang="en-US" dirty="0">
-                <a:latin typeface="Bahnschrift Light Condensed" panose="020B0502040204020203" pitchFamily="34" charset="0"/>
-              </a:rPr>
-              <a:t>new variables, and the unknowns</a:t>
-            </a:r>
-          </a:p>
-        </p:txBody>
-      </p:sp>
-      <p:grpSp>
-        <p:nvGrpSpPr>
-          <p:cNvPr id="13" name="Group 12"/>
-          <p:cNvGrpSpPr/>
-          <p:nvPr/>
-        </p:nvGrpSpPr>
-        <p:grpSpPr>
-          <a:xfrm>
-            <a:off x="1222112" y="1515116"/>
-            <a:ext cx="3314757" cy="3931179"/>
-            <a:chOff x="517175" y="2567938"/>
-            <a:chExt cx="3314757" cy="3931179"/>
-          </a:xfrm>
-        </p:grpSpPr>
-        <p:sp>
-          <p:nvSpPr>
-            <p:cNvPr id="11" name="Speech Bubble: Rectangle with Corners Rounded 3">
-              <a:extLst>
-                <a:ext uri="{FF2B5EF4-FFF2-40B4-BE49-F238E27FC236}">
-                  <a16:creationId xmlns:a16="http://schemas.microsoft.com/office/drawing/2014/main" id="{09616CF4-3E50-4507-9064-F9A610A9A7DA}"/>
-                </a:ext>
-              </a:extLst>
-            </p:cNvPr>
-            <p:cNvSpPr/>
-            <p:nvPr/>
-          </p:nvSpPr>
-          <p:spPr>
-            <a:xfrm rot="20939017">
-              <a:off x="1205724" y="2567938"/>
-              <a:ext cx="1937658" cy="722310"/>
-            </a:xfrm>
-            <a:prstGeom prst="wedgeRoundRectCallout">
-              <a:avLst/>
-            </a:prstGeom>
-            <a:ln>
-              <a:noFill/>
-            </a:ln>
-          </p:spPr>
-          <p:style>
-            <a:lnRef idx="2">
-              <a:schemeClr val="accent1">
-                <a:shade val="50000"/>
-              </a:schemeClr>
-            </a:lnRef>
-            <a:fillRef idx="1">
-              <a:schemeClr val="accent1"/>
-            </a:fillRef>
-            <a:effectRef idx="0">
-              <a:schemeClr val="accent1"/>
-            </a:effectRef>
-            <a:fontRef idx="minor">
-              <a:schemeClr val="lt1"/>
-            </a:fontRef>
-          </p:style>
-          <p:txBody>
-            <a:bodyPr rtlCol="0" anchor="ctr"/>
-            <a:lstStyle/>
-            <a:p>
-              <a:pPr algn="ctr"/>
-              <a:r>
-                <a:rPr lang="en-US" sz="3200" dirty="0">
-                  <a:latin typeface="Bahnschrift Light Condensed" panose="020B0502040204020203" pitchFamily="34" charset="0"/>
-                </a:rPr>
-                <a:t>In summary.</a:t>
-              </a:r>
-            </a:p>
-          </p:txBody>
-        </p:sp>
-        <p:pic>
-          <p:nvPicPr>
-            <p:cNvPr id="12" name="Picture 11"/>
-            <p:cNvPicPr>
-              <a:picLocks noChangeAspect="1"/>
-            </p:cNvPicPr>
-            <p:nvPr/>
-          </p:nvPicPr>
-          <p:blipFill>
-            <a:blip r:embed="rId2">
-              <a:extLst>
-                <a:ext uri="{28A0092B-C50C-407E-A947-70E740481C1C}">
-                  <a14:useLocalDpi xmlns:a14="http://schemas.microsoft.com/office/drawing/2010/main" val="0"/>
-                </a:ext>
-              </a:extLst>
-            </a:blip>
-            <a:stretch>
-              <a:fillRect/>
-            </a:stretch>
-          </p:blipFill>
-          <p:spPr>
-            <a:xfrm>
-              <a:off x="517175" y="3665077"/>
-              <a:ext cx="3314757" cy="2834040"/>
-            </a:xfrm>
-            <a:prstGeom prst="rect">
-              <a:avLst/>
-            </a:prstGeom>
-          </p:spPr>
-        </p:pic>
-      </p:grpSp>
-      <p:sp>
-        <p:nvSpPr>
-          <p:cNvPr id="6" name="TextBox 5">
-            <a:extLst>
-              <a:ext uri="{FF2B5EF4-FFF2-40B4-BE49-F238E27FC236}">
-                <a16:creationId xmlns:a16="http://schemas.microsoft.com/office/drawing/2014/main" id="{1F099461-28EA-4FB4-BF46-20F07871B61E}"/>
-              </a:ext>
-            </a:extLst>
-          </p:cNvPr>
-          <p:cNvSpPr txBox="1"/>
-          <p:nvPr/>
-        </p:nvSpPr>
-        <p:spPr>
-          <a:xfrm>
-            <a:off x="11297531" y="6488668"/>
-            <a:ext cx="894469" cy="369332"/>
-          </a:xfrm>
-          <a:prstGeom prst="rect">
-            <a:avLst/>
-          </a:prstGeom>
-          <a:noFill/>
-        </p:spPr>
-        <p:txBody>
-          <a:bodyPr wrap="square" rtlCol="0">
-            <a:spAutoFit/>
-          </a:bodyPr>
-          <a:lstStyle/>
-          <a:p>
-            <a:r>
-              <a:rPr lang="en-US" dirty="0" smtClean="0">
-                <a:solidFill>
-                  <a:schemeClr val="tx2"/>
-                </a:solidFill>
-                <a:latin typeface="Bahnschrift Light Condensed" panose="020B0502040204020203" pitchFamily="34" charset="0"/>
-              </a:rPr>
-              <a:t>WRAP-UP</a:t>
-            </a:r>
-            <a:endParaRPr lang="en-US" dirty="0">
-              <a:solidFill>
-                <a:schemeClr val="tx2"/>
-              </a:solidFill>
-              <a:latin typeface="Bahnschrift Light Condensed" panose="020B0502040204020203" pitchFamily="34" charset="0"/>
-            </a:endParaRPr>
-          </a:p>
-        </p:txBody>
-      </p:sp>
-    </p:spTree>
-    <p:extLst>
-      <p:ext uri="{BB962C8B-B14F-4D97-AF65-F5344CB8AC3E}">
-        <p14:creationId xmlns:p14="http://schemas.microsoft.com/office/powerpoint/2010/main" val="1780318628"/>
-      </p:ext>
-    </p:extLst>
-  </p:cSld>
-  <p:clrMapOvr>
-    <a:masterClrMapping/>
-  </p:clrMapOvr>
-  <p:timing>
-    <p:tnLst>
-      <p:par>
-        <p:cTn id="1" dur="indefinite" restart="never" nodeType="tmRoot"/>
-      </p:par>
-    </p:tnLst>
-  </p:timing>
 </p:sld>
 </file>
 
@@ -25373,14 +26224,20 @@
       </p:grpSpPr>
       <p:sp>
         <p:nvSpPr>
-          <p:cNvPr id="2" name="TextBox 1"/>
+          <p:cNvPr id="4" name="TextBox 3">
+            <a:extLst>
+              <a:ext uri="{FF2B5EF4-FFF2-40B4-BE49-F238E27FC236}">
+                <a16:creationId xmlns:a16="http://schemas.microsoft.com/office/drawing/2014/main" id="{767CD298-E807-4016-B1EA-990D9F932316}"/>
+              </a:ext>
+            </a:extLst>
+          </p:cNvPr>
           <p:cNvSpPr txBox="1"/>
           <p:nvPr/>
         </p:nvSpPr>
         <p:spPr>
           <a:xfrm>
-            <a:off x="603920" y="3167390"/>
-            <a:ext cx="10984161" cy="523220"/>
+            <a:off x="10799181" y="6488668"/>
+            <a:ext cx="1392820" cy="369332"/>
           </a:xfrm>
           <a:prstGeom prst="rect">
             <a:avLst/>
@@ -25388,27 +26245,162 @@
           <a:noFill/>
         </p:spPr>
         <p:txBody>
-          <a:bodyPr wrap="none" rtlCol="0">
+          <a:bodyPr wrap="square" rtlCol="0">
             <a:spAutoFit/>
           </a:bodyPr>
           <a:lstStyle/>
           <a:p>
             <a:r>
-              <a:rPr lang="en-US" sz="2800" dirty="0">
-                <a:hlinkClick r:id="rId2"/>
+              <a:rPr lang="en-US" dirty="0">
+                <a:solidFill>
+                  <a:schemeClr val="tx2"/>
+                </a:solidFill>
+                <a:latin typeface="Bahnschrift Light Condensed" panose="020B0502040204020203" pitchFamily="34" charset="0"/>
               </a:rPr>
-              <a:t>https://wsuaacprodoac-wsucloud.analytics.ocp.oraclecloud.com/</a:t>
+              <a:t>INTERPRETATION</a:t>
             </a:r>
-            <a:endParaRPr lang="en-US" sz="2800" dirty="0"/>
           </a:p>
         </p:txBody>
       </p:sp>
       <p:sp>
         <p:nvSpPr>
-          <p:cNvPr id="6" name="Speech Bubble: Rectangle with Corners Rounded 3">
+          <p:cNvPr id="20" name="TextBox 19">
             <a:extLst>
               <a:ext uri="{FF2B5EF4-FFF2-40B4-BE49-F238E27FC236}">
-                <a16:creationId xmlns:a16="http://schemas.microsoft.com/office/drawing/2014/main" id="{09616CF4-3E50-4507-9064-F9A610A9A7DA}"/>
+                <a16:creationId xmlns:a16="http://schemas.microsoft.com/office/drawing/2014/main" id="{7DDFC9A6-98E8-4ECB-979A-C40AE246513B}"/>
+              </a:ext>
+            </a:extLst>
+          </p:cNvPr>
+          <p:cNvSpPr txBox="1"/>
+          <p:nvPr/>
+        </p:nvSpPr>
+        <p:spPr>
+          <a:xfrm>
+            <a:off x="182014" y="6027003"/>
+            <a:ext cx="6864500" cy="646331"/>
+          </a:xfrm>
+          <a:prstGeom prst="rect">
+            <a:avLst/>
+          </a:prstGeom>
+          <a:noFill/>
+        </p:spPr>
+        <p:txBody>
+          <a:bodyPr wrap="square" rtlCol="0">
+            <a:spAutoFit/>
+          </a:bodyPr>
+          <a:lstStyle/>
+          <a:p>
+            <a:r>
+              <a:rPr lang="en-US" sz="1200" dirty="0">
+                <a:latin typeface="Bahnschrift Light Condensed" panose="020B0502040204020203" pitchFamily="34" charset="0"/>
+              </a:rPr>
+              <a:t>Lundberg, Scott M., and </a:t>
+            </a:r>
+            <a:r>
+              <a:rPr lang="en-US" sz="1200" dirty="0" err="1">
+                <a:latin typeface="Bahnschrift Light Condensed" panose="020B0502040204020203" pitchFamily="34" charset="0"/>
+              </a:rPr>
+              <a:t>Su</a:t>
+            </a:r>
+            <a:r>
+              <a:rPr lang="en-US" sz="1200" dirty="0">
+                <a:latin typeface="Bahnschrift Light Condensed" panose="020B0502040204020203" pitchFamily="34" charset="0"/>
+              </a:rPr>
+              <a:t>-In Lee. (2017). A Unified Approach to Interpreting Model Predictions. In I. Guyon, U. V. </a:t>
+            </a:r>
+            <a:r>
+              <a:rPr lang="en-US" sz="1200" dirty="0" err="1">
+                <a:latin typeface="Bahnschrift Light Condensed" panose="020B0502040204020203" pitchFamily="34" charset="0"/>
+              </a:rPr>
+              <a:t>Luxburg</a:t>
+            </a:r>
+            <a:r>
+              <a:rPr lang="en-US" sz="1200" dirty="0">
+                <a:latin typeface="Bahnschrift Light Condensed" panose="020B0502040204020203" pitchFamily="34" charset="0"/>
+              </a:rPr>
+              <a:t>, S. </a:t>
+            </a:r>
+            <a:r>
+              <a:rPr lang="en-US" sz="1200" dirty="0" err="1">
+                <a:latin typeface="Bahnschrift Light Condensed" panose="020B0502040204020203" pitchFamily="34" charset="0"/>
+              </a:rPr>
+              <a:t>Bengio</a:t>
+            </a:r>
+            <a:r>
+              <a:rPr lang="en-US" sz="1200" dirty="0">
+                <a:latin typeface="Bahnschrift Light Condensed" panose="020B0502040204020203" pitchFamily="34" charset="0"/>
+              </a:rPr>
+              <a:t>, H. Wallach, R. Fergus, S. </a:t>
+            </a:r>
+            <a:r>
+              <a:rPr lang="en-US" sz="1200" dirty="0" err="1">
+                <a:latin typeface="Bahnschrift Light Condensed" panose="020B0502040204020203" pitchFamily="34" charset="0"/>
+              </a:rPr>
+              <a:t>Vishwanathan</a:t>
+            </a:r>
+            <a:r>
+              <a:rPr lang="en-US" sz="1200" dirty="0">
+                <a:latin typeface="Bahnschrift Light Condensed" panose="020B0502040204020203" pitchFamily="34" charset="0"/>
+              </a:rPr>
+              <a:t>, &amp; R. Garnett (Eds.), </a:t>
+            </a:r>
+            <a:r>
+              <a:rPr lang="en-US" sz="1200" i="1" dirty="0">
+                <a:latin typeface="Bahnschrift Light Condensed" panose="020B0502040204020203" pitchFamily="34" charset="0"/>
+              </a:rPr>
+              <a:t>Advances in Neural Information Processing Systems 30</a:t>
+            </a:r>
+            <a:r>
+              <a:rPr lang="en-US" sz="1200" dirty="0">
+                <a:latin typeface="Bahnschrift Light Condensed" panose="020B0502040204020203" pitchFamily="34" charset="0"/>
+              </a:rPr>
+              <a:t>  (pp. 4765–4774). http://papers.nips.cc/paper/7062-a-unified-approach-to-interpreting-model-predictions.pdf</a:t>
+            </a:r>
+          </a:p>
+        </p:txBody>
+      </p:sp>
+      <p:pic>
+        <p:nvPicPr>
+          <p:cNvPr id="25" name="Graphic 24">
+            <a:extLst>
+              <a:ext uri="{FF2B5EF4-FFF2-40B4-BE49-F238E27FC236}">
+                <a16:creationId xmlns:a16="http://schemas.microsoft.com/office/drawing/2014/main" id="{B2CA5173-DF5B-436C-AB19-E293FBCA1AAC}"/>
+              </a:ext>
+            </a:extLst>
+          </p:cNvPr>
+          <p:cNvPicPr>
+            <a:picLocks noChangeAspect="1"/>
+          </p:cNvPicPr>
+          <p:nvPr/>
+        </p:nvPicPr>
+        <p:blipFill>
+          <a:blip r:embed="rId2">
+            <a:extLst>
+              <a:ext uri="{96DAC541-7B7A-43D3-8B79-37D633B846F1}">
+                <asvg:svgBlip xmlns:asvg="http://schemas.microsoft.com/office/drawing/2016/SVG/main" r:embed="rId3"/>
+              </a:ext>
+            </a:extLst>
+          </a:blip>
+          <a:stretch>
+            <a:fillRect/>
+          </a:stretch>
+        </p:blipFill>
+        <p:spPr>
+          <a:xfrm>
+            <a:off x="2766168" y="1559838"/>
+            <a:ext cx="6659663" cy="3738324"/>
+          </a:xfrm>
+          <a:prstGeom prst="rect">
+            <a:avLst/>
+          </a:prstGeom>
+        </p:spPr>
+      </p:pic>
+      <p:sp>
+        <p:nvSpPr>
+          <p:cNvPr id="23" name="Speech Bubble: Rectangle with Corners Rounded 31">
+            <a:extLst>
+              <a:ext uri="{FF2B5EF4-FFF2-40B4-BE49-F238E27FC236}">
+                <a16:creationId xmlns:a16="http://schemas.microsoft.com/office/drawing/2014/main" id="{7F15FB5C-E40A-4AAC-A4DC-97D330091303}"/>
               </a:ext>
             </a:extLst>
           </p:cNvPr>
@@ -25416,15 +26408,15 @@
           <p:nvPr/>
         </p:nvSpPr>
         <p:spPr>
-          <a:xfrm rot="20939017">
-            <a:off x="4579657" y="1322519"/>
-            <a:ext cx="3031679" cy="709509"/>
+          <a:xfrm rot="565637">
+            <a:off x="7218447" y="1205084"/>
+            <a:ext cx="4414767" cy="709509"/>
           </a:xfrm>
           <a:prstGeom prst="wedgeRoundRectCallout">
             <a:avLst/>
           </a:prstGeom>
           <a:solidFill>
-            <a:srgbClr val="464E54"/>
+            <a:schemeClr val="accent1"/>
           </a:solidFill>
           <a:ln>
             <a:noFill/>
@@ -25455,88 +26447,21 @@
               <a:rPr lang="en-US" sz="3200" dirty="0">
                 <a:latin typeface="Bahnschrift Light Condensed" panose="020B0502040204020203" pitchFamily="34" charset="0"/>
               </a:rPr>
-              <a:t>Thanks for listening!</a:t>
+              <a:t>But what do the results mean?</a:t>
             </a:r>
           </a:p>
         </p:txBody>
       </p:sp>
-      <p:pic>
-        <p:nvPicPr>
-          <p:cNvPr id="7" name="Picture 6"/>
-          <p:cNvPicPr>
-            <a:picLocks noChangeAspect="1"/>
-          </p:cNvPicPr>
-          <p:nvPr/>
-        </p:nvPicPr>
-        <p:blipFill>
-          <a:blip r:embed="rId3">
-            <a:extLst>
-              <a:ext uri="{28A0092B-C50C-407E-A947-70E740481C1C}">
-                <a14:useLocalDpi xmlns:a14="http://schemas.microsoft.com/office/drawing/2010/main" val="0"/>
-              </a:ext>
-            </a:extLst>
-          </a:blip>
-          <a:stretch>
-            <a:fillRect/>
-          </a:stretch>
-        </p:blipFill>
-        <p:spPr>
-          <a:xfrm>
-            <a:off x="9388824" y="6041767"/>
-            <a:ext cx="2510015" cy="544156"/>
-          </a:xfrm>
-          <a:prstGeom prst="rect">
-            <a:avLst/>
-          </a:prstGeom>
-        </p:spPr>
-      </p:pic>
-      <p:pic>
-        <p:nvPicPr>
-          <p:cNvPr id="3" name="Picture 2"/>
-          <p:cNvPicPr>
-            <a:picLocks noChangeAspect="1"/>
-          </p:cNvPicPr>
-          <p:nvPr/>
-        </p:nvPicPr>
-        <p:blipFill>
-          <a:blip r:embed="rId4">
-            <a:extLst>
-              <a:ext uri="{28A0092B-C50C-407E-A947-70E740481C1C}">
-                <a14:useLocalDpi xmlns:a14="http://schemas.microsoft.com/office/drawing/2010/main" val="0"/>
-              </a:ext>
-            </a:extLst>
-          </a:blip>
-          <a:stretch>
-            <a:fillRect/>
-          </a:stretch>
-        </p:blipFill>
-        <p:spPr>
-          <a:xfrm>
-            <a:off x="5181098" y="4298691"/>
-            <a:ext cx="1828800" cy="1743076"/>
-          </a:xfrm>
-          <a:prstGeom prst="rect">
-            <a:avLst/>
-          </a:prstGeom>
-        </p:spPr>
-      </p:pic>
     </p:spTree>
     <p:extLst>
       <p:ext uri="{BB962C8B-B14F-4D97-AF65-F5344CB8AC3E}">
-        <p14:creationId xmlns:p14="http://schemas.microsoft.com/office/powerpoint/2010/main" val="110792669"/>
+        <p14:creationId xmlns:p14="http://schemas.microsoft.com/office/powerpoint/2010/main" val="2846446341"/>
       </p:ext>
     </p:extLst>
   </p:cSld>
   <p:clrMapOvr>
     <a:masterClrMapping/>
   </p:clrMapOvr>
-  <p:timing>
-    <p:tnLst>
-      <p:par>
-        <p:cTn id="1" dur="indefinite" restart="never" nodeType="tmRoot"/>
-      </p:par>
-    </p:tnLst>
-  </p:timing>
 </p:sld>
 </file>
 
@@ -26093,6 +27018,23 @@
 </file>
 
 <file path=customXml/item1.xml><?xml version="1.0" encoding="utf-8"?>
+<p:properties xmlns:p="http://schemas.microsoft.com/office/2006/metadata/properties" xmlns:xsi="http://www.w3.org/2001/XMLSchema-instance" xmlns:pc="http://schemas.microsoft.com/office/infopath/2007/PartnerControls">
+  <documentManagement>
+    <MediaServiceKeyPoints xmlns="71af3243-3dd4-4a8d-8c0d-dd76da1f02a5" xsi:nil="true"/>
+  </documentManagement>
+</p:properties>
+</file>
+
+<file path=customXml/item2.xml><?xml version="1.0" encoding="utf-8"?>
+<?mso-contentType ?>
+<FormTemplates xmlns="http://schemas.microsoft.com/sharepoint/v3/contenttype/forms">
+  <Display>DocumentLibraryForm</Display>
+  <Edit>DocumentLibraryForm</Edit>
+  <New>DocumentLibraryForm</New>
+</FormTemplates>
+</file>
+
+<file path=customXml/item3.xml><?xml version="1.0" encoding="utf-8"?>
 <ct:contentTypeSchema xmlns:ct="http://schemas.microsoft.com/office/2006/metadata/contentType" xmlns:ma="http://schemas.microsoft.com/office/2006/metadata/properties/metaAttributes" ct:_="" ma:_="" ma:contentTypeName="Document" ma:contentTypeID="0x01010079F111ED35F8CC479449609E8A0923A6" ma:contentTypeVersion="11" ma:contentTypeDescription="Create a new document." ma:contentTypeScope="" ma:versionID="9677210f24a1be23c92c90fd886aa0aa">
   <xsd:schema xmlns:xsd="http://www.w3.org/2001/XMLSchema" xmlns:xs="http://www.w3.org/2001/XMLSchema" xmlns:p="http://schemas.microsoft.com/office/2006/metadata/properties" xmlns:ns2="71af3243-3dd4-4a8d-8c0d-dd76da1f02a5" xmlns:ns3="16c05727-aa75-4e4a-9b5f-8a80a1165891" targetNamespace="http://schemas.microsoft.com/office/2006/metadata/properties" ma:root="true" ma:fieldsID="60e05723c5c1908df1a1a4ebf11d344e" ns2:_="" ns3:_="">
     <xsd:import namespace="71af3243-3dd4-4a8d-8c0d-dd76da1f02a5"/>
@@ -26303,24 +27245,32 @@
 </ct:contentTypeSchema>
 </file>
 
-<file path=customXml/item2.xml><?xml version="1.0" encoding="utf-8"?>
-<p:properties xmlns:p="http://schemas.microsoft.com/office/2006/metadata/properties" xmlns:xsi="http://www.w3.org/2001/XMLSchema-instance" xmlns:pc="http://schemas.microsoft.com/office/infopath/2007/PartnerControls">
-  <documentManagement>
-    <MediaServiceKeyPoints xmlns="71af3243-3dd4-4a8d-8c0d-dd76da1f02a5" xsi:nil="true"/>
-  </documentManagement>
-</p:properties>
+<file path=customXml/itemProps1.xml><?xml version="1.0" encoding="utf-8"?>
+<ds:datastoreItem xmlns:ds="http://schemas.openxmlformats.org/officeDocument/2006/customXml" ds:itemID="{AD24716F-C831-4AC2-BB0A-5EC60E4671B3}">
+  <ds:schemaRefs>
+    <ds:schemaRef ds:uri="http://www.w3.org/XML/1998/namespace"/>
+    <ds:schemaRef ds:uri="http://purl.org/dc/elements/1.1/"/>
+    <ds:schemaRef ds:uri="http://schemas.microsoft.com/office/2006/documentManagement/types"/>
+    <ds:schemaRef ds:uri="16c05727-aa75-4e4a-9b5f-8a80a1165891"/>
+    <ds:schemaRef ds:uri="http://schemas.microsoft.com/office/2006/metadata/properties"/>
+    <ds:schemaRef ds:uri="http://schemas.microsoft.com/office/infopath/2007/PartnerControls"/>
+    <ds:schemaRef ds:uri="71af3243-3dd4-4a8d-8c0d-dd76da1f02a5"/>
+    <ds:schemaRef ds:uri="http://schemas.openxmlformats.org/package/2006/metadata/core-properties"/>
+    <ds:schemaRef ds:uri="http://purl.org/dc/dcmitype/"/>
+    <ds:schemaRef ds:uri="http://purl.org/dc/terms/"/>
+  </ds:schemaRefs>
+</ds:datastoreItem>
 </file>
 
-<file path=customXml/item3.xml><?xml version="1.0" encoding="utf-8"?>
-<?mso-contentType ?>
-<FormTemplates xmlns="http://schemas.microsoft.com/sharepoint/v3/contenttype/forms">
-  <Display>DocumentLibraryForm</Display>
-  <Edit>DocumentLibraryForm</Edit>
-  <New>DocumentLibraryForm</New>
-</FormTemplates>
+<file path=customXml/itemProps2.xml><?xml version="1.0" encoding="utf-8"?>
+<ds:datastoreItem xmlns:ds="http://schemas.openxmlformats.org/officeDocument/2006/customXml" ds:itemID="{58F3D8C7-1E6F-4D15-8163-ADBC81A00AAD}">
+  <ds:schemaRefs>
+    <ds:schemaRef ds:uri="http://schemas.microsoft.com/sharepoint/v3/contenttype/forms"/>
+  </ds:schemaRefs>
+</ds:datastoreItem>
 </file>
 
-<file path=customXml/itemProps1.xml><?xml version="1.0" encoding="utf-8"?>
+<file path=customXml/itemProps3.xml><?xml version="1.0" encoding="utf-8"?>
 <ds:datastoreItem xmlns:ds="http://schemas.openxmlformats.org/officeDocument/2006/customXml" ds:itemID="{F3A8986E-DA64-415A-A390-AF2FFA01BA73}">
   <ds:schemaRefs>
     <ds:schemaRef ds:uri="http://schemas.microsoft.com/office/2006/metadata/contentType"/>
@@ -26337,29 +27287,4 @@
     <ds:schemaRef ds:uri="http://schemas.microsoft.com/internal/obd"/>
   </ds:schemaRefs>
 </ds:datastoreItem>
-</file>
-
-<file path=customXml/itemProps2.xml><?xml version="1.0" encoding="utf-8"?>
-<ds:datastoreItem xmlns:ds="http://schemas.openxmlformats.org/officeDocument/2006/customXml" ds:itemID="{AD24716F-C831-4AC2-BB0A-5EC60E4671B3}">
-  <ds:schemaRefs>
-    <ds:schemaRef ds:uri="http://www.w3.org/XML/1998/namespace"/>
-    <ds:schemaRef ds:uri="http://purl.org/dc/elements/1.1/"/>
-    <ds:schemaRef ds:uri="http://schemas.microsoft.com/office/2006/documentManagement/types"/>
-    <ds:schemaRef ds:uri="16c05727-aa75-4e4a-9b5f-8a80a1165891"/>
-    <ds:schemaRef ds:uri="http://schemas.microsoft.com/office/2006/metadata/properties"/>
-    <ds:schemaRef ds:uri="http://schemas.microsoft.com/office/infopath/2007/PartnerControls"/>
-    <ds:schemaRef ds:uri="71af3243-3dd4-4a8d-8c0d-dd76da1f02a5"/>
-    <ds:schemaRef ds:uri="http://schemas.openxmlformats.org/package/2006/metadata/core-properties"/>
-    <ds:schemaRef ds:uri="http://purl.org/dc/dcmitype/"/>
-    <ds:schemaRef ds:uri="http://purl.org/dc/terms/"/>
-  </ds:schemaRefs>
-</ds:datastoreItem>
-</file>
-
-<file path=customXml/itemProps3.xml><?xml version="1.0" encoding="utf-8"?>
-<ds:datastoreItem xmlns:ds="http://schemas.openxmlformats.org/officeDocument/2006/customXml" ds:itemID="{58F3D8C7-1E6F-4D15-8163-ADBC81A00AAD}">
-  <ds:schemaRefs>
-    <ds:schemaRef ds:uri="http://schemas.microsoft.com/sharepoint/v3/contenttype/forms"/>
-  </ds:schemaRefs>
-</ds:datastoreItem>
 </file>
--- a/Documentation/student_risk_presentation.pptx
+++ b/Documentation/student_risk_presentation.pptx
@@ -208,7 +208,7 @@
           <a:p>
             <a:fld id="{0D8968FE-AD3D-444F-B6A8-796D946DC3A6}" type="datetimeFigureOut">
               <a:rPr lang="en-US" smtClean="0"/>
-              <a:t>10/12/2021</a:t>
+              <a:t>10/13/2021</a:t>
             </a:fld>
             <a:endParaRPr lang="en-US" dirty="0"/>
           </a:p>
@@ -2052,7 +2052,7 @@
           <a:p>
             <a:fld id="{198E66DD-51B1-4BF7-9539-DEA51BFAEFD8}" type="datetime1">
               <a:rPr lang="en-US" smtClean="0"/>
-              <a:t>10/12/2021</a:t>
+              <a:t>10/13/2021</a:t>
             </a:fld>
             <a:endParaRPr lang="en-US" dirty="0"/>
           </a:p>
@@ -3506,7 +3506,7 @@
           <a:p>
             <a:fld id="{827A6260-7573-4697-9E59-AA19A1D5C255}" type="datetime1">
               <a:rPr lang="en-US" smtClean="0"/>
-              <a:t>10/12/2021</a:t>
+              <a:t>10/13/2021</a:t>
             </a:fld>
             <a:endParaRPr lang="en-US" dirty="0"/>
           </a:p>
@@ -4954,7 +4954,7 @@
           <a:p>
             <a:fld id="{AB049DE4-AD7B-432F-9E35-775F5F8CC6AD}" type="datetime1">
               <a:rPr lang="en-US" smtClean="0"/>
-              <a:t>10/12/2021</a:t>
+              <a:t>10/13/2021</a:t>
             </a:fld>
             <a:endParaRPr lang="en-US" dirty="0"/>
           </a:p>
@@ -6404,7 +6404,7 @@
           <a:p>
             <a:fld id="{CED204F4-028A-4A36-B306-1FBAFF258B24}" type="datetime1">
               <a:rPr lang="en-US" smtClean="0"/>
-              <a:t>10/12/2021</a:t>
+              <a:t>10/13/2021</a:t>
             </a:fld>
             <a:endParaRPr lang="en-US" dirty="0"/>
           </a:p>
@@ -7907,7 +7907,7 @@
           <a:p>
             <a:fld id="{A7569E6D-812C-4C70-BB51-98F32992DB43}" type="datetime1">
               <a:rPr lang="en-US" smtClean="0"/>
-              <a:t>10/12/2021</a:t>
+              <a:t>10/13/2021</a:t>
             </a:fld>
             <a:endParaRPr lang="en-US" dirty="0"/>
           </a:p>
@@ -9423,7 +9423,7 @@
           <a:p>
             <a:fld id="{F10287DF-640A-4181-8B82-4913718EF244}" type="datetime1">
               <a:rPr lang="en-US" smtClean="0"/>
-              <a:t>10/12/2021</a:t>
+              <a:t>10/13/2021</a:t>
             </a:fld>
             <a:endParaRPr lang="en-US" dirty="0"/>
           </a:p>
@@ -11083,7 +11083,7 @@
           <a:p>
             <a:fld id="{C74BE3E1-3173-4AB6-90EF-CE84B9FBD77E}" type="datetime1">
               <a:rPr lang="en-US" smtClean="0"/>
-              <a:t>10/12/2021</a:t>
+              <a:t>10/13/2021</a:t>
             </a:fld>
             <a:endParaRPr lang="en-US" dirty="0"/>
           </a:p>
@@ -12476,7 +12476,7 @@
           <a:p>
             <a:fld id="{CE46D357-68ED-48AA-AC18-9CC27DEA9490}" type="datetime1">
               <a:rPr lang="en-US" smtClean="0"/>
-              <a:t>10/12/2021</a:t>
+              <a:t>10/13/2021</a:t>
             </a:fld>
             <a:endParaRPr lang="en-US" dirty="0"/>
           </a:p>
@@ -12571,7 +12571,7 @@
           <a:p>
             <a:fld id="{ACC8BAEE-D0AF-4323-A024-1416F995B386}" type="datetime1">
               <a:rPr lang="en-US" smtClean="0"/>
-              <a:t>10/12/2021</a:t>
+              <a:t>10/13/2021</a:t>
             </a:fld>
             <a:endParaRPr lang="en-US" dirty="0"/>
           </a:p>
@@ -14092,7 +14092,7 @@
           <a:p>
             <a:fld id="{CD36E0D4-CA65-4DD1-8546-2CC4E75B8B9D}" type="datetime1">
               <a:rPr lang="en-US" smtClean="0"/>
-              <a:t>10/12/2021</a:t>
+              <a:t>10/13/2021</a:t>
             </a:fld>
             <a:endParaRPr lang="en-US" dirty="0"/>
           </a:p>
@@ -15623,7 +15623,7 @@
           <a:p>
             <a:fld id="{C19DEFE7-E1FA-4CA7-8A5A-F9AB210CE638}" type="datetime1">
               <a:rPr lang="en-US" smtClean="0"/>
-              <a:t>10/12/2021</a:t>
+              <a:t>10/13/2021</a:t>
             </a:fld>
             <a:endParaRPr lang="en-US" dirty="0"/>
           </a:p>
@@ -15841,7 +15841,7 @@
           <a:p>
             <a:fld id="{FD1E3FCC-785C-4EC4-B782-9133218B75DD}" type="datetime1">
               <a:rPr lang="en-US" smtClean="0"/>
-              <a:t>10/12/2021</a:t>
+              <a:t>10/13/2021</a:t>
             </a:fld>
             <a:endParaRPr lang="en-US" dirty="0"/>
           </a:p>
@@ -26388,7 +26388,7 @@
         <p:spPr>
           <a:xfrm>
             <a:off x="2766168" y="1559838"/>
-            <a:ext cx="6659663" cy="3738324"/>
+            <a:ext cx="6659663" cy="3738323"/>
           </a:xfrm>
           <a:prstGeom prst="rect">
             <a:avLst/>
@@ -27026,15 +27026,6 @@
 </file>
 
 <file path=customXml/item2.xml><?xml version="1.0" encoding="utf-8"?>
-<?mso-contentType ?>
-<FormTemplates xmlns="http://schemas.microsoft.com/sharepoint/v3/contenttype/forms">
-  <Display>DocumentLibraryForm</Display>
-  <Edit>DocumentLibraryForm</Edit>
-  <New>DocumentLibraryForm</New>
-</FormTemplates>
-</file>
-
-<file path=customXml/item3.xml><?xml version="1.0" encoding="utf-8"?>
 <ct:contentTypeSchema xmlns:ct="http://schemas.microsoft.com/office/2006/metadata/contentType" xmlns:ma="http://schemas.microsoft.com/office/2006/metadata/properties/metaAttributes" ct:_="" ma:_="" ma:contentTypeName="Document" ma:contentTypeID="0x01010079F111ED35F8CC479449609E8A0923A6" ma:contentTypeVersion="11" ma:contentTypeDescription="Create a new document." ma:contentTypeScope="" ma:versionID="9677210f24a1be23c92c90fd886aa0aa">
   <xsd:schema xmlns:xsd="http://www.w3.org/2001/XMLSchema" xmlns:xs="http://www.w3.org/2001/XMLSchema" xmlns:p="http://schemas.microsoft.com/office/2006/metadata/properties" xmlns:ns2="71af3243-3dd4-4a8d-8c0d-dd76da1f02a5" xmlns:ns3="16c05727-aa75-4e4a-9b5f-8a80a1165891" targetNamespace="http://schemas.microsoft.com/office/2006/metadata/properties" ma:root="true" ma:fieldsID="60e05723c5c1908df1a1a4ebf11d344e" ns2:_="" ns3:_="">
     <xsd:import namespace="71af3243-3dd4-4a8d-8c0d-dd76da1f02a5"/>
@@ -27245,6 +27236,15 @@
 </ct:contentTypeSchema>
 </file>
 
+<file path=customXml/item3.xml><?xml version="1.0" encoding="utf-8"?>
+<?mso-contentType ?>
+<FormTemplates xmlns="http://schemas.microsoft.com/sharepoint/v3/contenttype/forms">
+  <Display>DocumentLibraryForm</Display>
+  <Edit>DocumentLibraryForm</Edit>
+  <New>DocumentLibraryForm</New>
+</FormTemplates>
+</file>
+
 <file path=customXml/itemProps1.xml><?xml version="1.0" encoding="utf-8"?>
 <ds:datastoreItem xmlns:ds="http://schemas.openxmlformats.org/officeDocument/2006/customXml" ds:itemID="{AD24716F-C831-4AC2-BB0A-5EC60E4671B3}">
   <ds:schemaRefs>
@@ -27263,14 +27263,6 @@
 </file>
 
 <file path=customXml/itemProps2.xml><?xml version="1.0" encoding="utf-8"?>
-<ds:datastoreItem xmlns:ds="http://schemas.openxmlformats.org/officeDocument/2006/customXml" ds:itemID="{58F3D8C7-1E6F-4D15-8163-ADBC81A00AAD}">
-  <ds:schemaRefs>
-    <ds:schemaRef ds:uri="http://schemas.microsoft.com/sharepoint/v3/contenttype/forms"/>
-  </ds:schemaRefs>
-</ds:datastoreItem>
-</file>
-
-<file path=customXml/itemProps3.xml><?xml version="1.0" encoding="utf-8"?>
 <ds:datastoreItem xmlns:ds="http://schemas.openxmlformats.org/officeDocument/2006/customXml" ds:itemID="{F3A8986E-DA64-415A-A390-AF2FFA01BA73}">
   <ds:schemaRefs>
     <ds:schemaRef ds:uri="http://schemas.microsoft.com/office/2006/metadata/contentType"/>
@@ -27287,4 +27279,12 @@
     <ds:schemaRef ds:uri="http://schemas.microsoft.com/internal/obd"/>
   </ds:schemaRefs>
 </ds:datastoreItem>
+</file>
+
+<file path=customXml/itemProps3.xml><?xml version="1.0" encoding="utf-8"?>
+<ds:datastoreItem xmlns:ds="http://schemas.openxmlformats.org/officeDocument/2006/customXml" ds:itemID="{58F3D8C7-1E6F-4D15-8163-ADBC81A00AAD}">
+  <ds:schemaRefs>
+    <ds:schemaRef ds:uri="http://schemas.microsoft.com/sharepoint/v3/contenttype/forms"/>
+  </ds:schemaRefs>
+</ds:datastoreItem>
 </file>
--- a/Documentation/student_risk_presentation.pptx
+++ b/Documentation/student_risk_presentation.pptx
@@ -208,7 +208,7 @@
           <a:p>
             <a:fld id="{0D8968FE-AD3D-444F-B6A8-796D946DC3A6}" type="datetimeFigureOut">
               <a:rPr lang="en-US" smtClean="0"/>
-              <a:t>10/13/2021</a:t>
+              <a:t>10/14/2021</a:t>
             </a:fld>
             <a:endParaRPr lang="en-US" dirty="0"/>
           </a:p>
@@ -2052,7 +2052,7 @@
           <a:p>
             <a:fld id="{198E66DD-51B1-4BF7-9539-DEA51BFAEFD8}" type="datetime1">
               <a:rPr lang="en-US" smtClean="0"/>
-              <a:t>10/13/2021</a:t>
+              <a:t>10/14/2021</a:t>
             </a:fld>
             <a:endParaRPr lang="en-US" dirty="0"/>
           </a:p>
@@ -3506,7 +3506,7 @@
           <a:p>
             <a:fld id="{827A6260-7573-4697-9E59-AA19A1D5C255}" type="datetime1">
               <a:rPr lang="en-US" smtClean="0"/>
-              <a:t>10/13/2021</a:t>
+              <a:t>10/14/2021</a:t>
             </a:fld>
             <a:endParaRPr lang="en-US" dirty="0"/>
           </a:p>
@@ -4954,7 +4954,7 @@
           <a:p>
             <a:fld id="{AB049DE4-AD7B-432F-9E35-775F5F8CC6AD}" type="datetime1">
               <a:rPr lang="en-US" smtClean="0"/>
-              <a:t>10/13/2021</a:t>
+              <a:t>10/14/2021</a:t>
             </a:fld>
             <a:endParaRPr lang="en-US" dirty="0"/>
           </a:p>
@@ -6404,7 +6404,7 @@
           <a:p>
             <a:fld id="{CED204F4-028A-4A36-B306-1FBAFF258B24}" type="datetime1">
               <a:rPr lang="en-US" smtClean="0"/>
-              <a:t>10/13/2021</a:t>
+              <a:t>10/14/2021</a:t>
             </a:fld>
             <a:endParaRPr lang="en-US" dirty="0"/>
           </a:p>
@@ -7907,7 +7907,7 @@
           <a:p>
             <a:fld id="{A7569E6D-812C-4C70-BB51-98F32992DB43}" type="datetime1">
               <a:rPr lang="en-US" smtClean="0"/>
-              <a:t>10/13/2021</a:t>
+              <a:t>10/14/2021</a:t>
             </a:fld>
             <a:endParaRPr lang="en-US" dirty="0"/>
           </a:p>
@@ -9423,7 +9423,7 @@
           <a:p>
             <a:fld id="{F10287DF-640A-4181-8B82-4913718EF244}" type="datetime1">
               <a:rPr lang="en-US" smtClean="0"/>
-              <a:t>10/13/2021</a:t>
+              <a:t>10/14/2021</a:t>
             </a:fld>
             <a:endParaRPr lang="en-US" dirty="0"/>
           </a:p>
@@ -11083,7 +11083,7 @@
           <a:p>
             <a:fld id="{C74BE3E1-3173-4AB6-90EF-CE84B9FBD77E}" type="datetime1">
               <a:rPr lang="en-US" smtClean="0"/>
-              <a:t>10/13/2021</a:t>
+              <a:t>10/14/2021</a:t>
             </a:fld>
             <a:endParaRPr lang="en-US" dirty="0"/>
           </a:p>
@@ -12476,7 +12476,7 @@
           <a:p>
             <a:fld id="{CE46D357-68ED-48AA-AC18-9CC27DEA9490}" type="datetime1">
               <a:rPr lang="en-US" smtClean="0"/>
-              <a:t>10/13/2021</a:t>
+              <a:t>10/14/2021</a:t>
             </a:fld>
             <a:endParaRPr lang="en-US" dirty="0"/>
           </a:p>
@@ -12571,7 +12571,7 @@
           <a:p>
             <a:fld id="{ACC8BAEE-D0AF-4323-A024-1416F995B386}" type="datetime1">
               <a:rPr lang="en-US" smtClean="0"/>
-              <a:t>10/13/2021</a:t>
+              <a:t>10/14/2021</a:t>
             </a:fld>
             <a:endParaRPr lang="en-US" dirty="0"/>
           </a:p>
@@ -14092,7 +14092,7 @@
           <a:p>
             <a:fld id="{CD36E0D4-CA65-4DD1-8546-2CC4E75B8B9D}" type="datetime1">
               <a:rPr lang="en-US" smtClean="0"/>
-              <a:t>10/13/2021</a:t>
+              <a:t>10/14/2021</a:t>
             </a:fld>
             <a:endParaRPr lang="en-US" dirty="0"/>
           </a:p>
@@ -15623,7 +15623,7 @@
           <a:p>
             <a:fld id="{C19DEFE7-E1FA-4CA7-8A5A-F9AB210CE638}" type="datetime1">
               <a:rPr lang="en-US" smtClean="0"/>
-              <a:t>10/13/2021</a:t>
+              <a:t>10/14/2021</a:t>
             </a:fld>
             <a:endParaRPr lang="en-US" dirty="0"/>
           </a:p>
@@ -15841,7 +15841,7 @@
           <a:p>
             <a:fld id="{FD1E3FCC-785C-4EC4-B782-9133218B75DD}" type="datetime1">
               <a:rPr lang="en-US" smtClean="0"/>
-              <a:t>10/13/2021</a:t>
+              <a:t>10/14/2021</a:t>
             </a:fld>
             <a:endParaRPr lang="en-US" dirty="0"/>
           </a:p>
@@ -20187,7 +20187,7 @@
               <a:rPr lang="en-US" sz="3200" dirty="0">
                 <a:latin typeface="Bahnschrift Light Condensed" panose="020B0502040204020203" pitchFamily="34" charset="0"/>
               </a:rPr>
-              <a:t>Terminology Alert!*</a:t>
+              <a:t>Terminology alert!*</a:t>
             </a:r>
           </a:p>
         </p:txBody>
@@ -27026,6 +27026,15 @@
 </file>
 
 <file path=customXml/item2.xml><?xml version="1.0" encoding="utf-8"?>
+<?mso-contentType ?>
+<FormTemplates xmlns="http://schemas.microsoft.com/sharepoint/v3/contenttype/forms">
+  <Display>DocumentLibraryForm</Display>
+  <Edit>DocumentLibraryForm</Edit>
+  <New>DocumentLibraryForm</New>
+</FormTemplates>
+</file>
+
+<file path=customXml/item3.xml><?xml version="1.0" encoding="utf-8"?>
 <ct:contentTypeSchema xmlns:ct="http://schemas.microsoft.com/office/2006/metadata/contentType" xmlns:ma="http://schemas.microsoft.com/office/2006/metadata/properties/metaAttributes" ct:_="" ma:_="" ma:contentTypeName="Document" ma:contentTypeID="0x01010079F111ED35F8CC479449609E8A0923A6" ma:contentTypeVersion="11" ma:contentTypeDescription="Create a new document." ma:contentTypeScope="" ma:versionID="9677210f24a1be23c92c90fd886aa0aa">
   <xsd:schema xmlns:xsd="http://www.w3.org/2001/XMLSchema" xmlns:xs="http://www.w3.org/2001/XMLSchema" xmlns:p="http://schemas.microsoft.com/office/2006/metadata/properties" xmlns:ns2="71af3243-3dd4-4a8d-8c0d-dd76da1f02a5" xmlns:ns3="16c05727-aa75-4e4a-9b5f-8a80a1165891" targetNamespace="http://schemas.microsoft.com/office/2006/metadata/properties" ma:root="true" ma:fieldsID="60e05723c5c1908df1a1a4ebf11d344e" ns2:_="" ns3:_="">
     <xsd:import namespace="71af3243-3dd4-4a8d-8c0d-dd76da1f02a5"/>
@@ -27236,15 +27245,6 @@
 </ct:contentTypeSchema>
 </file>
 
-<file path=customXml/item3.xml><?xml version="1.0" encoding="utf-8"?>
-<?mso-contentType ?>
-<FormTemplates xmlns="http://schemas.microsoft.com/sharepoint/v3/contenttype/forms">
-  <Display>DocumentLibraryForm</Display>
-  <Edit>DocumentLibraryForm</Edit>
-  <New>DocumentLibraryForm</New>
-</FormTemplates>
-</file>
-
 <file path=customXml/itemProps1.xml><?xml version="1.0" encoding="utf-8"?>
 <ds:datastoreItem xmlns:ds="http://schemas.openxmlformats.org/officeDocument/2006/customXml" ds:itemID="{AD24716F-C831-4AC2-BB0A-5EC60E4671B3}">
   <ds:schemaRefs>
@@ -27263,6 +27263,14 @@
 </file>
 
 <file path=customXml/itemProps2.xml><?xml version="1.0" encoding="utf-8"?>
+<ds:datastoreItem xmlns:ds="http://schemas.openxmlformats.org/officeDocument/2006/customXml" ds:itemID="{58F3D8C7-1E6F-4D15-8163-ADBC81A00AAD}">
+  <ds:schemaRefs>
+    <ds:schemaRef ds:uri="http://schemas.microsoft.com/sharepoint/v3/contenttype/forms"/>
+  </ds:schemaRefs>
+</ds:datastoreItem>
+</file>
+
+<file path=customXml/itemProps3.xml><?xml version="1.0" encoding="utf-8"?>
 <ds:datastoreItem xmlns:ds="http://schemas.openxmlformats.org/officeDocument/2006/customXml" ds:itemID="{F3A8986E-DA64-415A-A390-AF2FFA01BA73}">
   <ds:schemaRefs>
     <ds:schemaRef ds:uri="http://schemas.microsoft.com/office/2006/metadata/contentType"/>
@@ -27279,12 +27287,4 @@
     <ds:schemaRef ds:uri="http://schemas.microsoft.com/internal/obd"/>
   </ds:schemaRefs>
 </ds:datastoreItem>
-</file>
-
-<file path=customXml/itemProps3.xml><?xml version="1.0" encoding="utf-8"?>
-<ds:datastoreItem xmlns:ds="http://schemas.openxmlformats.org/officeDocument/2006/customXml" ds:itemID="{58F3D8C7-1E6F-4D15-8163-ADBC81A00AAD}">
-  <ds:schemaRefs>
-    <ds:schemaRef ds:uri="http://schemas.microsoft.com/sharepoint/v3/contenttype/forms"/>
-  </ds:schemaRefs>
-</ds:datastoreItem>
 </file>
--- a/Documentation/student_risk_presentation.pptx
+++ b/Documentation/student_risk_presentation.pptx
@@ -208,7 +208,7 @@
           <a:p>
             <a:fld id="{0D8968FE-AD3D-444F-B6A8-796D946DC3A6}" type="datetimeFigureOut">
               <a:rPr lang="en-US" smtClean="0"/>
-              <a:t>10/14/2021</a:t>
+              <a:t>12/9/2021</a:t>
             </a:fld>
             <a:endParaRPr lang="en-US" dirty="0"/>
           </a:p>
@@ -2052,7 +2052,7 @@
           <a:p>
             <a:fld id="{198E66DD-51B1-4BF7-9539-DEA51BFAEFD8}" type="datetime1">
               <a:rPr lang="en-US" smtClean="0"/>
-              <a:t>10/14/2021</a:t>
+              <a:t>12/9/2021</a:t>
             </a:fld>
             <a:endParaRPr lang="en-US" dirty="0"/>
           </a:p>
@@ -3506,7 +3506,7 @@
           <a:p>
             <a:fld id="{827A6260-7573-4697-9E59-AA19A1D5C255}" type="datetime1">
               <a:rPr lang="en-US" smtClean="0"/>
-              <a:t>10/14/2021</a:t>
+              <a:t>12/9/2021</a:t>
             </a:fld>
             <a:endParaRPr lang="en-US" dirty="0"/>
           </a:p>
@@ -4954,7 +4954,7 @@
           <a:p>
             <a:fld id="{AB049DE4-AD7B-432F-9E35-775F5F8CC6AD}" type="datetime1">
               <a:rPr lang="en-US" smtClean="0"/>
-              <a:t>10/14/2021</a:t>
+              <a:t>12/9/2021</a:t>
             </a:fld>
             <a:endParaRPr lang="en-US" dirty="0"/>
           </a:p>
@@ -6404,7 +6404,7 @@
           <a:p>
             <a:fld id="{CED204F4-028A-4A36-B306-1FBAFF258B24}" type="datetime1">
               <a:rPr lang="en-US" smtClean="0"/>
-              <a:t>10/14/2021</a:t>
+              <a:t>12/9/2021</a:t>
             </a:fld>
             <a:endParaRPr lang="en-US" dirty="0"/>
           </a:p>
@@ -7907,7 +7907,7 @@
           <a:p>
             <a:fld id="{A7569E6D-812C-4C70-BB51-98F32992DB43}" type="datetime1">
               <a:rPr lang="en-US" smtClean="0"/>
-              <a:t>10/14/2021</a:t>
+              <a:t>12/9/2021</a:t>
             </a:fld>
             <a:endParaRPr lang="en-US" dirty="0"/>
           </a:p>
@@ -9423,7 +9423,7 @@
           <a:p>
             <a:fld id="{F10287DF-640A-4181-8B82-4913718EF244}" type="datetime1">
               <a:rPr lang="en-US" smtClean="0"/>
-              <a:t>10/14/2021</a:t>
+              <a:t>12/9/2021</a:t>
             </a:fld>
             <a:endParaRPr lang="en-US" dirty="0"/>
           </a:p>
@@ -11083,7 +11083,7 @@
           <a:p>
             <a:fld id="{C74BE3E1-3173-4AB6-90EF-CE84B9FBD77E}" type="datetime1">
               <a:rPr lang="en-US" smtClean="0"/>
-              <a:t>10/14/2021</a:t>
+              <a:t>12/9/2021</a:t>
             </a:fld>
             <a:endParaRPr lang="en-US" dirty="0"/>
           </a:p>
@@ -12476,7 +12476,7 @@
           <a:p>
             <a:fld id="{CE46D357-68ED-48AA-AC18-9CC27DEA9490}" type="datetime1">
               <a:rPr lang="en-US" smtClean="0"/>
-              <a:t>10/14/2021</a:t>
+              <a:t>12/9/2021</a:t>
             </a:fld>
             <a:endParaRPr lang="en-US" dirty="0"/>
           </a:p>
@@ -12571,7 +12571,7 @@
           <a:p>
             <a:fld id="{ACC8BAEE-D0AF-4323-A024-1416F995B386}" type="datetime1">
               <a:rPr lang="en-US" smtClean="0"/>
-              <a:t>10/14/2021</a:t>
+              <a:t>12/9/2021</a:t>
             </a:fld>
             <a:endParaRPr lang="en-US" dirty="0"/>
           </a:p>
@@ -14092,7 +14092,7 @@
           <a:p>
             <a:fld id="{CD36E0D4-CA65-4DD1-8546-2CC4E75B8B9D}" type="datetime1">
               <a:rPr lang="en-US" smtClean="0"/>
-              <a:t>10/14/2021</a:t>
+              <a:t>12/9/2021</a:t>
             </a:fld>
             <a:endParaRPr lang="en-US" dirty="0"/>
           </a:p>
@@ -15623,7 +15623,7 @@
           <a:p>
             <a:fld id="{C19DEFE7-E1FA-4CA7-8A5A-F9AB210CE638}" type="datetime1">
               <a:rPr lang="en-US" smtClean="0"/>
-              <a:t>10/14/2021</a:t>
+              <a:t>12/9/2021</a:t>
             </a:fld>
             <a:endParaRPr lang="en-US" dirty="0"/>
           </a:p>
@@ -15841,7 +15841,7 @@
           <a:p>
             <a:fld id="{FD1E3FCC-785C-4EC4-B782-9133218B75DD}" type="datetime1">
               <a:rPr lang="en-US" smtClean="0"/>
-              <a:t>10/14/2021</a:t>
+              <a:t>12/9/2021</a:t>
             </a:fld>
             <a:endParaRPr lang="en-US" dirty="0"/>
           </a:p>
@@ -18726,7 +18726,19 @@
               <a:rPr lang="en-US" dirty="0">
                 <a:latin typeface="Bahnschrift Light Condensed" panose="020B0502040204020203" pitchFamily="34" charset="0"/>
               </a:rPr>
-              <a:t>MLP, new variables, and the data unknowns</a:t>
+              <a:t>MLP, new variables, </a:t>
+            </a:r>
+            <a:r>
+              <a:rPr lang="en-US">
+                <a:latin typeface="Bahnschrift Light Condensed" panose="020B0502040204020203" pitchFamily="34" charset="0"/>
+              </a:rPr>
+              <a:t>new outcomes, </a:t>
+            </a:r>
+            <a:r>
+              <a:rPr lang="en-US" dirty="0">
+                <a:latin typeface="Bahnschrift Light Condensed" panose="020B0502040204020203" pitchFamily="34" charset="0"/>
+              </a:rPr>
+              <a:t>and the data unknowns</a:t>
             </a:r>
           </a:p>
         </p:txBody>
@@ -27026,15 +27038,6 @@
 </file>
 
 <file path=customXml/item2.xml><?xml version="1.0" encoding="utf-8"?>
-<?mso-contentType ?>
-<FormTemplates xmlns="http://schemas.microsoft.com/sharepoint/v3/contenttype/forms">
-  <Display>DocumentLibraryForm</Display>
-  <Edit>DocumentLibraryForm</Edit>
-  <New>DocumentLibraryForm</New>
-</FormTemplates>
-</file>
-
-<file path=customXml/item3.xml><?xml version="1.0" encoding="utf-8"?>
 <ct:contentTypeSchema xmlns:ct="http://schemas.microsoft.com/office/2006/metadata/contentType" xmlns:ma="http://schemas.microsoft.com/office/2006/metadata/properties/metaAttributes" ct:_="" ma:_="" ma:contentTypeName="Document" ma:contentTypeID="0x01010079F111ED35F8CC479449609E8A0923A6" ma:contentTypeVersion="11" ma:contentTypeDescription="Create a new document." ma:contentTypeScope="" ma:versionID="9677210f24a1be23c92c90fd886aa0aa">
   <xsd:schema xmlns:xsd="http://www.w3.org/2001/XMLSchema" xmlns:xs="http://www.w3.org/2001/XMLSchema" xmlns:p="http://schemas.microsoft.com/office/2006/metadata/properties" xmlns:ns2="71af3243-3dd4-4a8d-8c0d-dd76da1f02a5" xmlns:ns3="16c05727-aa75-4e4a-9b5f-8a80a1165891" targetNamespace="http://schemas.microsoft.com/office/2006/metadata/properties" ma:root="true" ma:fieldsID="60e05723c5c1908df1a1a4ebf11d344e" ns2:_="" ns3:_="">
     <xsd:import namespace="71af3243-3dd4-4a8d-8c0d-dd76da1f02a5"/>
@@ -27245,6 +27248,15 @@
 </ct:contentTypeSchema>
 </file>
 
+<file path=customXml/item3.xml><?xml version="1.0" encoding="utf-8"?>
+<?mso-contentType ?>
+<FormTemplates xmlns="http://schemas.microsoft.com/sharepoint/v3/contenttype/forms">
+  <Display>DocumentLibraryForm</Display>
+  <Edit>DocumentLibraryForm</Edit>
+  <New>DocumentLibraryForm</New>
+</FormTemplates>
+</file>
+
 <file path=customXml/itemProps1.xml><?xml version="1.0" encoding="utf-8"?>
 <ds:datastoreItem xmlns:ds="http://schemas.openxmlformats.org/officeDocument/2006/customXml" ds:itemID="{AD24716F-C831-4AC2-BB0A-5EC60E4671B3}">
   <ds:schemaRefs>
@@ -27263,14 +27275,6 @@
 </file>
 
 <file path=customXml/itemProps2.xml><?xml version="1.0" encoding="utf-8"?>
-<ds:datastoreItem xmlns:ds="http://schemas.openxmlformats.org/officeDocument/2006/customXml" ds:itemID="{58F3D8C7-1E6F-4D15-8163-ADBC81A00AAD}">
-  <ds:schemaRefs>
-    <ds:schemaRef ds:uri="http://schemas.microsoft.com/sharepoint/v3/contenttype/forms"/>
-  </ds:schemaRefs>
-</ds:datastoreItem>
-</file>
-
-<file path=customXml/itemProps3.xml><?xml version="1.0" encoding="utf-8"?>
 <ds:datastoreItem xmlns:ds="http://schemas.openxmlformats.org/officeDocument/2006/customXml" ds:itemID="{F3A8986E-DA64-415A-A390-AF2FFA01BA73}">
   <ds:schemaRefs>
     <ds:schemaRef ds:uri="http://schemas.microsoft.com/office/2006/metadata/contentType"/>
@@ -27287,4 +27291,12 @@
     <ds:schemaRef ds:uri="http://schemas.microsoft.com/internal/obd"/>
   </ds:schemaRefs>
 </ds:datastoreItem>
+</file>
+
+<file path=customXml/itemProps3.xml><?xml version="1.0" encoding="utf-8"?>
+<ds:datastoreItem xmlns:ds="http://schemas.openxmlformats.org/officeDocument/2006/customXml" ds:itemID="{58F3D8C7-1E6F-4D15-8163-ADBC81A00AAD}">
+  <ds:schemaRefs>
+    <ds:schemaRef ds:uri="http://schemas.microsoft.com/sharepoint/v3/contenttype/forms"/>
+  </ds:schemaRefs>
+</ds:datastoreItem>
 </file>
--- a/Documentation/student_risk_presentation.pptx
+++ b/Documentation/student_risk_presentation.pptx
@@ -208,7 +208,7 @@
           <a:p>
             <a:fld id="{0D8968FE-AD3D-444F-B6A8-796D946DC3A6}" type="datetimeFigureOut">
               <a:rPr lang="en-US" smtClean="0"/>
-              <a:t>12/9/2021</a:t>
+              <a:t>7/13/2022</a:t>
             </a:fld>
             <a:endParaRPr lang="en-US" dirty="0"/>
           </a:p>
@@ -2052,7 +2052,7 @@
           <a:p>
             <a:fld id="{198E66DD-51B1-4BF7-9539-DEA51BFAEFD8}" type="datetime1">
               <a:rPr lang="en-US" smtClean="0"/>
-              <a:t>12/9/2021</a:t>
+              <a:t>7/13/2022</a:t>
             </a:fld>
             <a:endParaRPr lang="en-US" dirty="0"/>
           </a:p>
@@ -3506,7 +3506,7 @@
           <a:p>
             <a:fld id="{827A6260-7573-4697-9E59-AA19A1D5C255}" type="datetime1">
               <a:rPr lang="en-US" smtClean="0"/>
-              <a:t>12/9/2021</a:t>
+              <a:t>7/13/2022</a:t>
             </a:fld>
             <a:endParaRPr lang="en-US" dirty="0"/>
           </a:p>
@@ -4954,7 +4954,7 @@
           <a:p>
             <a:fld id="{AB049DE4-AD7B-432F-9E35-775F5F8CC6AD}" type="datetime1">
               <a:rPr lang="en-US" smtClean="0"/>
-              <a:t>12/9/2021</a:t>
+              <a:t>7/13/2022</a:t>
             </a:fld>
             <a:endParaRPr lang="en-US" dirty="0"/>
           </a:p>
@@ -6404,7 +6404,7 @@
           <a:p>
             <a:fld id="{CED204F4-028A-4A36-B306-1FBAFF258B24}" type="datetime1">
               <a:rPr lang="en-US" smtClean="0"/>
-              <a:t>12/9/2021</a:t>
+              <a:t>7/13/2022</a:t>
             </a:fld>
             <a:endParaRPr lang="en-US" dirty="0"/>
           </a:p>
@@ -7907,7 +7907,7 @@
           <a:p>
             <a:fld id="{A7569E6D-812C-4C70-BB51-98F32992DB43}" type="datetime1">
               <a:rPr lang="en-US" smtClean="0"/>
-              <a:t>12/9/2021</a:t>
+              <a:t>7/13/2022</a:t>
             </a:fld>
             <a:endParaRPr lang="en-US" dirty="0"/>
           </a:p>
@@ -9423,7 +9423,7 @@
           <a:p>
             <a:fld id="{F10287DF-640A-4181-8B82-4913718EF244}" type="datetime1">
               <a:rPr lang="en-US" smtClean="0"/>
-              <a:t>12/9/2021</a:t>
+              <a:t>7/13/2022</a:t>
             </a:fld>
             <a:endParaRPr lang="en-US" dirty="0"/>
           </a:p>
@@ -11083,7 +11083,7 @@
           <a:p>
             <a:fld id="{C74BE3E1-3173-4AB6-90EF-CE84B9FBD77E}" type="datetime1">
               <a:rPr lang="en-US" smtClean="0"/>
-              <a:t>12/9/2021</a:t>
+              <a:t>7/13/2022</a:t>
             </a:fld>
             <a:endParaRPr lang="en-US" dirty="0"/>
           </a:p>
@@ -12476,7 +12476,7 @@
           <a:p>
             <a:fld id="{CE46D357-68ED-48AA-AC18-9CC27DEA9490}" type="datetime1">
               <a:rPr lang="en-US" smtClean="0"/>
-              <a:t>12/9/2021</a:t>
+              <a:t>7/13/2022</a:t>
             </a:fld>
             <a:endParaRPr lang="en-US" dirty="0"/>
           </a:p>
@@ -12571,7 +12571,7 @@
           <a:p>
             <a:fld id="{ACC8BAEE-D0AF-4323-A024-1416F995B386}" type="datetime1">
               <a:rPr lang="en-US" smtClean="0"/>
-              <a:t>12/9/2021</a:t>
+              <a:t>7/13/2022</a:t>
             </a:fld>
             <a:endParaRPr lang="en-US" dirty="0"/>
           </a:p>
@@ -14092,7 +14092,7 @@
           <a:p>
             <a:fld id="{CD36E0D4-CA65-4DD1-8546-2CC4E75B8B9D}" type="datetime1">
               <a:rPr lang="en-US" smtClean="0"/>
-              <a:t>12/9/2021</a:t>
+              <a:t>7/13/2022</a:t>
             </a:fld>
             <a:endParaRPr lang="en-US" dirty="0"/>
           </a:p>
@@ -15623,7 +15623,7 @@
           <a:p>
             <a:fld id="{C19DEFE7-E1FA-4CA7-8A5A-F9AB210CE638}" type="datetime1">
               <a:rPr lang="en-US" smtClean="0"/>
-              <a:t>12/9/2021</a:t>
+              <a:t>7/13/2022</a:t>
             </a:fld>
             <a:endParaRPr lang="en-US" dirty="0"/>
           </a:p>
@@ -15841,7 +15841,7 @@
           <a:p>
             <a:fld id="{FD1E3FCC-785C-4EC4-B782-9133218B75DD}" type="datetime1">
               <a:rPr lang="en-US" smtClean="0"/>
-              <a:t>12/9/2021</a:t>
+              <a:t>7/13/2022</a:t>
             </a:fld>
             <a:endParaRPr lang="en-US" dirty="0"/>
           </a:p>
@@ -18914,14 +18914,16 @@
       </p:grpSpPr>
       <p:sp>
         <p:nvSpPr>
-          <p:cNvPr id="2" name="TextBox 1"/>
+          <p:cNvPr id="2" name="TextBox 1">
+            <a:hlinkClick r:id="rId2"/>
+          </p:cNvPr>
           <p:cNvSpPr txBox="1"/>
           <p:nvPr/>
         </p:nvSpPr>
         <p:spPr>
           <a:xfrm>
-            <a:off x="603920" y="3167390"/>
-            <a:ext cx="10984161" cy="523220"/>
+            <a:off x="1441016" y="3076089"/>
+            <a:ext cx="9308959" cy="461665"/>
           </a:xfrm>
           <a:prstGeom prst="rect">
             <a:avLst/>
@@ -18935,12 +18937,12 @@
           <a:lstStyle/>
           <a:p>
             <a:r>
-              <a:rPr lang="en-US" sz="2800" dirty="0">
+              <a:rPr lang="en-US" sz="2400">
                 <a:hlinkClick r:id="rId2"/>
               </a:rPr>
-              <a:t>https://wsuaacprodoac-wsucloud.analytics.ocp.oraclecloud.com/</a:t>
+              <a:t>https://wsuaacprodoac-wsucloud.analytics.ocp.oraclecloud.com</a:t>
             </a:r>
-            <a:endParaRPr lang="en-US" sz="2800" dirty="0"/>
+            <a:endParaRPr lang="en-US" sz="2400" dirty="0"/>
           </a:p>
         </p:txBody>
       </p:sp>
@@ -19701,7 +19703,7 @@
         </p:spPr>
         <p:txBody>
           <a:bodyPr>
-            <a:normAutofit lnSpcReduction="10000"/>
+            <a:normAutofit fontScale="92500" lnSpcReduction="20000"/>
           </a:bodyPr>
           <a:lstStyle/>
           <a:p>
@@ -19710,7 +19712,7 @@
             </a:pPr>
             <a:r>
               <a:rPr lang="en-US" dirty="0"/>
-              <a:t>Problem: How do we predict the risk of withdrawal in     the first year?</a:t>
+              <a:t>Problem: How do we predict the risk of withdrawal in the first year?</a:t>
             </a:r>
           </a:p>
           <a:p>
@@ -19746,7 +19748,7 @@
             </a:pPr>
             <a:r>
               <a:rPr lang="en-US" dirty="0"/>
-              <a:t>For our proof of concept, the population of interest is          full-time Pullman freshmen in the 2021 academic year.</a:t>
+              <a:t>For this presentation, the population of interest is full-time freshmen for Pullman in the 2022 academic year. But this is expanded to domestic full-time freshmen and transfers for all campuses in our production models.</a:t>
             </a:r>
           </a:p>
         </p:txBody>
@@ -25710,9 +25712,9 @@
         <p:grpSpPr>
           <a:xfrm>
             <a:off x="934344" y="1212447"/>
-            <a:ext cx="10321812" cy="4413528"/>
+            <a:ext cx="10544962" cy="4374265"/>
             <a:chOff x="945780" y="1325308"/>
-            <a:chExt cx="10321812" cy="4413528"/>
+            <a:chExt cx="10544962" cy="4374265"/>
           </a:xfrm>
         </p:grpSpPr>
         <p:grpSp>
@@ -25738,21 +25740,15 @@
               <p:nvPr/>
             </p:nvPicPr>
             <p:blipFill>
-              <a:blip r:embed="rId2">
-                <a:extLst>
-                  <a:ext uri="{28A0092B-C50C-407E-A947-70E740481C1C}">
-                    <a14:useLocalDpi xmlns:a14="http://schemas.microsoft.com/office/drawing/2010/main" val="0"/>
-                  </a:ext>
-                </a:extLst>
-              </a:blip>
+              <a:blip r:embed="rId2"/>
               <a:stretch>
                 <a:fillRect/>
               </a:stretch>
             </p:blipFill>
             <p:spPr>
               <a:xfrm>
-                <a:off x="7221217" y="1802333"/>
-                <a:ext cx="3425547" cy="2323476"/>
+                <a:off x="7221217" y="1827558"/>
+                <a:ext cx="3425547" cy="2273026"/>
               </a:xfrm>
               <a:prstGeom prst="rect">
                 <a:avLst/>
@@ -25918,8 +25914,8 @@
           </p:nvSpPr>
           <p:spPr>
             <a:xfrm rot="426955">
-              <a:off x="6213611" y="5029327"/>
-              <a:ext cx="5053981" cy="709509"/>
+              <a:off x="5802858" y="4990064"/>
+              <a:ext cx="5687884" cy="709509"/>
             </a:xfrm>
             <a:prstGeom prst="wedgeRoundRectCallout">
               <a:avLst>
@@ -25966,7 +25962,7 @@
                 <a:rPr lang="en-US" sz="3200" dirty="0">
                   <a:latin typeface="Bahnschrift Light Condensed" panose="020B0502040204020203" pitchFamily="34" charset="0"/>
                 </a:rPr>
-                <a:t> … good (</a:t>
+                <a:t> … excellent (</a:t>
               </a:r>
               <a:r>
                 <a:rPr lang="en-US" sz="3200" dirty="0" err="1">
@@ -25992,9 +25988,9 @@
           <p:grpSpPr>
             <a:xfrm>
               <a:off x="1195814" y="2700188"/>
-              <a:ext cx="3758703" cy="2956114"/>
+              <a:ext cx="3707855" cy="2956114"/>
               <a:chOff x="1583164" y="2786251"/>
-              <a:chExt cx="3758703" cy="2956114"/>
+              <a:chExt cx="3707855" cy="2956114"/>
             </a:xfrm>
           </p:grpSpPr>
           <p:grpSp>
@@ -26006,9 +26002,9 @@
             <p:grpSpPr>
               <a:xfrm>
                 <a:off x="1583164" y="2786251"/>
-                <a:ext cx="3758703" cy="2956114"/>
+                <a:ext cx="3684691" cy="2956114"/>
                 <a:chOff x="1400915" y="3031540"/>
-                <a:chExt cx="3758703" cy="2956114"/>
+                <a:chExt cx="3684691" cy="2956114"/>
               </a:xfrm>
             </p:grpSpPr>
             <p:pic>
@@ -26020,21 +26016,15 @@
                 <p:nvPr/>
               </p:nvPicPr>
               <p:blipFill>
-                <a:blip r:embed="rId3">
-                  <a:extLst>
-                    <a:ext uri="{28A0092B-C50C-407E-A947-70E740481C1C}">
-                      <a14:useLocalDpi xmlns:a14="http://schemas.microsoft.com/office/drawing/2010/main" val="0"/>
-                    </a:ext>
-                  </a:extLst>
-                </a:blip>
+                <a:blip r:embed="rId3"/>
                 <a:stretch>
                   <a:fillRect/>
                 </a:stretch>
               </p:blipFill>
               <p:spPr>
                 <a:xfrm>
-                  <a:off x="1677914" y="3387179"/>
-                  <a:ext cx="3481704" cy="2323475"/>
+                  <a:off x="1751925" y="3387179"/>
+                  <a:ext cx="3333681" cy="2323475"/>
                 </a:xfrm>
                 <a:prstGeom prst="rect">
                   <a:avLst/>
@@ -26138,7 +26128,7 @@
             <p:spPr>
               <a:xfrm>
                 <a:off x="4595107" y="5026394"/>
-                <a:ext cx="746760" cy="215444"/>
+                <a:ext cx="695912" cy="215444"/>
               </a:xfrm>
               <a:prstGeom prst="rect">
                 <a:avLst/>
@@ -26157,7 +26147,7 @@
                     <a:ea typeface="Arial Unicode MS" panose="020B0604020202020204" pitchFamily="34" charset="-128"/>
                     <a:cs typeface="Arial Unicode MS" panose="020B0604020202020204" pitchFamily="34" charset="-128"/>
                   </a:rPr>
-                  <a:t>.8403 AUC</a:t>
+                  <a:t>.9140 AUC</a:t>
                 </a:r>
               </a:p>
             </p:txBody>
@@ -27030,11 +27020,12 @@
 </file>
 
 <file path=customXml/item1.xml><?xml version="1.0" encoding="utf-8"?>
-<p:properties xmlns:p="http://schemas.microsoft.com/office/2006/metadata/properties" xmlns:xsi="http://www.w3.org/2001/XMLSchema-instance" xmlns:pc="http://schemas.microsoft.com/office/infopath/2007/PartnerControls">
-  <documentManagement>
-    <MediaServiceKeyPoints xmlns="71af3243-3dd4-4a8d-8c0d-dd76da1f02a5" xsi:nil="true"/>
-  </documentManagement>
-</p:properties>
+<?mso-contentType ?>
+<FormTemplates xmlns="http://schemas.microsoft.com/sharepoint/v3/contenttype/forms">
+  <Display>DocumentLibraryForm</Display>
+  <Edit>DocumentLibraryForm</Edit>
+  <New>DocumentLibraryForm</New>
+</FormTemplates>
 </file>
 
 <file path=customXml/item2.xml><?xml version="1.0" encoding="utf-8"?>
@@ -27249,27 +27240,17 @@
 </file>
 
 <file path=customXml/item3.xml><?xml version="1.0" encoding="utf-8"?>
-<?mso-contentType ?>
-<FormTemplates xmlns="http://schemas.microsoft.com/sharepoint/v3/contenttype/forms">
-  <Display>DocumentLibraryForm</Display>
-  <Edit>DocumentLibraryForm</Edit>
-  <New>DocumentLibraryForm</New>
-</FormTemplates>
+<p:properties xmlns:p="http://schemas.microsoft.com/office/2006/metadata/properties" xmlns:xsi="http://www.w3.org/2001/XMLSchema-instance" xmlns:pc="http://schemas.microsoft.com/office/infopath/2007/PartnerControls">
+  <documentManagement>
+    <MediaServiceKeyPoints xmlns="71af3243-3dd4-4a8d-8c0d-dd76da1f02a5" xsi:nil="true"/>
+  </documentManagement>
+</p:properties>
 </file>
 
 <file path=customXml/itemProps1.xml><?xml version="1.0" encoding="utf-8"?>
-<ds:datastoreItem xmlns:ds="http://schemas.openxmlformats.org/officeDocument/2006/customXml" ds:itemID="{AD24716F-C831-4AC2-BB0A-5EC60E4671B3}">
+<ds:datastoreItem xmlns:ds="http://schemas.openxmlformats.org/officeDocument/2006/customXml" ds:itemID="{58F3D8C7-1E6F-4D15-8163-ADBC81A00AAD}">
   <ds:schemaRefs>
-    <ds:schemaRef ds:uri="http://www.w3.org/XML/1998/namespace"/>
-    <ds:schemaRef ds:uri="http://purl.org/dc/elements/1.1/"/>
-    <ds:schemaRef ds:uri="http://schemas.microsoft.com/office/2006/documentManagement/types"/>
-    <ds:schemaRef ds:uri="16c05727-aa75-4e4a-9b5f-8a80a1165891"/>
-    <ds:schemaRef ds:uri="http://schemas.microsoft.com/office/2006/metadata/properties"/>
-    <ds:schemaRef ds:uri="http://schemas.microsoft.com/office/infopath/2007/PartnerControls"/>
-    <ds:schemaRef ds:uri="71af3243-3dd4-4a8d-8c0d-dd76da1f02a5"/>
-    <ds:schemaRef ds:uri="http://schemas.openxmlformats.org/package/2006/metadata/core-properties"/>
-    <ds:schemaRef ds:uri="http://purl.org/dc/dcmitype/"/>
-    <ds:schemaRef ds:uri="http://purl.org/dc/terms/"/>
+    <ds:schemaRef ds:uri="http://schemas.microsoft.com/sharepoint/v3/contenttype/forms"/>
   </ds:schemaRefs>
 </ds:datastoreItem>
 </file>
@@ -27294,9 +27275,18 @@
 </file>
 
 <file path=customXml/itemProps3.xml><?xml version="1.0" encoding="utf-8"?>
-<ds:datastoreItem xmlns:ds="http://schemas.openxmlformats.org/officeDocument/2006/customXml" ds:itemID="{58F3D8C7-1E6F-4D15-8163-ADBC81A00AAD}">
+<ds:datastoreItem xmlns:ds="http://schemas.openxmlformats.org/officeDocument/2006/customXml" ds:itemID="{AD24716F-C831-4AC2-BB0A-5EC60E4671B3}">
   <ds:schemaRefs>
-    <ds:schemaRef ds:uri="http://schemas.microsoft.com/sharepoint/v3/contenttype/forms"/>
+    <ds:schemaRef ds:uri="http://www.w3.org/XML/1998/namespace"/>
+    <ds:schemaRef ds:uri="http://purl.org/dc/elements/1.1/"/>
+    <ds:schemaRef ds:uri="http://schemas.microsoft.com/office/2006/documentManagement/types"/>
+    <ds:schemaRef ds:uri="16c05727-aa75-4e4a-9b5f-8a80a1165891"/>
+    <ds:schemaRef ds:uri="http://schemas.microsoft.com/office/2006/metadata/properties"/>
+    <ds:schemaRef ds:uri="http://schemas.microsoft.com/office/infopath/2007/PartnerControls"/>
+    <ds:schemaRef ds:uri="71af3243-3dd4-4a8d-8c0d-dd76da1f02a5"/>
+    <ds:schemaRef ds:uri="http://schemas.openxmlformats.org/package/2006/metadata/core-properties"/>
+    <ds:schemaRef ds:uri="http://purl.org/dc/dcmitype/"/>
+    <ds:schemaRef ds:uri="http://purl.org/dc/terms/"/>
   </ds:schemaRefs>
 </ds:datastoreItem>
 </file>
--- a/Documentation/student_risk_presentation.pptx
+++ b/Documentation/student_risk_presentation.pptx
@@ -208,7 +208,7 @@
           <a:p>
             <a:fld id="{0D8968FE-AD3D-444F-B6A8-796D946DC3A6}" type="datetimeFigureOut">
               <a:rPr lang="en-US" smtClean="0"/>
-              <a:t>7/13/2022</a:t>
+              <a:t>8/22/2022</a:t>
             </a:fld>
             <a:endParaRPr lang="en-US" dirty="0"/>
           </a:p>
@@ -2052,7 +2052,7 @@
           <a:p>
             <a:fld id="{198E66DD-51B1-4BF7-9539-DEA51BFAEFD8}" type="datetime1">
               <a:rPr lang="en-US" smtClean="0"/>
-              <a:t>7/13/2022</a:t>
+              <a:t>8/22/2022</a:t>
             </a:fld>
             <a:endParaRPr lang="en-US" dirty="0"/>
           </a:p>
@@ -3506,7 +3506,7 @@
           <a:p>
             <a:fld id="{827A6260-7573-4697-9E59-AA19A1D5C255}" type="datetime1">
               <a:rPr lang="en-US" smtClean="0"/>
-              <a:t>7/13/2022</a:t>
+              <a:t>8/22/2022</a:t>
             </a:fld>
             <a:endParaRPr lang="en-US" dirty="0"/>
           </a:p>
@@ -4954,7 +4954,7 @@
           <a:p>
             <a:fld id="{AB049DE4-AD7B-432F-9E35-775F5F8CC6AD}" type="datetime1">
               <a:rPr lang="en-US" smtClean="0"/>
-              <a:t>7/13/2022</a:t>
+              <a:t>8/22/2022</a:t>
             </a:fld>
             <a:endParaRPr lang="en-US" dirty="0"/>
           </a:p>
@@ -6404,7 +6404,7 @@
           <a:p>
             <a:fld id="{CED204F4-028A-4A36-B306-1FBAFF258B24}" type="datetime1">
               <a:rPr lang="en-US" smtClean="0"/>
-              <a:t>7/13/2022</a:t>
+              <a:t>8/22/2022</a:t>
             </a:fld>
             <a:endParaRPr lang="en-US" dirty="0"/>
           </a:p>
@@ -7907,7 +7907,7 @@
           <a:p>
             <a:fld id="{A7569E6D-812C-4C70-BB51-98F32992DB43}" type="datetime1">
               <a:rPr lang="en-US" smtClean="0"/>
-              <a:t>7/13/2022</a:t>
+              <a:t>8/22/2022</a:t>
             </a:fld>
             <a:endParaRPr lang="en-US" dirty="0"/>
           </a:p>
@@ -9423,7 +9423,7 @@
           <a:p>
             <a:fld id="{F10287DF-640A-4181-8B82-4913718EF244}" type="datetime1">
               <a:rPr lang="en-US" smtClean="0"/>
-              <a:t>7/13/2022</a:t>
+              <a:t>8/22/2022</a:t>
             </a:fld>
             <a:endParaRPr lang="en-US" dirty="0"/>
           </a:p>
@@ -11083,7 +11083,7 @@
           <a:p>
             <a:fld id="{C74BE3E1-3173-4AB6-90EF-CE84B9FBD77E}" type="datetime1">
               <a:rPr lang="en-US" smtClean="0"/>
-              <a:t>7/13/2022</a:t>
+              <a:t>8/22/2022</a:t>
             </a:fld>
             <a:endParaRPr lang="en-US" dirty="0"/>
           </a:p>
@@ -12476,7 +12476,7 @@
           <a:p>
             <a:fld id="{CE46D357-68ED-48AA-AC18-9CC27DEA9490}" type="datetime1">
               <a:rPr lang="en-US" smtClean="0"/>
-              <a:t>7/13/2022</a:t>
+              <a:t>8/22/2022</a:t>
             </a:fld>
             <a:endParaRPr lang="en-US" dirty="0"/>
           </a:p>
@@ -12571,7 +12571,7 @@
           <a:p>
             <a:fld id="{ACC8BAEE-D0AF-4323-A024-1416F995B386}" type="datetime1">
               <a:rPr lang="en-US" smtClean="0"/>
-              <a:t>7/13/2022</a:t>
+              <a:t>8/22/2022</a:t>
             </a:fld>
             <a:endParaRPr lang="en-US" dirty="0"/>
           </a:p>
@@ -14092,7 +14092,7 @@
           <a:p>
             <a:fld id="{CD36E0D4-CA65-4DD1-8546-2CC4E75B8B9D}" type="datetime1">
               <a:rPr lang="en-US" smtClean="0"/>
-              <a:t>7/13/2022</a:t>
+              <a:t>8/22/2022</a:t>
             </a:fld>
             <a:endParaRPr lang="en-US" dirty="0"/>
           </a:p>
@@ -15623,7 +15623,7 @@
           <a:p>
             <a:fld id="{C19DEFE7-E1FA-4CA7-8A5A-F9AB210CE638}" type="datetime1">
               <a:rPr lang="en-US" smtClean="0"/>
-              <a:t>7/13/2022</a:t>
+              <a:t>8/22/2022</a:t>
             </a:fld>
             <a:endParaRPr lang="en-US" dirty="0"/>
           </a:p>
@@ -15841,7 +15841,7 @@
           <a:p>
             <a:fld id="{FD1E3FCC-785C-4EC4-B782-9133218B75DD}" type="datetime1">
               <a:rPr lang="en-US" smtClean="0"/>
-              <a:t>7/13/2022</a:t>
+              <a:t>8/22/2022</a:t>
             </a:fld>
             <a:endParaRPr lang="en-US" dirty="0"/>
           </a:p>
@@ -24278,7 +24278,7 @@
             </a:pPr>
             <a:r>
               <a:rPr lang="en-US" sz="2000" kern="1200" dirty="0"/>
-              <a:t>Multi-layer Perceptron Classifier</a:t>
+              <a:t>Gradient Boosted Classifier</a:t>
             </a:r>
           </a:p>
         </p:txBody>
@@ -25038,509 +25038,8 @@
         </p:nvSpPr>
         <p:spPr>
           <a:xfrm rot="21222613">
-            <a:off x="7897001" y="3591481"/>
-            <a:ext cx="1177424" cy="180520"/>
-          </a:xfrm>
-          <a:prstGeom prst="wedgeRoundRectCallout">
-            <a:avLst/>
-          </a:prstGeom>
-          <a:ln>
-            <a:noFill/>
-          </a:ln>
-        </p:spPr>
-        <p:style>
-          <a:lnRef idx="2">
-            <a:schemeClr val="accent1">
-              <a:shade val="50000"/>
-            </a:schemeClr>
-          </a:lnRef>
-          <a:fillRef idx="1">
-            <a:schemeClr val="accent1"/>
-          </a:fillRef>
-          <a:effectRef idx="0">
-            <a:schemeClr val="accent1"/>
-          </a:effectRef>
-          <a:fontRef idx="minor">
-            <a:schemeClr val="lt1"/>
-          </a:fontRef>
-        </p:style>
-        <p:txBody>
-          <a:bodyPr rtlCol="0" anchor="ctr"/>
-          <a:lstStyle/>
-          <a:p>
-            <a:pPr algn="ctr"/>
-            <a:r>
-              <a:rPr lang="en-US" dirty="0">
-                <a:latin typeface="Bahnschrift Light Condensed" panose="020B0502040204020203" pitchFamily="34" charset="0"/>
-              </a:rPr>
-              <a:t>In the future</a:t>
-            </a:r>
-          </a:p>
-        </p:txBody>
-      </p:sp>
-      <p:grpSp>
-        <p:nvGrpSpPr>
-          <p:cNvPr id="152" name="Group 151"/>
-          <p:cNvGrpSpPr/>
-          <p:nvPr/>
-        </p:nvGrpSpPr>
-        <p:grpSpPr>
-          <a:xfrm>
-            <a:off x="8351952" y="4906785"/>
-            <a:ext cx="282499" cy="352846"/>
-            <a:chOff x="8247204" y="4962370"/>
-            <a:chExt cx="251788" cy="314488"/>
-          </a:xfrm>
-        </p:grpSpPr>
-        <p:cxnSp>
-          <p:nvCxnSpPr>
-            <p:cNvPr id="132" name="Straight Connector 131"/>
-            <p:cNvCxnSpPr/>
-            <p:nvPr/>
-          </p:nvCxnSpPr>
-          <p:spPr>
-            <a:xfrm rot="2100000">
-              <a:off x="8247204" y="5084980"/>
-              <a:ext cx="137160" cy="0"/>
-            </a:xfrm>
-            <a:prstGeom prst="line">
-              <a:avLst/>
-            </a:prstGeom>
-            <a:ln w="25400" cap="rnd">
-              <a:solidFill>
-                <a:schemeClr val="bg1"/>
-              </a:solidFill>
-              <a:round/>
-            </a:ln>
-          </p:spPr>
-          <p:style>
-            <a:lnRef idx="1">
-              <a:schemeClr val="accent1"/>
-            </a:lnRef>
-            <a:fillRef idx="0">
-              <a:schemeClr val="accent1"/>
-            </a:fillRef>
-            <a:effectRef idx="0">
-              <a:schemeClr val="accent1"/>
-            </a:effectRef>
-            <a:fontRef idx="minor">
-              <a:schemeClr val="tx1"/>
-            </a:fontRef>
-          </p:style>
-        </p:cxnSp>
-        <p:cxnSp>
-          <p:nvCxnSpPr>
-            <p:cNvPr id="134" name="Straight Connector 133"/>
-            <p:cNvCxnSpPr/>
-            <p:nvPr/>
-          </p:nvCxnSpPr>
-          <p:spPr>
-            <a:xfrm rot="2100000">
-              <a:off x="8247988" y="5238146"/>
-              <a:ext cx="137160" cy="0"/>
-            </a:xfrm>
-            <a:prstGeom prst="line">
-              <a:avLst/>
-            </a:prstGeom>
-            <a:ln w="25400" cap="rnd">
-              <a:solidFill>
-                <a:schemeClr val="bg1"/>
-              </a:solidFill>
-              <a:round/>
-            </a:ln>
-          </p:spPr>
-          <p:style>
-            <a:lnRef idx="1">
-              <a:schemeClr val="accent1"/>
-            </a:lnRef>
-            <a:fillRef idx="0">
-              <a:schemeClr val="accent1"/>
-            </a:fillRef>
-            <a:effectRef idx="0">
-              <a:schemeClr val="accent1"/>
-            </a:effectRef>
-            <a:fontRef idx="minor">
-              <a:schemeClr val="tx1"/>
-            </a:fontRef>
-          </p:style>
-        </p:cxnSp>
-        <p:cxnSp>
-          <p:nvCxnSpPr>
-            <p:cNvPr id="135" name="Straight Connector 134"/>
-            <p:cNvCxnSpPr/>
-            <p:nvPr/>
-          </p:nvCxnSpPr>
-          <p:spPr>
-            <a:xfrm rot="-2100000">
-              <a:off x="8248245" y="5163653"/>
-              <a:ext cx="137160" cy="0"/>
-            </a:xfrm>
-            <a:prstGeom prst="line">
-              <a:avLst/>
-            </a:prstGeom>
-            <a:ln w="25400" cap="rnd">
-              <a:solidFill>
-                <a:schemeClr val="bg1"/>
-              </a:solidFill>
-              <a:round/>
-            </a:ln>
-          </p:spPr>
-          <p:style>
-            <a:lnRef idx="1">
-              <a:schemeClr val="accent1"/>
-            </a:lnRef>
-            <a:fillRef idx="0">
-              <a:schemeClr val="accent1"/>
-            </a:fillRef>
-            <a:effectRef idx="0">
-              <a:schemeClr val="accent1"/>
-            </a:effectRef>
-            <a:fontRef idx="minor">
-              <a:schemeClr val="tx1"/>
-            </a:fontRef>
-          </p:style>
-        </p:cxnSp>
-        <p:cxnSp>
-          <p:nvCxnSpPr>
-            <p:cNvPr id="136" name="Straight Connector 135"/>
-            <p:cNvCxnSpPr/>
-            <p:nvPr/>
-          </p:nvCxnSpPr>
-          <p:spPr>
-            <a:xfrm rot="-2100000">
-              <a:off x="8248244" y="5004345"/>
-              <a:ext cx="137160" cy="0"/>
-            </a:xfrm>
-            <a:prstGeom prst="line">
-              <a:avLst/>
-            </a:prstGeom>
-            <a:ln w="25400" cap="rnd">
-              <a:solidFill>
-                <a:schemeClr val="bg1"/>
-              </a:solidFill>
-              <a:round/>
-            </a:ln>
-          </p:spPr>
-          <p:style>
-            <a:lnRef idx="1">
-              <a:schemeClr val="accent1"/>
-            </a:lnRef>
-            <a:fillRef idx="0">
-              <a:schemeClr val="accent1"/>
-            </a:fillRef>
-            <a:effectRef idx="0">
-              <a:schemeClr val="accent1"/>
-            </a:effectRef>
-            <a:fontRef idx="minor">
-              <a:schemeClr val="tx1"/>
-            </a:fontRef>
-          </p:style>
-        </p:cxnSp>
-        <p:cxnSp>
-          <p:nvCxnSpPr>
-            <p:cNvPr id="139" name="Straight Connector 138"/>
-            <p:cNvCxnSpPr/>
-            <p:nvPr/>
-          </p:nvCxnSpPr>
-          <p:spPr>
-            <a:xfrm rot="12900000">
-              <a:off x="8361832" y="5161321"/>
-              <a:ext cx="137160" cy="0"/>
-            </a:xfrm>
-            <a:prstGeom prst="line">
-              <a:avLst/>
-            </a:prstGeom>
-            <a:ln w="25400" cap="rnd">
-              <a:solidFill>
-                <a:schemeClr val="bg1"/>
-              </a:solidFill>
-              <a:round/>
-            </a:ln>
-          </p:spPr>
-          <p:style>
-            <a:lnRef idx="1">
-              <a:schemeClr val="accent1"/>
-            </a:lnRef>
-            <a:fillRef idx="0">
-              <a:schemeClr val="accent1"/>
-            </a:fillRef>
-            <a:effectRef idx="0">
-              <a:schemeClr val="accent1"/>
-            </a:effectRef>
-            <a:fontRef idx="minor">
-              <a:schemeClr val="tx1"/>
-            </a:fontRef>
-          </p:style>
-        </p:cxnSp>
-        <p:cxnSp>
-          <p:nvCxnSpPr>
-            <p:cNvPr id="140" name="Straight Connector 139"/>
-            <p:cNvCxnSpPr/>
-            <p:nvPr/>
-          </p:nvCxnSpPr>
-          <p:spPr>
-            <a:xfrm rot="12900000">
-              <a:off x="8361048" y="5008155"/>
-              <a:ext cx="137160" cy="0"/>
-            </a:xfrm>
-            <a:prstGeom prst="line">
-              <a:avLst/>
-            </a:prstGeom>
-            <a:ln w="25400" cap="rnd">
-              <a:solidFill>
-                <a:schemeClr val="bg1"/>
-              </a:solidFill>
-              <a:round/>
-            </a:ln>
-          </p:spPr>
-          <p:style>
-            <a:lnRef idx="1">
-              <a:schemeClr val="accent1"/>
-            </a:lnRef>
-            <a:fillRef idx="0">
-              <a:schemeClr val="accent1"/>
-            </a:fillRef>
-            <a:effectRef idx="0">
-              <a:schemeClr val="accent1"/>
-            </a:effectRef>
-            <a:fontRef idx="minor">
-              <a:schemeClr val="tx1"/>
-            </a:fontRef>
-          </p:style>
-        </p:cxnSp>
-        <p:cxnSp>
-          <p:nvCxnSpPr>
-            <p:cNvPr id="141" name="Straight Connector 140"/>
-            <p:cNvCxnSpPr/>
-            <p:nvPr/>
-          </p:nvCxnSpPr>
-          <p:spPr>
-            <a:xfrm rot="8700000">
-              <a:off x="8360791" y="5082648"/>
-              <a:ext cx="137160" cy="0"/>
-            </a:xfrm>
-            <a:prstGeom prst="line">
-              <a:avLst/>
-            </a:prstGeom>
-            <a:ln w="25400" cap="rnd">
-              <a:solidFill>
-                <a:schemeClr val="bg1"/>
-              </a:solidFill>
-              <a:round/>
-            </a:ln>
-          </p:spPr>
-          <p:style>
-            <a:lnRef idx="1">
-              <a:schemeClr val="accent1"/>
-            </a:lnRef>
-            <a:fillRef idx="0">
-              <a:schemeClr val="accent1"/>
-            </a:fillRef>
-            <a:effectRef idx="0">
-              <a:schemeClr val="accent1"/>
-            </a:effectRef>
-            <a:fontRef idx="minor">
-              <a:schemeClr val="tx1"/>
-            </a:fontRef>
-          </p:style>
-        </p:cxnSp>
-        <p:cxnSp>
-          <p:nvCxnSpPr>
-            <p:cNvPr id="142" name="Straight Connector 141"/>
-            <p:cNvCxnSpPr/>
-            <p:nvPr/>
-          </p:nvCxnSpPr>
-          <p:spPr>
-            <a:xfrm rot="8700000">
-              <a:off x="8360792" y="5241956"/>
-              <a:ext cx="137160" cy="0"/>
-            </a:xfrm>
-            <a:prstGeom prst="line">
-              <a:avLst/>
-            </a:prstGeom>
-            <a:ln w="25400" cap="rnd">
-              <a:solidFill>
-                <a:schemeClr val="bg1"/>
-              </a:solidFill>
-              <a:round/>
-            </a:ln>
-          </p:spPr>
-          <p:style>
-            <a:lnRef idx="1">
-              <a:schemeClr val="accent1"/>
-            </a:lnRef>
-            <a:fillRef idx="0">
-              <a:schemeClr val="accent1"/>
-            </a:fillRef>
-            <a:effectRef idx="0">
-              <a:schemeClr val="accent1"/>
-            </a:effectRef>
-            <a:fontRef idx="minor">
-              <a:schemeClr val="tx1"/>
-            </a:fontRef>
-          </p:style>
-        </p:cxnSp>
-        <p:cxnSp>
-          <p:nvCxnSpPr>
-            <p:cNvPr id="144" name="Straight Connector 143"/>
-            <p:cNvCxnSpPr/>
-            <p:nvPr/>
-          </p:nvCxnSpPr>
-          <p:spPr>
-            <a:xfrm>
-              <a:off x="8365418" y="4962370"/>
-              <a:ext cx="119355" cy="228926"/>
-            </a:xfrm>
-            <a:prstGeom prst="line">
-              <a:avLst/>
-            </a:prstGeom>
-            <a:ln w="25400" cap="rnd">
-              <a:solidFill>
-                <a:schemeClr val="bg1"/>
-              </a:solidFill>
-              <a:round/>
-            </a:ln>
-          </p:spPr>
-          <p:style>
-            <a:lnRef idx="1">
-              <a:schemeClr val="accent1"/>
-            </a:lnRef>
-            <a:fillRef idx="0">
-              <a:schemeClr val="accent1"/>
-            </a:fillRef>
-            <a:effectRef idx="0">
-              <a:schemeClr val="accent1"/>
-            </a:effectRef>
-            <a:fontRef idx="minor">
-              <a:schemeClr val="tx1"/>
-            </a:fontRef>
-          </p:style>
-        </p:cxnSp>
-        <p:cxnSp>
-          <p:nvCxnSpPr>
-            <p:cNvPr id="148" name="Straight Connector 147"/>
-            <p:cNvCxnSpPr/>
-            <p:nvPr/>
-          </p:nvCxnSpPr>
-          <p:spPr>
-            <a:xfrm rot="10800000" flipV="1">
-              <a:off x="8256106" y="4968826"/>
-              <a:ext cx="119355" cy="228926"/>
-            </a:xfrm>
-            <a:prstGeom prst="line">
-              <a:avLst/>
-            </a:prstGeom>
-            <a:ln w="25400" cap="rnd">
-              <a:solidFill>
-                <a:schemeClr val="bg1"/>
-              </a:solidFill>
-              <a:round/>
-            </a:ln>
-          </p:spPr>
-          <p:style>
-            <a:lnRef idx="1">
-              <a:schemeClr val="accent1"/>
-            </a:lnRef>
-            <a:fillRef idx="0">
-              <a:schemeClr val="accent1"/>
-            </a:fillRef>
-            <a:effectRef idx="0">
-              <a:schemeClr val="accent1"/>
-            </a:effectRef>
-            <a:fontRef idx="minor">
-              <a:schemeClr val="tx1"/>
-            </a:fontRef>
-          </p:style>
-        </p:cxnSp>
-        <p:cxnSp>
-          <p:nvCxnSpPr>
-            <p:cNvPr id="149" name="Straight Connector 148"/>
-            <p:cNvCxnSpPr/>
-            <p:nvPr/>
-          </p:nvCxnSpPr>
-          <p:spPr>
-            <a:xfrm rot="10800000" flipH="1" flipV="1">
-              <a:off x="8263917" y="5047932"/>
-              <a:ext cx="119355" cy="228926"/>
-            </a:xfrm>
-            <a:prstGeom prst="line">
-              <a:avLst/>
-            </a:prstGeom>
-            <a:ln w="25400" cap="rnd">
-              <a:solidFill>
-                <a:schemeClr val="bg1"/>
-              </a:solidFill>
-              <a:round/>
-            </a:ln>
-          </p:spPr>
-          <p:style>
-            <a:lnRef idx="1">
-              <a:schemeClr val="accent1"/>
-            </a:lnRef>
-            <a:fillRef idx="0">
-              <a:schemeClr val="accent1"/>
-            </a:fillRef>
-            <a:effectRef idx="0">
-              <a:schemeClr val="accent1"/>
-            </a:effectRef>
-            <a:fontRef idx="minor">
-              <a:schemeClr val="tx1"/>
-            </a:fontRef>
-          </p:style>
-        </p:cxnSp>
-        <p:cxnSp>
-          <p:nvCxnSpPr>
-            <p:cNvPr id="150" name="Straight Connector 149"/>
-            <p:cNvCxnSpPr/>
-            <p:nvPr/>
-          </p:nvCxnSpPr>
-          <p:spPr>
-            <a:xfrm rot="10800000" flipV="1">
-              <a:off x="8368170" y="5046858"/>
-              <a:ext cx="119355" cy="228926"/>
-            </a:xfrm>
-            <a:prstGeom prst="line">
-              <a:avLst/>
-            </a:prstGeom>
-            <a:ln w="25400" cap="rnd">
-              <a:solidFill>
-                <a:schemeClr val="bg1"/>
-              </a:solidFill>
-              <a:round/>
-            </a:ln>
-          </p:spPr>
-          <p:style>
-            <a:lnRef idx="1">
-              <a:schemeClr val="accent1"/>
-            </a:lnRef>
-            <a:fillRef idx="0">
-              <a:schemeClr val="accent1"/>
-            </a:fillRef>
-            <a:effectRef idx="0">
-              <a:schemeClr val="accent1"/>
-            </a:effectRef>
-            <a:fontRef idx="minor">
-              <a:schemeClr val="tx1"/>
-            </a:fontRef>
-          </p:style>
-        </p:cxnSp>
-      </p:grpSp>
-      <p:sp>
-        <p:nvSpPr>
-          <p:cNvPr id="154" name="Speech Bubble: Rectangle with Corners Rounded 31">
-            <a:extLst>
-              <a:ext uri="{FF2B5EF4-FFF2-40B4-BE49-F238E27FC236}">
-                <a16:creationId xmlns:a16="http://schemas.microsoft.com/office/drawing/2014/main" id="{4E44F103-F015-400F-A56F-91CAAC53C72B}"/>
-              </a:ext>
-            </a:extLst>
-          </p:cNvPr>
-          <p:cNvSpPr/>
-          <p:nvPr/>
-        </p:nvSpPr>
-        <p:spPr>
-          <a:xfrm rot="21222613">
-            <a:off x="5361255" y="3577942"/>
-            <a:ext cx="1486235" cy="207598"/>
+            <a:off x="7829045" y="3568846"/>
+            <a:ext cx="1318707" cy="180520"/>
           </a:xfrm>
           <a:prstGeom prst="wedgeRoundRectCallout">
             <a:avLst/>
@@ -25581,7 +25080,7 @@
       </p:sp>
       <p:sp>
         <p:nvSpPr>
-          <p:cNvPr id="155" name="Speech Bubble: Rectangle with Corners Rounded 31">
+          <p:cNvPr id="154" name="Speech Bubble: Rectangle with Corners Rounded 31">
             <a:extLst>
               <a:ext uri="{FF2B5EF4-FFF2-40B4-BE49-F238E27FC236}">
                 <a16:creationId xmlns:a16="http://schemas.microsoft.com/office/drawing/2014/main" id="{4E44F103-F015-400F-A56F-91CAAC53C72B}"/>
@@ -25593,7 +25092,7 @@
         </p:nvSpPr>
         <p:spPr>
           <a:xfrm rot="21222613">
-            <a:off x="2962120" y="3577941"/>
+            <a:off x="5352882" y="3577941"/>
             <a:ext cx="1486235" cy="207598"/>
           </a:xfrm>
           <a:prstGeom prst="wedgeRoundRectCallout">
@@ -25628,7 +25127,61 @@
               <a:rPr lang="en-US" dirty="0">
                 <a:latin typeface="Bahnschrift Light Condensed" panose="020B0502040204020203" pitchFamily="34" charset="0"/>
               </a:rPr>
-              <a:t>Currently used</a:t>
+              <a:t>Previously used</a:t>
+            </a:r>
+          </a:p>
+        </p:txBody>
+      </p:sp>
+      <p:sp>
+        <p:nvSpPr>
+          <p:cNvPr id="155" name="Speech Bubble: Rectangle with Corners Rounded 31">
+            <a:extLst>
+              <a:ext uri="{FF2B5EF4-FFF2-40B4-BE49-F238E27FC236}">
+                <a16:creationId xmlns:a16="http://schemas.microsoft.com/office/drawing/2014/main" id="{4E44F103-F015-400F-A56F-91CAAC53C72B}"/>
+              </a:ext>
+            </a:extLst>
+          </p:cNvPr>
+          <p:cNvSpPr/>
+          <p:nvPr/>
+        </p:nvSpPr>
+        <p:spPr>
+          <a:xfrm rot="21222613">
+            <a:off x="2960484" y="3577941"/>
+            <a:ext cx="1486235" cy="207598"/>
+          </a:xfrm>
+          <a:prstGeom prst="wedgeRoundRectCallout">
+            <a:avLst/>
+          </a:prstGeom>
+          <a:ln>
+            <a:noFill/>
+          </a:ln>
+        </p:spPr>
+        <p:style>
+          <a:lnRef idx="2">
+            <a:schemeClr val="accent1">
+              <a:shade val="50000"/>
+            </a:schemeClr>
+          </a:lnRef>
+          <a:fillRef idx="1">
+            <a:schemeClr val="accent1"/>
+          </a:fillRef>
+          <a:effectRef idx="0">
+            <a:schemeClr val="accent1"/>
+          </a:effectRef>
+          <a:fontRef idx="minor">
+            <a:schemeClr val="lt1"/>
+          </a:fontRef>
+        </p:style>
+        <p:txBody>
+          <a:bodyPr rtlCol="0" anchor="ctr"/>
+          <a:lstStyle/>
+          <a:p>
+            <a:pPr algn="ctr"/>
+            <a:r>
+              <a:rPr lang="en-US" dirty="0">
+                <a:latin typeface="Bahnschrift Light Condensed" panose="020B0502040204020203" pitchFamily="34" charset="0"/>
+              </a:rPr>
+              <a:t>Previously used</a:t>
             </a:r>
           </a:p>
         </p:txBody>
@@ -25673,6 +25226,598 @@
           </a:p>
         </p:txBody>
       </p:sp>
+      <p:grpSp>
+        <p:nvGrpSpPr>
+          <p:cNvPr id="63" name="Group 62">
+            <a:extLst>
+              <a:ext uri="{FF2B5EF4-FFF2-40B4-BE49-F238E27FC236}">
+                <a16:creationId xmlns:a16="http://schemas.microsoft.com/office/drawing/2014/main" id="{9565286F-C0B8-4C62-B264-A621FC22EBB9}"/>
+              </a:ext>
+            </a:extLst>
+          </p:cNvPr>
+          <p:cNvGrpSpPr/>
+          <p:nvPr/>
+        </p:nvGrpSpPr>
+        <p:grpSpPr>
+          <a:xfrm>
+            <a:off x="8292808" y="4949859"/>
+            <a:ext cx="401263" cy="284089"/>
+            <a:chOff x="8292808" y="4911758"/>
+            <a:chExt cx="401263" cy="284089"/>
+          </a:xfrm>
+        </p:grpSpPr>
+        <p:cxnSp>
+          <p:nvCxnSpPr>
+            <p:cNvPr id="136" name="Straight Connector 135"/>
+            <p:cNvCxnSpPr/>
+            <p:nvPr/>
+          </p:nvCxnSpPr>
+          <p:spPr>
+            <a:xfrm rot="19500000">
+              <a:off x="8353090" y="4953886"/>
+              <a:ext cx="153889" cy="0"/>
+            </a:xfrm>
+            <a:prstGeom prst="line">
+              <a:avLst/>
+            </a:prstGeom>
+            <a:ln w="25400" cap="rnd">
+              <a:solidFill>
+                <a:schemeClr val="bg1"/>
+              </a:solidFill>
+              <a:round/>
+            </a:ln>
+          </p:spPr>
+          <p:style>
+            <a:lnRef idx="1">
+              <a:schemeClr val="accent1"/>
+            </a:lnRef>
+            <a:fillRef idx="0">
+              <a:schemeClr val="accent1"/>
+            </a:fillRef>
+            <a:effectRef idx="0">
+              <a:schemeClr val="accent1"/>
+            </a:effectRef>
+            <a:fontRef idx="minor">
+              <a:schemeClr val="tx1"/>
+            </a:fontRef>
+          </p:style>
+        </p:cxnSp>
+        <p:cxnSp>
+          <p:nvCxnSpPr>
+            <p:cNvPr id="140" name="Straight Connector 139"/>
+            <p:cNvCxnSpPr>
+              <a:cxnSpLocks/>
+            </p:cNvCxnSpPr>
+            <p:nvPr/>
+          </p:nvCxnSpPr>
+          <p:spPr>
+            <a:xfrm flipH="1" flipV="1">
+              <a:off x="8493063" y="4911758"/>
+              <a:ext cx="126564" cy="90536"/>
+            </a:xfrm>
+            <a:prstGeom prst="line">
+              <a:avLst/>
+            </a:prstGeom>
+            <a:ln w="25400" cap="rnd">
+              <a:solidFill>
+                <a:schemeClr val="bg1"/>
+              </a:solidFill>
+              <a:round/>
+            </a:ln>
+          </p:spPr>
+          <p:style>
+            <a:lnRef idx="1">
+              <a:schemeClr val="accent1"/>
+            </a:lnRef>
+            <a:fillRef idx="0">
+              <a:schemeClr val="accent1"/>
+            </a:fillRef>
+            <a:effectRef idx="0">
+              <a:schemeClr val="accent1"/>
+            </a:effectRef>
+            <a:fontRef idx="minor">
+              <a:schemeClr val="tx1"/>
+            </a:fontRef>
+          </p:style>
+        </p:cxnSp>
+        <p:cxnSp>
+          <p:nvCxnSpPr>
+            <p:cNvPr id="148" name="Straight Connector 147"/>
+            <p:cNvCxnSpPr>
+              <a:cxnSpLocks/>
+            </p:cNvCxnSpPr>
+            <p:nvPr/>
+          </p:nvCxnSpPr>
+          <p:spPr>
+            <a:xfrm flipH="1">
+              <a:off x="8493063" y="4914034"/>
+              <a:ext cx="2761" cy="88754"/>
+            </a:xfrm>
+            <a:prstGeom prst="line">
+              <a:avLst/>
+            </a:prstGeom>
+            <a:ln w="25400" cap="rnd">
+              <a:solidFill>
+                <a:schemeClr val="bg1"/>
+              </a:solidFill>
+              <a:round/>
+            </a:ln>
+          </p:spPr>
+          <p:style>
+            <a:lnRef idx="1">
+              <a:schemeClr val="accent1"/>
+            </a:lnRef>
+            <a:fillRef idx="0">
+              <a:schemeClr val="accent1"/>
+            </a:fillRef>
+            <a:effectRef idx="0">
+              <a:schemeClr val="accent1"/>
+            </a:effectRef>
+            <a:fontRef idx="minor">
+              <a:schemeClr val="tx1"/>
+            </a:fontRef>
+          </p:style>
+        </p:cxnSp>
+        <p:grpSp>
+          <p:nvGrpSpPr>
+            <p:cNvPr id="62" name="Group 61">
+              <a:extLst>
+                <a:ext uri="{FF2B5EF4-FFF2-40B4-BE49-F238E27FC236}">
+                  <a16:creationId xmlns:a16="http://schemas.microsoft.com/office/drawing/2014/main" id="{50741574-704B-4A9D-9DF6-1C96EE6FA164}"/>
+                </a:ext>
+              </a:extLst>
+            </p:cNvPr>
+            <p:cNvGrpSpPr/>
+            <p:nvPr/>
+          </p:nvGrpSpPr>
+          <p:grpSpPr>
+            <a:xfrm>
+              <a:off x="8547594" y="5004226"/>
+              <a:ext cx="146477" cy="91030"/>
+              <a:chOff x="8545975" y="4999408"/>
+              <a:chExt cx="146477" cy="91030"/>
+            </a:xfrm>
+          </p:grpSpPr>
+          <p:cxnSp>
+            <p:nvCxnSpPr>
+              <p:cNvPr id="84" name="Straight Connector 83">
+                <a:extLst>
+                  <a:ext uri="{FF2B5EF4-FFF2-40B4-BE49-F238E27FC236}">
+                    <a16:creationId xmlns:a16="http://schemas.microsoft.com/office/drawing/2014/main" id="{AB90E8AA-A7A7-481E-9CE0-C9583BE5FFD8}"/>
+                  </a:ext>
+                </a:extLst>
+              </p:cNvPr>
+              <p:cNvCxnSpPr>
+                <a:cxnSpLocks/>
+              </p:cNvCxnSpPr>
+              <p:nvPr/>
+            </p:nvCxnSpPr>
+            <p:spPr>
+              <a:xfrm flipV="1">
+                <a:off x="8545975" y="5007083"/>
+                <a:ext cx="70478" cy="83355"/>
+              </a:xfrm>
+              <a:prstGeom prst="line">
+                <a:avLst/>
+              </a:prstGeom>
+              <a:ln w="25400" cap="rnd">
+                <a:solidFill>
+                  <a:schemeClr val="bg1"/>
+                </a:solidFill>
+                <a:round/>
+              </a:ln>
+            </p:spPr>
+            <p:style>
+              <a:lnRef idx="1">
+                <a:schemeClr val="accent1"/>
+              </a:lnRef>
+              <a:fillRef idx="0">
+                <a:schemeClr val="accent1"/>
+              </a:fillRef>
+              <a:effectRef idx="0">
+                <a:schemeClr val="accent1"/>
+              </a:effectRef>
+              <a:fontRef idx="minor">
+                <a:schemeClr val="tx1"/>
+              </a:fontRef>
+            </p:style>
+          </p:cxnSp>
+          <p:cxnSp>
+            <p:nvCxnSpPr>
+              <p:cNvPr id="85" name="Straight Connector 84">
+                <a:extLst>
+                  <a:ext uri="{FF2B5EF4-FFF2-40B4-BE49-F238E27FC236}">
+                    <a16:creationId xmlns:a16="http://schemas.microsoft.com/office/drawing/2014/main" id="{91FBA4D6-33A9-4F50-B5F6-774F20DA7762}"/>
+                  </a:ext>
+                </a:extLst>
+              </p:cNvPr>
+              <p:cNvCxnSpPr>
+                <a:cxnSpLocks/>
+              </p:cNvCxnSpPr>
+              <p:nvPr/>
+            </p:nvCxnSpPr>
+            <p:spPr>
+              <a:xfrm flipH="1" flipV="1">
+                <a:off x="8619213" y="4999408"/>
+                <a:ext cx="73239" cy="88532"/>
+              </a:xfrm>
+              <a:prstGeom prst="line">
+                <a:avLst/>
+              </a:prstGeom>
+              <a:ln w="25400" cap="rnd">
+                <a:solidFill>
+                  <a:schemeClr val="bg1"/>
+                </a:solidFill>
+                <a:round/>
+              </a:ln>
+            </p:spPr>
+            <p:style>
+              <a:lnRef idx="1">
+                <a:schemeClr val="accent1"/>
+              </a:lnRef>
+              <a:fillRef idx="0">
+                <a:schemeClr val="accent1"/>
+              </a:fillRef>
+              <a:effectRef idx="0">
+                <a:schemeClr val="accent1"/>
+              </a:effectRef>
+              <a:fontRef idx="minor">
+                <a:schemeClr val="tx1"/>
+              </a:fontRef>
+            </p:style>
+          </p:cxnSp>
+          <p:cxnSp>
+            <p:nvCxnSpPr>
+              <p:cNvPr id="86" name="Straight Connector 85">
+                <a:extLst>
+                  <a:ext uri="{FF2B5EF4-FFF2-40B4-BE49-F238E27FC236}">
+                    <a16:creationId xmlns:a16="http://schemas.microsoft.com/office/drawing/2014/main" id="{EE0C5C55-9182-40D9-BEC7-1375C7329FDE}"/>
+                  </a:ext>
+                </a:extLst>
+              </p:cNvPr>
+              <p:cNvCxnSpPr>
+                <a:cxnSpLocks/>
+              </p:cNvCxnSpPr>
+              <p:nvPr/>
+            </p:nvCxnSpPr>
+            <p:spPr>
+              <a:xfrm flipH="1">
+                <a:off x="8619213" y="5001684"/>
+                <a:ext cx="2761" cy="88754"/>
+              </a:xfrm>
+              <a:prstGeom prst="line">
+                <a:avLst/>
+              </a:prstGeom>
+              <a:ln w="25400" cap="rnd">
+                <a:solidFill>
+                  <a:schemeClr val="bg1"/>
+                </a:solidFill>
+                <a:round/>
+              </a:ln>
+            </p:spPr>
+            <p:style>
+              <a:lnRef idx="1">
+                <a:schemeClr val="accent1"/>
+              </a:lnRef>
+              <a:fillRef idx="0">
+                <a:schemeClr val="accent1"/>
+              </a:fillRef>
+              <a:effectRef idx="0">
+                <a:schemeClr val="accent1"/>
+              </a:effectRef>
+              <a:fontRef idx="minor">
+                <a:schemeClr val="tx1"/>
+              </a:fontRef>
+            </p:style>
+          </p:cxnSp>
+        </p:grpSp>
+        <p:grpSp>
+          <p:nvGrpSpPr>
+            <p:cNvPr id="61" name="Group 60">
+              <a:extLst>
+                <a:ext uri="{FF2B5EF4-FFF2-40B4-BE49-F238E27FC236}">
+                  <a16:creationId xmlns:a16="http://schemas.microsoft.com/office/drawing/2014/main" id="{3CB4FBF2-B768-4B89-A2F0-21852434A0EE}"/>
+                </a:ext>
+              </a:extLst>
+            </p:cNvPr>
+            <p:cNvGrpSpPr/>
+            <p:nvPr/>
+          </p:nvGrpSpPr>
+          <p:grpSpPr>
+            <a:xfrm flipH="1">
+              <a:off x="8292808" y="5000389"/>
+              <a:ext cx="146477" cy="91030"/>
+              <a:chOff x="8698375" y="5151808"/>
+              <a:chExt cx="146477" cy="91030"/>
+            </a:xfrm>
+          </p:grpSpPr>
+          <p:cxnSp>
+            <p:nvCxnSpPr>
+              <p:cNvPr id="111" name="Straight Connector 110">
+                <a:extLst>
+                  <a:ext uri="{FF2B5EF4-FFF2-40B4-BE49-F238E27FC236}">
+                    <a16:creationId xmlns:a16="http://schemas.microsoft.com/office/drawing/2014/main" id="{4C5DD32F-9F48-422E-822E-898F80B44088}"/>
+                  </a:ext>
+                </a:extLst>
+              </p:cNvPr>
+              <p:cNvCxnSpPr>
+                <a:cxnSpLocks/>
+              </p:cNvCxnSpPr>
+              <p:nvPr/>
+            </p:nvCxnSpPr>
+            <p:spPr>
+              <a:xfrm flipV="1">
+                <a:off x="8698375" y="5159483"/>
+                <a:ext cx="70478" cy="83355"/>
+              </a:xfrm>
+              <a:prstGeom prst="line">
+                <a:avLst/>
+              </a:prstGeom>
+              <a:ln w="25400" cap="rnd">
+                <a:solidFill>
+                  <a:schemeClr val="bg1"/>
+                </a:solidFill>
+                <a:round/>
+              </a:ln>
+            </p:spPr>
+            <p:style>
+              <a:lnRef idx="1">
+                <a:schemeClr val="accent1"/>
+              </a:lnRef>
+              <a:fillRef idx="0">
+                <a:schemeClr val="accent1"/>
+              </a:fillRef>
+              <a:effectRef idx="0">
+                <a:schemeClr val="accent1"/>
+              </a:effectRef>
+              <a:fontRef idx="minor">
+                <a:schemeClr val="tx1"/>
+              </a:fontRef>
+            </p:style>
+          </p:cxnSp>
+          <p:cxnSp>
+            <p:nvCxnSpPr>
+              <p:cNvPr id="112" name="Straight Connector 111">
+                <a:extLst>
+                  <a:ext uri="{FF2B5EF4-FFF2-40B4-BE49-F238E27FC236}">
+                    <a16:creationId xmlns:a16="http://schemas.microsoft.com/office/drawing/2014/main" id="{841E3850-1F14-4CAC-AF35-95D8754C92A0}"/>
+                  </a:ext>
+                </a:extLst>
+              </p:cNvPr>
+              <p:cNvCxnSpPr>
+                <a:cxnSpLocks/>
+              </p:cNvCxnSpPr>
+              <p:nvPr/>
+            </p:nvCxnSpPr>
+            <p:spPr>
+              <a:xfrm flipH="1" flipV="1">
+                <a:off x="8771613" y="5151808"/>
+                <a:ext cx="73239" cy="88532"/>
+              </a:xfrm>
+              <a:prstGeom prst="line">
+                <a:avLst/>
+              </a:prstGeom>
+              <a:ln w="25400" cap="rnd">
+                <a:solidFill>
+                  <a:schemeClr val="bg1"/>
+                </a:solidFill>
+                <a:round/>
+              </a:ln>
+            </p:spPr>
+            <p:style>
+              <a:lnRef idx="1">
+                <a:schemeClr val="accent1"/>
+              </a:lnRef>
+              <a:fillRef idx="0">
+                <a:schemeClr val="accent1"/>
+              </a:fillRef>
+              <a:effectRef idx="0">
+                <a:schemeClr val="accent1"/>
+              </a:effectRef>
+              <a:fontRef idx="minor">
+                <a:schemeClr val="tx1"/>
+              </a:fontRef>
+            </p:style>
+          </p:cxnSp>
+          <p:cxnSp>
+            <p:nvCxnSpPr>
+              <p:cNvPr id="113" name="Straight Connector 112">
+                <a:extLst>
+                  <a:ext uri="{FF2B5EF4-FFF2-40B4-BE49-F238E27FC236}">
+                    <a16:creationId xmlns:a16="http://schemas.microsoft.com/office/drawing/2014/main" id="{9C34198E-3044-4BEE-9BDD-A9D4B52635D6}"/>
+                  </a:ext>
+                </a:extLst>
+              </p:cNvPr>
+              <p:cNvCxnSpPr>
+                <a:cxnSpLocks/>
+              </p:cNvCxnSpPr>
+              <p:nvPr/>
+            </p:nvCxnSpPr>
+            <p:spPr>
+              <a:xfrm flipH="1">
+                <a:off x="8771613" y="5154084"/>
+                <a:ext cx="2761" cy="88754"/>
+              </a:xfrm>
+              <a:prstGeom prst="line">
+                <a:avLst/>
+              </a:prstGeom>
+              <a:ln w="25400" cap="rnd">
+                <a:solidFill>
+                  <a:schemeClr val="bg1"/>
+                </a:solidFill>
+                <a:round/>
+              </a:ln>
+            </p:spPr>
+            <p:style>
+              <a:lnRef idx="1">
+                <a:schemeClr val="accent1"/>
+              </a:lnRef>
+              <a:fillRef idx="0">
+                <a:schemeClr val="accent1"/>
+              </a:fillRef>
+              <a:effectRef idx="0">
+                <a:schemeClr val="accent1"/>
+              </a:effectRef>
+              <a:fontRef idx="minor">
+                <a:schemeClr val="tx1"/>
+              </a:fontRef>
+            </p:style>
+          </p:cxnSp>
+        </p:grpSp>
+        <p:grpSp>
+          <p:nvGrpSpPr>
+            <p:cNvPr id="124" name="Group 123">
+              <a:extLst>
+                <a:ext uri="{FF2B5EF4-FFF2-40B4-BE49-F238E27FC236}">
+                  <a16:creationId xmlns:a16="http://schemas.microsoft.com/office/drawing/2014/main" id="{D2FB6973-2C01-4645-B089-C3B542B52A07}"/>
+                </a:ext>
+              </a:extLst>
+            </p:cNvPr>
+            <p:cNvGrpSpPr/>
+            <p:nvPr/>
+          </p:nvGrpSpPr>
+          <p:grpSpPr>
+            <a:xfrm>
+              <a:off x="8467697" y="5104817"/>
+              <a:ext cx="146477" cy="91030"/>
+              <a:chOff x="8545975" y="4999408"/>
+              <a:chExt cx="146477" cy="91030"/>
+            </a:xfrm>
+          </p:grpSpPr>
+          <p:cxnSp>
+            <p:nvCxnSpPr>
+              <p:cNvPr id="125" name="Straight Connector 124">
+                <a:extLst>
+                  <a:ext uri="{FF2B5EF4-FFF2-40B4-BE49-F238E27FC236}">
+                    <a16:creationId xmlns:a16="http://schemas.microsoft.com/office/drawing/2014/main" id="{149C9686-D146-4A12-BFFA-2DA33D3CDAD3}"/>
+                  </a:ext>
+                </a:extLst>
+              </p:cNvPr>
+              <p:cNvCxnSpPr>
+                <a:cxnSpLocks/>
+              </p:cNvCxnSpPr>
+              <p:nvPr/>
+            </p:nvCxnSpPr>
+            <p:spPr>
+              <a:xfrm flipV="1">
+                <a:off x="8545975" y="5007083"/>
+                <a:ext cx="70478" cy="83355"/>
+              </a:xfrm>
+              <a:prstGeom prst="line">
+                <a:avLst/>
+              </a:prstGeom>
+              <a:ln w="25400" cap="rnd">
+                <a:solidFill>
+                  <a:schemeClr val="bg1"/>
+                </a:solidFill>
+                <a:round/>
+              </a:ln>
+            </p:spPr>
+            <p:style>
+              <a:lnRef idx="1">
+                <a:schemeClr val="accent1"/>
+              </a:lnRef>
+              <a:fillRef idx="0">
+                <a:schemeClr val="accent1"/>
+              </a:fillRef>
+              <a:effectRef idx="0">
+                <a:schemeClr val="accent1"/>
+              </a:effectRef>
+              <a:fontRef idx="minor">
+                <a:schemeClr val="tx1"/>
+              </a:fontRef>
+            </p:style>
+          </p:cxnSp>
+          <p:cxnSp>
+            <p:nvCxnSpPr>
+              <p:cNvPr id="126" name="Straight Connector 125">
+                <a:extLst>
+                  <a:ext uri="{FF2B5EF4-FFF2-40B4-BE49-F238E27FC236}">
+                    <a16:creationId xmlns:a16="http://schemas.microsoft.com/office/drawing/2014/main" id="{60F81540-1FCE-412D-9DF7-6C1DE3D7540F}"/>
+                  </a:ext>
+                </a:extLst>
+              </p:cNvPr>
+              <p:cNvCxnSpPr>
+                <a:cxnSpLocks/>
+              </p:cNvCxnSpPr>
+              <p:nvPr/>
+            </p:nvCxnSpPr>
+            <p:spPr>
+              <a:xfrm flipH="1" flipV="1">
+                <a:off x="8619213" y="4999408"/>
+                <a:ext cx="73239" cy="88532"/>
+              </a:xfrm>
+              <a:prstGeom prst="line">
+                <a:avLst/>
+              </a:prstGeom>
+              <a:ln w="25400" cap="rnd">
+                <a:solidFill>
+                  <a:schemeClr val="bg1"/>
+                </a:solidFill>
+                <a:round/>
+              </a:ln>
+            </p:spPr>
+            <p:style>
+              <a:lnRef idx="1">
+                <a:schemeClr val="accent1"/>
+              </a:lnRef>
+              <a:fillRef idx="0">
+                <a:schemeClr val="accent1"/>
+              </a:fillRef>
+              <a:effectRef idx="0">
+                <a:schemeClr val="accent1"/>
+              </a:effectRef>
+              <a:fontRef idx="minor">
+                <a:schemeClr val="tx1"/>
+              </a:fontRef>
+            </p:style>
+          </p:cxnSp>
+          <p:cxnSp>
+            <p:nvCxnSpPr>
+              <p:cNvPr id="127" name="Straight Connector 126">
+                <a:extLst>
+                  <a:ext uri="{FF2B5EF4-FFF2-40B4-BE49-F238E27FC236}">
+                    <a16:creationId xmlns:a16="http://schemas.microsoft.com/office/drawing/2014/main" id="{FDD2521B-9D8E-4C6F-9FAD-1F2EA93E4BAD}"/>
+                  </a:ext>
+                </a:extLst>
+              </p:cNvPr>
+              <p:cNvCxnSpPr>
+                <a:cxnSpLocks/>
+              </p:cNvCxnSpPr>
+              <p:nvPr/>
+            </p:nvCxnSpPr>
+            <p:spPr>
+              <a:xfrm flipH="1">
+                <a:off x="8619213" y="5001684"/>
+                <a:ext cx="2761" cy="88754"/>
+              </a:xfrm>
+              <a:prstGeom prst="line">
+                <a:avLst/>
+              </a:prstGeom>
+              <a:ln w="25400" cap="rnd">
+                <a:solidFill>
+                  <a:schemeClr val="bg1"/>
+                </a:solidFill>
+                <a:round/>
+              </a:ln>
+            </p:spPr>
+            <p:style>
+              <a:lnRef idx="1">
+                <a:schemeClr val="accent1"/>
+              </a:lnRef>
+              <a:fillRef idx="0">
+                <a:schemeClr val="accent1"/>
+              </a:fillRef>
+              <a:effectRef idx="0">
+                <a:schemeClr val="accent1"/>
+              </a:effectRef>
+              <a:fontRef idx="minor">
+                <a:schemeClr val="tx1"/>
+              </a:fontRef>
+            </p:style>
+          </p:cxnSp>
+        </p:grpSp>
+      </p:grpSp>
     </p:spTree>
     <p:extLst>
       <p:ext uri="{BB962C8B-B14F-4D97-AF65-F5344CB8AC3E}">
@@ -27020,12 +27165,11 @@
 </file>
 
 <file path=customXml/item1.xml><?xml version="1.0" encoding="utf-8"?>
-<?mso-contentType ?>
-<FormTemplates xmlns="http://schemas.microsoft.com/sharepoint/v3/contenttype/forms">
-  <Display>DocumentLibraryForm</Display>
-  <Edit>DocumentLibraryForm</Edit>
-  <New>DocumentLibraryForm</New>
-</FormTemplates>
+<p:properties xmlns:p="http://schemas.microsoft.com/office/2006/metadata/properties" xmlns:xsi="http://www.w3.org/2001/XMLSchema-instance" xmlns:pc="http://schemas.microsoft.com/office/infopath/2007/PartnerControls">
+  <documentManagement>
+    <MediaServiceKeyPoints xmlns="71af3243-3dd4-4a8d-8c0d-dd76da1f02a5" xsi:nil="true"/>
+  </documentManagement>
+</p:properties>
 </file>
 
 <file path=customXml/item2.xml><?xml version="1.0" encoding="utf-8"?>
@@ -27240,17 +27384,27 @@
 </file>
 
 <file path=customXml/item3.xml><?xml version="1.0" encoding="utf-8"?>
-<p:properties xmlns:p="http://schemas.microsoft.com/office/2006/metadata/properties" xmlns:xsi="http://www.w3.org/2001/XMLSchema-instance" xmlns:pc="http://schemas.microsoft.com/office/infopath/2007/PartnerControls">
-  <documentManagement>
-    <MediaServiceKeyPoints xmlns="71af3243-3dd4-4a8d-8c0d-dd76da1f02a5" xsi:nil="true"/>
-  </documentManagement>
-</p:properties>
+<?mso-contentType ?>
+<FormTemplates xmlns="http://schemas.microsoft.com/sharepoint/v3/contenttype/forms">
+  <Display>DocumentLibraryForm</Display>
+  <Edit>DocumentLibraryForm</Edit>
+  <New>DocumentLibraryForm</New>
+</FormTemplates>
 </file>
 
 <file path=customXml/itemProps1.xml><?xml version="1.0" encoding="utf-8"?>
-<ds:datastoreItem xmlns:ds="http://schemas.openxmlformats.org/officeDocument/2006/customXml" ds:itemID="{58F3D8C7-1E6F-4D15-8163-ADBC81A00AAD}">
+<ds:datastoreItem xmlns:ds="http://schemas.openxmlformats.org/officeDocument/2006/customXml" ds:itemID="{AD24716F-C831-4AC2-BB0A-5EC60E4671B3}">
   <ds:schemaRefs>
-    <ds:schemaRef ds:uri="http://schemas.microsoft.com/sharepoint/v3/contenttype/forms"/>
+    <ds:schemaRef ds:uri="http://www.w3.org/XML/1998/namespace"/>
+    <ds:schemaRef ds:uri="http://purl.org/dc/elements/1.1/"/>
+    <ds:schemaRef ds:uri="http://schemas.microsoft.com/office/2006/documentManagement/types"/>
+    <ds:schemaRef ds:uri="16c05727-aa75-4e4a-9b5f-8a80a1165891"/>
+    <ds:schemaRef ds:uri="http://schemas.microsoft.com/office/2006/metadata/properties"/>
+    <ds:schemaRef ds:uri="http://schemas.microsoft.com/office/infopath/2007/PartnerControls"/>
+    <ds:schemaRef ds:uri="71af3243-3dd4-4a8d-8c0d-dd76da1f02a5"/>
+    <ds:schemaRef ds:uri="http://schemas.openxmlformats.org/package/2006/metadata/core-properties"/>
+    <ds:schemaRef ds:uri="http://purl.org/dc/dcmitype/"/>
+    <ds:schemaRef ds:uri="http://purl.org/dc/terms/"/>
   </ds:schemaRefs>
 </ds:datastoreItem>
 </file>
@@ -27275,18 +27429,9 @@
 </file>
 
 <file path=customXml/itemProps3.xml><?xml version="1.0" encoding="utf-8"?>
-<ds:datastoreItem xmlns:ds="http://schemas.openxmlformats.org/officeDocument/2006/customXml" ds:itemID="{AD24716F-C831-4AC2-BB0A-5EC60E4671B3}">
+<ds:datastoreItem xmlns:ds="http://schemas.openxmlformats.org/officeDocument/2006/customXml" ds:itemID="{58F3D8C7-1E6F-4D15-8163-ADBC81A00AAD}">
   <ds:schemaRefs>
-    <ds:schemaRef ds:uri="http://www.w3.org/XML/1998/namespace"/>
-    <ds:schemaRef ds:uri="http://purl.org/dc/elements/1.1/"/>
-    <ds:schemaRef ds:uri="http://schemas.microsoft.com/office/2006/documentManagement/types"/>
-    <ds:schemaRef ds:uri="16c05727-aa75-4e4a-9b5f-8a80a1165891"/>
-    <ds:schemaRef ds:uri="http://schemas.microsoft.com/office/2006/metadata/properties"/>
-    <ds:schemaRef ds:uri="http://schemas.microsoft.com/office/infopath/2007/PartnerControls"/>
-    <ds:schemaRef ds:uri="71af3243-3dd4-4a8d-8c0d-dd76da1f02a5"/>
-    <ds:schemaRef ds:uri="http://schemas.openxmlformats.org/package/2006/metadata/core-properties"/>
-    <ds:schemaRef ds:uri="http://purl.org/dc/dcmitype/"/>
-    <ds:schemaRef ds:uri="http://purl.org/dc/terms/"/>
+    <ds:schemaRef ds:uri="http://schemas.microsoft.com/sharepoint/v3/contenttype/forms"/>
   </ds:schemaRefs>
 </ds:datastoreItem>
 </file>
--- a/Documentation/student_risk_presentation.pptx
+++ b/Documentation/student_risk_presentation.pptx
@@ -208,7 +208,7 @@
           <a:p>
             <a:fld id="{0D8968FE-AD3D-444F-B6A8-796D946DC3A6}" type="datetimeFigureOut">
               <a:rPr lang="en-US" smtClean="0"/>
-              <a:t>8/22/2022</a:t>
+              <a:t>9/8/2022</a:t>
             </a:fld>
             <a:endParaRPr lang="en-US" dirty="0"/>
           </a:p>
@@ -2052,7 +2052,7 @@
           <a:p>
             <a:fld id="{198E66DD-51B1-4BF7-9539-DEA51BFAEFD8}" type="datetime1">
               <a:rPr lang="en-US" smtClean="0"/>
-              <a:t>8/22/2022</a:t>
+              <a:t>9/8/2022</a:t>
             </a:fld>
             <a:endParaRPr lang="en-US" dirty="0"/>
           </a:p>
@@ -3506,7 +3506,7 @@
           <a:p>
             <a:fld id="{827A6260-7573-4697-9E59-AA19A1D5C255}" type="datetime1">
               <a:rPr lang="en-US" smtClean="0"/>
-              <a:t>8/22/2022</a:t>
+              <a:t>9/8/2022</a:t>
             </a:fld>
             <a:endParaRPr lang="en-US" dirty="0"/>
           </a:p>
@@ -4954,7 +4954,7 @@
           <a:p>
             <a:fld id="{AB049DE4-AD7B-432F-9E35-775F5F8CC6AD}" type="datetime1">
               <a:rPr lang="en-US" smtClean="0"/>
-              <a:t>8/22/2022</a:t>
+              <a:t>9/8/2022</a:t>
             </a:fld>
             <a:endParaRPr lang="en-US" dirty="0"/>
           </a:p>
@@ -6404,7 +6404,7 @@
           <a:p>
             <a:fld id="{CED204F4-028A-4A36-B306-1FBAFF258B24}" type="datetime1">
               <a:rPr lang="en-US" smtClean="0"/>
-              <a:t>8/22/2022</a:t>
+              <a:t>9/8/2022</a:t>
             </a:fld>
             <a:endParaRPr lang="en-US" dirty="0"/>
           </a:p>
@@ -7907,7 +7907,7 @@
           <a:p>
             <a:fld id="{A7569E6D-812C-4C70-BB51-98F32992DB43}" type="datetime1">
               <a:rPr lang="en-US" smtClean="0"/>
-              <a:t>8/22/2022</a:t>
+              <a:t>9/8/2022</a:t>
             </a:fld>
             <a:endParaRPr lang="en-US" dirty="0"/>
           </a:p>
@@ -9423,7 +9423,7 @@
           <a:p>
             <a:fld id="{F10287DF-640A-4181-8B82-4913718EF244}" type="datetime1">
               <a:rPr lang="en-US" smtClean="0"/>
-              <a:t>8/22/2022</a:t>
+              <a:t>9/8/2022</a:t>
             </a:fld>
             <a:endParaRPr lang="en-US" dirty="0"/>
           </a:p>
@@ -11083,7 +11083,7 @@
           <a:p>
             <a:fld id="{C74BE3E1-3173-4AB6-90EF-CE84B9FBD77E}" type="datetime1">
               <a:rPr lang="en-US" smtClean="0"/>
-              <a:t>8/22/2022</a:t>
+              <a:t>9/8/2022</a:t>
             </a:fld>
             <a:endParaRPr lang="en-US" dirty="0"/>
           </a:p>
@@ -12476,7 +12476,7 @@
           <a:p>
             <a:fld id="{CE46D357-68ED-48AA-AC18-9CC27DEA9490}" type="datetime1">
               <a:rPr lang="en-US" smtClean="0"/>
-              <a:t>8/22/2022</a:t>
+              <a:t>9/8/2022</a:t>
             </a:fld>
             <a:endParaRPr lang="en-US" dirty="0"/>
           </a:p>
@@ -12571,7 +12571,7 @@
           <a:p>
             <a:fld id="{ACC8BAEE-D0AF-4323-A024-1416F995B386}" type="datetime1">
               <a:rPr lang="en-US" smtClean="0"/>
-              <a:t>8/22/2022</a:t>
+              <a:t>9/8/2022</a:t>
             </a:fld>
             <a:endParaRPr lang="en-US" dirty="0"/>
           </a:p>
@@ -14092,7 +14092,7 @@
           <a:p>
             <a:fld id="{CD36E0D4-CA65-4DD1-8546-2CC4E75B8B9D}" type="datetime1">
               <a:rPr lang="en-US" smtClean="0"/>
-              <a:t>8/22/2022</a:t>
+              <a:t>9/8/2022</a:t>
             </a:fld>
             <a:endParaRPr lang="en-US" dirty="0"/>
           </a:p>
@@ -15623,7 +15623,7 @@
           <a:p>
             <a:fld id="{C19DEFE7-E1FA-4CA7-8A5A-F9AB210CE638}" type="datetime1">
               <a:rPr lang="en-US" smtClean="0"/>
-              <a:t>8/22/2022</a:t>
+              <a:t>9/8/2022</a:t>
             </a:fld>
             <a:endParaRPr lang="en-US" dirty="0"/>
           </a:p>
@@ -15841,7 +15841,7 @@
           <a:p>
             <a:fld id="{FD1E3FCC-785C-4EC4-B782-9133218B75DD}" type="datetime1">
               <a:rPr lang="en-US" smtClean="0"/>
-              <a:t>8/22/2022</a:t>
+              <a:t>9/8/2022</a:t>
             </a:fld>
             <a:endParaRPr lang="en-US" dirty="0"/>
           </a:p>
@@ -18294,21 +18294,15 @@
           <p:nvPr/>
         </p:nvPicPr>
         <p:blipFill>
-          <a:blip r:embed="rId2">
-            <a:extLst>
-              <a:ext uri="{28A0092B-C50C-407E-A947-70E740481C1C}">
-                <a14:useLocalDpi xmlns:a14="http://schemas.microsoft.com/office/drawing/2010/main" val="0"/>
-              </a:ext>
-            </a:extLst>
-          </a:blip>
+          <a:blip r:embed="rId2"/>
           <a:stretch>
             <a:fillRect/>
           </a:stretch>
         </p:blipFill>
         <p:spPr>
           <a:xfrm>
-            <a:off x="9388824" y="6041767"/>
-            <a:ext cx="2510015" cy="544156"/>
+            <a:off x="9543152" y="6041767"/>
+            <a:ext cx="2201358" cy="544156"/>
           </a:xfrm>
           <a:prstGeom prst="rect">
             <a:avLst/>
@@ -19012,51 +19006,15 @@
           <p:nvPr/>
         </p:nvPicPr>
         <p:blipFill>
-          <a:blip r:embed="rId3">
-            <a:extLst>
-              <a:ext uri="{28A0092B-C50C-407E-A947-70E740481C1C}">
-                <a14:useLocalDpi xmlns:a14="http://schemas.microsoft.com/office/drawing/2010/main" val="0"/>
-              </a:ext>
-            </a:extLst>
-          </a:blip>
+          <a:blip r:embed="rId3"/>
           <a:stretch>
             <a:fillRect/>
           </a:stretch>
         </p:blipFill>
         <p:spPr>
           <a:xfrm>
-            <a:off x="9388824" y="6041767"/>
-            <a:ext cx="2510015" cy="544156"/>
-          </a:xfrm>
-          <a:prstGeom prst="rect">
-            <a:avLst/>
-          </a:prstGeom>
-        </p:spPr>
-      </p:pic>
-      <p:pic>
-        <p:nvPicPr>
-          <p:cNvPr id="3" name="Picture 2"/>
-          <p:cNvPicPr>
-            <a:picLocks noChangeAspect="1"/>
-          </p:cNvPicPr>
-          <p:nvPr/>
-        </p:nvPicPr>
-        <p:blipFill>
-          <a:blip r:embed="rId4">
-            <a:extLst>
-              <a:ext uri="{28A0092B-C50C-407E-A947-70E740481C1C}">
-                <a14:useLocalDpi xmlns:a14="http://schemas.microsoft.com/office/drawing/2010/main" val="0"/>
-              </a:ext>
-            </a:extLst>
-          </a:blip>
-          <a:stretch>
-            <a:fillRect/>
-          </a:stretch>
-        </p:blipFill>
-        <p:spPr>
-          <a:xfrm>
-            <a:off x="5181098" y="4298691"/>
-            <a:ext cx="1828800" cy="1743076"/>
+            <a:off x="4994816" y="4298690"/>
+            <a:ext cx="2201358" cy="544156"/>
           </a:xfrm>
           <a:prstGeom prst="rect">
             <a:avLst/>
@@ -19748,7 +19706,7 @@
             </a:pPr>
             <a:r>
               <a:rPr lang="en-US" dirty="0"/>
-              <a:t>For this presentation, the population of interest is full-time freshmen for Pullman in the 2022 academic year. But this is expanded to domestic full-time freshmen and transfers for all campuses in our production models.</a:t>
+              <a:t>For this presentation, the population of interest is full-time first-years for Pullman in the 2022 academic year. But this is expanded to domestic full-time first-years, second-years, and transfers for all campuses in our production models.</a:t>
             </a:r>
           </a:p>
         </p:txBody>
@@ -25240,8 +25198,8 @@
         </p:nvGrpSpPr>
         <p:grpSpPr>
           <a:xfrm>
-            <a:off x="8292808" y="4949859"/>
-            <a:ext cx="401263" cy="284089"/>
+            <a:off x="8293893" y="4907893"/>
+            <a:ext cx="401263" cy="351738"/>
             <a:chOff x="8292808" y="4911758"/>
             <a:chExt cx="401263" cy="284089"/>
           </a:xfrm>

--- a/Documentation/student_risk_presentation.pptx
+++ b/Documentation/student_risk_presentation.pptx
@@ -208,7 +208,7 @@
           <a:p>
             <a:fld id="{0D8968FE-AD3D-444F-B6A8-796D946DC3A6}" type="datetimeFigureOut">
               <a:rPr lang="en-US" smtClean="0"/>
-              <a:t>9/8/2022</a:t>
+              <a:t>10/24/2022</a:t>
             </a:fld>
             <a:endParaRPr lang="en-US" dirty="0"/>
           </a:p>
@@ -2052,7 +2052,7 @@
           <a:p>
             <a:fld id="{198E66DD-51B1-4BF7-9539-DEA51BFAEFD8}" type="datetime1">
               <a:rPr lang="en-US" smtClean="0"/>
-              <a:t>9/8/2022</a:t>
+              <a:t>10/24/2022</a:t>
             </a:fld>
             <a:endParaRPr lang="en-US" dirty="0"/>
           </a:p>
@@ -3506,7 +3506,7 @@
           <a:p>
             <a:fld id="{827A6260-7573-4697-9E59-AA19A1D5C255}" type="datetime1">
               <a:rPr lang="en-US" smtClean="0"/>
-              <a:t>9/8/2022</a:t>
+              <a:t>10/24/2022</a:t>
             </a:fld>
             <a:endParaRPr lang="en-US" dirty="0"/>
           </a:p>
@@ -4954,7 +4954,7 @@
           <a:p>
             <a:fld id="{AB049DE4-AD7B-432F-9E35-775F5F8CC6AD}" type="datetime1">
               <a:rPr lang="en-US" smtClean="0"/>
-              <a:t>9/8/2022</a:t>
+              <a:t>10/24/2022</a:t>
             </a:fld>
             <a:endParaRPr lang="en-US" dirty="0"/>
           </a:p>
@@ -6404,7 +6404,7 @@
           <a:p>
             <a:fld id="{CED204F4-028A-4A36-B306-1FBAFF258B24}" type="datetime1">
               <a:rPr lang="en-US" smtClean="0"/>
-              <a:t>9/8/2022</a:t>
+              <a:t>10/24/2022</a:t>
             </a:fld>
             <a:endParaRPr lang="en-US" dirty="0"/>
           </a:p>
@@ -7907,7 +7907,7 @@
           <a:p>
             <a:fld id="{A7569E6D-812C-4C70-BB51-98F32992DB43}" type="datetime1">
               <a:rPr lang="en-US" smtClean="0"/>
-              <a:t>9/8/2022</a:t>
+              <a:t>10/24/2022</a:t>
             </a:fld>
             <a:endParaRPr lang="en-US" dirty="0"/>
           </a:p>
@@ -9423,7 +9423,7 @@
           <a:p>
             <a:fld id="{F10287DF-640A-4181-8B82-4913718EF244}" type="datetime1">
               <a:rPr lang="en-US" smtClean="0"/>
-              <a:t>9/8/2022</a:t>
+              <a:t>10/24/2022</a:t>
             </a:fld>
             <a:endParaRPr lang="en-US" dirty="0"/>
           </a:p>
@@ -11083,7 +11083,7 @@
           <a:p>
             <a:fld id="{C74BE3E1-3173-4AB6-90EF-CE84B9FBD77E}" type="datetime1">
               <a:rPr lang="en-US" smtClean="0"/>
-              <a:t>9/8/2022</a:t>
+              <a:t>10/24/2022</a:t>
             </a:fld>
             <a:endParaRPr lang="en-US" dirty="0"/>
           </a:p>
@@ -12476,7 +12476,7 @@
           <a:p>
             <a:fld id="{CE46D357-68ED-48AA-AC18-9CC27DEA9490}" type="datetime1">
               <a:rPr lang="en-US" smtClean="0"/>
-              <a:t>9/8/2022</a:t>
+              <a:t>10/24/2022</a:t>
             </a:fld>
             <a:endParaRPr lang="en-US" dirty="0"/>
           </a:p>
@@ -12571,7 +12571,7 @@
           <a:p>
             <a:fld id="{ACC8BAEE-D0AF-4323-A024-1416F995B386}" type="datetime1">
               <a:rPr lang="en-US" smtClean="0"/>
-              <a:t>9/8/2022</a:t>
+              <a:t>10/24/2022</a:t>
             </a:fld>
             <a:endParaRPr lang="en-US" dirty="0"/>
           </a:p>
@@ -14092,7 +14092,7 @@
           <a:p>
             <a:fld id="{CD36E0D4-CA65-4DD1-8546-2CC4E75B8B9D}" type="datetime1">
               <a:rPr lang="en-US" smtClean="0"/>
-              <a:t>9/8/2022</a:t>
+              <a:t>10/24/2022</a:t>
             </a:fld>
             <a:endParaRPr lang="en-US" dirty="0"/>
           </a:p>
@@ -15623,7 +15623,7 @@
           <a:p>
             <a:fld id="{C19DEFE7-E1FA-4CA7-8A5A-F9AB210CE638}" type="datetime1">
               <a:rPr lang="en-US" smtClean="0"/>
-              <a:t>9/8/2022</a:t>
+              <a:t>10/24/2022</a:t>
             </a:fld>
             <a:endParaRPr lang="en-US" dirty="0"/>
           </a:p>
@@ -15841,7 +15841,7 @@
           <a:p>
             <a:fld id="{FD1E3FCC-785C-4EC4-B782-9133218B75DD}" type="datetime1">
               <a:rPr lang="en-US" smtClean="0"/>
-              <a:t>9/8/2022</a:t>
+              <a:t>10/24/2022</a:t>
             </a:fld>
             <a:endParaRPr lang="en-US" dirty="0"/>
           </a:p>
@@ -18931,7 +18931,7 @@
           <a:lstStyle/>
           <a:p>
             <a:r>
-              <a:rPr lang="en-US" sz="2400">
+              <a:rPr lang="en-US" sz="2400" dirty="0">
                 <a:hlinkClick r:id="rId2"/>
               </a:rPr>
               <a:t>https://wsuaacprodoac-wsucloud.analytics.ocp.oraclecloud.com</a:t>
@@ -25814,10 +25814,10 @@
         </p:nvGrpSpPr>
         <p:grpSpPr>
           <a:xfrm>
-            <a:off x="934344" y="1212447"/>
-            <a:ext cx="10544962" cy="4374265"/>
-            <a:chOff x="945780" y="1325308"/>
-            <a:chExt cx="10544962" cy="4374265"/>
+            <a:off x="933658" y="1203500"/>
+            <a:ext cx="10545648" cy="4383212"/>
+            <a:chOff x="945094" y="1316361"/>
+            <a:chExt cx="10545648" cy="4383212"/>
           </a:xfrm>
         </p:grpSpPr>
         <p:grpSp>
@@ -25960,8 +25960,8 @@
           </p:nvSpPr>
           <p:spPr>
             <a:xfrm rot="21074199">
-              <a:off x="945780" y="1325308"/>
-              <a:ext cx="4789787" cy="709509"/>
+              <a:off x="945094" y="1316361"/>
+              <a:ext cx="4907243" cy="709509"/>
             </a:xfrm>
             <a:prstGeom prst="wedgeRoundRectCallout">
               <a:avLst/>
@@ -25998,7 +25998,7 @@
                 <a:rPr lang="en-US" sz="3200" dirty="0">
                   <a:latin typeface="Bahnschrift Light Condensed" panose="020B0502040204020203" pitchFamily="34" charset="0"/>
                 </a:rPr>
-                <a:t>So, how is baseline performance?</a:t>
+                <a:t>So, how is baseline performance?*</a:t>
               </a:r>
             </a:p>
           </p:txBody>
@@ -26059,7 +26059,7 @@
                 <a:rPr lang="en-US" sz="3200" dirty="0" err="1">
                   <a:latin typeface="Bahnschrift Light Condensed" panose="020B0502040204020203" pitchFamily="34" charset="0"/>
                 </a:rPr>
-                <a:t>Ehhh</a:t>
+                <a:t>Uhhh</a:t>
               </a:r>
               <a:r>
                 <a:rPr lang="en-US" sz="3200" dirty="0">
@@ -26294,6 +26294,49 @@
               </a:rPr>
               <a:t>PERFORMANCE</a:t>
             </a:r>
+          </a:p>
+        </p:txBody>
+      </p:sp>
+      <p:sp>
+        <p:nvSpPr>
+          <p:cNvPr id="20" name="TextBox 19">
+            <a:extLst>
+              <a:ext uri="{FF2B5EF4-FFF2-40B4-BE49-F238E27FC236}">
+                <a16:creationId xmlns:a16="http://schemas.microsoft.com/office/drawing/2014/main" id="{664B2299-D08F-44B6-A983-DE6829F7D23E}"/>
+              </a:ext>
+            </a:extLst>
+          </p:cNvPr>
+          <p:cNvSpPr txBox="1"/>
+          <p:nvPr/>
+        </p:nvSpPr>
+        <p:spPr>
+          <a:xfrm>
+            <a:off x="-1" y="6550223"/>
+            <a:ext cx="6479178" cy="307777"/>
+          </a:xfrm>
+          <a:prstGeom prst="rect">
+            <a:avLst/>
+          </a:prstGeom>
+          <a:noFill/>
+        </p:spPr>
+        <p:txBody>
+          <a:bodyPr wrap="square" rtlCol="0">
+            <a:spAutoFit/>
+          </a:bodyPr>
+          <a:lstStyle/>
+          <a:p>
+            <a:r>
+              <a:rPr lang="en-US" sz="1400" dirty="0">
+                <a:latin typeface="Bahnschrift Light Condensed" panose="020B0502040204020203" pitchFamily="34" charset="0"/>
+              </a:rPr>
+              <a:t>*For Pullman first-time, first-year students only. </a:t>
+            </a:r>
+            <a:endParaRPr lang="en-US" sz="1400" dirty="0">
+              <a:solidFill>
+                <a:schemeClr val="tx2"/>
+              </a:solidFill>
+              <a:latin typeface="Bahnschrift Light Condensed" panose="020B0502040204020203" pitchFamily="34" charset="0"/>
+            </a:endParaRPr>
           </a:p>
         </p:txBody>
       </p:sp>
